--- a/trunk/dokumentation/AR_SWP Uebersetzerbau (SS10)_v2.pptx
+++ b/trunk/dokumentation/AR_SWP Uebersetzerbau (SS10)_v2.pptx
@@ -6,27 +6,29 @@
     <p:sldMasterId id="2147483660" r:id="rId2"/>
   </p:sldMasterIdLst>
   <p:notesMasterIdLst>
-    <p:notesMasterId r:id="rId16"/>
+    <p:notesMasterId r:id="rId18"/>
   </p:notesMasterIdLst>
   <p:handoutMasterIdLst>
-    <p:handoutMasterId r:id="rId17"/>
+    <p:handoutMasterId r:id="rId19"/>
   </p:handoutMasterIdLst>
   <p:sldIdLst>
     <p:sldId id="256" r:id="rId3"/>
     <p:sldId id="257" r:id="rId4"/>
-    <p:sldId id="277" r:id="rId5"/>
-    <p:sldId id="278" r:id="rId6"/>
-    <p:sldId id="279" r:id="rId7"/>
-    <p:sldId id="280" r:id="rId8"/>
-    <p:sldId id="281" r:id="rId9"/>
-    <p:sldId id="282" r:id="rId10"/>
-    <p:sldId id="283" r:id="rId11"/>
-    <p:sldId id="285" r:id="rId12"/>
-    <p:sldId id="286" r:id="rId13"/>
-    <p:sldId id="287" r:id="rId14"/>
-    <p:sldId id="276" r:id="rId15"/>
+    <p:sldId id="289" r:id="rId5"/>
+    <p:sldId id="277" r:id="rId6"/>
+    <p:sldId id="278" r:id="rId7"/>
+    <p:sldId id="288" r:id="rId8"/>
+    <p:sldId id="279" r:id="rId9"/>
+    <p:sldId id="280" r:id="rId10"/>
+    <p:sldId id="290" r:id="rId11"/>
+    <p:sldId id="282" r:id="rId12"/>
+    <p:sldId id="283" r:id="rId13"/>
+    <p:sldId id="285" r:id="rId14"/>
+    <p:sldId id="286" r:id="rId15"/>
+    <p:sldId id="287" r:id="rId16"/>
+    <p:sldId id="276" r:id="rId17"/>
   </p:sldIdLst>
-  <p:sldSz cx="10080625" cy="7559675" type="screen4x3"/>
+  <p:sldSz cx="10080625" cy="7559675"/>
   <p:notesSz cx="7559675" cy="10691813"/>
   <p:defaultTextStyle>
     <a:defPPr>
@@ -551,6 +553,21 @@
               <a:defRPr sz="1400"/>
             </a:pPr>
             <a:fld id="{76922D38-E0D4-4D60-8728-B2171F04F0EC}" type="slidenum">
+              <a:rPr/>
+              <a:pPr marL="0" marR="0" lvl="0" indent="0" algn="r" rtl="0" hangingPunct="0">
+                <a:lnSpc>
+                  <a:spcPct val="100000"/>
+                </a:lnSpc>
+                <a:spcBef>
+                  <a:spcPts val="0"/>
+                </a:spcBef>
+                <a:spcAft>
+                  <a:spcPts val="0"/>
+                </a:spcAft>
+                <a:buNone/>
+                <a:tabLst/>
+                <a:defRPr sz="1400"/>
+              </a:pPr>
               <a:t>‹Nr.›</a:t>
             </a:fld>
             <a:endParaRPr lang="de-DE" sz="1400" b="0" i="0" u="none" strike="noStrike" kern="1200">
@@ -993,6 +1010,8 @@
           <a:p>
             <a:pPr lvl="0"/>
             <a:fld id="{603D170D-7028-4FA9-A9F9-F3F27945AA3F}" type="slidenum">
+              <a:rPr/>
+              <a:pPr lvl="0"/>
               <a:t>‹Nr.›</a:t>
             </a:fld>
             <a:endParaRPr lang="de-DE"/>
@@ -1948,6 +1967,336 @@
 </p:notes>
 </file>
 
+<file path=ppt/notesSlides/notesSlide14.xml><?xml version="1.0" encoding="utf-8"?>
+<p:notes xmlns:a="http://schemas.openxmlformats.org/drawingml/2006/main" xmlns:r="http://schemas.openxmlformats.org/officeDocument/2006/relationships" xmlns:p="http://schemas.openxmlformats.org/presentationml/2006/main">
+  <p:cSld>
+    <p:spTree>
+      <p:nvGrpSpPr>
+        <p:cNvPr id="1" name=""/>
+        <p:cNvGrpSpPr/>
+        <p:nvPr/>
+      </p:nvGrpSpPr>
+      <p:grpSpPr>
+        <a:xfrm>
+          <a:off x="0" y="0"/>
+          <a:ext cx="0" cy="0"/>
+          <a:chOff x="0" y="0"/>
+          <a:chExt cx="0" cy="0"/>
+        </a:xfrm>
+      </p:grpSpPr>
+      <p:sp>
+        <p:nvSpPr>
+          <p:cNvPr id="2" name="Folienbildplatzhalter 1"/>
+          <p:cNvSpPr>
+            <a:spLocks noGrp="1" noRot="1" noChangeAspect="1" noResize="1"/>
+          </p:cNvSpPr>
+          <p:nvPr>
+            <p:ph type="sldImg"/>
+          </p:nvPr>
+        </p:nvSpPr>
+        <p:spPr>
+          <a:xfrm>
+            <a:off x="1106488" y="801688"/>
+            <a:ext cx="5345112" cy="4010025"/>
+          </a:xfrm>
+          <a:solidFill>
+            <a:schemeClr val="accent1"/>
+          </a:solidFill>
+          <a:ln w="25400">
+            <a:solidFill>
+              <a:schemeClr val="accent1">
+                <a:shade val="50000"/>
+              </a:schemeClr>
+            </a:solidFill>
+            <a:prstDash val="solid"/>
+          </a:ln>
+        </p:spPr>
+      </p:sp>
+      <p:sp>
+        <p:nvSpPr>
+          <p:cNvPr id="3" name="Notizenplatzhalter 2"/>
+          <p:cNvSpPr txBox="1">
+            <a:spLocks noGrp="1"/>
+          </p:cNvSpPr>
+          <p:nvPr>
+            <p:ph type="body" sz="quarter" idx="1"/>
+          </p:nvPr>
+        </p:nvSpPr>
+        <p:spPr>
+          <a:xfrm>
+            <a:off x="755639" y="5078520"/>
+            <a:ext cx="6048000" cy="4812120"/>
+          </a:xfrm>
+        </p:spPr>
+        <p:txBody>
+          <a:bodyPr>
+            <a:spAutoFit/>
+          </a:bodyPr>
+          <a:lstStyle>
+            <a:defPPr lvl="0">
+              <a:buClr>
+                <a:srgbClr val="6E2028"/>
+              </a:buClr>
+              <a:buSzPct val="100000"/>
+              <a:buFont typeface="Verdana" pitchFamily="34"/>
+              <a:buNone/>
+            </a:defPPr>
+            <a:lvl1pPr lvl="0">
+              <a:buClr>
+                <a:srgbClr val="6E2028"/>
+              </a:buClr>
+              <a:buSzPct val="100000"/>
+              <a:buFont typeface="Verdana" pitchFamily="34"/>
+              <a:buChar char="•"/>
+            </a:lvl1pPr>
+            <a:lvl2pPr lvl="1">
+              <a:buClr>
+                <a:srgbClr val="6E2028"/>
+              </a:buClr>
+              <a:buSzPct val="100000"/>
+              <a:buFont typeface="Verdana" pitchFamily="34"/>
+              <a:buChar char="•"/>
+            </a:lvl2pPr>
+            <a:lvl3pPr lvl="2">
+              <a:buClr>
+                <a:srgbClr val="6E2028"/>
+              </a:buClr>
+              <a:buSzPct val="100000"/>
+              <a:buFont typeface="Verdana" pitchFamily="34"/>
+              <a:buChar char="•"/>
+            </a:lvl3pPr>
+            <a:lvl4pPr lvl="3">
+              <a:buClr>
+                <a:srgbClr val="6E2028"/>
+              </a:buClr>
+              <a:buSzPct val="100000"/>
+              <a:buFont typeface="Verdana" pitchFamily="34"/>
+              <a:buChar char="•"/>
+            </a:lvl4pPr>
+            <a:lvl5pPr lvl="4">
+              <a:buClr>
+                <a:srgbClr val="6E2028"/>
+              </a:buClr>
+              <a:buSzPct val="100000"/>
+              <a:buFont typeface="Verdana" pitchFamily="34"/>
+              <a:buChar char="•"/>
+            </a:lvl5pPr>
+            <a:lvl6pPr lvl="5">
+              <a:buClr>
+                <a:srgbClr val="6E2028"/>
+              </a:buClr>
+              <a:buSzPct val="100000"/>
+              <a:buFont typeface="Verdana" pitchFamily="34"/>
+              <a:buChar char="•"/>
+            </a:lvl6pPr>
+            <a:lvl7pPr lvl="6">
+              <a:buClr>
+                <a:srgbClr val="6E2028"/>
+              </a:buClr>
+              <a:buSzPct val="100000"/>
+              <a:buFont typeface="Verdana" pitchFamily="34"/>
+              <a:buChar char="•"/>
+            </a:lvl7pPr>
+            <a:lvl8pPr lvl="7">
+              <a:buClr>
+                <a:srgbClr val="6E2028"/>
+              </a:buClr>
+              <a:buSzPct val="100000"/>
+              <a:buFont typeface="Verdana" pitchFamily="34"/>
+              <a:buChar char="•"/>
+            </a:lvl8pPr>
+            <a:lvl9pPr lvl="8">
+              <a:buClr>
+                <a:srgbClr val="6E2028"/>
+              </a:buClr>
+              <a:buSzPct val="100000"/>
+              <a:buFont typeface="Verdana" pitchFamily="34"/>
+              <a:buChar char="•"/>
+            </a:lvl9pPr>
+          </a:lstStyle>
+          <a:p>
+            <a:endParaRPr lang="de-DE">
+              <a:solidFill>
+                <a:srgbClr val="6E2028"/>
+              </a:solidFill>
+              <a:ea typeface="Arial Unicode MS" pitchFamily="2"/>
+            </a:endParaRPr>
+          </a:p>
+        </p:txBody>
+      </p:sp>
+    </p:spTree>
+  </p:cSld>
+  <p:clrMapOvr>
+    <a:masterClrMapping/>
+  </p:clrMapOvr>
+</p:notes>
+</file>
+
+<file path=ppt/notesSlides/notesSlide15.xml><?xml version="1.0" encoding="utf-8"?>
+<p:notes xmlns:a="http://schemas.openxmlformats.org/drawingml/2006/main" xmlns:r="http://schemas.openxmlformats.org/officeDocument/2006/relationships" xmlns:p="http://schemas.openxmlformats.org/presentationml/2006/main">
+  <p:cSld>
+    <p:spTree>
+      <p:nvGrpSpPr>
+        <p:cNvPr id="1" name=""/>
+        <p:cNvGrpSpPr/>
+        <p:nvPr/>
+      </p:nvGrpSpPr>
+      <p:grpSpPr>
+        <a:xfrm>
+          <a:off x="0" y="0"/>
+          <a:ext cx="0" cy="0"/>
+          <a:chOff x="0" y="0"/>
+          <a:chExt cx="0" cy="0"/>
+        </a:xfrm>
+      </p:grpSpPr>
+      <p:sp>
+        <p:nvSpPr>
+          <p:cNvPr id="2" name="Folienbildplatzhalter 1"/>
+          <p:cNvSpPr>
+            <a:spLocks noGrp="1" noRot="1" noChangeAspect="1" noResize="1"/>
+          </p:cNvSpPr>
+          <p:nvPr>
+            <p:ph type="sldImg"/>
+          </p:nvPr>
+        </p:nvSpPr>
+        <p:spPr>
+          <a:xfrm>
+            <a:off x="1106488" y="801688"/>
+            <a:ext cx="5345112" cy="4010025"/>
+          </a:xfrm>
+          <a:solidFill>
+            <a:schemeClr val="accent1"/>
+          </a:solidFill>
+          <a:ln w="25400">
+            <a:solidFill>
+              <a:schemeClr val="accent1">
+                <a:shade val="50000"/>
+              </a:schemeClr>
+            </a:solidFill>
+            <a:prstDash val="solid"/>
+          </a:ln>
+        </p:spPr>
+      </p:sp>
+      <p:sp>
+        <p:nvSpPr>
+          <p:cNvPr id="3" name="Notizenplatzhalter 2"/>
+          <p:cNvSpPr txBox="1">
+            <a:spLocks noGrp="1"/>
+          </p:cNvSpPr>
+          <p:nvPr>
+            <p:ph type="body" sz="quarter" idx="1"/>
+          </p:nvPr>
+        </p:nvSpPr>
+        <p:spPr>
+          <a:xfrm>
+            <a:off x="755639" y="5078520"/>
+            <a:ext cx="6048000" cy="4812120"/>
+          </a:xfrm>
+        </p:spPr>
+        <p:txBody>
+          <a:bodyPr>
+            <a:spAutoFit/>
+          </a:bodyPr>
+          <a:lstStyle>
+            <a:defPPr lvl="0">
+              <a:buClr>
+                <a:srgbClr val="6E2028"/>
+              </a:buClr>
+              <a:buSzPct val="100000"/>
+              <a:buFont typeface="Verdana" pitchFamily="34"/>
+              <a:buNone/>
+            </a:defPPr>
+            <a:lvl1pPr lvl="0">
+              <a:buClr>
+                <a:srgbClr val="6E2028"/>
+              </a:buClr>
+              <a:buSzPct val="100000"/>
+              <a:buFont typeface="Verdana" pitchFamily="34"/>
+              <a:buChar char="•"/>
+            </a:lvl1pPr>
+            <a:lvl2pPr lvl="1">
+              <a:buClr>
+                <a:srgbClr val="6E2028"/>
+              </a:buClr>
+              <a:buSzPct val="100000"/>
+              <a:buFont typeface="Verdana" pitchFamily="34"/>
+              <a:buChar char="•"/>
+            </a:lvl2pPr>
+            <a:lvl3pPr lvl="2">
+              <a:buClr>
+                <a:srgbClr val="6E2028"/>
+              </a:buClr>
+              <a:buSzPct val="100000"/>
+              <a:buFont typeface="Verdana" pitchFamily="34"/>
+              <a:buChar char="•"/>
+            </a:lvl3pPr>
+            <a:lvl4pPr lvl="3">
+              <a:buClr>
+                <a:srgbClr val="6E2028"/>
+              </a:buClr>
+              <a:buSzPct val="100000"/>
+              <a:buFont typeface="Verdana" pitchFamily="34"/>
+              <a:buChar char="•"/>
+            </a:lvl4pPr>
+            <a:lvl5pPr lvl="4">
+              <a:buClr>
+                <a:srgbClr val="6E2028"/>
+              </a:buClr>
+              <a:buSzPct val="100000"/>
+              <a:buFont typeface="Verdana" pitchFamily="34"/>
+              <a:buChar char="•"/>
+            </a:lvl5pPr>
+            <a:lvl6pPr lvl="5">
+              <a:buClr>
+                <a:srgbClr val="6E2028"/>
+              </a:buClr>
+              <a:buSzPct val="100000"/>
+              <a:buFont typeface="Verdana" pitchFamily="34"/>
+              <a:buChar char="•"/>
+            </a:lvl6pPr>
+            <a:lvl7pPr lvl="6">
+              <a:buClr>
+                <a:srgbClr val="6E2028"/>
+              </a:buClr>
+              <a:buSzPct val="100000"/>
+              <a:buFont typeface="Verdana" pitchFamily="34"/>
+              <a:buChar char="•"/>
+            </a:lvl7pPr>
+            <a:lvl8pPr lvl="7">
+              <a:buClr>
+                <a:srgbClr val="6E2028"/>
+              </a:buClr>
+              <a:buSzPct val="100000"/>
+              <a:buFont typeface="Verdana" pitchFamily="34"/>
+              <a:buChar char="•"/>
+            </a:lvl8pPr>
+            <a:lvl9pPr lvl="8">
+              <a:buClr>
+                <a:srgbClr val="6E2028"/>
+              </a:buClr>
+              <a:buSzPct val="100000"/>
+              <a:buFont typeface="Verdana" pitchFamily="34"/>
+              <a:buChar char="•"/>
+            </a:lvl9pPr>
+          </a:lstStyle>
+          <a:p>
+            <a:endParaRPr lang="de-DE">
+              <a:solidFill>
+                <a:srgbClr val="6E2028"/>
+              </a:solidFill>
+              <a:ea typeface="Arial Unicode MS" pitchFamily="2"/>
+            </a:endParaRPr>
+          </a:p>
+        </p:txBody>
+      </p:sp>
+    </p:spTree>
+  </p:cSld>
+  <p:clrMapOvr>
+    <a:masterClrMapping/>
+  </p:clrMapOvr>
+</p:notes>
+</file>
+
 <file path=ppt/notesSlides/notesSlide2.xml><?xml version="1.0" encoding="utf-8"?>
 <p:notes xmlns:a="http://schemas.openxmlformats.org/drawingml/2006/main" xmlns:r="http://schemas.openxmlformats.org/officeDocument/2006/relationships" xmlns:p="http://schemas.openxmlformats.org/presentationml/2006/main">
   <p:cSld>
@@ -3449,6 +3798,8 @@
           <a:p>
             <a:pPr lvl="0"/>
             <a:fld id="{0F7FBE3C-22C8-4EEC-9F0A-E289943EFF11}" type="slidenum">
+              <a:rPr/>
+              <a:pPr lvl="0"/>
               <a:t>‹Nr.›</a:t>
             </a:fld>
             <a:endParaRPr lang="de-DE"/>
@@ -3573,6 +3924,8 @@
           <a:p>
             <a:pPr lvl="0"/>
             <a:fld id="{5720852A-9175-4CB9-B2A6-FED7094F9AAB}" type="slidenum">
+              <a:rPr/>
+              <a:pPr lvl="0"/>
               <a:t>‹Nr.›</a:t>
             </a:fld>
             <a:endParaRPr lang="de-DE"/>
@@ -3707,6 +4060,8 @@
           <a:p>
             <a:pPr lvl="0"/>
             <a:fld id="{99302CA3-6D1C-4F4B-A105-3FBECCC25990}" type="slidenum">
+              <a:rPr/>
+              <a:pPr lvl="0"/>
               <a:t>‹Nr.›</a:t>
             </a:fld>
             <a:endParaRPr lang="de-DE"/>
@@ -5143,6 +5498,8 @@
           <a:p>
             <a:pPr lvl="0"/>
             <a:fld id="{A82ACD1A-5A44-4976-8A4E-F3F6D109C854}" type="slidenum">
+              <a:rPr/>
+              <a:pPr lvl="0"/>
               <a:t>‹Nr.›</a:t>
             </a:fld>
             <a:endParaRPr lang="de-DE"/>
@@ -5739,6 +6096,8 @@
           <a:p>
             <a:pPr lvl="0"/>
             <a:fld id="{3AF64877-A56B-4082-95DF-C01C2119DAB6}" type="slidenum">
+              <a:rPr/>
+              <a:pPr lvl="0"/>
               <a:t>‹Nr.›</a:t>
             </a:fld>
             <a:endParaRPr lang="de-DE"/>
@@ -5981,6 +6340,8 @@
           <a:p>
             <a:pPr lvl="0"/>
             <a:fld id="{89A1C137-491B-40F2-9245-95DE2687AD86}" type="slidenum">
+              <a:rPr/>
+              <a:pPr lvl="0"/>
               <a:t>‹Nr.›</a:t>
             </a:fld>
             <a:endParaRPr lang="de-DE"/>
@@ -6362,6 +6723,8 @@
           <a:p>
             <a:pPr lvl="0"/>
             <a:fld id="{4E123467-7E4B-4ED1-8B45-F4B007716772}" type="slidenum">
+              <a:rPr/>
+              <a:pPr lvl="0"/>
               <a:t>‹Nr.›</a:t>
             </a:fld>
             <a:endParaRPr lang="de-DE"/>
@@ -6434,6 +6797,8 @@
           <a:p>
             <a:pPr lvl="0"/>
             <a:fld id="{C3BB4626-918A-4886-8A9B-E7CAF649FBF3}" type="slidenum">
+              <a:rPr/>
+              <a:pPr lvl="0"/>
               <a:t>‹Nr.›</a:t>
             </a:fld>
             <a:endParaRPr lang="de-DE"/>
@@ -6483,6 +6848,8 @@
           <a:p>
             <a:pPr lvl="0"/>
             <a:fld id="{E3CF155C-8D38-49CE-9C24-31E50B4F1017}" type="slidenum">
+              <a:rPr/>
+              <a:pPr lvl="0"/>
               <a:t>‹Nr.›</a:t>
             </a:fld>
             <a:endParaRPr lang="de-DE"/>
@@ -6714,6 +7081,8 @@
           <a:p>
             <a:pPr lvl="0"/>
             <a:fld id="{15CB4F11-56D3-4C6E-BF51-0E84BD3F3230}" type="slidenum">
+              <a:rPr/>
+              <a:pPr lvl="0"/>
               <a:t>‹Nr.›</a:t>
             </a:fld>
             <a:endParaRPr lang="de-DE"/>
@@ -6921,6 +7290,8 @@
           <a:p>
             <a:pPr lvl="0"/>
             <a:fld id="{008DA109-236E-40E3-BE76-C1B084D806EC}" type="slidenum">
+              <a:rPr/>
+              <a:pPr lvl="0"/>
               <a:t>‹Nr.›</a:t>
             </a:fld>
             <a:endParaRPr lang="de-DE"/>
@@ -7104,7 +7475,7 @@
       </p:sp>
       <p:pic>
         <p:nvPicPr>
-          <p:cNvPr id="3" name=""/>
+          <p:cNvPr id="3" name="Grafik 2"/>
           <p:cNvPicPr>
             <a:picLocks noChangeAspect="1"/>
           </p:cNvPicPr>
@@ -7631,7 +8002,7 @@
       </p:sp>
       <p:pic>
         <p:nvPicPr>
-          <p:cNvPr id="8" name=""/>
+          <p:cNvPr id="8" name="Grafik 7"/>
           <p:cNvPicPr>
             <a:picLocks noChangeAspect="1"/>
           </p:cNvPicPr>
@@ -8161,6 +8532,8 @@
           <a:p>
             <a:pPr lvl="0"/>
             <a:fld id="{2067A227-587C-4C07-A796-E5F6AB9D08CC}" type="slidenum">
+              <a:rPr/>
+              <a:pPr lvl="0"/>
               <a:t>‹Nr.›</a:t>
             </a:fld>
             <a:endParaRPr lang="de-DE"/>
@@ -10049,7 +10422,7 @@
       </p:sp>
       <p:pic>
         <p:nvPicPr>
-          <p:cNvPr id="5" name=""/>
+          <p:cNvPr id="5" name="Grafik 4"/>
           <p:cNvPicPr>
             <a:picLocks noChangeAspect="1"/>
           </p:cNvPicPr>
@@ -10068,7 +10441,7 @@
         <p:spPr>
           <a:xfrm>
             <a:off x="595080" y="1269000"/>
-            <a:ext cx="3475800" cy="2317320"/>
+            <a:ext cx="9197760" cy="2317320"/>
           </a:xfrm>
           <a:prstGeom prst="rect">
             <a:avLst/>
@@ -10124,8 +10497,8 @@
         </p:nvSpPr>
         <p:spPr>
           <a:xfrm>
-            <a:off x="202208" y="0"/>
-            <a:ext cx="7502400" cy="925200"/>
+            <a:off x="202208" y="293323"/>
+            <a:ext cx="7502400" cy="338554"/>
           </a:xfrm>
         </p:spPr>
         <p:txBody>
@@ -10191,24 +10564,12 @@
             </a:lvl9pPr>
           </a:lstStyle>
           <a:p>
-            <a:pPr lvl="0">
+            <a:pPr lvl="0" algn="ctr">
               <a:buNone/>
             </a:pPr>
             <a:r>
-              <a:rPr lang="de-DE" dirty="0" smtClean="0"/>
-              <a:t>SWP</a:t>
-            </a:r>
-            <a:r>
               <a:rPr lang="de-DE" baseline="0" dirty="0" smtClean="0"/>
-              <a:t> Übersetzerbau – </a:t>
-            </a:r>
-            <a:r>
-              <a:rPr lang="de-DE" baseline="0" dirty="0" err="1" smtClean="0"/>
-              <a:t>Syntaxbaum:get</a:t>
-            </a:r>
-            <a:r>
-              <a:rPr lang="de-DE" baseline="0" dirty="0" smtClean="0"/>
-              <a:t>-Methoden</a:t>
+              <a:t>Syntaxbaum: Grundgerüst</a:t>
             </a:r>
             <a:endParaRPr lang="de-DE" dirty="0"/>
           </a:p>
@@ -10227,7 +10588,7 @@
         <p:spPr>
           <a:xfrm>
             <a:off x="703080" y="1080000"/>
-            <a:ext cx="7936920" cy="3060000"/>
+            <a:ext cx="7936920" cy="184666"/>
           </a:xfrm>
         </p:spPr>
         <p:txBody>
@@ -10632,65 +10993,37 @@
             </a:lvl9pPr>
           </a:lstStyle>
           <a:p>
-            <a:pPr lvl="0"/>
-            <a:r>
-              <a:rPr lang="de-DE" dirty="0" smtClean="0"/>
-              <a:t>Vervollständigung durch</a:t>
-            </a:r>
-            <a:r>
-              <a:rPr lang="de-DE" baseline="0" dirty="0" smtClean="0"/>
-              <a:t> Hinzufügung von </a:t>
-            </a:r>
-            <a:r>
-              <a:rPr lang="de-DE" baseline="0" dirty="0" err="1" smtClean="0"/>
-              <a:t>get</a:t>
-            </a:r>
-            <a:r>
-              <a:rPr lang="de-DE" baseline="0" dirty="0" smtClean="0"/>
-              <a:t>-Methoden</a:t>
-            </a:r>
-          </a:p>
-          <a:p>
-            <a:pPr lvl="0"/>
-            <a:r>
-              <a:rPr lang="de-DE" baseline="0" dirty="0" smtClean="0"/>
-              <a:t>Dadurch Weiterverarbeitung durch </a:t>
-            </a:r>
-            <a:r>
-              <a:rPr lang="de-DE" baseline="0" dirty="0" err="1" smtClean="0"/>
-              <a:t>Builder</a:t>
-            </a:r>
-            <a:r>
-              <a:rPr lang="de-DE" baseline="0" dirty="0" smtClean="0"/>
-              <a:t> erleichtert</a:t>
-            </a:r>
-          </a:p>
-          <a:p>
-            <a:pPr lvl="0"/>
-            <a:r>
-              <a:rPr lang="de-DE" baseline="0" dirty="0" smtClean="0"/>
-              <a:t>Konkreter </a:t>
-            </a:r>
-            <a:r>
-              <a:rPr lang="de-DE" baseline="0" dirty="0" err="1" smtClean="0"/>
-              <a:t>Builder</a:t>
-            </a:r>
-            <a:r>
-              <a:rPr lang="de-DE" baseline="0" dirty="0" smtClean="0"/>
-              <a:t>: </a:t>
-            </a:r>
-            <a:r>
-              <a:rPr lang="de-DE" baseline="0" dirty="0" err="1" smtClean="0"/>
-              <a:t>JavaBuilder</a:t>
-            </a:r>
-            <a:r>
-              <a:rPr lang="de-DE" baseline="0" dirty="0" smtClean="0"/>
-              <a:t> </a:t>
-            </a:r>
-            <a:endParaRPr lang="de-DE" dirty="0" smtClean="0"/>
+            <a:pPr>
+              <a:buNone/>
+            </a:pPr>
+            <a:endParaRPr lang="de-DE" sz="1200" dirty="0" smtClean="0"/>
           </a:p>
         </p:txBody>
       </p:sp>
+      <p:pic>
+        <p:nvPicPr>
+          <p:cNvPr id="9" name="Grafik 8" descr="Unbenannt-3_v2.png"/>
+          <p:cNvPicPr>
+            <a:picLocks noChangeAspect="1"/>
+          </p:cNvPicPr>
+          <p:nvPr/>
+        </p:nvPicPr>
+        <p:blipFill>
+          <a:blip r:embed="rId3" cstate="print"/>
+          <a:stretch>
+            <a:fillRect/>
+          </a:stretch>
+        </p:blipFill>
+        <p:spPr>
+          <a:xfrm>
+            <a:off x="2703803" y="1144915"/>
+            <a:ext cx="4890623" cy="5515241"/>
+          </a:xfrm>
+          <a:prstGeom prst="rect">
+            <a:avLst/>
+          </a:prstGeom>
+        </p:spPr>
+      </p:pic>
     </p:spTree>
   </p:cSld>
   <p:clrMapOvr>
@@ -10816,7 +11149,7 @@
             </a:r>
             <a:r>
               <a:rPr lang="de-DE" baseline="0" dirty="0" err="1" smtClean="0"/>
-              <a:t>JavaBuilder:Einleitung</a:t>
+              <a:t>Syntaxbaum:Statement</a:t>
             </a:r>
             <a:endParaRPr lang="de-DE" dirty="0"/>
           </a:p>
@@ -10835,7 +11168,7 @@
         <p:spPr>
           <a:xfrm>
             <a:off x="703080" y="1080000"/>
-            <a:ext cx="7936920" cy="3060000"/>
+            <a:ext cx="7936920" cy="184666"/>
           </a:xfrm>
         </p:spPr>
         <p:txBody>
@@ -11240,44 +11573,37 @@
             </a:lvl9pPr>
           </a:lstStyle>
           <a:p>
-            <a:pPr lvl="0"/>
-            <a:r>
-              <a:rPr lang="de-DE" dirty="0" smtClean="0"/>
-              <a:t>Aufgabenbeschreibung </a:t>
-            </a:r>
-            <a:r>
-              <a:rPr lang="de-DE" dirty="0" err="1" smtClean="0"/>
-              <a:t>JavaBuilder</a:t>
-            </a:r>
-            <a:r>
-              <a:rPr lang="de-DE" dirty="0" smtClean="0"/>
-              <a:t>:</a:t>
-            </a:r>
-          </a:p>
-          <a:p>
-            <a:pPr lvl="1"/>
-            <a:r>
-              <a:rPr lang="de-DE" dirty="0" smtClean="0"/>
-              <a:t>Eingabe: Abstrakter Syntaxbaum</a:t>
-            </a:r>
-          </a:p>
-          <a:p>
-            <a:pPr lvl="1"/>
-            <a:r>
-              <a:rPr lang="de-DE" dirty="0" smtClean="0"/>
-              <a:t>Ausgabe: korrekter </a:t>
-            </a:r>
-            <a:r>
-              <a:rPr lang="de-DE" dirty="0" err="1" smtClean="0"/>
-              <a:t>Javasource</a:t>
-            </a:r>
-            <a:r>
-              <a:rPr lang="de-DE" dirty="0" smtClean="0"/>
-              <a:t> Code</a:t>
-            </a:r>
+            <a:pPr>
+              <a:buNone/>
+            </a:pPr>
+            <a:endParaRPr lang="de-DE" sz="1200" dirty="0" smtClean="0"/>
           </a:p>
         </p:txBody>
       </p:sp>
+      <p:pic>
+        <p:nvPicPr>
+          <p:cNvPr id="5" name="Grafik 4" descr="Unbenannt-4.png"/>
+          <p:cNvPicPr>
+            <a:picLocks noChangeAspect="1"/>
+          </p:cNvPicPr>
+          <p:nvPr/>
+        </p:nvPicPr>
+        <p:blipFill>
+          <a:blip r:embed="rId3" cstate="print"/>
+          <a:stretch>
+            <a:fillRect/>
+          </a:stretch>
+        </p:blipFill>
+        <p:spPr>
+          <a:xfrm>
+            <a:off x="1357772" y="1722694"/>
+            <a:ext cx="7365080" cy="4114286"/>
+          </a:xfrm>
+          <a:prstGeom prst="rect">
+            <a:avLst/>
+          </a:prstGeom>
+        </p:spPr>
+      </p:pic>
     </p:spTree>
   </p:cSld>
   <p:clrMapOvr>
@@ -11323,8 +11649,8 @@
         </p:nvSpPr>
         <p:spPr>
           <a:xfrm>
-            <a:off x="202208" y="0"/>
-            <a:ext cx="7502400" cy="925200"/>
+            <a:off x="202208" y="293323"/>
+            <a:ext cx="7502400" cy="338554"/>
           </a:xfrm>
         </p:spPr>
         <p:txBody>
@@ -11390,20 +11716,1204 @@
             </a:lvl9pPr>
           </a:lstStyle>
           <a:p>
+            <a:pPr lvl="0" algn="ctr">
+              <a:buNone/>
+            </a:pPr>
+            <a:r>
+              <a:rPr lang="de-DE" baseline="0" dirty="0" smtClean="0"/>
+              <a:t>Syntaxbaum: Abschluss</a:t>
+            </a:r>
+            <a:endParaRPr lang="de-DE" dirty="0"/>
+          </a:p>
+        </p:txBody>
+      </p:sp>
+      <p:sp>
+        <p:nvSpPr>
+          <p:cNvPr id="3" name="Textplatzhalter 2"/>
+          <p:cNvSpPr txBox="1">
+            <a:spLocks noGrp="1"/>
+          </p:cNvSpPr>
+          <p:nvPr>
+            <p:ph type="body" idx="4294967295"/>
+          </p:nvPr>
+        </p:nvSpPr>
+        <p:spPr>
+          <a:xfrm>
+            <a:off x="703080" y="1080000"/>
+            <a:ext cx="7936920" cy="3313728"/>
+          </a:xfrm>
+        </p:spPr>
+        <p:txBody>
+          <a:bodyPr>
+            <a:spAutoFit/>
+          </a:bodyPr>
+          <a:lstStyle>
+            <a:defPPr marL="342720" marR="0" lvl="0" indent="-342720" algn="l" hangingPunct="1">
+              <a:lnSpc>
+                <a:spcPct val="100000"/>
+              </a:lnSpc>
+              <a:spcBef>
+                <a:spcPts val="550"/>
+              </a:spcBef>
+              <a:spcAft>
+                <a:spcPts val="0"/>
+              </a:spcAft>
+              <a:buClr>
+                <a:srgbClr val="00245B"/>
+              </a:buClr>
+              <a:buSzPct val="120000"/>
+              <a:buFont typeface="Verdana" pitchFamily="34"/>
+              <a:buNone/>
+              <a:tabLst>
+                <a:tab pos="571320" algn="l"/>
+                <a:tab pos="1485719" algn="l"/>
+                <a:tab pos="2400119" algn="l"/>
+                <a:tab pos="3314519" algn="l"/>
+                <a:tab pos="4228919" algn="l"/>
+                <a:tab pos="5143320" algn="l"/>
+                <a:tab pos="6057720" algn="l"/>
+                <a:tab pos="6972120" algn="l"/>
+                <a:tab pos="7886520" algn="l"/>
+                <a:tab pos="8800920" algn="l"/>
+                <a:tab pos="9715320" algn="l"/>
+              </a:tabLst>
+              <a:defRPr lang="de-DE" sz="2200" b="0" i="0" u="none" strike="noStrike" baseline="0">
+                <a:ln>
+                  <a:noFill/>
+                </a:ln>
+                <a:solidFill>
+                  <a:srgbClr val="000000"/>
+                </a:solidFill>
+                <a:latin typeface="Verdana" pitchFamily="34"/>
+                <a:ea typeface="Arial Unicode MS" pitchFamily="2"/>
+                <a:cs typeface="Tahoma" pitchFamily="2"/>
+              </a:defRPr>
+            </a:defPPr>
+            <a:lvl1pPr marL="342720" marR="0" lvl="0" indent="-342720" algn="l" hangingPunct="1">
+              <a:lnSpc>
+                <a:spcPct val="100000"/>
+              </a:lnSpc>
+              <a:spcBef>
+                <a:spcPts val="550"/>
+              </a:spcBef>
+              <a:spcAft>
+                <a:spcPts val="0"/>
+              </a:spcAft>
+              <a:buClr>
+                <a:srgbClr val="00245B"/>
+              </a:buClr>
+              <a:buSzPct val="120000"/>
+              <a:buFont typeface="Verdana" pitchFamily="34"/>
+              <a:buChar char="•"/>
+              <a:tabLst>
+                <a:tab pos="571320" algn="l"/>
+                <a:tab pos="1485719" algn="l"/>
+                <a:tab pos="2400119" algn="l"/>
+                <a:tab pos="3314519" algn="l"/>
+                <a:tab pos="4228919" algn="l"/>
+                <a:tab pos="5143320" algn="l"/>
+                <a:tab pos="6057720" algn="l"/>
+                <a:tab pos="6972120" algn="l"/>
+                <a:tab pos="7886520" algn="l"/>
+                <a:tab pos="8800920" algn="l"/>
+                <a:tab pos="9715320" algn="l"/>
+              </a:tabLst>
+              <a:defRPr lang="de-DE" sz="2200" b="0" i="0" u="none" strike="noStrike" baseline="0">
+                <a:ln>
+                  <a:noFill/>
+                </a:ln>
+                <a:solidFill>
+                  <a:srgbClr val="000000"/>
+                </a:solidFill>
+                <a:latin typeface="Verdana" pitchFamily="34"/>
+                <a:ea typeface="Arial Unicode MS" pitchFamily="2"/>
+                <a:cs typeface="Tahoma" pitchFamily="2"/>
+              </a:defRPr>
+            </a:lvl1pPr>
+            <a:lvl2pPr marL="742680" marR="0" lvl="1" indent="-285480" algn="l" hangingPunct="1">
+              <a:lnSpc>
+                <a:spcPct val="100000"/>
+              </a:lnSpc>
+              <a:spcBef>
+                <a:spcPts val="499"/>
+              </a:spcBef>
+              <a:spcAft>
+                <a:spcPts val="0"/>
+              </a:spcAft>
+              <a:buClr>
+                <a:srgbClr val="CC0000"/>
+              </a:buClr>
+              <a:buSzPct val="100000"/>
+              <a:buFont typeface="Verdana" pitchFamily="34"/>
+              <a:buChar char="•"/>
+              <a:tabLst>
+                <a:tab pos="171360" algn="l"/>
+                <a:tab pos="1085759" algn="l"/>
+                <a:tab pos="2000160" algn="l"/>
+                <a:tab pos="2914560" algn="l"/>
+                <a:tab pos="3828959" algn="l"/>
+                <a:tab pos="4743360" algn="l"/>
+                <a:tab pos="5657760" algn="l"/>
+                <a:tab pos="6572160" algn="l"/>
+                <a:tab pos="7486560" algn="l"/>
+                <a:tab pos="8400960" algn="l"/>
+                <a:tab pos="9315360" algn="l"/>
+              </a:tabLst>
+              <a:defRPr lang="de-DE" sz="2000" b="0" i="0" u="none" strike="noStrike" baseline="0">
+                <a:ln>
+                  <a:noFill/>
+                </a:ln>
+                <a:solidFill>
+                  <a:srgbClr val="000000"/>
+                </a:solidFill>
+                <a:latin typeface="Verdana" pitchFamily="34"/>
+                <a:ea typeface="Arial Unicode MS" pitchFamily="2"/>
+                <a:cs typeface="Tahoma" pitchFamily="2"/>
+              </a:defRPr>
+            </a:lvl2pPr>
+            <a:lvl3pPr marL="1143000" marR="0" lvl="2" indent="-228600" algn="l" hangingPunct="1">
+              <a:lnSpc>
+                <a:spcPct val="100000"/>
+              </a:lnSpc>
+              <a:spcBef>
+                <a:spcPts val="448"/>
+              </a:spcBef>
+              <a:spcAft>
+                <a:spcPts val="0"/>
+              </a:spcAft>
+              <a:buClr>
+                <a:srgbClr val="99CC00"/>
+              </a:buClr>
+              <a:buSzPct val="100000"/>
+              <a:buFont typeface="Verdana" pitchFamily="34"/>
+              <a:buChar char="•"/>
+              <a:tabLst>
+                <a:tab pos="685799" algn="l"/>
+                <a:tab pos="1600200" algn="l"/>
+                <a:tab pos="2514600" algn="l"/>
+                <a:tab pos="3429000" algn="l"/>
+                <a:tab pos="4343400" algn="l"/>
+                <a:tab pos="5257800" algn="l"/>
+                <a:tab pos="6172200" algn="l"/>
+                <a:tab pos="7086600" algn="l"/>
+                <a:tab pos="8000999" algn="l"/>
+                <a:tab pos="8915399" algn="l"/>
+              </a:tabLst>
+              <a:defRPr lang="de-DE" sz="1800" b="0" i="0" u="none" strike="noStrike" baseline="0">
+                <a:ln>
+                  <a:noFill/>
+                </a:ln>
+                <a:solidFill>
+                  <a:srgbClr val="000000"/>
+                </a:solidFill>
+                <a:latin typeface="Verdana" pitchFamily="34"/>
+                <a:ea typeface="Arial Unicode MS" pitchFamily="2"/>
+                <a:cs typeface="Tahoma" pitchFamily="2"/>
+              </a:defRPr>
+            </a:lvl3pPr>
+            <a:lvl4pPr marL="1600199" marR="0" lvl="3" indent="-228600" algn="l" hangingPunct="1">
+              <a:lnSpc>
+                <a:spcPct val="100000"/>
+              </a:lnSpc>
+              <a:spcBef>
+                <a:spcPts val="400"/>
+              </a:spcBef>
+              <a:spcAft>
+                <a:spcPts val="0"/>
+              </a:spcAft>
+              <a:buClr>
+                <a:srgbClr val="FF9933"/>
+              </a:buClr>
+              <a:buSzPct val="100000"/>
+              <a:buFont typeface="Verdana" pitchFamily="34"/>
+              <a:buChar char="•"/>
+              <a:tabLst>
+                <a:tab pos="228600" algn="l"/>
+                <a:tab pos="1143000" algn="l"/>
+                <a:tab pos="2057400" algn="l"/>
+                <a:tab pos="2971800" algn="l"/>
+                <a:tab pos="3886200" algn="l"/>
+                <a:tab pos="4800600" algn="l"/>
+                <a:tab pos="5715000" algn="l"/>
+                <a:tab pos="6629400" algn="l"/>
+                <a:tab pos="7543799" algn="l"/>
+                <a:tab pos="8458200" algn="l"/>
+              </a:tabLst>
+              <a:defRPr lang="de-DE" sz="1600" b="0" i="0" u="none" strike="noStrike" baseline="0">
+                <a:ln>
+                  <a:noFill/>
+                </a:ln>
+                <a:solidFill>
+                  <a:srgbClr val="000000"/>
+                </a:solidFill>
+                <a:latin typeface="Verdana" pitchFamily="34"/>
+                <a:ea typeface="Arial Unicode MS" pitchFamily="2"/>
+                <a:cs typeface="Tahoma" pitchFamily="2"/>
+              </a:defRPr>
+            </a:lvl4pPr>
+            <a:lvl5pPr marL="2057400" marR="0" lvl="4" indent="-228600" algn="l" hangingPunct="1">
+              <a:lnSpc>
+                <a:spcPct val="100000"/>
+              </a:lnSpc>
+              <a:spcBef>
+                <a:spcPts val="400"/>
+              </a:spcBef>
+              <a:spcAft>
+                <a:spcPts val="0"/>
+              </a:spcAft>
+              <a:buClr>
+                <a:srgbClr val="FF9933"/>
+              </a:buClr>
+              <a:buSzPct val="100000"/>
+              <a:buFont typeface="Verdana" pitchFamily="34"/>
+              <a:buChar char="-"/>
+              <a:tabLst>
+                <a:tab pos="685799" algn="l"/>
+                <a:tab pos="1600200" algn="l"/>
+                <a:tab pos="2514600" algn="l"/>
+                <a:tab pos="3429000" algn="l"/>
+                <a:tab pos="4343400" algn="l"/>
+                <a:tab pos="5257800" algn="l"/>
+                <a:tab pos="6172200" algn="l"/>
+                <a:tab pos="7086600" algn="l"/>
+                <a:tab pos="8000999" algn="l"/>
+              </a:tabLst>
+              <a:defRPr lang="de-DE" sz="1600" b="0" i="0" u="none" strike="noStrike" baseline="0">
+                <a:ln>
+                  <a:noFill/>
+                </a:ln>
+                <a:solidFill>
+                  <a:srgbClr val="000000"/>
+                </a:solidFill>
+                <a:latin typeface="Verdana" pitchFamily="34"/>
+                <a:ea typeface="Arial Unicode MS" pitchFamily="2"/>
+                <a:cs typeface="Tahoma" pitchFamily="2"/>
+              </a:defRPr>
+            </a:lvl5pPr>
+            <a:lvl6pPr marL="2057400" marR="0" lvl="5" indent="-228600" algn="l" hangingPunct="1">
+              <a:lnSpc>
+                <a:spcPct val="100000"/>
+              </a:lnSpc>
+              <a:spcBef>
+                <a:spcPts val="400"/>
+              </a:spcBef>
+              <a:spcAft>
+                <a:spcPts val="0"/>
+              </a:spcAft>
+              <a:buClr>
+                <a:srgbClr val="FF9933"/>
+              </a:buClr>
+              <a:buSzPct val="100000"/>
+              <a:buFont typeface="Verdana" pitchFamily="34"/>
+              <a:buChar char="-"/>
+              <a:tabLst>
+                <a:tab pos="685799" algn="l"/>
+                <a:tab pos="1600200" algn="l"/>
+                <a:tab pos="2514600" algn="l"/>
+                <a:tab pos="3429000" algn="l"/>
+                <a:tab pos="4343400" algn="l"/>
+                <a:tab pos="5257800" algn="l"/>
+                <a:tab pos="6172200" algn="l"/>
+                <a:tab pos="7086600" algn="l"/>
+                <a:tab pos="8000999" algn="l"/>
+              </a:tabLst>
+              <a:defRPr lang="de-DE" sz="1600" b="0" i="0" u="none" strike="noStrike" baseline="0">
+                <a:ln>
+                  <a:noFill/>
+                </a:ln>
+                <a:solidFill>
+                  <a:srgbClr val="000000"/>
+                </a:solidFill>
+                <a:latin typeface="Verdana" pitchFamily="34"/>
+                <a:ea typeface="Arial Unicode MS" pitchFamily="2"/>
+                <a:cs typeface="Tahoma" pitchFamily="2"/>
+              </a:defRPr>
+            </a:lvl6pPr>
+            <a:lvl7pPr marL="2057400" marR="0" lvl="6" indent="-228600" algn="l" hangingPunct="1">
+              <a:lnSpc>
+                <a:spcPct val="100000"/>
+              </a:lnSpc>
+              <a:spcBef>
+                <a:spcPts val="400"/>
+              </a:spcBef>
+              <a:spcAft>
+                <a:spcPts val="0"/>
+              </a:spcAft>
+              <a:buClr>
+                <a:srgbClr val="FF9933"/>
+              </a:buClr>
+              <a:buSzPct val="100000"/>
+              <a:buFont typeface="Verdana" pitchFamily="34"/>
+              <a:buChar char="-"/>
+              <a:tabLst>
+                <a:tab pos="685799" algn="l"/>
+                <a:tab pos="1600200" algn="l"/>
+                <a:tab pos="2514600" algn="l"/>
+                <a:tab pos="3429000" algn="l"/>
+                <a:tab pos="4343400" algn="l"/>
+                <a:tab pos="5257800" algn="l"/>
+                <a:tab pos="6172200" algn="l"/>
+                <a:tab pos="7086600" algn="l"/>
+                <a:tab pos="8000999" algn="l"/>
+              </a:tabLst>
+              <a:defRPr lang="de-DE" sz="1600" b="0" i="0" u="none" strike="noStrike" baseline="0">
+                <a:ln>
+                  <a:noFill/>
+                </a:ln>
+                <a:solidFill>
+                  <a:srgbClr val="000000"/>
+                </a:solidFill>
+                <a:latin typeface="Verdana" pitchFamily="34"/>
+                <a:ea typeface="Arial Unicode MS" pitchFamily="2"/>
+                <a:cs typeface="Tahoma" pitchFamily="2"/>
+              </a:defRPr>
+            </a:lvl7pPr>
+            <a:lvl8pPr marL="2057400" marR="0" lvl="7" indent="-228600" algn="l" hangingPunct="1">
+              <a:lnSpc>
+                <a:spcPct val="100000"/>
+              </a:lnSpc>
+              <a:spcBef>
+                <a:spcPts val="400"/>
+              </a:spcBef>
+              <a:spcAft>
+                <a:spcPts val="0"/>
+              </a:spcAft>
+              <a:buClr>
+                <a:srgbClr val="FF9933"/>
+              </a:buClr>
+              <a:buSzPct val="100000"/>
+              <a:buFont typeface="Verdana" pitchFamily="34"/>
+              <a:buChar char="-"/>
+              <a:tabLst>
+                <a:tab pos="685799" algn="l"/>
+                <a:tab pos="1600200" algn="l"/>
+                <a:tab pos="2514600" algn="l"/>
+                <a:tab pos="3429000" algn="l"/>
+                <a:tab pos="4343400" algn="l"/>
+                <a:tab pos="5257800" algn="l"/>
+                <a:tab pos="6172200" algn="l"/>
+                <a:tab pos="7086600" algn="l"/>
+                <a:tab pos="8000999" algn="l"/>
+              </a:tabLst>
+              <a:defRPr lang="de-DE" sz="1600" b="0" i="0" u="none" strike="noStrike" baseline="0">
+                <a:ln>
+                  <a:noFill/>
+                </a:ln>
+                <a:solidFill>
+                  <a:srgbClr val="000000"/>
+                </a:solidFill>
+                <a:latin typeface="Verdana" pitchFamily="34"/>
+                <a:ea typeface="Arial Unicode MS" pitchFamily="2"/>
+                <a:cs typeface="Tahoma" pitchFamily="2"/>
+              </a:defRPr>
+            </a:lvl8pPr>
+            <a:lvl9pPr marL="1944000" marR="0" lvl="8" indent="-216000" algn="l" hangingPunct="1">
+              <a:lnSpc>
+                <a:spcPct val="100000"/>
+              </a:lnSpc>
+              <a:spcBef>
+                <a:spcPts val="400"/>
+              </a:spcBef>
+              <a:spcAft>
+                <a:spcPts val="0"/>
+              </a:spcAft>
+              <a:buSzPct val="45000"/>
+              <a:buFont typeface="StarSymbol"/>
+              <a:buChar char="●"/>
+              <a:tabLst>
+                <a:tab pos="685799" algn="l"/>
+                <a:tab pos="1600200" algn="l"/>
+                <a:tab pos="2514600" algn="l"/>
+                <a:tab pos="3429000" algn="l"/>
+                <a:tab pos="4343400" algn="l"/>
+                <a:tab pos="5257800" algn="l"/>
+                <a:tab pos="6172200" algn="l"/>
+                <a:tab pos="7086600" algn="l"/>
+                <a:tab pos="8000999" algn="l"/>
+              </a:tabLst>
+              <a:defRPr lang="de-DE" sz="1600" b="0" i="0" u="none" strike="noStrike" baseline="0">
+                <a:ln>
+                  <a:noFill/>
+                </a:ln>
+                <a:solidFill>
+                  <a:srgbClr val="000000"/>
+                </a:solidFill>
+                <a:latin typeface="Verdana" pitchFamily="34"/>
+                <a:ea typeface="Arial Unicode MS" pitchFamily="2"/>
+                <a:cs typeface="Tahoma" pitchFamily="2"/>
+              </a:defRPr>
+            </a:lvl9pPr>
+          </a:lstStyle>
+          <a:p>
+            <a:pPr lvl="0"/>
+            <a:r>
+              <a:rPr lang="de-DE" baseline="0" dirty="0" smtClean="0"/>
+              <a:t>Alle Java-Klassen des Syntaxbaums besitzen </a:t>
+            </a:r>
+            <a:r>
+              <a:rPr lang="de-DE" baseline="0" dirty="0" err="1" smtClean="0"/>
+              <a:t>get</a:t>
+            </a:r>
+            <a:r>
+              <a:rPr lang="de-DE" baseline="0" dirty="0" smtClean="0"/>
+              <a:t>-Methoden um Informationen</a:t>
+            </a:r>
+            <a:r>
+              <a:rPr lang="de-DE" dirty="0" smtClean="0"/>
+              <a:t> bereitstellen zu können</a:t>
+            </a:r>
+            <a:endParaRPr lang="de-DE" baseline="0" dirty="0" smtClean="0"/>
+          </a:p>
+          <a:p>
+            <a:pPr lvl="0"/>
+            <a:r>
+              <a:rPr lang="de-DE" baseline="0" dirty="0" smtClean="0"/>
+              <a:t>Dadurch wird Weiterverarbeitung für </a:t>
+            </a:r>
+            <a:r>
+              <a:rPr lang="de-DE" baseline="0" dirty="0" err="1" smtClean="0"/>
+              <a:t>Builder</a:t>
+            </a:r>
+            <a:r>
+              <a:rPr lang="de-DE" baseline="0" dirty="0" smtClean="0"/>
+              <a:t> erleichtert</a:t>
+            </a:r>
+          </a:p>
+          <a:p>
             <a:pPr lvl="0">
               <a:buNone/>
             </a:pPr>
+            <a:endParaRPr lang="de-DE" dirty="0" smtClean="0"/>
+          </a:p>
+          <a:p>
+            <a:pPr lvl="0"/>
             <a:r>
               <a:rPr lang="de-DE" dirty="0" smtClean="0"/>
-              <a:t>SWP</a:t>
+              <a:t>Aufgetretene Probleme:</a:t>
+            </a:r>
+          </a:p>
+          <a:p>
+            <a:pPr lvl="1"/>
+            <a:r>
+              <a:rPr lang="de-DE" dirty="0" smtClean="0"/>
+              <a:t>Ungenaue Spezifikation der Quellsprache</a:t>
+            </a:r>
+          </a:p>
+          <a:p>
+            <a:pPr lvl="1"/>
+            <a:r>
+              <a:rPr lang="de-DE" dirty="0" smtClean="0"/>
+              <a:t>Fehlerhafte Spezifikation der Quellsprache (z.B. fehlten Attribute bei Elementen)</a:t>
+            </a:r>
+            <a:endParaRPr lang="de-DE" dirty="0" smtClean="0"/>
+          </a:p>
+        </p:txBody>
+      </p:sp>
+    </p:spTree>
+  </p:cSld>
+  <p:clrMapOvr>
+    <a:masterClrMapping/>
+  </p:clrMapOvr>
+  <p:transition/>
+  <p:timing>
+    <p:tnLst>
+      <p:par>
+        <p:cTn id="1" dur="indefinite" restart="never" nodeType="tmRoot"/>
+      </p:par>
+    </p:tnLst>
+  </p:timing>
+</p:sld>
+</file>
+
+<file path=ppt/slides/slide13.xml><?xml version="1.0" encoding="utf-8"?>
+<p:sld xmlns:a="http://schemas.openxmlformats.org/drawingml/2006/main" xmlns:r="http://schemas.openxmlformats.org/officeDocument/2006/relationships" xmlns:p="http://schemas.openxmlformats.org/presentationml/2006/main">
+  <p:cSld>
+    <p:spTree>
+      <p:nvGrpSpPr>
+        <p:cNvPr id="1" name=""/>
+        <p:cNvGrpSpPr/>
+        <p:nvPr/>
+      </p:nvGrpSpPr>
+      <p:grpSpPr>
+        <a:xfrm>
+          <a:off x="0" y="0"/>
+          <a:ext cx="0" cy="0"/>
+          <a:chOff x="0" y="0"/>
+          <a:chExt cx="0" cy="0"/>
+        </a:xfrm>
+      </p:grpSpPr>
+      <p:sp>
+        <p:nvSpPr>
+          <p:cNvPr id="2" name="Titel 1"/>
+          <p:cNvSpPr txBox="1">
+            <a:spLocks noGrp="1"/>
+          </p:cNvSpPr>
+          <p:nvPr>
+            <p:ph type="title" idx="4294967295"/>
+          </p:nvPr>
+        </p:nvSpPr>
+        <p:spPr>
+          <a:xfrm>
+            <a:off x="202208" y="293323"/>
+            <a:ext cx="7502400" cy="338554"/>
+          </a:xfrm>
+        </p:spPr>
+        <p:txBody>
+          <a:bodyPr>
+            <a:spAutoFit/>
+          </a:bodyPr>
+          <a:lstStyle>
+            <a:defPPr lvl="0">
+              <a:buClr>
+                <a:srgbClr val="000000"/>
+              </a:buClr>
+              <a:buSzPct val="100000"/>
+              <a:buFont typeface="Verdana" pitchFamily="34"/>
+              <a:buNone/>
+            </a:defPPr>
+            <a:lvl1pPr lvl="0">
+              <a:buClr>
+                <a:srgbClr val="000000"/>
+              </a:buClr>
+              <a:buSzPct val="100000"/>
+              <a:buFont typeface="Verdana" pitchFamily="34"/>
+              <a:buChar char="•"/>
+            </a:lvl1pPr>
+            <a:lvl2pPr lvl="1">
+              <a:buSzPct val="45000"/>
+              <a:buFont typeface="StarSymbol"/>
+              <a:buChar char="●"/>
+            </a:lvl2pPr>
+            <a:lvl3pPr lvl="2">
+              <a:buSzPct val="45000"/>
+              <a:buFont typeface="StarSymbol"/>
+              <a:buChar char="●"/>
+            </a:lvl3pPr>
+            <a:lvl4pPr lvl="3">
+              <a:buSzPct val="45000"/>
+              <a:buFont typeface="StarSymbol"/>
+              <a:buChar char="●"/>
+            </a:lvl4pPr>
+            <a:lvl5pPr lvl="4">
+              <a:buSzPct val="45000"/>
+              <a:buFont typeface="StarSymbol"/>
+              <a:buChar char="●"/>
+            </a:lvl5pPr>
+            <a:lvl6pPr lvl="5">
+              <a:buSzPct val="45000"/>
+              <a:buFont typeface="StarSymbol"/>
+              <a:buChar char="●"/>
+            </a:lvl6pPr>
+            <a:lvl7pPr lvl="6">
+              <a:buSzPct val="45000"/>
+              <a:buFont typeface="StarSymbol"/>
+              <a:buChar char="●"/>
+            </a:lvl7pPr>
+            <a:lvl8pPr lvl="7">
+              <a:buSzPct val="45000"/>
+              <a:buFont typeface="StarSymbol"/>
+              <a:buChar char="●"/>
+            </a:lvl8pPr>
+            <a:lvl9pPr lvl="8">
+              <a:buSzPct val="45000"/>
+              <a:buFont typeface="StarSymbol"/>
+              <a:buChar char="●"/>
+            </a:lvl9pPr>
+          </a:lstStyle>
+          <a:p>
+            <a:pPr lvl="0" algn="ctr">
+              <a:buNone/>
+            </a:pPr>
+            <a:r>
+              <a:rPr lang="de-DE" baseline="0" dirty="0" err="1" smtClean="0"/>
+              <a:t>JavaBuilder</a:t>
             </a:r>
             <a:r>
               <a:rPr lang="de-DE" baseline="0" dirty="0" smtClean="0"/>
-              <a:t> Übersetzerbau – </a:t>
-            </a:r>
+              <a:t>: Einleitung</a:t>
+            </a:r>
+            <a:endParaRPr lang="de-DE" dirty="0"/>
+          </a:p>
+        </p:txBody>
+      </p:sp>
+      <p:sp>
+        <p:nvSpPr>
+          <p:cNvPr id="3" name="Textplatzhalter 2"/>
+          <p:cNvSpPr txBox="1">
+            <a:spLocks noGrp="1"/>
+          </p:cNvSpPr>
+          <p:nvPr>
+            <p:ph type="body" idx="4294967295"/>
+          </p:nvPr>
+        </p:nvSpPr>
+        <p:spPr>
+          <a:xfrm>
+            <a:off x="703080" y="1080000"/>
+            <a:ext cx="7936920" cy="3060000"/>
+          </a:xfrm>
+        </p:spPr>
+        <p:txBody>
+          <a:bodyPr>
+            <a:spAutoFit/>
+          </a:bodyPr>
+          <a:lstStyle>
+            <a:defPPr marL="342720" marR="0" lvl="0" indent="-342720" algn="l" hangingPunct="1">
+              <a:lnSpc>
+                <a:spcPct val="100000"/>
+              </a:lnSpc>
+              <a:spcBef>
+                <a:spcPts val="550"/>
+              </a:spcBef>
+              <a:spcAft>
+                <a:spcPts val="0"/>
+              </a:spcAft>
+              <a:buClr>
+                <a:srgbClr val="00245B"/>
+              </a:buClr>
+              <a:buSzPct val="120000"/>
+              <a:buFont typeface="Verdana" pitchFamily="34"/>
+              <a:buNone/>
+              <a:tabLst>
+                <a:tab pos="571320" algn="l"/>
+                <a:tab pos="1485719" algn="l"/>
+                <a:tab pos="2400119" algn="l"/>
+                <a:tab pos="3314519" algn="l"/>
+                <a:tab pos="4228919" algn="l"/>
+                <a:tab pos="5143320" algn="l"/>
+                <a:tab pos="6057720" algn="l"/>
+                <a:tab pos="6972120" algn="l"/>
+                <a:tab pos="7886520" algn="l"/>
+                <a:tab pos="8800920" algn="l"/>
+                <a:tab pos="9715320" algn="l"/>
+              </a:tabLst>
+              <a:defRPr lang="de-DE" sz="2200" b="0" i="0" u="none" strike="noStrike" baseline="0">
+                <a:ln>
+                  <a:noFill/>
+                </a:ln>
+                <a:solidFill>
+                  <a:srgbClr val="000000"/>
+                </a:solidFill>
+                <a:latin typeface="Verdana" pitchFamily="34"/>
+                <a:ea typeface="Arial Unicode MS" pitchFamily="2"/>
+                <a:cs typeface="Tahoma" pitchFamily="2"/>
+              </a:defRPr>
+            </a:defPPr>
+            <a:lvl1pPr marL="342720" marR="0" lvl="0" indent="-342720" algn="l" hangingPunct="1">
+              <a:lnSpc>
+                <a:spcPct val="100000"/>
+              </a:lnSpc>
+              <a:spcBef>
+                <a:spcPts val="550"/>
+              </a:spcBef>
+              <a:spcAft>
+                <a:spcPts val="0"/>
+              </a:spcAft>
+              <a:buClr>
+                <a:srgbClr val="00245B"/>
+              </a:buClr>
+              <a:buSzPct val="120000"/>
+              <a:buFont typeface="Verdana" pitchFamily="34"/>
+              <a:buChar char="•"/>
+              <a:tabLst>
+                <a:tab pos="571320" algn="l"/>
+                <a:tab pos="1485719" algn="l"/>
+                <a:tab pos="2400119" algn="l"/>
+                <a:tab pos="3314519" algn="l"/>
+                <a:tab pos="4228919" algn="l"/>
+                <a:tab pos="5143320" algn="l"/>
+                <a:tab pos="6057720" algn="l"/>
+                <a:tab pos="6972120" algn="l"/>
+                <a:tab pos="7886520" algn="l"/>
+                <a:tab pos="8800920" algn="l"/>
+                <a:tab pos="9715320" algn="l"/>
+              </a:tabLst>
+              <a:defRPr lang="de-DE" sz="2200" b="0" i="0" u="none" strike="noStrike" baseline="0">
+                <a:ln>
+                  <a:noFill/>
+                </a:ln>
+                <a:solidFill>
+                  <a:srgbClr val="000000"/>
+                </a:solidFill>
+                <a:latin typeface="Verdana" pitchFamily="34"/>
+                <a:ea typeface="Arial Unicode MS" pitchFamily="2"/>
+                <a:cs typeface="Tahoma" pitchFamily="2"/>
+              </a:defRPr>
+            </a:lvl1pPr>
+            <a:lvl2pPr marL="742680" marR="0" lvl="1" indent="-285480" algn="l" hangingPunct="1">
+              <a:lnSpc>
+                <a:spcPct val="100000"/>
+              </a:lnSpc>
+              <a:spcBef>
+                <a:spcPts val="499"/>
+              </a:spcBef>
+              <a:spcAft>
+                <a:spcPts val="0"/>
+              </a:spcAft>
+              <a:buClr>
+                <a:srgbClr val="CC0000"/>
+              </a:buClr>
+              <a:buSzPct val="100000"/>
+              <a:buFont typeface="Verdana" pitchFamily="34"/>
+              <a:buChar char="•"/>
+              <a:tabLst>
+                <a:tab pos="171360" algn="l"/>
+                <a:tab pos="1085759" algn="l"/>
+                <a:tab pos="2000160" algn="l"/>
+                <a:tab pos="2914560" algn="l"/>
+                <a:tab pos="3828959" algn="l"/>
+                <a:tab pos="4743360" algn="l"/>
+                <a:tab pos="5657760" algn="l"/>
+                <a:tab pos="6572160" algn="l"/>
+                <a:tab pos="7486560" algn="l"/>
+                <a:tab pos="8400960" algn="l"/>
+                <a:tab pos="9315360" algn="l"/>
+              </a:tabLst>
+              <a:defRPr lang="de-DE" sz="2000" b="0" i="0" u="none" strike="noStrike" baseline="0">
+                <a:ln>
+                  <a:noFill/>
+                </a:ln>
+                <a:solidFill>
+                  <a:srgbClr val="000000"/>
+                </a:solidFill>
+                <a:latin typeface="Verdana" pitchFamily="34"/>
+                <a:ea typeface="Arial Unicode MS" pitchFamily="2"/>
+                <a:cs typeface="Tahoma" pitchFamily="2"/>
+              </a:defRPr>
+            </a:lvl2pPr>
+            <a:lvl3pPr marL="1143000" marR="0" lvl="2" indent="-228600" algn="l" hangingPunct="1">
+              <a:lnSpc>
+                <a:spcPct val="100000"/>
+              </a:lnSpc>
+              <a:spcBef>
+                <a:spcPts val="448"/>
+              </a:spcBef>
+              <a:spcAft>
+                <a:spcPts val="0"/>
+              </a:spcAft>
+              <a:buClr>
+                <a:srgbClr val="99CC00"/>
+              </a:buClr>
+              <a:buSzPct val="100000"/>
+              <a:buFont typeface="Verdana" pitchFamily="34"/>
+              <a:buChar char="•"/>
+              <a:tabLst>
+                <a:tab pos="685799" algn="l"/>
+                <a:tab pos="1600200" algn="l"/>
+                <a:tab pos="2514600" algn="l"/>
+                <a:tab pos="3429000" algn="l"/>
+                <a:tab pos="4343400" algn="l"/>
+                <a:tab pos="5257800" algn="l"/>
+                <a:tab pos="6172200" algn="l"/>
+                <a:tab pos="7086600" algn="l"/>
+                <a:tab pos="8000999" algn="l"/>
+                <a:tab pos="8915399" algn="l"/>
+              </a:tabLst>
+              <a:defRPr lang="de-DE" sz="1800" b="0" i="0" u="none" strike="noStrike" baseline="0">
+                <a:ln>
+                  <a:noFill/>
+                </a:ln>
+                <a:solidFill>
+                  <a:srgbClr val="000000"/>
+                </a:solidFill>
+                <a:latin typeface="Verdana" pitchFamily="34"/>
+                <a:ea typeface="Arial Unicode MS" pitchFamily="2"/>
+                <a:cs typeface="Tahoma" pitchFamily="2"/>
+              </a:defRPr>
+            </a:lvl3pPr>
+            <a:lvl4pPr marL="1600199" marR="0" lvl="3" indent="-228600" algn="l" hangingPunct="1">
+              <a:lnSpc>
+                <a:spcPct val="100000"/>
+              </a:lnSpc>
+              <a:spcBef>
+                <a:spcPts val="400"/>
+              </a:spcBef>
+              <a:spcAft>
+                <a:spcPts val="0"/>
+              </a:spcAft>
+              <a:buClr>
+                <a:srgbClr val="FF9933"/>
+              </a:buClr>
+              <a:buSzPct val="100000"/>
+              <a:buFont typeface="Verdana" pitchFamily="34"/>
+              <a:buChar char="•"/>
+              <a:tabLst>
+                <a:tab pos="228600" algn="l"/>
+                <a:tab pos="1143000" algn="l"/>
+                <a:tab pos="2057400" algn="l"/>
+                <a:tab pos="2971800" algn="l"/>
+                <a:tab pos="3886200" algn="l"/>
+                <a:tab pos="4800600" algn="l"/>
+                <a:tab pos="5715000" algn="l"/>
+                <a:tab pos="6629400" algn="l"/>
+                <a:tab pos="7543799" algn="l"/>
+                <a:tab pos="8458200" algn="l"/>
+              </a:tabLst>
+              <a:defRPr lang="de-DE" sz="1600" b="0" i="0" u="none" strike="noStrike" baseline="0">
+                <a:ln>
+                  <a:noFill/>
+                </a:ln>
+                <a:solidFill>
+                  <a:srgbClr val="000000"/>
+                </a:solidFill>
+                <a:latin typeface="Verdana" pitchFamily="34"/>
+                <a:ea typeface="Arial Unicode MS" pitchFamily="2"/>
+                <a:cs typeface="Tahoma" pitchFamily="2"/>
+              </a:defRPr>
+            </a:lvl4pPr>
+            <a:lvl5pPr marL="2057400" marR="0" lvl="4" indent="-228600" algn="l" hangingPunct="1">
+              <a:lnSpc>
+                <a:spcPct val="100000"/>
+              </a:lnSpc>
+              <a:spcBef>
+                <a:spcPts val="400"/>
+              </a:spcBef>
+              <a:spcAft>
+                <a:spcPts val="0"/>
+              </a:spcAft>
+              <a:buClr>
+                <a:srgbClr val="FF9933"/>
+              </a:buClr>
+              <a:buSzPct val="100000"/>
+              <a:buFont typeface="Verdana" pitchFamily="34"/>
+              <a:buChar char="-"/>
+              <a:tabLst>
+                <a:tab pos="685799" algn="l"/>
+                <a:tab pos="1600200" algn="l"/>
+                <a:tab pos="2514600" algn="l"/>
+                <a:tab pos="3429000" algn="l"/>
+                <a:tab pos="4343400" algn="l"/>
+                <a:tab pos="5257800" algn="l"/>
+                <a:tab pos="6172200" algn="l"/>
+                <a:tab pos="7086600" algn="l"/>
+                <a:tab pos="8000999" algn="l"/>
+              </a:tabLst>
+              <a:defRPr lang="de-DE" sz="1600" b="0" i="0" u="none" strike="noStrike" baseline="0">
+                <a:ln>
+                  <a:noFill/>
+                </a:ln>
+                <a:solidFill>
+                  <a:srgbClr val="000000"/>
+                </a:solidFill>
+                <a:latin typeface="Verdana" pitchFamily="34"/>
+                <a:ea typeface="Arial Unicode MS" pitchFamily="2"/>
+                <a:cs typeface="Tahoma" pitchFamily="2"/>
+              </a:defRPr>
+            </a:lvl5pPr>
+            <a:lvl6pPr marL="2057400" marR="0" lvl="5" indent="-228600" algn="l" hangingPunct="1">
+              <a:lnSpc>
+                <a:spcPct val="100000"/>
+              </a:lnSpc>
+              <a:spcBef>
+                <a:spcPts val="400"/>
+              </a:spcBef>
+              <a:spcAft>
+                <a:spcPts val="0"/>
+              </a:spcAft>
+              <a:buClr>
+                <a:srgbClr val="FF9933"/>
+              </a:buClr>
+              <a:buSzPct val="100000"/>
+              <a:buFont typeface="Verdana" pitchFamily="34"/>
+              <a:buChar char="-"/>
+              <a:tabLst>
+                <a:tab pos="685799" algn="l"/>
+                <a:tab pos="1600200" algn="l"/>
+                <a:tab pos="2514600" algn="l"/>
+                <a:tab pos="3429000" algn="l"/>
+                <a:tab pos="4343400" algn="l"/>
+                <a:tab pos="5257800" algn="l"/>
+                <a:tab pos="6172200" algn="l"/>
+                <a:tab pos="7086600" algn="l"/>
+                <a:tab pos="8000999" algn="l"/>
+              </a:tabLst>
+              <a:defRPr lang="de-DE" sz="1600" b="0" i="0" u="none" strike="noStrike" baseline="0">
+                <a:ln>
+                  <a:noFill/>
+                </a:ln>
+                <a:solidFill>
+                  <a:srgbClr val="000000"/>
+                </a:solidFill>
+                <a:latin typeface="Verdana" pitchFamily="34"/>
+                <a:ea typeface="Arial Unicode MS" pitchFamily="2"/>
+                <a:cs typeface="Tahoma" pitchFamily="2"/>
+              </a:defRPr>
+            </a:lvl6pPr>
+            <a:lvl7pPr marL="2057400" marR="0" lvl="6" indent="-228600" algn="l" hangingPunct="1">
+              <a:lnSpc>
+                <a:spcPct val="100000"/>
+              </a:lnSpc>
+              <a:spcBef>
+                <a:spcPts val="400"/>
+              </a:spcBef>
+              <a:spcAft>
+                <a:spcPts val="0"/>
+              </a:spcAft>
+              <a:buClr>
+                <a:srgbClr val="FF9933"/>
+              </a:buClr>
+              <a:buSzPct val="100000"/>
+              <a:buFont typeface="Verdana" pitchFamily="34"/>
+              <a:buChar char="-"/>
+              <a:tabLst>
+                <a:tab pos="685799" algn="l"/>
+                <a:tab pos="1600200" algn="l"/>
+                <a:tab pos="2514600" algn="l"/>
+                <a:tab pos="3429000" algn="l"/>
+                <a:tab pos="4343400" algn="l"/>
+                <a:tab pos="5257800" algn="l"/>
+                <a:tab pos="6172200" algn="l"/>
+                <a:tab pos="7086600" algn="l"/>
+                <a:tab pos="8000999" algn="l"/>
+              </a:tabLst>
+              <a:defRPr lang="de-DE" sz="1600" b="0" i="0" u="none" strike="noStrike" baseline="0">
+                <a:ln>
+                  <a:noFill/>
+                </a:ln>
+                <a:solidFill>
+                  <a:srgbClr val="000000"/>
+                </a:solidFill>
+                <a:latin typeface="Verdana" pitchFamily="34"/>
+                <a:ea typeface="Arial Unicode MS" pitchFamily="2"/>
+                <a:cs typeface="Tahoma" pitchFamily="2"/>
+              </a:defRPr>
+            </a:lvl7pPr>
+            <a:lvl8pPr marL="2057400" marR="0" lvl="7" indent="-228600" algn="l" hangingPunct="1">
+              <a:lnSpc>
+                <a:spcPct val="100000"/>
+              </a:lnSpc>
+              <a:spcBef>
+                <a:spcPts val="400"/>
+              </a:spcBef>
+              <a:spcAft>
+                <a:spcPts val="0"/>
+              </a:spcAft>
+              <a:buClr>
+                <a:srgbClr val="FF9933"/>
+              </a:buClr>
+              <a:buSzPct val="100000"/>
+              <a:buFont typeface="Verdana" pitchFamily="34"/>
+              <a:buChar char="-"/>
+              <a:tabLst>
+                <a:tab pos="685799" algn="l"/>
+                <a:tab pos="1600200" algn="l"/>
+                <a:tab pos="2514600" algn="l"/>
+                <a:tab pos="3429000" algn="l"/>
+                <a:tab pos="4343400" algn="l"/>
+                <a:tab pos="5257800" algn="l"/>
+                <a:tab pos="6172200" algn="l"/>
+                <a:tab pos="7086600" algn="l"/>
+                <a:tab pos="8000999" algn="l"/>
+              </a:tabLst>
+              <a:defRPr lang="de-DE" sz="1600" b="0" i="0" u="none" strike="noStrike" baseline="0">
+                <a:ln>
+                  <a:noFill/>
+                </a:ln>
+                <a:solidFill>
+                  <a:srgbClr val="000000"/>
+                </a:solidFill>
+                <a:latin typeface="Verdana" pitchFamily="34"/>
+                <a:ea typeface="Arial Unicode MS" pitchFamily="2"/>
+                <a:cs typeface="Tahoma" pitchFamily="2"/>
+              </a:defRPr>
+            </a:lvl8pPr>
+            <a:lvl9pPr marL="1944000" marR="0" lvl="8" indent="-216000" algn="l" hangingPunct="1">
+              <a:lnSpc>
+                <a:spcPct val="100000"/>
+              </a:lnSpc>
+              <a:spcBef>
+                <a:spcPts val="400"/>
+              </a:spcBef>
+              <a:spcAft>
+                <a:spcPts val="0"/>
+              </a:spcAft>
+              <a:buSzPct val="45000"/>
+              <a:buFont typeface="StarSymbol"/>
+              <a:buChar char="●"/>
+              <a:tabLst>
+                <a:tab pos="685799" algn="l"/>
+                <a:tab pos="1600200" algn="l"/>
+                <a:tab pos="2514600" algn="l"/>
+                <a:tab pos="3429000" algn="l"/>
+                <a:tab pos="4343400" algn="l"/>
+                <a:tab pos="5257800" algn="l"/>
+                <a:tab pos="6172200" algn="l"/>
+                <a:tab pos="7086600" algn="l"/>
+                <a:tab pos="8000999" algn="l"/>
+              </a:tabLst>
+              <a:defRPr lang="de-DE" sz="1600" b="0" i="0" u="none" strike="noStrike" baseline="0">
+                <a:ln>
+                  <a:noFill/>
+                </a:ln>
+                <a:solidFill>
+                  <a:srgbClr val="000000"/>
+                </a:solidFill>
+                <a:latin typeface="Verdana" pitchFamily="34"/>
+                <a:ea typeface="Arial Unicode MS" pitchFamily="2"/>
+                <a:cs typeface="Tahoma" pitchFamily="2"/>
+              </a:defRPr>
+            </a:lvl9pPr>
+          </a:lstStyle>
+          <a:p>
+            <a:pPr lvl="0"/>
+            <a:r>
+              <a:rPr lang="de-DE" dirty="0" smtClean="0"/>
+              <a:t>Aufgabenbeschreibung </a:t>
+            </a:r>
+            <a:r>
+              <a:rPr lang="de-DE" dirty="0" err="1" smtClean="0"/>
+              <a:t>JavaBuilder</a:t>
+            </a:r>
+            <a:r>
+              <a:rPr lang="de-DE" dirty="0" smtClean="0"/>
+              <a:t>:</a:t>
+            </a:r>
+          </a:p>
+          <a:p>
+            <a:pPr lvl="1"/>
+            <a:r>
+              <a:rPr lang="de-DE" dirty="0" smtClean="0"/>
+              <a:t>Eingabe: Abstrakter Syntaxbaum</a:t>
+            </a:r>
+          </a:p>
+          <a:p>
+            <a:pPr lvl="1"/>
+            <a:r>
+              <a:rPr lang="de-DE" dirty="0" smtClean="0"/>
+              <a:t>Ausgabe: korrekter </a:t>
+            </a:r>
+            <a:r>
+              <a:rPr lang="de-DE" dirty="0" err="1" smtClean="0"/>
+              <a:t>Javasource</a:t>
+            </a:r>
+            <a:r>
+              <a:rPr lang="de-DE" dirty="0" smtClean="0"/>
+              <a:t> Code</a:t>
+            </a:r>
+          </a:p>
+        </p:txBody>
+      </p:sp>
+    </p:spTree>
+  </p:cSld>
+  <p:clrMapOvr>
+    <a:masterClrMapping/>
+  </p:clrMapOvr>
+  <p:transition/>
+  <p:timing>
+    <p:tnLst>
+      <p:par>
+        <p:cTn id="1" dur="indefinite" restart="never" nodeType="tmRoot"/>
+      </p:par>
+    </p:tnLst>
+  </p:timing>
+</p:sld>
+</file>
+
+<file path=ppt/slides/slide14.xml><?xml version="1.0" encoding="utf-8"?>
+<p:sld xmlns:a="http://schemas.openxmlformats.org/drawingml/2006/main" xmlns:r="http://schemas.openxmlformats.org/officeDocument/2006/relationships" xmlns:p="http://schemas.openxmlformats.org/presentationml/2006/main">
+  <p:cSld>
+    <p:spTree>
+      <p:nvGrpSpPr>
+        <p:cNvPr id="1" name=""/>
+        <p:cNvGrpSpPr/>
+        <p:nvPr/>
+      </p:nvGrpSpPr>
+      <p:grpSpPr>
+        <a:xfrm>
+          <a:off x="0" y="0"/>
+          <a:ext cx="0" cy="0"/>
+          <a:chOff x="0" y="0"/>
+          <a:chExt cx="0" cy="0"/>
+        </a:xfrm>
+      </p:grpSpPr>
+      <p:sp>
+        <p:nvSpPr>
+          <p:cNvPr id="2" name="Titel 1"/>
+          <p:cNvSpPr txBox="1">
+            <a:spLocks noGrp="1"/>
+          </p:cNvSpPr>
+          <p:nvPr>
+            <p:ph type="title" idx="4294967295"/>
+          </p:nvPr>
+        </p:nvSpPr>
+        <p:spPr>
+          <a:xfrm>
+            <a:off x="202208" y="293323"/>
+            <a:ext cx="7502400" cy="338554"/>
+          </a:xfrm>
+        </p:spPr>
+        <p:txBody>
+          <a:bodyPr>
+            <a:spAutoFit/>
+          </a:bodyPr>
+          <a:lstStyle>
+            <a:defPPr lvl="0">
+              <a:buClr>
+                <a:srgbClr val="000000"/>
+              </a:buClr>
+              <a:buSzPct val="100000"/>
+              <a:buFont typeface="Verdana" pitchFamily="34"/>
+              <a:buNone/>
+            </a:defPPr>
+            <a:lvl1pPr lvl="0">
+              <a:buClr>
+                <a:srgbClr val="000000"/>
+              </a:buClr>
+              <a:buSzPct val="100000"/>
+              <a:buFont typeface="Verdana" pitchFamily="34"/>
+              <a:buChar char="•"/>
+            </a:lvl1pPr>
+            <a:lvl2pPr lvl="1">
+              <a:buSzPct val="45000"/>
+              <a:buFont typeface="StarSymbol"/>
+              <a:buChar char="●"/>
+            </a:lvl2pPr>
+            <a:lvl3pPr lvl="2">
+              <a:buSzPct val="45000"/>
+              <a:buFont typeface="StarSymbol"/>
+              <a:buChar char="●"/>
+            </a:lvl3pPr>
+            <a:lvl4pPr lvl="3">
+              <a:buSzPct val="45000"/>
+              <a:buFont typeface="StarSymbol"/>
+              <a:buChar char="●"/>
+            </a:lvl4pPr>
+            <a:lvl5pPr lvl="4">
+              <a:buSzPct val="45000"/>
+              <a:buFont typeface="StarSymbol"/>
+              <a:buChar char="●"/>
+            </a:lvl5pPr>
+            <a:lvl6pPr lvl="5">
+              <a:buSzPct val="45000"/>
+              <a:buFont typeface="StarSymbol"/>
+              <a:buChar char="●"/>
+            </a:lvl6pPr>
+            <a:lvl7pPr lvl="6">
+              <a:buSzPct val="45000"/>
+              <a:buFont typeface="StarSymbol"/>
+              <a:buChar char="●"/>
+            </a:lvl7pPr>
+            <a:lvl8pPr lvl="7">
+              <a:buSzPct val="45000"/>
+              <a:buFont typeface="StarSymbol"/>
+              <a:buChar char="●"/>
+            </a:lvl8pPr>
+            <a:lvl9pPr lvl="8">
+              <a:buSzPct val="45000"/>
+              <a:buFont typeface="StarSymbol"/>
+              <a:buChar char="●"/>
+            </a:lvl9pPr>
+          </a:lstStyle>
+          <a:p>
+            <a:pPr lvl="0" algn="ctr">
+              <a:buNone/>
+            </a:pPr>
             <a:r>
               <a:rPr lang="de-DE" baseline="0" dirty="0" err="1" smtClean="0"/>
-              <a:t>JavaBuilder:Grundprinzip</a:t>
+              <a:t>JavaBuilder</a:t>
+            </a:r>
+            <a:r>
+              <a:rPr lang="de-DE" baseline="0" dirty="0" smtClean="0"/>
+              <a:t>: Grundprinzip</a:t>
             </a:r>
             <a:endParaRPr lang="de-DE" dirty="0"/>
           </a:p>
@@ -11945,7 +13455,7 @@
 </p:sld>
 </file>
 
-<file path=ppt/slides/slide13.xml><?xml version="1.0" encoding="utf-8"?>
+<file path=ppt/slides/slide15.xml><?xml version="1.0" encoding="utf-8"?>
 <p:sld xmlns:a="http://schemas.openxmlformats.org/drawingml/2006/main" xmlns:r="http://schemas.openxmlformats.org/officeDocument/2006/relationships" xmlns:p="http://schemas.openxmlformats.org/presentationml/2006/main">
   <p:cSld name="Vielen Dank!">
     <p:spTree>
@@ -12097,8 +13607,8 @@
         </p:nvSpPr>
         <p:spPr>
           <a:xfrm>
-            <a:off x="202208" y="0"/>
-            <a:ext cx="7502400" cy="925200"/>
+            <a:off x="202208" y="293323"/>
+            <a:ext cx="7502400" cy="338554"/>
           </a:xfrm>
         </p:spPr>
         <p:txBody>
@@ -12164,16 +13674,12 @@
             </a:lvl9pPr>
           </a:lstStyle>
           <a:p>
-            <a:pPr lvl="0">
+            <a:pPr lvl="0" algn="ctr">
               <a:buNone/>
             </a:pPr>
             <a:r>
-              <a:rPr lang="de-DE" dirty="0" smtClean="0"/>
-              <a:t>SWP</a:t>
-            </a:r>
-            <a:r>
               <a:rPr lang="de-DE" baseline="0" dirty="0" smtClean="0"/>
-              <a:t> Übersetzerbau - Übersicht</a:t>
+              <a:t>Übersicht</a:t>
             </a:r>
             <a:endParaRPr lang="de-DE" dirty="0"/>
           </a:p>
@@ -12192,7 +13698,7 @@
         <p:spPr>
           <a:xfrm>
             <a:off x="703080" y="1080000"/>
-            <a:ext cx="7936920" cy="3060000"/>
+            <a:ext cx="7936920" cy="1795363"/>
           </a:xfrm>
         </p:spPr>
         <p:txBody>
@@ -12597,14 +14103,29 @@
             </a:lvl9pPr>
           </a:lstStyle>
           <a:p>
-            <a:pPr lvl="0"/>
+            <a:pPr marL="857160" lvl="1" indent="-457200">
+              <a:buNone/>
+            </a:pPr>
             <a:r>
               <a:rPr lang="de-DE" dirty="0" smtClean="0"/>
-              <a:t>Abstrakter Syntaxbaum</a:t>
-            </a:r>
-          </a:p>
-          <a:p>
-            <a:pPr lvl="0"/>
+              <a:t>Inhalt:</a:t>
+            </a:r>
+          </a:p>
+          <a:p>
+            <a:pPr marL="857160" lvl="1" indent="-457200">
+              <a:buFont typeface="+mj-lt"/>
+              <a:buAutoNum type="arabicPeriod"/>
+            </a:pPr>
+            <a:r>
+              <a:rPr lang="de-DE" dirty="0" smtClean="0"/>
+              <a:t>Parsen zum Abstrakten Syntaxbaum</a:t>
+            </a:r>
+          </a:p>
+          <a:p>
+            <a:pPr marL="857160" lvl="1" indent="-457200">
+              <a:buFont typeface="+mj-lt"/>
+              <a:buAutoNum type="arabicPeriod"/>
+            </a:pPr>
             <a:r>
               <a:rPr lang="de-DE" dirty="0" err="1" smtClean="0"/>
               <a:t>JavaBuilder</a:t>
@@ -12612,7 +14133,10 @@
             <a:endParaRPr lang="de-DE" dirty="0" smtClean="0"/>
           </a:p>
           <a:p>
-            <a:pPr lvl="0"/>
+            <a:pPr marL="857160" lvl="1" indent="-457200">
+              <a:buFont typeface="+mj-lt"/>
+              <a:buAutoNum type="arabicPeriod"/>
+            </a:pPr>
             <a:r>
               <a:rPr lang="de-DE" dirty="0" smtClean="0"/>
               <a:t>Optionales Feature „</a:t>
@@ -12627,7 +14151,10 @@
             </a:r>
           </a:p>
           <a:p>
-            <a:pPr lvl="0"/>
+            <a:pPr marL="857160" lvl="1" indent="-457200">
+              <a:buFont typeface="+mj-lt"/>
+              <a:buAutoNum type="arabicPeriod"/>
+            </a:pPr>
             <a:r>
               <a:rPr lang="de-DE" dirty="0" smtClean="0"/>
               <a:t>Fehlerbehebung</a:t>
@@ -12681,8 +14208,8 @@
         </p:nvSpPr>
         <p:spPr>
           <a:xfrm>
-            <a:off x="202208" y="0"/>
-            <a:ext cx="7502400" cy="925200"/>
+            <a:off x="202208" y="293323"/>
+            <a:ext cx="7502400" cy="338554"/>
           </a:xfrm>
         </p:spPr>
         <p:txBody>
@@ -12748,20 +14275,12 @@
             </a:lvl9pPr>
           </a:lstStyle>
           <a:p>
-            <a:pPr lvl="0">
+            <a:pPr lvl="0" algn="ctr">
               <a:buNone/>
             </a:pPr>
             <a:r>
-              <a:rPr lang="de-DE" dirty="0" smtClean="0"/>
-              <a:t>SWP</a:t>
-            </a:r>
-            <a:r>
               <a:rPr lang="de-DE" baseline="0" dirty="0" smtClean="0"/>
-              <a:t> Übersetzerbau – </a:t>
-            </a:r>
-            <a:r>
-              <a:rPr lang="de-DE" baseline="0" dirty="0" err="1" smtClean="0"/>
-              <a:t>Syntaxbaum:Einleitung</a:t>
+              <a:t>Abstrakter Syntaxbaum: Einleitung</a:t>
             </a:r>
             <a:endParaRPr lang="de-DE" dirty="0"/>
           </a:p>
@@ -12780,7 +14299,7 @@
         <p:spPr>
           <a:xfrm>
             <a:off x="703080" y="1080000"/>
-            <a:ext cx="7936920" cy="1923604"/>
+            <a:ext cx="7936920" cy="2600712"/>
           </a:xfrm>
         </p:spPr>
         <p:txBody>
@@ -13185,37 +14704,45 @@
             </a:lvl9pPr>
           </a:lstStyle>
           <a:p>
-            <a:pPr lvl="0">
-              <a:buNone/>
-            </a:pPr>
             <a:r>
               <a:rPr lang="de-DE" dirty="0" smtClean="0"/>
-              <a:t>Aufgabenbeschreibung Syntaxbaum:</a:t>
-            </a:r>
-          </a:p>
-          <a:p>
-            <a:pPr lvl="0"/>
+              <a:t>Konzeption des abstrakten Syntaxbaums:</a:t>
+            </a:r>
+          </a:p>
+          <a:p>
+            <a:pPr lvl="1"/>
             <a:r>
               <a:rPr lang="de-DE" dirty="0" smtClean="0"/>
-              <a:t>Eingabe: Verarbeitung des DOM-Baums</a:t>
-            </a:r>
-          </a:p>
-          <a:p>
-            <a:pPr lvl="0"/>
+              <a:t>Ausarbeitung des Konzepts für Syntaxbaum erfolgte zusammen mit Markus</a:t>
+            </a:r>
+          </a:p>
+          <a:p>
+            <a:pPr lvl="1"/>
             <a:r>
               <a:rPr lang="de-DE" dirty="0" smtClean="0"/>
-              <a:t>Dabei: Einhaltung der Sprachspezifikation</a:t>
-            </a:r>
-          </a:p>
-          <a:p>
-            <a:pPr lvl="0"/>
+              <a:t>Aufgabenteilung: </a:t>
+            </a:r>
+          </a:p>
+          <a:p>
+            <a:pPr lvl="2"/>
             <a:r>
               <a:rPr lang="de-DE" dirty="0" smtClean="0"/>
-              <a:t>Ausgabe: Java-Objekte die Weiterverarbeitung zur Zielsprache</a:t>
-            </a:r>
-            <a:r>
-              <a:rPr lang="de-DE" baseline="0" dirty="0" smtClean="0"/>
-              <a:t> ermöglichen</a:t>
+              <a:t>das Parsen von Ausdrücken (</a:t>
+            </a:r>
+            <a:r>
+              <a:rPr lang="de-DE" dirty="0" err="1" smtClean="0"/>
+              <a:t>Expressions</a:t>
+            </a:r>
+            <a:r>
+              <a:rPr lang="de-DE" dirty="0" smtClean="0"/>
+              <a:t>) wurden von Markus implementiert</a:t>
+            </a:r>
+          </a:p>
+          <a:p>
+            <a:pPr lvl="2"/>
+            <a:r>
+              <a:rPr lang="de-DE" dirty="0" smtClean="0"/>
+              <a:t>Das Parsen aller Sprachelemente der Quellsprache wurde von Alexander implementiert</a:t>
             </a:r>
             <a:endParaRPr lang="de-DE" dirty="0" smtClean="0"/>
           </a:p>
@@ -13266,8 +14793,8 @@
         </p:nvSpPr>
         <p:spPr>
           <a:xfrm>
-            <a:off x="202208" y="0"/>
-            <a:ext cx="7502400" cy="925200"/>
+            <a:off x="202208" y="293323"/>
+            <a:ext cx="7502400" cy="338554"/>
           </a:xfrm>
         </p:spPr>
         <p:txBody>
@@ -13333,20 +14860,12 @@
             </a:lvl9pPr>
           </a:lstStyle>
           <a:p>
-            <a:pPr lvl="0">
+            <a:pPr lvl="0" algn="ctr">
               <a:buNone/>
             </a:pPr>
             <a:r>
-              <a:rPr lang="de-DE" dirty="0" smtClean="0"/>
-              <a:t>SWP</a:t>
-            </a:r>
-            <a:r>
               <a:rPr lang="de-DE" baseline="0" dirty="0" smtClean="0"/>
-              <a:t> Übersetzerbau – </a:t>
-            </a:r>
-            <a:r>
-              <a:rPr lang="de-DE" baseline="0" dirty="0" err="1" smtClean="0"/>
-              <a:t>Syntaxbaum:Grundprinzip</a:t>
+              <a:t>Abstrakter Syntaxbaum: Einleitung</a:t>
             </a:r>
             <a:endParaRPr lang="de-DE" dirty="0"/>
           </a:p>
@@ -13365,7 +14884,7 @@
         <p:spPr>
           <a:xfrm>
             <a:off x="703080" y="1080000"/>
-            <a:ext cx="7936920" cy="3060000"/>
+            <a:ext cx="7936920" cy="4934684"/>
           </a:xfrm>
         </p:spPr>
         <p:txBody>
@@ -13770,35 +15289,160 @@
             </a:lvl9pPr>
           </a:lstStyle>
           <a:p>
+            <a:pPr lvl="0">
+              <a:buNone/>
+            </a:pPr>
+            <a:r>
+              <a:rPr lang="de-DE" dirty="0" smtClean="0"/>
+              <a:t>Einordnung im Kompilierprozess:</a:t>
+            </a:r>
+          </a:p>
+          <a:p>
+            <a:pPr lvl="0">
+              <a:buNone/>
+            </a:pPr>
+            <a:r>
+              <a:rPr lang="de-DE" dirty="0" smtClean="0"/>
+              <a:t>... </a:t>
+            </a:r>
+            <a:r>
+              <a:rPr lang="de-DE" dirty="0" err="1" smtClean="0"/>
+              <a:t>Lexer</a:t>
+            </a:r>
+            <a:r>
+              <a:rPr lang="de-DE" dirty="0" smtClean="0"/>
+              <a:t> -&gt; DOM -&gt; </a:t>
+            </a:r>
+            <a:r>
+              <a:rPr lang="de-DE" b="1" dirty="0" smtClean="0"/>
+              <a:t>Syntaxbaum</a:t>
+            </a:r>
+            <a:r>
+              <a:rPr lang="de-DE" dirty="0" smtClean="0"/>
+              <a:t> -&gt; Zielsprache</a:t>
+            </a:r>
+            <a:r>
+              <a:rPr lang="de-DE" dirty="0" smtClean="0"/>
+              <a:t> </a:t>
+            </a:r>
+          </a:p>
+          <a:p>
+            <a:pPr lvl="0">
+              <a:buNone/>
+            </a:pPr>
+            <a:endParaRPr lang="de-DE" dirty="0" smtClean="0"/>
+          </a:p>
+          <a:p>
+            <a:pPr lvl="0">
+              <a:buNone/>
+            </a:pPr>
+            <a:r>
+              <a:rPr lang="de-DE" dirty="0" smtClean="0"/>
+              <a:t>Aufgabenbeschreibung </a:t>
+            </a:r>
+            <a:r>
+              <a:rPr lang="de-DE" dirty="0" smtClean="0"/>
+              <a:t>Syntaxbaum</a:t>
+            </a:r>
+            <a:r>
+              <a:rPr lang="de-DE" dirty="0" smtClean="0"/>
+              <a:t>:</a:t>
+            </a:r>
+          </a:p>
+          <a:p>
             <a:pPr lvl="0"/>
             <a:r>
               <a:rPr lang="de-DE" dirty="0" smtClean="0"/>
-              <a:t>Grundprinzip:</a:t>
+              <a:t>Eingabe</a:t>
+            </a:r>
+            <a:r>
+              <a:rPr lang="de-DE" dirty="0" smtClean="0"/>
+              <a:t>: </a:t>
+            </a:r>
+            <a:r>
+              <a:rPr lang="de-DE" dirty="0" smtClean="0"/>
+              <a:t>DOM-</a:t>
+            </a:r>
+            <a:r>
+              <a:rPr lang="de-DE" dirty="0" err="1" smtClean="0"/>
+              <a:t>Node</a:t>
+            </a:r>
+            <a:r>
+              <a:rPr lang="de-DE" dirty="0" smtClean="0"/>
+              <a:t> (Gesamtes Quellprogramm)</a:t>
             </a:r>
           </a:p>
           <a:p>
             <a:pPr lvl="1"/>
             <a:r>
               <a:rPr lang="de-DE" dirty="0" smtClean="0"/>
-              <a:t>Jedes</a:t>
+              <a:t>Überführung in Java-Objekte</a:t>
+            </a:r>
+            <a:endParaRPr lang="de-DE" dirty="0" smtClean="0"/>
+          </a:p>
+          <a:p>
+            <a:pPr lvl="1"/>
+            <a:r>
+              <a:rPr lang="de-DE" dirty="0" smtClean="0"/>
+              <a:t>Dabei: </a:t>
+            </a:r>
+            <a:r>
+              <a:rPr lang="de-DE" dirty="0" smtClean="0"/>
+              <a:t>Prüfung auf Einhaltung </a:t>
+            </a:r>
+            <a:r>
+              <a:rPr lang="de-DE" dirty="0" smtClean="0"/>
+              <a:t>der Sprachspezifikation</a:t>
+            </a:r>
+          </a:p>
+          <a:p>
+            <a:pPr lvl="0"/>
+            <a:endParaRPr lang="de-DE" dirty="0" smtClean="0"/>
+          </a:p>
+          <a:p>
+            <a:pPr lvl="0"/>
+            <a:r>
+              <a:rPr lang="de-DE" dirty="0" smtClean="0"/>
+              <a:t>Ausgabe</a:t>
+            </a:r>
+            <a:r>
+              <a:rPr lang="de-DE" dirty="0" smtClean="0"/>
+              <a:t>: </a:t>
+            </a:r>
+            <a:r>
+              <a:rPr lang="de-DE" i="1" dirty="0" err="1" smtClean="0"/>
+              <a:t>AbstractSyntaxTree</a:t>
+            </a:r>
+            <a:r>
+              <a:rPr lang="de-DE" dirty="0" smtClean="0"/>
+              <a:t> </a:t>
+            </a:r>
+            <a:endParaRPr lang="de-DE" i="1" dirty="0" smtClean="0"/>
+          </a:p>
+          <a:p>
+            <a:pPr lvl="1"/>
+            <a:r>
+              <a:rPr lang="de-DE" dirty="0" smtClean="0"/>
+              <a:t>Java-Objekte </a:t>
+            </a:r>
+            <a:r>
+              <a:rPr lang="de-DE" dirty="0" smtClean="0"/>
+              <a:t>die Weiterverarbeitung zur Zielsprache</a:t>
             </a:r>
             <a:r>
               <a:rPr lang="de-DE" baseline="0" dirty="0" smtClean="0"/>
-              <a:t> XML Sprachelement (Statement) besitzt korrespondierende Java-Klasse</a:t>
+              <a:t> </a:t>
+            </a:r>
+            <a:r>
+              <a:rPr lang="de-DE" baseline="0" dirty="0" smtClean="0"/>
+              <a:t>ermöglichen</a:t>
             </a:r>
           </a:p>
           <a:p>
             <a:pPr lvl="1"/>
             <a:r>
-              <a:rPr lang="de-DE" baseline="0" dirty="0" smtClean="0"/>
-              <a:t>Die jeweiligen XML-Elementattribute werden zu Java-Klassenattributen</a:t>
-            </a:r>
-          </a:p>
-          <a:p>
-            <a:pPr lvl="1"/>
-            <a:r>
-              <a:rPr lang="de-DE" baseline="0" dirty="0" smtClean="0"/>
-              <a:t>Mögliche eingeschlossene XML-Elemente werden zu entsprechenden Listenobjekten hinzugefügt</a:t>
+              <a:rPr lang="de-DE" dirty="0" smtClean="0"/>
+              <a:t>Syntaxbaum stellt syntaktisch korrektes Quellprogramm sicher, ansonsten Fehlermeldung</a:t>
             </a:r>
             <a:endParaRPr lang="de-DE" dirty="0" smtClean="0"/>
           </a:p>
@@ -13849,8 +15493,8 @@
         </p:nvSpPr>
         <p:spPr>
           <a:xfrm>
-            <a:off x="202208" y="0"/>
-            <a:ext cx="7502400" cy="925200"/>
+            <a:off x="202208" y="293323"/>
+            <a:ext cx="7502400" cy="338554"/>
           </a:xfrm>
         </p:spPr>
         <p:txBody>
@@ -13916,20 +15560,12 @@
             </a:lvl9pPr>
           </a:lstStyle>
           <a:p>
-            <a:pPr lvl="0">
+            <a:pPr lvl="0" algn="ctr">
               <a:buNone/>
             </a:pPr>
             <a:r>
-              <a:rPr lang="de-DE" dirty="0" smtClean="0"/>
-              <a:t>SWP</a:t>
-            </a:r>
-            <a:r>
               <a:rPr lang="de-DE" baseline="0" dirty="0" smtClean="0"/>
-              <a:t> Übersetzerbau – </a:t>
-            </a:r>
-            <a:r>
-              <a:rPr lang="de-DE" baseline="0" dirty="0" err="1" smtClean="0"/>
-              <a:t>Syntaxbaum:Aufbau</a:t>
+              <a:t>Syntaxbaum: Grundprinzip</a:t>
             </a:r>
             <a:endParaRPr lang="de-DE" dirty="0"/>
           </a:p>
@@ -13948,7 +15584,7 @@
         <p:spPr>
           <a:xfrm>
             <a:off x="703080" y="1080000"/>
-            <a:ext cx="7936920" cy="3060000"/>
+            <a:ext cx="7936920" cy="4937249"/>
           </a:xfrm>
         </p:spPr>
         <p:txBody>
@@ -14356,80 +15992,516 @@
             <a:pPr lvl="0"/>
             <a:r>
               <a:rPr lang="de-DE" dirty="0" smtClean="0"/>
-              <a:t>Aufbau des Syntaxbaums:</a:t>
-            </a:r>
+              <a:t>Grundprinzip des </a:t>
+            </a:r>
+            <a:r>
+              <a:rPr lang="de-DE" dirty="0" err="1" smtClean="0"/>
+              <a:t>Parsvorgangs</a:t>
+            </a:r>
+            <a:r>
+              <a:rPr lang="de-DE" dirty="0" smtClean="0"/>
+              <a:t>:</a:t>
+            </a:r>
+            <a:endParaRPr lang="de-DE" dirty="0" smtClean="0"/>
           </a:p>
           <a:p>
             <a:pPr lvl="1"/>
             <a:r>
+              <a:rPr lang="de-DE" dirty="0" smtClean="0"/>
+              <a:t>Jedes</a:t>
+            </a:r>
+            <a:r>
+              <a:rPr lang="de-DE" baseline="0" dirty="0" smtClean="0"/>
+              <a:t> XML Sprachelement (Statement) besitzt korrespondierende </a:t>
+            </a:r>
+            <a:r>
+              <a:rPr lang="de-DE" baseline="0" dirty="0" smtClean="0"/>
+              <a:t>Java-Klasse, z.B.:</a:t>
+            </a:r>
+          </a:p>
+          <a:p>
+            <a:pPr lvl="2"/>
+            <a:endParaRPr lang="en-US" baseline="0" dirty="0" smtClean="0"/>
+          </a:p>
+          <a:p>
+            <a:pPr lvl="1"/>
+            <a:endParaRPr lang="en-US" dirty="0" smtClean="0"/>
+          </a:p>
+          <a:p>
+            <a:pPr lvl="1"/>
+            <a:endParaRPr lang="de-DE" baseline="0" dirty="0" smtClean="0"/>
+          </a:p>
+          <a:p>
+            <a:pPr lvl="1">
+              <a:buNone/>
+            </a:pPr>
+            <a:endParaRPr lang="de-DE" baseline="0" dirty="0" smtClean="0"/>
+          </a:p>
+          <a:p>
+            <a:pPr lvl="1"/>
+            <a:r>
+              <a:rPr lang="de-DE" baseline="0" dirty="0" smtClean="0"/>
+              <a:t>Die </a:t>
+            </a:r>
+            <a:r>
+              <a:rPr lang="de-DE" baseline="0" dirty="0" smtClean="0"/>
+              <a:t>jeweiligen XML-Elementattribute werden zu </a:t>
+            </a:r>
+            <a:r>
+              <a:rPr lang="de-DE" baseline="0" dirty="0" smtClean="0"/>
+              <a:t>Java-Klassenattributen geparst</a:t>
+            </a:r>
+          </a:p>
+          <a:p>
+            <a:pPr lvl="1"/>
+            <a:endParaRPr lang="de-DE" baseline="0" dirty="0" smtClean="0"/>
+          </a:p>
+          <a:p>
+            <a:pPr lvl="1"/>
+            <a:r>
+              <a:rPr lang="de-DE" baseline="0" dirty="0" smtClean="0"/>
+              <a:t>Mögliche </a:t>
+            </a:r>
+            <a:r>
+              <a:rPr lang="de-DE" baseline="0" dirty="0" smtClean="0"/>
+              <a:t>XML</a:t>
+            </a:r>
+            <a:r>
+              <a:rPr lang="de-DE" dirty="0" smtClean="0"/>
+              <a:t> </a:t>
+            </a:r>
+            <a:r>
               <a:rPr lang="de-DE" dirty="0" err="1" smtClean="0"/>
-              <a:t>Konstruktor</a:t>
+              <a:t>Kinde</a:t>
+            </a:r>
+            <a:r>
+              <a:rPr lang="de-DE" baseline="0" dirty="0" err="1" smtClean="0"/>
+              <a:t>lemente</a:t>
+            </a:r>
+            <a:r>
+              <a:rPr lang="de-DE" baseline="0" dirty="0" smtClean="0"/>
+              <a:t> </a:t>
+            </a:r>
+            <a:r>
+              <a:rPr lang="de-DE" baseline="0" dirty="0" smtClean="0"/>
+              <a:t>werden zu entsprechenden Listenobjekten </a:t>
+            </a:r>
+            <a:r>
+              <a:rPr lang="de-DE" baseline="0" dirty="0" smtClean="0"/>
+              <a:t>hinzugefügt</a:t>
             </a:r>
             <a:r>
               <a:rPr lang="de-DE" dirty="0" smtClean="0"/>
-              <a:t> der Java-Klasse (korrespondierend</a:t>
-            </a:r>
-            <a:r>
-              <a:rPr lang="de-DE" baseline="0" dirty="0" smtClean="0"/>
-              <a:t> zum XML-Element) wird mit entsprechendem </a:t>
-            </a:r>
-            <a:r>
-              <a:rPr lang="de-DE" i="1" baseline="0" dirty="0" err="1" smtClean="0"/>
-              <a:t>DomNode</a:t>
-            </a:r>
-            <a:r>
-              <a:rPr lang="de-DE" i="0" baseline="0" dirty="0" smtClean="0"/>
-              <a:t> als Parameter aufgerufen</a:t>
+              <a:t>, z.B.:</a:t>
             </a:r>
           </a:p>
           <a:p>
             <a:pPr lvl="1"/>
-            <a:r>
-              <a:rPr lang="de-DE" i="0" baseline="0" dirty="0" smtClean="0"/>
-              <a:t>Verarbeitung der Pflichtattribute</a:t>
-            </a:r>
+            <a:endParaRPr lang="de-DE" dirty="0" smtClean="0"/>
           </a:p>
           <a:p>
             <a:pPr lvl="1"/>
-            <a:r>
-              <a:rPr lang="de-DE" i="0" baseline="0" dirty="0" smtClean="0"/>
-              <a:t>Verarbeitung möglicher optionaler Attribute</a:t>
-            </a:r>
-          </a:p>
-          <a:p>
-            <a:pPr lvl="1"/>
-            <a:r>
-              <a:rPr lang="de-DE" i="0" baseline="0" dirty="0" smtClean="0"/>
-              <a:t>Verarbeitung möglicher Kinderknoten des </a:t>
-            </a:r>
-            <a:r>
-              <a:rPr lang="de-DE" i="1" baseline="0" dirty="0" err="1" smtClean="0"/>
-              <a:t>DomNode</a:t>
-            </a:r>
-            <a:r>
-              <a:rPr lang="de-DE" i="0" baseline="0" dirty="0" smtClean="0"/>
-              <a:t> indem erneut </a:t>
-            </a:r>
-            <a:r>
-              <a:rPr lang="de-DE" i="0" baseline="0" dirty="0" err="1" smtClean="0"/>
-              <a:t>Konstrukto</a:t>
-            </a:r>
-            <a:r>
-              <a:rPr lang="de-DE" i="0" baseline="0" dirty="0" smtClean="0"/>
-              <a:t> mit </a:t>
-            </a:r>
-            <a:r>
-              <a:rPr lang="de-DE" i="0" baseline="0" dirty="0" err="1" smtClean="0"/>
-              <a:t>Kindknoten</a:t>
-            </a:r>
-            <a:r>
-              <a:rPr lang="de-DE" i="0" baseline="0" dirty="0" smtClean="0"/>
-              <a:t> als Parameter aufgerufen wird</a:t>
-            </a:r>
-            <a:endParaRPr lang="de-DE" dirty="0" smtClean="0"/>
+            <a:endParaRPr lang="de-DE" baseline="0" dirty="0" smtClean="0"/>
           </a:p>
         </p:txBody>
       </p:sp>
+      <p:graphicFrame>
+        <p:nvGraphicFramePr>
+          <p:cNvPr id="7" name="Tabelle 6"/>
+          <p:cNvGraphicFramePr>
+            <a:graphicFrameLocks noGrp="1"/>
+          </p:cNvGraphicFramePr>
+          <p:nvPr/>
+        </p:nvGraphicFramePr>
+        <p:xfrm>
+          <a:off x="791840" y="2195661"/>
+          <a:ext cx="7560840" cy="1112520"/>
+        </p:xfrm>
+        <a:graphic>
+          <a:graphicData uri="http://schemas.openxmlformats.org/drawingml/2006/table">
+            <a:tbl>
+              <a:tblPr firstRow="1" bandRow="1">
+                <a:tableStyleId>{5C22544A-7EE6-4342-B048-85BDC9FD1C3A}</a:tableStyleId>
+              </a:tblPr>
+              <a:tblGrid>
+                <a:gridCol w="3780420"/>
+                <a:gridCol w="3780420"/>
+              </a:tblGrid>
+              <a:tr h="370840">
+                <a:tc>
+                  <a:txBody>
+                    <a:bodyPr/>
+                    <a:lstStyle/>
+                    <a:p>
+                      <a:r>
+                        <a:rPr lang="de-DE" dirty="0" smtClean="0"/>
+                        <a:t>XML</a:t>
+                      </a:r>
+                      <a:endParaRPr lang="de-DE" dirty="0"/>
+                    </a:p>
+                  </a:txBody>
+                  <a:tcPr/>
+                </a:tc>
+                <a:tc>
+                  <a:txBody>
+                    <a:bodyPr/>
+                    <a:lstStyle/>
+                    <a:p>
+                      <a:r>
+                        <a:rPr lang="de-DE" dirty="0" smtClean="0"/>
+                        <a:t>Java-Klasse</a:t>
+                      </a:r>
+                      <a:endParaRPr lang="de-DE" dirty="0"/>
+                    </a:p>
+                  </a:txBody>
+                  <a:tcPr/>
+                </a:tc>
+              </a:tr>
+              <a:tr h="370840">
+                <a:tc>
+                  <a:txBody>
+                    <a:bodyPr/>
+                    <a:lstStyle/>
+                    <a:p>
+                      <a:pPr marL="0" marR="0" indent="0" defTabSz="914400" eaLnBrk="1" fontAlgn="auto" latinLnBrk="0" hangingPunct="1">
+                        <a:lnSpc>
+                          <a:spcPct val="100000"/>
+                        </a:lnSpc>
+                        <a:spcBef>
+                          <a:spcPts val="0"/>
+                        </a:spcBef>
+                        <a:spcAft>
+                          <a:spcPts val="0"/>
+                        </a:spcAft>
+                        <a:buClrTx/>
+                        <a:buSzTx/>
+                        <a:buFontTx/>
+                        <a:buNone/>
+                        <a:tabLst/>
+                        <a:defRPr/>
+                      </a:pPr>
+                      <a:r>
+                        <a:rPr lang="en-US" dirty="0" smtClean="0"/>
+                        <a:t>&lt;</a:t>
+                      </a:r>
+                      <a:r>
+                        <a:rPr lang="en-US" dirty="0" err="1" smtClean="0"/>
+                        <a:t>decl</a:t>
+                      </a:r>
+                      <a:r>
+                        <a:rPr lang="en-US" dirty="0" smtClean="0"/>
+                        <a:t> type="</a:t>
+                      </a:r>
+                      <a:r>
+                        <a:rPr lang="en-US" dirty="0" err="1" smtClean="0"/>
+                        <a:t>int</a:t>
+                      </a:r>
+                      <a:r>
+                        <a:rPr lang="en-US" dirty="0" smtClean="0"/>
+                        <a:t>"  name=“b"/&gt;</a:t>
+                      </a:r>
+                      <a:endParaRPr lang="de-DE" dirty="0" smtClean="0"/>
+                    </a:p>
+                  </a:txBody>
+                  <a:tcPr/>
+                </a:tc>
+                <a:tc>
+                  <a:txBody>
+                    <a:bodyPr/>
+                    <a:lstStyle/>
+                    <a:p>
+                      <a:pPr marL="0" marR="0" lvl="2" indent="0" defTabSz="914400" eaLnBrk="1" fontAlgn="auto" latinLnBrk="0" hangingPunct="1">
+                        <a:lnSpc>
+                          <a:spcPct val="100000"/>
+                        </a:lnSpc>
+                        <a:spcBef>
+                          <a:spcPts val="0"/>
+                        </a:spcBef>
+                        <a:spcAft>
+                          <a:spcPts val="0"/>
+                        </a:spcAft>
+                        <a:buClrTx/>
+                        <a:buSzTx/>
+                        <a:buFontTx/>
+                        <a:buNone/>
+                        <a:tabLst/>
+                        <a:defRPr/>
+                      </a:pPr>
+                      <a:r>
+                        <a:rPr lang="en-US" dirty="0" err="1" smtClean="0"/>
+                        <a:t>DeclarationStatement</a:t>
+                      </a:r>
+                      <a:endParaRPr lang="en-US" dirty="0" smtClean="0"/>
+                    </a:p>
+                  </a:txBody>
+                  <a:tcPr/>
+                </a:tc>
+              </a:tr>
+              <a:tr h="370840">
+                <a:tc>
+                  <a:txBody>
+                    <a:bodyPr/>
+                    <a:lstStyle/>
+                    <a:p>
+                      <a:pPr marL="0" marR="0" indent="0" defTabSz="914400" eaLnBrk="1" fontAlgn="auto" latinLnBrk="0" hangingPunct="1">
+                        <a:lnSpc>
+                          <a:spcPct val="100000"/>
+                        </a:lnSpc>
+                        <a:spcBef>
+                          <a:spcPts val="0"/>
+                        </a:spcBef>
+                        <a:spcAft>
+                          <a:spcPts val="0"/>
+                        </a:spcAft>
+                        <a:buClrTx/>
+                        <a:buSzTx/>
+                        <a:buFontTx/>
+                        <a:buNone/>
+                        <a:tabLst/>
+                        <a:defRPr/>
+                      </a:pPr>
+                      <a:r>
+                        <a:rPr lang="en-US" dirty="0" smtClean="0"/>
+                        <a:t>&lt;set name="b" value=“258"/&gt;</a:t>
+                      </a:r>
+                      <a:endParaRPr lang="de-DE" dirty="0" smtClean="0"/>
+                    </a:p>
+                  </a:txBody>
+                  <a:tcPr/>
+                </a:tc>
+                <a:tc>
+                  <a:txBody>
+                    <a:bodyPr/>
+                    <a:lstStyle/>
+                    <a:p>
+                      <a:pPr marL="0" marR="0" lvl="2" indent="0" defTabSz="914400" eaLnBrk="1" fontAlgn="auto" latinLnBrk="0" hangingPunct="1">
+                        <a:lnSpc>
+                          <a:spcPct val="100000"/>
+                        </a:lnSpc>
+                        <a:spcBef>
+                          <a:spcPts val="0"/>
+                        </a:spcBef>
+                        <a:spcAft>
+                          <a:spcPts val="0"/>
+                        </a:spcAft>
+                        <a:buClrTx/>
+                        <a:buSzTx/>
+                        <a:buFontTx/>
+                        <a:buNone/>
+                        <a:tabLst/>
+                        <a:defRPr/>
+                      </a:pPr>
+                      <a:r>
+                        <a:rPr lang="en-US" dirty="0" err="1" smtClean="0"/>
+                        <a:t>SetStatement</a:t>
+                      </a:r>
+                      <a:endParaRPr lang="en-US" dirty="0" smtClean="0"/>
+                    </a:p>
+                  </a:txBody>
+                  <a:tcPr/>
+                </a:tc>
+              </a:tr>
+            </a:tbl>
+          </a:graphicData>
+        </a:graphic>
+      </p:graphicFrame>
+      <p:graphicFrame>
+        <p:nvGraphicFramePr>
+          <p:cNvPr id="9" name="Tabelle 8"/>
+          <p:cNvGraphicFramePr>
+            <a:graphicFrameLocks noGrp="1"/>
+          </p:cNvGraphicFramePr>
+          <p:nvPr/>
+        </p:nvGraphicFramePr>
+        <p:xfrm>
+          <a:off x="791840" y="5292005"/>
+          <a:ext cx="7560840" cy="1463040"/>
+        </p:xfrm>
+        <a:graphic>
+          <a:graphicData uri="http://schemas.openxmlformats.org/drawingml/2006/table">
+            <a:tbl>
+              <a:tblPr firstRow="1" bandRow="1">
+                <a:tableStyleId>{5C22544A-7EE6-4342-B048-85BDC9FD1C3A}</a:tableStyleId>
+              </a:tblPr>
+              <a:tblGrid>
+                <a:gridCol w="3780420"/>
+                <a:gridCol w="3780420"/>
+              </a:tblGrid>
+              <a:tr h="370840">
+                <a:tc>
+                  <a:txBody>
+                    <a:bodyPr/>
+                    <a:lstStyle/>
+                    <a:p>
+                      <a:r>
+                        <a:rPr lang="en-US" b="0" dirty="0" smtClean="0"/>
+                        <a:t>&lt;function name=</a:t>
+                      </a:r>
+                      <a:r>
+                        <a:rPr lang="en-US" b="0" dirty="0" smtClean="0"/>
+                        <a:t>"</a:t>
+                      </a:r>
+                      <a:r>
+                        <a:rPr lang="en-US" b="0" dirty="0" smtClean="0"/>
+                        <a:t>a"  returns="</a:t>
+                      </a:r>
+                      <a:r>
+                        <a:rPr lang="en-US" b="0" dirty="0" err="1" smtClean="0"/>
+                        <a:t>int</a:t>
+                      </a:r>
+                      <a:r>
+                        <a:rPr lang="en-US" b="0" dirty="0" smtClean="0"/>
+                        <a:t>“ &gt;</a:t>
+                      </a:r>
+                    </a:p>
+                    <a:p>
+                      <a:r>
+                        <a:rPr lang="en-US" b="0" dirty="0" smtClean="0"/>
+                        <a:t>      &lt;arguments&gt;</a:t>
+                      </a:r>
+                    </a:p>
+                    <a:p>
+                      <a:r>
+                        <a:rPr lang="en-US" b="1" i="1" dirty="0" smtClean="0"/>
+                        <a:t>            XML </a:t>
+                      </a:r>
+                      <a:r>
+                        <a:rPr lang="en-US" b="1" i="1" dirty="0" err="1" smtClean="0"/>
+                        <a:t>Kindelement</a:t>
+                      </a:r>
+                      <a:r>
+                        <a:rPr lang="en-US" b="1" i="1" dirty="0" smtClean="0"/>
+                        <a:t>(e) </a:t>
+                      </a:r>
+                    </a:p>
+                    <a:p>
+                      <a:r>
+                        <a:rPr lang="en-US" b="0" dirty="0" smtClean="0"/>
+                        <a:t>      &lt;/arguments&gt;</a:t>
+                      </a:r>
+                    </a:p>
+                    <a:p>
+                      <a:r>
+                        <a:rPr lang="en-US" b="1" i="1" dirty="0" smtClean="0"/>
+                        <a:t>      </a:t>
+                      </a:r>
+                      <a:r>
+                        <a:rPr lang="en-US" b="1" i="1" dirty="0" err="1" smtClean="0"/>
+                        <a:t>Weitere</a:t>
+                      </a:r>
+                      <a:r>
+                        <a:rPr lang="en-US" b="1" i="1" dirty="0" smtClean="0"/>
+                        <a:t>  XML </a:t>
+                      </a:r>
+                      <a:r>
+                        <a:rPr lang="en-US" b="1" i="1" dirty="0" err="1" smtClean="0"/>
+                        <a:t>Kindelement</a:t>
+                      </a:r>
+                      <a:r>
+                        <a:rPr lang="en-US" b="1" i="1" dirty="0" smtClean="0"/>
+                        <a:t>(e) </a:t>
+                      </a:r>
+                      <a:endParaRPr lang="de-DE" dirty="0"/>
+                    </a:p>
+                  </a:txBody>
+                  <a:tcPr/>
+                </a:tc>
+                <a:tc>
+                  <a:txBody>
+                    <a:bodyPr/>
+                    <a:lstStyle/>
+                    <a:p>
+                      <a:r>
+                        <a:rPr lang="de-DE" sz="1800" b="0" dirty="0" smtClean="0">
+                          <a:solidFill>
+                            <a:schemeClr val="lt1"/>
+                          </a:solidFill>
+                          <a:latin typeface="+mn-lt"/>
+                          <a:ea typeface="+mn-ea"/>
+                          <a:cs typeface="+mn-cs"/>
+                        </a:rPr>
+                        <a:t>...</a:t>
+                      </a:r>
+                    </a:p>
+                    <a:p>
+                      <a:r>
+                        <a:rPr lang="de-DE" sz="1800" b="0" dirty="0" smtClean="0">
+                          <a:solidFill>
+                            <a:schemeClr val="lt1"/>
+                          </a:solidFill>
+                          <a:latin typeface="+mn-lt"/>
+                          <a:ea typeface="+mn-ea"/>
+                          <a:cs typeface="+mn-cs"/>
+                        </a:rPr>
+                        <a:t>arguments.add(</a:t>
+                      </a:r>
+                      <a:r>
+                        <a:rPr lang="de-DE" sz="1800" b="0" dirty="0" err="1" smtClean="0">
+                          <a:solidFill>
+                            <a:schemeClr val="lt1"/>
+                          </a:solidFill>
+                          <a:latin typeface="+mn-lt"/>
+                          <a:ea typeface="+mn-ea"/>
+                          <a:cs typeface="+mn-cs"/>
+                        </a:rPr>
+                        <a:t>new</a:t>
+                      </a:r>
+                      <a:r>
+                        <a:rPr lang="de-DE" sz="1800" b="0" dirty="0" smtClean="0">
+                          <a:solidFill>
+                            <a:schemeClr val="lt1"/>
+                          </a:solidFill>
+                          <a:latin typeface="+mn-lt"/>
+                          <a:ea typeface="+mn-ea"/>
+                          <a:cs typeface="+mn-cs"/>
+                        </a:rPr>
+                        <a:t>  </a:t>
+                      </a:r>
+                      <a:r>
+                        <a:rPr lang="de-DE" sz="1800" b="0" dirty="0" err="1" smtClean="0">
+                          <a:solidFill>
+                            <a:schemeClr val="lt1"/>
+                          </a:solidFill>
+                          <a:latin typeface="+mn-lt"/>
+                          <a:ea typeface="+mn-ea"/>
+                          <a:cs typeface="+mn-cs"/>
+                        </a:rPr>
+                        <a:t>DeclarationStatement</a:t>
+                      </a:r>
+                      <a:r>
+                        <a:rPr lang="de-DE" sz="1800" b="0" dirty="0" smtClean="0">
+                          <a:solidFill>
+                            <a:schemeClr val="lt1"/>
+                          </a:solidFill>
+                          <a:latin typeface="+mn-lt"/>
+                          <a:ea typeface="+mn-ea"/>
+                          <a:cs typeface="+mn-cs"/>
+                        </a:rPr>
+                        <a:t>(arg));</a:t>
+                      </a:r>
+                    </a:p>
+                    <a:p>
+                      <a:r>
+                        <a:rPr lang="de-DE" sz="1800" b="0" dirty="0" smtClean="0">
+                          <a:solidFill>
+                            <a:schemeClr val="lt1"/>
+                          </a:solidFill>
+                          <a:latin typeface="+mn-lt"/>
+                          <a:ea typeface="+mn-ea"/>
+                          <a:cs typeface="+mn-cs"/>
+                        </a:rPr>
+                        <a:t>...</a:t>
+                      </a:r>
+                      <a:endParaRPr lang="de-DE" b="0" dirty="0"/>
+                    </a:p>
+                  </a:txBody>
+                  <a:tcPr/>
+                </a:tc>
+              </a:tr>
+            </a:tbl>
+          </a:graphicData>
+        </a:graphic>
+      </p:graphicFrame>
     </p:spTree>
   </p:cSld>
   <p:clrMapOvr>
@@ -14475,8 +16547,8 @@
         </p:nvSpPr>
         <p:spPr>
           <a:xfrm>
-            <a:off x="202208" y="0"/>
-            <a:ext cx="7502400" cy="925200"/>
+            <a:off x="202208" y="293323"/>
+            <a:ext cx="7502400" cy="338554"/>
           </a:xfrm>
         </p:spPr>
         <p:txBody>
@@ -14542,24 +16614,16 @@
             </a:lvl9pPr>
           </a:lstStyle>
           <a:p>
-            <a:pPr lvl="0">
+            <a:pPr lvl="0" algn="ctr">
               <a:buNone/>
             </a:pPr>
             <a:r>
-              <a:rPr lang="de-DE" dirty="0" smtClean="0"/>
-              <a:t>SWP</a:t>
-            </a:r>
-            <a:r>
               <a:rPr lang="de-DE" baseline="0" dirty="0" smtClean="0"/>
-              <a:t> Übersetzerbau – </a:t>
+              <a:t>Syntaxbaum: </a:t>
             </a:r>
             <a:r>
               <a:rPr lang="de-DE" baseline="0" dirty="0" err="1" smtClean="0"/>
-              <a:t>Syntaxbaum:Bsp</a:t>
-            </a:r>
-            <a:r>
-              <a:rPr lang="de-DE" baseline="0" dirty="0" smtClean="0"/>
-              <a:t> Module</a:t>
+              <a:t>Parsvorgang</a:t>
             </a:r>
             <a:endParaRPr lang="de-DE" dirty="0"/>
           </a:p>
@@ -14578,7 +16642,7 @@
         <p:spPr>
           <a:xfrm>
             <a:off x="703080" y="1080000"/>
-            <a:ext cx="7936920" cy="5940088"/>
+            <a:ext cx="7936920" cy="5757987"/>
           </a:xfrm>
         </p:spPr>
         <p:txBody>
@@ -14983,1342 +17047,155 @@
             </a:lvl9pPr>
           </a:lstStyle>
           <a:p>
-            <a:pPr>
-              <a:buNone/>
-            </a:pPr>
-            <a:r>
-              <a:rPr lang="en-US" sz="1200" dirty="0"/>
-              <a:t>public class Module extends </a:t>
-            </a:r>
-            <a:r>
-              <a:rPr lang="en-US" sz="1200" dirty="0" err="1"/>
-              <a:t>SyntaxTreeNode</a:t>
-            </a:r>
-            <a:r>
-              <a:rPr lang="en-US" sz="1200" dirty="0"/>
+            <a:r>
+              <a:rPr lang="de-DE" dirty="0" smtClean="0"/>
+              <a:t>Aus Sprachspezifikation sind nötige und optionale Attribute bzw. </a:t>
+            </a:r>
+            <a:r>
+              <a:rPr lang="de-DE" dirty="0" err="1" smtClean="0"/>
+              <a:t>Kindelemente</a:t>
+            </a:r>
+            <a:r>
+              <a:rPr lang="de-DE" dirty="0" smtClean="0"/>
               <a:t> </a:t>
             </a:r>
             <a:r>
-              <a:rPr lang="en-US" sz="1200" dirty="0" smtClean="0"/>
-              <a:t>{</a:t>
-            </a:r>
-          </a:p>
-          <a:p>
-            <a:pPr>
-              <a:buNone/>
-            </a:pPr>
-            <a:r>
-              <a:rPr lang="en-US" sz="1200" dirty="0" smtClean="0"/>
-              <a:t>	…</a:t>
-            </a:r>
-            <a:endParaRPr lang="en-US" sz="1200" dirty="0"/>
-          </a:p>
-          <a:p>
-            <a:pPr>
-              <a:buNone/>
-            </a:pPr>
-            <a:r>
-              <a:rPr lang="en-US" sz="1200" dirty="0" smtClean="0"/>
-              <a:t>	private </a:t>
-            </a:r>
-            <a:r>
-              <a:rPr lang="en-US" sz="1200" dirty="0"/>
-              <a:t>List&lt;Class&gt; classes = new </a:t>
-            </a:r>
-            <a:r>
-              <a:rPr lang="en-US" sz="1200" dirty="0" err="1"/>
-              <a:t>LinkedList</a:t>
-            </a:r>
-            <a:r>
-              <a:rPr lang="en-US" sz="1200" dirty="0"/>
-              <a:t>&lt;Class</a:t>
-            </a:r>
-            <a:r>
-              <a:rPr lang="en-US" sz="1200" dirty="0" smtClean="0"/>
-              <a:t>&gt;();</a:t>
-            </a:r>
-            <a:endParaRPr lang="de-DE" sz="1200" dirty="0"/>
-          </a:p>
-          <a:p>
-            <a:pPr>
-              <a:buNone/>
-            </a:pPr>
-            <a:r>
-              <a:rPr lang="de-DE" sz="1200" dirty="0" err="1"/>
-              <a:t>public</a:t>
-            </a:r>
-            <a:r>
-              <a:rPr lang="de-DE" sz="1200" dirty="0"/>
-              <a:t> Module(</a:t>
-            </a:r>
-            <a:r>
-              <a:rPr lang="de-DE" sz="1200" dirty="0" err="1"/>
+              <a:rPr lang="de-DE" dirty="0" smtClean="0"/>
+              <a:t>bekannt</a:t>
+            </a:r>
+          </a:p>
+          <a:p>
+            <a:pPr lvl="0"/>
+            <a:endParaRPr lang="de-DE" dirty="0" smtClean="0"/>
+          </a:p>
+          <a:p>
+            <a:pPr lvl="0"/>
+            <a:r>
+              <a:rPr lang="de-DE" dirty="0" smtClean="0"/>
+              <a:t>Beginn</a:t>
+            </a:r>
+            <a:r>
+              <a:rPr lang="de-DE" dirty="0" smtClean="0"/>
+              <a:t> des Parsens:</a:t>
+            </a:r>
+          </a:p>
+          <a:p>
+            <a:pPr lvl="0"/>
+            <a:endParaRPr lang="de-DE" dirty="0" smtClean="0"/>
+          </a:p>
+          <a:p>
+            <a:pPr lvl="1"/>
+            <a:r>
+              <a:rPr lang="de-DE" dirty="0" smtClean="0"/>
+              <a:t>Aufruf des </a:t>
+            </a:r>
+            <a:r>
+              <a:rPr lang="de-DE" i="1" dirty="0" err="1" smtClean="0"/>
+              <a:t>AbstractSyntaxTree</a:t>
+            </a:r>
+            <a:r>
+              <a:rPr lang="de-DE" dirty="0" smtClean="0"/>
+              <a:t> </a:t>
+            </a:r>
+            <a:r>
+              <a:rPr lang="de-DE" dirty="0" err="1" smtClean="0"/>
+              <a:t>Konstruktors</a:t>
+            </a:r>
+            <a:r>
+              <a:rPr lang="de-DE" dirty="0" smtClean="0"/>
+              <a:t> mit </a:t>
+            </a:r>
+            <a:r>
+              <a:rPr lang="de-DE" i="1" dirty="0" err="1" smtClean="0"/>
               <a:t>DomNode</a:t>
             </a:r>
             <a:r>
-              <a:rPr lang="de-DE" sz="1200" dirty="0"/>
+              <a:rPr lang="de-DE" dirty="0" smtClean="0"/>
+              <a:t>, welche gesamtes Quellprogramm repräsentiert</a:t>
+            </a:r>
+          </a:p>
+          <a:p>
+            <a:pPr lvl="1"/>
+            <a:endParaRPr lang="de-DE" dirty="0" smtClean="0"/>
+          </a:p>
+          <a:p>
+            <a:pPr lvl="1"/>
+            <a:r>
+              <a:rPr lang="de-DE" dirty="0" smtClean="0"/>
+              <a:t>Überprüfung auf Pflichtelement „</a:t>
+            </a:r>
+            <a:r>
+              <a:rPr lang="de-DE" dirty="0" err="1" smtClean="0"/>
+              <a:t>module</a:t>
+            </a:r>
+            <a:r>
+              <a:rPr lang="de-DE" dirty="0" smtClean="0"/>
+              <a:t>“</a:t>
+            </a:r>
+          </a:p>
+          <a:p>
+            <a:pPr lvl="1"/>
+            <a:endParaRPr lang="de-DE" dirty="0" smtClean="0"/>
+          </a:p>
+          <a:p>
+            <a:pPr lvl="1"/>
+            <a:r>
+              <a:rPr lang="de-DE" dirty="0" smtClean="0"/>
+              <a:t>Wenn Prüfung positiv: Aufruf des </a:t>
+            </a:r>
+            <a:r>
+              <a:rPr lang="de-DE" i="1" dirty="0" smtClean="0"/>
+              <a:t>Module</a:t>
+            </a:r>
+            <a:r>
+              <a:rPr lang="de-DE" dirty="0" smtClean="0"/>
               <a:t> </a:t>
             </a:r>
             <a:r>
-              <a:rPr lang="de-DE" sz="1200" dirty="0" err="1"/>
-              <a:t>node</a:t>
-            </a:r>
-            <a:r>
-              <a:rPr lang="de-DE" sz="1200" dirty="0"/>
-              <a:t>) {</a:t>
-            </a:r>
-          </a:p>
-          <a:p>
-            <a:pPr>
-              <a:buNone/>
-            </a:pPr>
-            <a:r>
-              <a:rPr lang="de-DE" sz="1200" dirty="0" smtClean="0"/>
-              <a:t>	// </a:t>
-            </a:r>
-            <a:r>
-              <a:rPr lang="de-DE" sz="1200" dirty="0"/>
-              <a:t>check </a:t>
-            </a:r>
-            <a:r>
-              <a:rPr lang="de-DE" sz="1200" dirty="0" err="1"/>
-              <a:t>needed</a:t>
-            </a:r>
-            <a:r>
-              <a:rPr lang="de-DE" sz="1200" dirty="0"/>
+              <a:rPr lang="de-DE" dirty="0" err="1" smtClean="0"/>
+              <a:t>Konstruktors</a:t>
+            </a:r>
+            <a:r>
+              <a:rPr lang="de-DE" dirty="0" smtClean="0"/>
+              <a:t> mit </a:t>
+            </a:r>
+            <a:r>
+              <a:rPr lang="de-DE" i="1" dirty="0" err="1" smtClean="0"/>
+              <a:t>DomNode</a:t>
+            </a:r>
+            <a:r>
+              <a:rPr lang="de-DE" i="1" dirty="0" smtClean="0"/>
+              <a:t>,</a:t>
+            </a:r>
+            <a:r>
+              <a:rPr lang="de-DE" dirty="0" smtClean="0"/>
               <a:t> </a:t>
             </a:r>
             <a:r>
-              <a:rPr lang="de-DE" sz="1200" dirty="0" err="1"/>
-              <a:t>attribute</a:t>
-            </a:r>
-            <a:r>
-              <a:rPr lang="de-DE" sz="1200" dirty="0"/>
-              <a:t>: </a:t>
-            </a:r>
-            <a:r>
-              <a:rPr lang="de-DE" sz="1200" dirty="0" err="1"/>
-              <a:t>name</a:t>
-            </a:r>
-            <a:endParaRPr lang="de-DE" sz="1200" dirty="0"/>
-          </a:p>
-          <a:p>
-            <a:pPr>
-              <a:buNone/>
-            </a:pPr>
-            <a:r>
-              <a:rPr lang="de-DE" sz="1200" dirty="0" smtClean="0"/>
-              <a:t>	</a:t>
-            </a:r>
-            <a:r>
-              <a:rPr lang="de-DE" sz="1200" dirty="0" err="1" smtClean="0"/>
-              <a:t>if</a:t>
-            </a:r>
-            <a:r>
-              <a:rPr lang="de-DE" sz="1200" dirty="0" smtClean="0"/>
-              <a:t> </a:t>
-            </a:r>
-            <a:r>
-              <a:rPr lang="de-DE" sz="1200" dirty="0"/>
-              <a:t>(</a:t>
-            </a:r>
-            <a:r>
-              <a:rPr lang="de-DE" sz="1200" dirty="0" err="1"/>
-              <a:t>node.hasAttribute</a:t>
-            </a:r>
-            <a:r>
-              <a:rPr lang="de-DE" sz="1200" dirty="0"/>
-              <a:t>("</a:t>
-            </a:r>
-            <a:r>
-              <a:rPr lang="de-DE" sz="1200" dirty="0" err="1" smtClean="0"/>
-              <a:t>name</a:t>
-            </a:r>
-            <a:r>
-              <a:rPr lang="de-DE" sz="1200" dirty="0" smtClean="0"/>
-              <a:t>„)&amp;&amp; </a:t>
-            </a:r>
-            <a:r>
-              <a:rPr lang="de-DE" sz="1200" dirty="0" err="1"/>
-              <a:t>node.getAttributeValue</a:t>
-            </a:r>
-            <a:r>
-              <a:rPr lang="de-DE" sz="1200" dirty="0"/>
-              <a:t>("</a:t>
-            </a:r>
-            <a:r>
-              <a:rPr lang="de-DE" sz="1200" dirty="0" err="1"/>
-              <a:t>name</a:t>
-            </a:r>
-            <a:r>
-              <a:rPr lang="de-DE" sz="1200" dirty="0"/>
-              <a:t>").</a:t>
-            </a:r>
-            <a:r>
-              <a:rPr lang="de-DE" sz="1200" dirty="0" err="1"/>
-              <a:t>length</a:t>
-            </a:r>
-            <a:r>
-              <a:rPr lang="de-DE" sz="1200" dirty="0"/>
-              <a:t>() &gt; 0) {</a:t>
-            </a:r>
-          </a:p>
-          <a:p>
-            <a:pPr>
-              <a:buNone/>
-            </a:pPr>
-            <a:r>
-              <a:rPr lang="de-DE" sz="1200" dirty="0" smtClean="0"/>
-              <a:t>		</a:t>
-            </a:r>
-            <a:r>
-              <a:rPr lang="de-DE" sz="1200" dirty="0" err="1" smtClean="0"/>
-              <a:t>name</a:t>
-            </a:r>
-            <a:r>
-              <a:rPr lang="de-DE" sz="1200" dirty="0" smtClean="0"/>
-              <a:t> </a:t>
-            </a:r>
-            <a:r>
-              <a:rPr lang="de-DE" sz="1200" dirty="0"/>
-              <a:t>= </a:t>
-            </a:r>
-            <a:r>
-              <a:rPr lang="de-DE" sz="1200" dirty="0" err="1"/>
-              <a:t>node.getAttribute</a:t>
-            </a:r>
-            <a:r>
-              <a:rPr lang="de-DE" sz="1200" dirty="0"/>
-              <a:t>("</a:t>
-            </a:r>
-            <a:r>
-              <a:rPr lang="de-DE" sz="1200" dirty="0" err="1"/>
-              <a:t>name</a:t>
-            </a:r>
-            <a:r>
-              <a:rPr lang="de-DE" sz="1200" dirty="0"/>
-              <a:t>");</a:t>
-            </a:r>
-          </a:p>
-          <a:p>
-            <a:pPr>
-              <a:buNone/>
-            </a:pPr>
-            <a:r>
-              <a:rPr lang="de-DE" sz="1200" dirty="0" smtClean="0"/>
-              <a:t>	} </a:t>
-            </a:r>
-            <a:r>
-              <a:rPr lang="de-DE" sz="1200" dirty="0" err="1"/>
-              <a:t>else</a:t>
-            </a:r>
-            <a:r>
-              <a:rPr lang="de-DE" sz="1200" dirty="0"/>
-              <a:t> {</a:t>
-            </a:r>
-          </a:p>
-          <a:p>
-            <a:pPr>
-              <a:buNone/>
-            </a:pPr>
-            <a:r>
-              <a:rPr lang="de-DE" sz="1200" dirty="0" smtClean="0"/>
-              <a:t>		</a:t>
-            </a:r>
-            <a:r>
-              <a:rPr lang="de-DE" sz="1200" dirty="0" err="1" smtClean="0"/>
-              <a:t>ErrorHandler.</a:t>
-            </a:r>
-            <a:r>
-              <a:rPr lang="de-DE" sz="1200" i="1" dirty="0" err="1" smtClean="0"/>
-              <a:t>error</a:t>
-            </a:r>
-            <a:r>
-              <a:rPr lang="de-DE" sz="1200" i="1" dirty="0" smtClean="0"/>
-              <a:t>(</a:t>
-            </a:r>
-            <a:r>
-              <a:rPr lang="de-DE" sz="1200" i="1" dirty="0" err="1" smtClean="0"/>
-              <a:t>node</a:t>
-            </a:r>
-            <a:r>
-              <a:rPr lang="de-DE" sz="1200" i="1" dirty="0"/>
-              <a:t>, "'</a:t>
-            </a:r>
-            <a:r>
-              <a:rPr lang="de-DE" sz="1200" i="1" dirty="0" err="1"/>
-              <a:t>name</a:t>
-            </a:r>
-            <a:r>
-              <a:rPr lang="de-DE" sz="1200" i="1" dirty="0"/>
-              <a:t>' </a:t>
-            </a:r>
-            <a:r>
-              <a:rPr lang="de-DE" sz="1200" i="1" dirty="0" err="1"/>
-              <a:t>attribute</a:t>
-            </a:r>
-            <a:r>
-              <a:rPr lang="de-DE" sz="1200" i="1" dirty="0"/>
-              <a:t> </a:t>
-            </a:r>
-            <a:r>
-              <a:rPr lang="de-DE" sz="1200" i="1" dirty="0" err="1"/>
-              <a:t>expected</a:t>
-            </a:r>
-            <a:r>
-              <a:rPr lang="de-DE" sz="1200" i="1" dirty="0"/>
-              <a:t>");</a:t>
-            </a:r>
-          </a:p>
-          <a:p>
-            <a:pPr>
-              <a:buNone/>
-            </a:pPr>
-            <a:r>
-              <a:rPr lang="de-DE" sz="1200" dirty="0" smtClean="0"/>
-              <a:t>	}</a:t>
-            </a:r>
-            <a:endParaRPr lang="de-DE" sz="1200" dirty="0"/>
-          </a:p>
-          <a:p>
-            <a:pPr>
-              <a:buNone/>
-            </a:pPr>
-            <a:r>
-              <a:rPr lang="de-DE" sz="1200" dirty="0" smtClean="0"/>
-              <a:t>	// </a:t>
-            </a:r>
-            <a:r>
-              <a:rPr lang="de-DE" sz="1200" dirty="0" err="1"/>
-              <a:t>process</a:t>
-            </a:r>
-            <a:r>
-              <a:rPr lang="de-DE" sz="1200" dirty="0"/>
-              <a:t> </a:t>
-            </a:r>
-            <a:r>
-              <a:rPr lang="de-DE" sz="1200" dirty="0" err="1"/>
-              <a:t>child</a:t>
-            </a:r>
-            <a:r>
-              <a:rPr lang="de-DE" sz="1200" dirty="0"/>
-              <a:t> </a:t>
-            </a:r>
-            <a:r>
-              <a:rPr lang="de-DE" sz="1200" dirty="0" err="1"/>
-              <a:t>nodes</a:t>
-            </a:r>
-            <a:endParaRPr lang="de-DE" sz="1200" dirty="0"/>
-          </a:p>
-          <a:p>
-            <a:pPr>
-              <a:buNone/>
-            </a:pPr>
-            <a:r>
-              <a:rPr lang="de-DE" sz="1200" dirty="0" smtClean="0"/>
-              <a:t>	</a:t>
-            </a:r>
-            <a:r>
-              <a:rPr lang="de-DE" sz="1200" dirty="0" err="1" smtClean="0"/>
-              <a:t>for</a:t>
-            </a:r>
-            <a:r>
-              <a:rPr lang="de-DE" sz="1200" dirty="0" smtClean="0"/>
-              <a:t> </a:t>
-            </a:r>
-            <a:r>
-              <a:rPr lang="de-DE" sz="1200" dirty="0"/>
-              <a:t>(</a:t>
-            </a:r>
-            <a:r>
-              <a:rPr lang="de-DE" sz="1200" dirty="0" err="1"/>
-              <a:t>DomNode</a:t>
-            </a:r>
-            <a:r>
-              <a:rPr lang="de-DE" sz="1200" dirty="0"/>
-              <a:t> </a:t>
-            </a:r>
-            <a:r>
-              <a:rPr lang="de-DE" sz="1200" dirty="0" err="1"/>
-              <a:t>child</a:t>
-            </a:r>
-            <a:r>
-              <a:rPr lang="de-DE" sz="1200" dirty="0"/>
-              <a:t> : </a:t>
-            </a:r>
-            <a:r>
-              <a:rPr lang="de-DE" sz="1200" dirty="0" err="1"/>
-              <a:t>node.getChilds</a:t>
-            </a:r>
-            <a:r>
-              <a:rPr lang="de-DE" sz="1200" dirty="0"/>
-              <a:t>()) {</a:t>
-            </a:r>
-          </a:p>
-          <a:p>
-            <a:pPr>
-              <a:buNone/>
-            </a:pPr>
-            <a:r>
-              <a:rPr lang="de-DE" sz="1200" dirty="0" smtClean="0"/>
-              <a:t>		</a:t>
-            </a:r>
-            <a:r>
-              <a:rPr lang="de-DE" sz="1200" dirty="0" err="1" smtClean="0"/>
-              <a:t>if</a:t>
-            </a:r>
-            <a:r>
-              <a:rPr lang="de-DE" sz="1200" dirty="0" smtClean="0"/>
-              <a:t> </a:t>
-            </a:r>
-            <a:r>
-              <a:rPr lang="de-DE" sz="1200" dirty="0"/>
-              <a:t>(</a:t>
-            </a:r>
-            <a:r>
-              <a:rPr lang="de-DE" sz="1200" dirty="0" err="1"/>
-              <a:t>child.getName</a:t>
-            </a:r>
-            <a:r>
-              <a:rPr lang="de-DE" sz="1200" dirty="0"/>
-              <a:t>().</a:t>
-            </a:r>
-            <a:r>
-              <a:rPr lang="de-DE" sz="1200" dirty="0" err="1"/>
-              <a:t>equals</a:t>
-            </a:r>
-            <a:r>
-              <a:rPr lang="de-DE" sz="1200" dirty="0"/>
-              <a:t>("</a:t>
-            </a:r>
-            <a:r>
-              <a:rPr lang="de-DE" sz="1200" dirty="0" err="1"/>
-              <a:t>import</a:t>
-            </a:r>
-            <a:r>
-              <a:rPr lang="de-DE" sz="1200" dirty="0"/>
-              <a:t>")) {</a:t>
-            </a:r>
-          </a:p>
-          <a:p>
-            <a:pPr>
-              <a:buNone/>
-            </a:pPr>
-            <a:r>
-              <a:rPr lang="de-DE" sz="1200" dirty="0" smtClean="0"/>
-              <a:t>			imports.add(</a:t>
-            </a:r>
-            <a:r>
-              <a:rPr lang="de-DE" sz="1200" dirty="0" err="1" smtClean="0"/>
-              <a:t>new</a:t>
-            </a:r>
-            <a:r>
-              <a:rPr lang="de-DE" sz="1200" dirty="0" smtClean="0"/>
-              <a:t> </a:t>
-            </a:r>
-            <a:r>
-              <a:rPr lang="de-DE" sz="1200" dirty="0"/>
-              <a:t>ImportStatement(</a:t>
-            </a:r>
-            <a:r>
-              <a:rPr lang="de-DE" sz="1200" dirty="0" err="1"/>
-              <a:t>child</a:t>
-            </a:r>
-            <a:r>
-              <a:rPr lang="de-DE" sz="1200" dirty="0"/>
-              <a:t>));</a:t>
-            </a:r>
-          </a:p>
-          <a:p>
-            <a:pPr>
-              <a:buNone/>
-            </a:pPr>
-            <a:r>
-              <a:rPr lang="de-DE" sz="1200" dirty="0" smtClean="0"/>
-              <a:t>			</a:t>
-            </a:r>
-            <a:r>
-              <a:rPr lang="de-DE" sz="1200" dirty="0" err="1" smtClean="0"/>
-              <a:t>continue</a:t>
-            </a:r>
-            <a:r>
-              <a:rPr lang="de-DE" sz="1200" dirty="0"/>
-              <a:t>;</a:t>
-            </a:r>
-          </a:p>
-          <a:p>
-            <a:pPr>
-              <a:buNone/>
-            </a:pPr>
-            <a:r>
-              <a:rPr lang="en-US" sz="1200" dirty="0" smtClean="0"/>
-              <a:t>		} </a:t>
-            </a:r>
-            <a:r>
-              <a:rPr lang="en-US" sz="1200" dirty="0"/>
-              <a:t>else if (</a:t>
-            </a:r>
-            <a:r>
-              <a:rPr lang="en-US" sz="1200" dirty="0" err="1"/>
-              <a:t>child.getName</a:t>
-            </a:r>
-            <a:r>
-              <a:rPr lang="en-US" sz="1200" dirty="0"/>
-              <a:t>().equals("class")) {</a:t>
-            </a:r>
-          </a:p>
-          <a:p>
-            <a:pPr>
-              <a:buNone/>
-            </a:pPr>
-            <a:r>
-              <a:rPr lang="de-DE" sz="1200" dirty="0" smtClean="0"/>
-              <a:t>			classes.add(</a:t>
-            </a:r>
-            <a:r>
-              <a:rPr lang="de-DE" sz="1200" dirty="0" err="1" smtClean="0"/>
-              <a:t>new</a:t>
-            </a:r>
-            <a:r>
-              <a:rPr lang="de-DE" sz="1200" dirty="0" smtClean="0"/>
-              <a:t> </a:t>
-            </a:r>
-            <a:r>
-              <a:rPr lang="de-DE" sz="1200" dirty="0"/>
-              <a:t>Class(</a:t>
-            </a:r>
-            <a:r>
-              <a:rPr lang="de-DE" sz="1200" dirty="0" err="1"/>
-              <a:t>child</a:t>
-            </a:r>
-            <a:r>
-              <a:rPr lang="de-DE" sz="1200" dirty="0"/>
-              <a:t>));</a:t>
-            </a:r>
-          </a:p>
-          <a:p>
-            <a:pPr>
-              <a:buNone/>
-            </a:pPr>
-            <a:r>
-              <a:rPr lang="de-DE" sz="1200" dirty="0" smtClean="0"/>
-              <a:t>			</a:t>
-            </a:r>
-            <a:r>
-              <a:rPr lang="de-DE" sz="1200" dirty="0" err="1" smtClean="0"/>
-              <a:t>continue</a:t>
-            </a:r>
-            <a:r>
-              <a:rPr lang="de-DE" sz="1200" dirty="0"/>
-              <a:t>;</a:t>
-            </a:r>
-          </a:p>
-          <a:p>
-            <a:pPr>
-              <a:buNone/>
-            </a:pPr>
-            <a:r>
-              <a:rPr lang="en-US" sz="1200" dirty="0" smtClean="0"/>
-              <a:t>		} </a:t>
-            </a:r>
-            <a:r>
-              <a:rPr lang="en-US" sz="1200" dirty="0"/>
-              <a:t>else if (</a:t>
-            </a:r>
-            <a:r>
-              <a:rPr lang="en-US" sz="1200" dirty="0" err="1"/>
-              <a:t>child.getName</a:t>
-            </a:r>
-            <a:r>
-              <a:rPr lang="en-US" sz="1200" dirty="0"/>
-              <a:t>().equals("interface")) {</a:t>
-            </a:r>
-          </a:p>
-          <a:p>
-            <a:pPr>
-              <a:buNone/>
-            </a:pPr>
-            <a:r>
-              <a:rPr lang="de-DE" sz="1200" dirty="0" smtClean="0"/>
-              <a:t>			interfaces.add(</a:t>
-            </a:r>
-            <a:r>
-              <a:rPr lang="de-DE" sz="1200" dirty="0" err="1" smtClean="0"/>
-              <a:t>new</a:t>
-            </a:r>
-            <a:r>
-              <a:rPr lang="de-DE" sz="1200" dirty="0" smtClean="0"/>
-              <a:t> </a:t>
-            </a:r>
-            <a:r>
-              <a:rPr lang="de-DE" sz="1200" dirty="0"/>
-              <a:t>Interface(</a:t>
-            </a:r>
-            <a:r>
-              <a:rPr lang="de-DE" sz="1200" dirty="0" err="1"/>
-              <a:t>child</a:t>
-            </a:r>
-            <a:r>
-              <a:rPr lang="de-DE" sz="1200" dirty="0"/>
-              <a:t>));</a:t>
-            </a:r>
-          </a:p>
-          <a:p>
-            <a:pPr>
-              <a:buNone/>
-            </a:pPr>
-            <a:r>
-              <a:rPr lang="de-DE" sz="1200" dirty="0" smtClean="0"/>
-              <a:t>		} </a:t>
-            </a:r>
-            <a:r>
-              <a:rPr lang="de-DE" sz="1200" dirty="0" err="1"/>
-              <a:t>else</a:t>
-            </a:r>
-            <a:r>
-              <a:rPr lang="de-DE" sz="1200" dirty="0"/>
-              <a:t> {</a:t>
-            </a:r>
-          </a:p>
-          <a:p>
-            <a:pPr>
-              <a:buNone/>
-            </a:pPr>
-            <a:r>
-              <a:rPr lang="de-DE" sz="1200" dirty="0" smtClean="0"/>
-              <a:t>			// </a:t>
-            </a:r>
-            <a:r>
-              <a:rPr lang="de-DE" sz="1200" dirty="0"/>
-              <a:t>ERROR</a:t>
-            </a:r>
-          </a:p>
-          <a:p>
-            <a:pPr>
-              <a:buNone/>
-            </a:pPr>
-            <a:r>
-              <a:rPr lang="de-DE" sz="1200" dirty="0" smtClean="0"/>
-              <a:t>			...</a:t>
-            </a:r>
-          </a:p>
-        </p:txBody>
-      </p:sp>
-      <p:sp>
-        <p:nvSpPr>
-          <p:cNvPr id="4" name="Textplatzhalter 2"/>
-          <p:cNvSpPr txBox="1">
-            <a:spLocks/>
-          </p:cNvSpPr>
-          <p:nvPr/>
-        </p:nvSpPr>
-        <p:spPr>
-          <a:xfrm>
-            <a:off x="6624488" y="4211885"/>
-            <a:ext cx="3240360" cy="2800767"/>
-          </a:xfrm>
-          <a:prstGeom prst="rect">
-            <a:avLst/>
-          </a:prstGeom>
-          <a:solidFill>
-            <a:schemeClr val="bg1">
-              <a:lumMod val="85000"/>
-            </a:schemeClr>
-          </a:solidFill>
-          <a:ln>
-            <a:solidFill>
-              <a:schemeClr val="tx1"/>
-            </a:solidFill>
-          </a:ln>
-        </p:spPr>
-        <p:txBody>
-          <a:bodyPr wrap="square" lIns="0" tIns="0" rIns="0" bIns="0">
-            <a:spAutoFit/>
-          </a:bodyPr>
-          <a:lstStyle>
-            <a:defPPr marL="342720" marR="0" lvl="0" indent="-342720" algn="l" hangingPunct="1">
-              <a:lnSpc>
-                <a:spcPct val="100000"/>
-              </a:lnSpc>
-              <a:spcBef>
-                <a:spcPts val="550"/>
-              </a:spcBef>
-              <a:spcAft>
-                <a:spcPts val="0"/>
-              </a:spcAft>
-              <a:buClr>
-                <a:srgbClr val="00245B"/>
-              </a:buClr>
-              <a:buSzPct val="120000"/>
-              <a:buFont typeface="Verdana" pitchFamily="34"/>
-              <a:buNone/>
-              <a:tabLst>
-                <a:tab pos="571320" algn="l"/>
-                <a:tab pos="1485719" algn="l"/>
-                <a:tab pos="2400119" algn="l"/>
-                <a:tab pos="3314519" algn="l"/>
-                <a:tab pos="4228919" algn="l"/>
-                <a:tab pos="5143320" algn="l"/>
-                <a:tab pos="6057720" algn="l"/>
-                <a:tab pos="6972120" algn="l"/>
-                <a:tab pos="7886520" algn="l"/>
-                <a:tab pos="8800920" algn="l"/>
-                <a:tab pos="9715320" algn="l"/>
-              </a:tabLst>
-              <a:defRPr lang="de-DE" sz="2200" b="0" i="0" u="none" strike="noStrike" baseline="0">
-                <a:ln>
-                  <a:noFill/>
-                </a:ln>
-                <a:solidFill>
-                  <a:srgbClr val="000000"/>
-                </a:solidFill>
-                <a:latin typeface="Verdana" pitchFamily="34"/>
-                <a:ea typeface="Arial Unicode MS" pitchFamily="2"/>
-                <a:cs typeface="Tahoma" pitchFamily="2"/>
-              </a:defRPr>
-            </a:defPPr>
-            <a:lvl1pPr marL="342720" marR="0" lvl="0" indent="-342720" algn="l" hangingPunct="1">
-              <a:lnSpc>
-                <a:spcPct val="100000"/>
-              </a:lnSpc>
-              <a:spcBef>
-                <a:spcPts val="550"/>
-              </a:spcBef>
-              <a:spcAft>
-                <a:spcPts val="0"/>
-              </a:spcAft>
-              <a:buClr>
-                <a:srgbClr val="00245B"/>
-              </a:buClr>
-              <a:buSzPct val="120000"/>
-              <a:buFont typeface="Verdana" pitchFamily="34"/>
-              <a:buChar char="•"/>
-              <a:tabLst>
-                <a:tab pos="571320" algn="l"/>
-                <a:tab pos="1485719" algn="l"/>
-                <a:tab pos="2400119" algn="l"/>
-                <a:tab pos="3314519" algn="l"/>
-                <a:tab pos="4228919" algn="l"/>
-                <a:tab pos="5143320" algn="l"/>
-                <a:tab pos="6057720" algn="l"/>
-                <a:tab pos="6972120" algn="l"/>
-                <a:tab pos="7886520" algn="l"/>
-                <a:tab pos="8800920" algn="l"/>
-                <a:tab pos="9715320" algn="l"/>
-              </a:tabLst>
-              <a:defRPr lang="de-DE" sz="2200" b="0" i="0" u="none" strike="noStrike" baseline="0">
-                <a:ln>
-                  <a:noFill/>
-                </a:ln>
-                <a:solidFill>
-                  <a:srgbClr val="000000"/>
-                </a:solidFill>
-                <a:latin typeface="Verdana" pitchFamily="34"/>
-                <a:ea typeface="Arial Unicode MS" pitchFamily="2"/>
-                <a:cs typeface="Tahoma" pitchFamily="2"/>
-              </a:defRPr>
-            </a:lvl1pPr>
-            <a:lvl2pPr marL="742680" marR="0" lvl="1" indent="-285480" algn="l" hangingPunct="1">
-              <a:lnSpc>
-                <a:spcPct val="100000"/>
-              </a:lnSpc>
-              <a:spcBef>
-                <a:spcPts val="499"/>
-              </a:spcBef>
-              <a:spcAft>
-                <a:spcPts val="0"/>
-              </a:spcAft>
-              <a:buClr>
-                <a:srgbClr val="CC0000"/>
-              </a:buClr>
-              <a:buSzPct val="100000"/>
-              <a:buFont typeface="Verdana" pitchFamily="34"/>
-              <a:buChar char="•"/>
-              <a:tabLst>
-                <a:tab pos="171360" algn="l"/>
-                <a:tab pos="1085759" algn="l"/>
-                <a:tab pos="2000160" algn="l"/>
-                <a:tab pos="2914560" algn="l"/>
-                <a:tab pos="3828959" algn="l"/>
-                <a:tab pos="4743360" algn="l"/>
-                <a:tab pos="5657760" algn="l"/>
-                <a:tab pos="6572160" algn="l"/>
-                <a:tab pos="7486560" algn="l"/>
-                <a:tab pos="8400960" algn="l"/>
-                <a:tab pos="9315360" algn="l"/>
-              </a:tabLst>
-              <a:defRPr lang="de-DE" sz="2000" b="0" i="0" u="none" strike="noStrike" baseline="0">
-                <a:ln>
-                  <a:noFill/>
-                </a:ln>
-                <a:solidFill>
-                  <a:srgbClr val="000000"/>
-                </a:solidFill>
-                <a:latin typeface="Verdana" pitchFamily="34"/>
-                <a:ea typeface="Arial Unicode MS" pitchFamily="2"/>
-                <a:cs typeface="Tahoma" pitchFamily="2"/>
-              </a:defRPr>
-            </a:lvl2pPr>
-            <a:lvl3pPr marL="1143000" marR="0" lvl="2" indent="-228600" algn="l" hangingPunct="1">
-              <a:lnSpc>
-                <a:spcPct val="100000"/>
-              </a:lnSpc>
-              <a:spcBef>
-                <a:spcPts val="448"/>
-              </a:spcBef>
-              <a:spcAft>
-                <a:spcPts val="0"/>
-              </a:spcAft>
-              <a:buClr>
-                <a:srgbClr val="99CC00"/>
-              </a:buClr>
-              <a:buSzPct val="100000"/>
-              <a:buFont typeface="Verdana" pitchFamily="34"/>
-              <a:buChar char="•"/>
-              <a:tabLst>
-                <a:tab pos="685799" algn="l"/>
-                <a:tab pos="1600200" algn="l"/>
-                <a:tab pos="2514600" algn="l"/>
-                <a:tab pos="3429000" algn="l"/>
-                <a:tab pos="4343400" algn="l"/>
-                <a:tab pos="5257800" algn="l"/>
-                <a:tab pos="6172200" algn="l"/>
-                <a:tab pos="7086600" algn="l"/>
-                <a:tab pos="8000999" algn="l"/>
-                <a:tab pos="8915399" algn="l"/>
-              </a:tabLst>
-              <a:defRPr lang="de-DE" sz="1800" b="0" i="0" u="none" strike="noStrike" baseline="0">
-                <a:ln>
-                  <a:noFill/>
-                </a:ln>
-                <a:solidFill>
-                  <a:srgbClr val="000000"/>
-                </a:solidFill>
-                <a:latin typeface="Verdana" pitchFamily="34"/>
-                <a:ea typeface="Arial Unicode MS" pitchFamily="2"/>
-                <a:cs typeface="Tahoma" pitchFamily="2"/>
-              </a:defRPr>
-            </a:lvl3pPr>
-            <a:lvl4pPr marL="1600199" marR="0" lvl="3" indent="-228600" algn="l" hangingPunct="1">
-              <a:lnSpc>
-                <a:spcPct val="100000"/>
-              </a:lnSpc>
-              <a:spcBef>
-                <a:spcPts val="400"/>
-              </a:spcBef>
-              <a:spcAft>
-                <a:spcPts val="0"/>
-              </a:spcAft>
-              <a:buClr>
-                <a:srgbClr val="FF9933"/>
-              </a:buClr>
-              <a:buSzPct val="100000"/>
-              <a:buFont typeface="Verdana" pitchFamily="34"/>
-              <a:buChar char="•"/>
-              <a:tabLst>
-                <a:tab pos="228600" algn="l"/>
-                <a:tab pos="1143000" algn="l"/>
-                <a:tab pos="2057400" algn="l"/>
-                <a:tab pos="2971800" algn="l"/>
-                <a:tab pos="3886200" algn="l"/>
-                <a:tab pos="4800600" algn="l"/>
-                <a:tab pos="5715000" algn="l"/>
-                <a:tab pos="6629400" algn="l"/>
-                <a:tab pos="7543799" algn="l"/>
-                <a:tab pos="8458200" algn="l"/>
-              </a:tabLst>
-              <a:defRPr lang="de-DE" sz="1600" b="0" i="0" u="none" strike="noStrike" baseline="0">
-                <a:ln>
-                  <a:noFill/>
-                </a:ln>
-                <a:solidFill>
-                  <a:srgbClr val="000000"/>
-                </a:solidFill>
-                <a:latin typeface="Verdana" pitchFamily="34"/>
-                <a:ea typeface="Arial Unicode MS" pitchFamily="2"/>
-                <a:cs typeface="Tahoma" pitchFamily="2"/>
-              </a:defRPr>
-            </a:lvl4pPr>
-            <a:lvl5pPr marL="2057400" marR="0" lvl="4" indent="-228600" algn="l" hangingPunct="1">
-              <a:lnSpc>
-                <a:spcPct val="100000"/>
-              </a:lnSpc>
-              <a:spcBef>
-                <a:spcPts val="400"/>
-              </a:spcBef>
-              <a:spcAft>
-                <a:spcPts val="0"/>
-              </a:spcAft>
-              <a:buClr>
-                <a:srgbClr val="FF9933"/>
-              </a:buClr>
-              <a:buSzPct val="100000"/>
-              <a:buFont typeface="Verdana" pitchFamily="34"/>
-              <a:buChar char="-"/>
-              <a:tabLst>
-                <a:tab pos="685799" algn="l"/>
-                <a:tab pos="1600200" algn="l"/>
-                <a:tab pos="2514600" algn="l"/>
-                <a:tab pos="3429000" algn="l"/>
-                <a:tab pos="4343400" algn="l"/>
-                <a:tab pos="5257800" algn="l"/>
-                <a:tab pos="6172200" algn="l"/>
-                <a:tab pos="7086600" algn="l"/>
-                <a:tab pos="8000999" algn="l"/>
-              </a:tabLst>
-              <a:defRPr lang="de-DE" sz="1600" b="0" i="0" u="none" strike="noStrike" baseline="0">
-                <a:ln>
-                  <a:noFill/>
-                </a:ln>
-                <a:solidFill>
-                  <a:srgbClr val="000000"/>
-                </a:solidFill>
-                <a:latin typeface="Verdana" pitchFamily="34"/>
-                <a:ea typeface="Arial Unicode MS" pitchFamily="2"/>
-                <a:cs typeface="Tahoma" pitchFamily="2"/>
-              </a:defRPr>
-            </a:lvl5pPr>
-            <a:lvl6pPr marL="2057400" marR="0" lvl="5" indent="-228600" algn="l" hangingPunct="1">
-              <a:lnSpc>
-                <a:spcPct val="100000"/>
-              </a:lnSpc>
-              <a:spcBef>
-                <a:spcPts val="400"/>
-              </a:spcBef>
-              <a:spcAft>
-                <a:spcPts val="0"/>
-              </a:spcAft>
-              <a:buClr>
-                <a:srgbClr val="FF9933"/>
-              </a:buClr>
-              <a:buSzPct val="100000"/>
-              <a:buFont typeface="Verdana" pitchFamily="34"/>
-              <a:buChar char="-"/>
-              <a:tabLst>
-                <a:tab pos="685799" algn="l"/>
-                <a:tab pos="1600200" algn="l"/>
-                <a:tab pos="2514600" algn="l"/>
-                <a:tab pos="3429000" algn="l"/>
-                <a:tab pos="4343400" algn="l"/>
-                <a:tab pos="5257800" algn="l"/>
-                <a:tab pos="6172200" algn="l"/>
-                <a:tab pos="7086600" algn="l"/>
-                <a:tab pos="8000999" algn="l"/>
-              </a:tabLst>
-              <a:defRPr lang="de-DE" sz="1600" b="0" i="0" u="none" strike="noStrike" baseline="0">
-                <a:ln>
-                  <a:noFill/>
-                </a:ln>
-                <a:solidFill>
-                  <a:srgbClr val="000000"/>
-                </a:solidFill>
-                <a:latin typeface="Verdana" pitchFamily="34"/>
-                <a:ea typeface="Arial Unicode MS" pitchFamily="2"/>
-                <a:cs typeface="Tahoma" pitchFamily="2"/>
-              </a:defRPr>
-            </a:lvl6pPr>
-            <a:lvl7pPr marL="2057400" marR="0" lvl="6" indent="-228600" algn="l" hangingPunct="1">
-              <a:lnSpc>
-                <a:spcPct val="100000"/>
-              </a:lnSpc>
-              <a:spcBef>
-                <a:spcPts val="400"/>
-              </a:spcBef>
-              <a:spcAft>
-                <a:spcPts val="0"/>
-              </a:spcAft>
-              <a:buClr>
-                <a:srgbClr val="FF9933"/>
-              </a:buClr>
-              <a:buSzPct val="100000"/>
-              <a:buFont typeface="Verdana" pitchFamily="34"/>
-              <a:buChar char="-"/>
-              <a:tabLst>
-                <a:tab pos="685799" algn="l"/>
-                <a:tab pos="1600200" algn="l"/>
-                <a:tab pos="2514600" algn="l"/>
-                <a:tab pos="3429000" algn="l"/>
-                <a:tab pos="4343400" algn="l"/>
-                <a:tab pos="5257800" algn="l"/>
-                <a:tab pos="6172200" algn="l"/>
-                <a:tab pos="7086600" algn="l"/>
-                <a:tab pos="8000999" algn="l"/>
-              </a:tabLst>
-              <a:defRPr lang="de-DE" sz="1600" b="0" i="0" u="none" strike="noStrike" baseline="0">
-                <a:ln>
-                  <a:noFill/>
-                </a:ln>
-                <a:solidFill>
-                  <a:srgbClr val="000000"/>
-                </a:solidFill>
-                <a:latin typeface="Verdana" pitchFamily="34"/>
-                <a:ea typeface="Arial Unicode MS" pitchFamily="2"/>
-                <a:cs typeface="Tahoma" pitchFamily="2"/>
-              </a:defRPr>
-            </a:lvl7pPr>
-            <a:lvl8pPr marL="2057400" marR="0" lvl="7" indent="-228600" algn="l" hangingPunct="1">
-              <a:lnSpc>
-                <a:spcPct val="100000"/>
-              </a:lnSpc>
-              <a:spcBef>
-                <a:spcPts val="400"/>
-              </a:spcBef>
-              <a:spcAft>
-                <a:spcPts val="0"/>
-              </a:spcAft>
-              <a:buClr>
-                <a:srgbClr val="FF9933"/>
-              </a:buClr>
-              <a:buSzPct val="100000"/>
-              <a:buFont typeface="Verdana" pitchFamily="34"/>
-              <a:buChar char="-"/>
-              <a:tabLst>
-                <a:tab pos="685799" algn="l"/>
-                <a:tab pos="1600200" algn="l"/>
-                <a:tab pos="2514600" algn="l"/>
-                <a:tab pos="3429000" algn="l"/>
-                <a:tab pos="4343400" algn="l"/>
-                <a:tab pos="5257800" algn="l"/>
-                <a:tab pos="6172200" algn="l"/>
-                <a:tab pos="7086600" algn="l"/>
-                <a:tab pos="8000999" algn="l"/>
-              </a:tabLst>
-              <a:defRPr lang="de-DE" sz="1600" b="0" i="0" u="none" strike="noStrike" baseline="0">
-                <a:ln>
-                  <a:noFill/>
-                </a:ln>
-                <a:solidFill>
-                  <a:srgbClr val="000000"/>
-                </a:solidFill>
-                <a:latin typeface="Verdana" pitchFamily="34"/>
-                <a:ea typeface="Arial Unicode MS" pitchFamily="2"/>
-                <a:cs typeface="Tahoma" pitchFamily="2"/>
-              </a:defRPr>
-            </a:lvl8pPr>
-            <a:lvl9pPr marL="1944000" marR="0" lvl="8" indent="-216000" algn="l" hangingPunct="1">
-              <a:lnSpc>
-                <a:spcPct val="100000"/>
-              </a:lnSpc>
-              <a:spcBef>
-                <a:spcPts val="400"/>
-              </a:spcBef>
-              <a:spcAft>
-                <a:spcPts val="0"/>
-              </a:spcAft>
-              <a:buSzPct val="45000"/>
-              <a:buFont typeface="StarSymbol"/>
-              <a:buChar char="●"/>
-              <a:tabLst>
-                <a:tab pos="685799" algn="l"/>
-                <a:tab pos="1600200" algn="l"/>
-                <a:tab pos="2514600" algn="l"/>
-                <a:tab pos="3429000" algn="l"/>
-                <a:tab pos="4343400" algn="l"/>
-                <a:tab pos="5257800" algn="l"/>
-                <a:tab pos="6172200" algn="l"/>
-                <a:tab pos="7086600" algn="l"/>
-                <a:tab pos="8000999" algn="l"/>
-              </a:tabLst>
-              <a:defRPr lang="de-DE" sz="1600" b="0" i="0" u="none" strike="noStrike" baseline="0">
-                <a:ln>
-                  <a:noFill/>
-                </a:ln>
-                <a:solidFill>
-                  <a:srgbClr val="000000"/>
-                </a:solidFill>
-                <a:latin typeface="Verdana" pitchFamily="34"/>
-                <a:ea typeface="Arial Unicode MS" pitchFamily="2"/>
-                <a:cs typeface="Tahoma" pitchFamily="2"/>
-              </a:defRPr>
-            </a:lvl9pPr>
-          </a:lstStyle>
-          <a:p>
-            <a:pPr lvl="0">
-              <a:buNone/>
-            </a:pPr>
-            <a:r>
-              <a:rPr kumimoji="0" lang="de-DE" sz="1200" b="0" i="0" u="none" strike="noStrike" kern="0" cap="none" spc="0" normalizeH="0" baseline="0" noProof="0" dirty="0" smtClean="0">
-                <a:ln>
-                  <a:noFill/>
-                </a:ln>
-                <a:solidFill>
-                  <a:srgbClr val="000000"/>
-                </a:solidFill>
-                <a:effectLst/>
-                <a:uLnTx/>
-                <a:uFillTx/>
-                <a:latin typeface="Verdana" pitchFamily="34"/>
-                <a:ea typeface="Arial Unicode MS" pitchFamily="2"/>
-                <a:cs typeface="Tahoma" pitchFamily="2"/>
-              </a:rPr>
-              <a:t>&lt;</a:t>
-            </a:r>
-            <a:r>
-              <a:rPr kumimoji="0" lang="de-DE" sz="1200" b="0" i="0" u="none" strike="noStrike" kern="0" cap="none" spc="0" normalizeH="0" baseline="0" noProof="0" dirty="0" err="1" smtClean="0">
-                <a:ln>
-                  <a:noFill/>
-                </a:ln>
-                <a:solidFill>
-                  <a:srgbClr val="000000"/>
-                </a:solidFill>
-                <a:effectLst/>
-                <a:uLnTx/>
-                <a:uFillTx/>
-                <a:latin typeface="Verdana" pitchFamily="34"/>
-                <a:ea typeface="Arial Unicode MS" pitchFamily="2"/>
-                <a:cs typeface="Tahoma" pitchFamily="2"/>
-              </a:rPr>
-              <a:t>module</a:t>
-            </a:r>
-            <a:r>
-              <a:rPr kumimoji="0" lang="de-DE" sz="1200" b="0" i="0" u="none" strike="noStrike" kern="0" cap="none" spc="0" normalizeH="0" noProof="0" dirty="0" smtClean="0">
-                <a:ln>
-                  <a:noFill/>
-                </a:ln>
-                <a:solidFill>
-                  <a:srgbClr val="000000"/>
-                </a:solidFill>
-                <a:effectLst/>
-                <a:uLnTx/>
-                <a:uFillTx/>
-                <a:latin typeface="Verdana" pitchFamily="34"/>
-                <a:ea typeface="Arial Unicode MS" pitchFamily="2"/>
-                <a:cs typeface="Tahoma" pitchFamily="2"/>
-              </a:rPr>
-              <a:t> </a:t>
-            </a:r>
-            <a:r>
-              <a:rPr kumimoji="0" lang="de-DE" sz="1200" b="0" i="0" u="none" strike="noStrike" kern="0" cap="none" spc="0" normalizeH="0" noProof="0" dirty="0" err="1" smtClean="0">
-                <a:ln>
-                  <a:noFill/>
-                </a:ln>
-                <a:solidFill>
-                  <a:srgbClr val="000000"/>
-                </a:solidFill>
-                <a:effectLst/>
-                <a:uLnTx/>
-                <a:uFillTx/>
-                <a:latin typeface="Verdana" pitchFamily="34"/>
-                <a:ea typeface="Arial Unicode MS" pitchFamily="2"/>
-                <a:cs typeface="Tahoma" pitchFamily="2"/>
-              </a:rPr>
-              <a:t>name</a:t>
-            </a:r>
-            <a:r>
-              <a:rPr kumimoji="0" lang="de-DE" sz="1200" b="0" i="0" u="none" strike="noStrike" kern="0" cap="none" spc="0" normalizeH="0" noProof="0" dirty="0" smtClean="0">
-                <a:ln>
-                  <a:noFill/>
-                </a:ln>
-                <a:solidFill>
-                  <a:srgbClr val="000000"/>
-                </a:solidFill>
-                <a:effectLst/>
-                <a:uLnTx/>
-                <a:uFillTx/>
-                <a:latin typeface="Verdana" pitchFamily="34"/>
-                <a:ea typeface="Arial Unicode MS" pitchFamily="2"/>
-                <a:cs typeface="Tahoma" pitchFamily="2"/>
-              </a:rPr>
-              <a:t>=</a:t>
-            </a:r>
-            <a:r>
-              <a:rPr lang="de-DE" sz="1200" dirty="0" smtClean="0"/>
-              <a:t>"</a:t>
-            </a:r>
-            <a:r>
-              <a:rPr lang="de-DE" sz="1200" dirty="0" err="1" smtClean="0"/>
-              <a:t>mathe</a:t>
-            </a:r>
-            <a:r>
-              <a:rPr lang="de-DE" sz="1200" dirty="0" smtClean="0"/>
-              <a:t>"&gt;</a:t>
-            </a:r>
-          </a:p>
-          <a:p>
-            <a:pPr>
-              <a:buNone/>
-            </a:pPr>
-            <a:r>
-              <a:rPr lang="de-DE" sz="1200" kern="0" dirty="0" smtClean="0"/>
-              <a:t>&lt;</a:t>
-            </a:r>
-            <a:r>
-              <a:rPr lang="de-DE" sz="1200" kern="0" dirty="0" err="1" smtClean="0"/>
-              <a:t>import</a:t>
-            </a:r>
-            <a:r>
-              <a:rPr lang="de-DE" sz="1200" kern="0" dirty="0" smtClean="0"/>
-              <a:t> </a:t>
-            </a:r>
-            <a:r>
-              <a:rPr lang="de-DE" sz="1200" kern="0" dirty="0" err="1"/>
-              <a:t>name</a:t>
-            </a:r>
-            <a:r>
-              <a:rPr lang="de-DE" sz="1200" kern="0" dirty="0" smtClean="0"/>
-              <a:t>=</a:t>
-            </a:r>
-            <a:r>
-              <a:rPr lang="de-DE" sz="1200" dirty="0" smtClean="0"/>
-              <a:t>"</a:t>
-            </a:r>
-            <a:r>
-              <a:rPr lang="de-DE" sz="1200" dirty="0" err="1" smtClean="0"/>
-              <a:t>stdlib</a:t>
-            </a:r>
-            <a:r>
-              <a:rPr lang="de-DE" sz="1200" dirty="0" smtClean="0"/>
-              <a:t>"&gt;</a:t>
-            </a:r>
-          </a:p>
-          <a:p>
-            <a:pPr>
-              <a:buNone/>
-            </a:pPr>
-            <a:r>
-              <a:rPr lang="de-DE" sz="1200" dirty="0" smtClean="0"/>
-              <a:t>&lt;</a:t>
-            </a:r>
-            <a:r>
-              <a:rPr lang="de-DE" sz="1200" dirty="0" err="1" smtClean="0"/>
-              <a:t>class</a:t>
-            </a:r>
-            <a:r>
-              <a:rPr lang="de-DE" sz="1200" dirty="0" smtClean="0"/>
-              <a:t> </a:t>
-            </a:r>
-            <a:r>
-              <a:rPr lang="de-DE" sz="1200" dirty="0" err="1" smtClean="0"/>
-              <a:t>name</a:t>
-            </a:r>
-            <a:r>
-              <a:rPr lang="de-DE" sz="1200" dirty="0" smtClean="0"/>
-              <a:t>=</a:t>
-            </a:r>
-            <a:r>
-              <a:rPr lang="de-DE" sz="1200" dirty="0" smtClean="0"/>
-              <a:t>"Klasse1"&gt;</a:t>
-            </a:r>
-          </a:p>
-          <a:p>
-            <a:pPr>
-              <a:buNone/>
-            </a:pPr>
-            <a:r>
-              <a:rPr lang="de-DE" sz="1200" dirty="0" smtClean="0"/>
-              <a:t>...</a:t>
-            </a:r>
-          </a:p>
-          <a:p>
-            <a:pPr>
-              <a:buNone/>
-            </a:pPr>
-            <a:r>
-              <a:rPr lang="de-DE" sz="1200" dirty="0" smtClean="0"/>
-              <a:t>&lt;/</a:t>
-            </a:r>
-            <a:r>
-              <a:rPr lang="de-DE" sz="1200" dirty="0" err="1" smtClean="0"/>
-              <a:t>class</a:t>
-            </a:r>
-            <a:r>
-              <a:rPr lang="de-DE" sz="1200" dirty="0" smtClean="0"/>
-              <a:t>&gt;</a:t>
-            </a:r>
-          </a:p>
-          <a:p>
-            <a:pPr>
-              <a:buNone/>
-            </a:pPr>
-            <a:r>
-              <a:rPr lang="de-DE" sz="1200" dirty="0" smtClean="0"/>
-              <a:t>&lt;</a:t>
-            </a:r>
-            <a:r>
-              <a:rPr lang="de-DE" sz="1200" dirty="0" err="1" smtClean="0"/>
-              <a:t>class</a:t>
-            </a:r>
-            <a:r>
-              <a:rPr lang="de-DE" sz="1200" dirty="0" smtClean="0"/>
-              <a:t> </a:t>
-            </a:r>
-            <a:r>
-              <a:rPr lang="de-DE" sz="1200" dirty="0" err="1" smtClean="0"/>
-              <a:t>name</a:t>
-            </a:r>
-            <a:r>
-              <a:rPr lang="de-DE" sz="1200" dirty="0" smtClean="0"/>
-              <a:t>="Klasse2"&gt;</a:t>
-            </a:r>
-          </a:p>
-          <a:p>
-            <a:pPr>
-              <a:buNone/>
-            </a:pPr>
-            <a:r>
-              <a:rPr lang="de-DE" sz="1200" dirty="0" smtClean="0"/>
-              <a:t>...</a:t>
-            </a:r>
-          </a:p>
-          <a:p>
-            <a:pPr>
-              <a:buNone/>
-            </a:pPr>
-            <a:r>
-              <a:rPr lang="de-DE" sz="1200" dirty="0" smtClean="0"/>
-              <a:t>&lt;/</a:t>
-            </a:r>
-            <a:r>
-              <a:rPr lang="de-DE" sz="1200" dirty="0" err="1" smtClean="0"/>
-              <a:t>class</a:t>
-            </a:r>
-            <a:r>
-              <a:rPr lang="de-DE" sz="1200" dirty="0" smtClean="0"/>
-              <a:t>&gt;</a:t>
-            </a:r>
-          </a:p>
-          <a:p>
-            <a:pPr>
-              <a:buNone/>
-            </a:pPr>
-            <a:r>
-              <a:rPr lang="de-DE" sz="1200" dirty="0" smtClean="0"/>
-              <a:t>&lt;/</a:t>
-            </a:r>
-            <a:r>
-              <a:rPr lang="de-DE" sz="1200" dirty="0" err="1" smtClean="0"/>
-              <a:t>module</a:t>
-            </a:r>
-            <a:r>
-              <a:rPr lang="de-DE" sz="1200" dirty="0" smtClean="0"/>
-              <a:t>&gt;</a:t>
-            </a:r>
-            <a:endParaRPr lang="de-DE" sz="1200" dirty="0" smtClean="0"/>
-          </a:p>
-          <a:p>
-            <a:pPr>
-              <a:buNone/>
-            </a:pPr>
-            <a:endParaRPr lang="de-DE" sz="1200" dirty="0" smtClean="0"/>
-          </a:p>
-          <a:p>
-            <a:pPr lvl="0">
-              <a:buNone/>
-            </a:pPr>
-            <a:endParaRPr kumimoji="0" lang="de-DE" sz="1200" b="0" i="0" u="none" strike="noStrike" kern="0" cap="none" spc="0" normalizeH="0" baseline="0" noProof="0" dirty="0" smtClean="0">
-              <a:ln>
-                <a:noFill/>
-              </a:ln>
-              <a:solidFill>
-                <a:srgbClr val="000000"/>
-              </a:solidFill>
-              <a:effectLst/>
-              <a:uLnTx/>
-              <a:uFillTx/>
-              <a:latin typeface="Verdana" pitchFamily="34"/>
-              <a:ea typeface="Arial Unicode MS" pitchFamily="2"/>
-              <a:cs typeface="Tahoma" pitchFamily="2"/>
-            </a:endParaRPr>
+              <a:rPr lang="de-DE" dirty="0" err="1" smtClean="0"/>
+              <a:t>Referenzierung</a:t>
+            </a:r>
+            <a:r>
+              <a:rPr lang="de-DE" dirty="0" smtClean="0"/>
+              <a:t> in Attribut </a:t>
+            </a:r>
+            <a:r>
+              <a:rPr lang="de-DE" i="1" dirty="0" err="1" smtClean="0"/>
+              <a:t>root</a:t>
+            </a:r>
+            <a:endParaRPr lang="de-DE" dirty="0" smtClean="0"/>
+          </a:p>
+          <a:p>
+            <a:pPr lvl="1"/>
+            <a:endParaRPr lang="de-DE" dirty="0" smtClean="0"/>
+          </a:p>
+          <a:p>
+            <a:pPr lvl="1"/>
+            <a:r>
+              <a:rPr lang="de-DE" dirty="0" smtClean="0"/>
+              <a:t>Ansonsten: Syntaxfehler! Abbruch des Kompiliervorgangs</a:t>
+            </a:r>
+            <a:endParaRPr lang="de-DE" dirty="0" smtClean="0"/>
           </a:p>
         </p:txBody>
       </p:sp>
@@ -16367,8 +17244,8 @@
         </p:nvSpPr>
         <p:spPr>
           <a:xfrm>
-            <a:off x="202208" y="0"/>
-            <a:ext cx="7502400" cy="925200"/>
+            <a:off x="202208" y="293323"/>
+            <a:ext cx="7502400" cy="338554"/>
           </a:xfrm>
         </p:spPr>
         <p:txBody>
@@ -16434,20 +17311,16 @@
             </a:lvl9pPr>
           </a:lstStyle>
           <a:p>
-            <a:pPr lvl="0">
+            <a:pPr lvl="0" algn="ctr">
               <a:buNone/>
             </a:pPr>
             <a:r>
-              <a:rPr lang="de-DE" dirty="0" smtClean="0"/>
-              <a:t>SWP</a:t>
-            </a:r>
-            <a:r>
               <a:rPr lang="de-DE" baseline="0" dirty="0" smtClean="0"/>
-              <a:t> Übersetzerbau – </a:t>
+              <a:t>Syntaxbaum: </a:t>
             </a:r>
             <a:r>
               <a:rPr lang="de-DE" baseline="0" dirty="0" err="1" smtClean="0"/>
-              <a:t>Syntaxbaum:Übersicht</a:t>
+              <a:t>Parsvorgang</a:t>
             </a:r>
             <a:endParaRPr lang="de-DE" dirty="0"/>
           </a:p>
@@ -16466,7 +17339,7 @@
         <p:spPr>
           <a:xfrm>
             <a:off x="703080" y="1080000"/>
-            <a:ext cx="7936920" cy="184666"/>
+            <a:ext cx="7936920" cy="4578176"/>
           </a:xfrm>
         </p:spPr>
         <p:txBody>
@@ -16871,37 +17744,159 @@
             </a:lvl9pPr>
           </a:lstStyle>
           <a:p>
-            <a:pPr>
-              <a:buNone/>
-            </a:pPr>
-            <a:endParaRPr lang="de-DE" sz="1200" dirty="0" smtClean="0"/>
+            <a:pPr lvl="0"/>
+            <a:r>
+              <a:rPr lang="de-DE" dirty="0" smtClean="0"/>
+              <a:t>Weiterer Verlauf</a:t>
+            </a:r>
+            <a:r>
+              <a:rPr lang="de-DE" dirty="0" smtClean="0"/>
+              <a:t> des Parsens:</a:t>
+            </a:r>
+            <a:endParaRPr lang="de-DE" dirty="0" smtClean="0"/>
+          </a:p>
+          <a:p>
+            <a:pPr lvl="1"/>
+            <a:r>
+              <a:rPr lang="de-DE" dirty="0" err="1" smtClean="0"/>
+              <a:t>Konstruktoren</a:t>
+            </a:r>
+            <a:r>
+              <a:rPr lang="de-DE" dirty="0" smtClean="0"/>
+              <a:t> </a:t>
+            </a:r>
+            <a:r>
+              <a:rPr lang="de-DE" dirty="0" smtClean="0"/>
+              <a:t>der </a:t>
+            </a:r>
+            <a:r>
+              <a:rPr lang="de-DE" dirty="0" smtClean="0"/>
+              <a:t>korrespondierenden Java-Klassen </a:t>
+            </a:r>
+            <a:r>
+              <a:rPr lang="de-DE" baseline="0" dirty="0" smtClean="0"/>
+              <a:t>werden </a:t>
+            </a:r>
+            <a:r>
+              <a:rPr lang="de-DE" baseline="0" dirty="0" smtClean="0"/>
+              <a:t>mit entsprechendem </a:t>
+            </a:r>
+            <a:r>
+              <a:rPr lang="de-DE" i="1" baseline="0" dirty="0" err="1" smtClean="0"/>
+              <a:t>DomNode</a:t>
+            </a:r>
+            <a:r>
+              <a:rPr lang="de-DE" i="0" baseline="0" dirty="0" smtClean="0"/>
+              <a:t> als Parameter </a:t>
+            </a:r>
+            <a:r>
+              <a:rPr lang="de-DE" i="0" baseline="0" dirty="0" smtClean="0"/>
+              <a:t>aufgerufen</a:t>
+            </a:r>
+          </a:p>
+          <a:p>
+            <a:pPr lvl="1"/>
+            <a:endParaRPr lang="de-DE" i="0" baseline="0" dirty="0" smtClean="0"/>
+          </a:p>
+          <a:p>
+            <a:r>
+              <a:rPr lang="de-DE" dirty="0" smtClean="0"/>
+              <a:t>Bei jedem </a:t>
+            </a:r>
+            <a:r>
+              <a:rPr lang="de-DE" dirty="0" err="1" smtClean="0"/>
+              <a:t>Konstruktoraufruf</a:t>
+            </a:r>
+            <a:r>
+              <a:rPr lang="de-DE" dirty="0" smtClean="0"/>
+              <a:t>:</a:t>
+            </a:r>
+            <a:endParaRPr lang="de-DE" i="0" baseline="0" dirty="0" smtClean="0"/>
+          </a:p>
+          <a:p>
+            <a:pPr lvl="1"/>
+            <a:r>
+              <a:rPr lang="de-DE" i="0" baseline="0" dirty="0" smtClean="0"/>
+              <a:t>Prüfung </a:t>
+            </a:r>
+            <a:r>
+              <a:rPr lang="de-DE" i="0" baseline="0" dirty="0" smtClean="0"/>
+              <a:t>der </a:t>
+            </a:r>
+            <a:r>
+              <a:rPr lang="de-DE" i="0" baseline="0" dirty="0" smtClean="0"/>
+              <a:t>Pflichtattribute</a:t>
+            </a:r>
+          </a:p>
+          <a:p>
+            <a:pPr lvl="1"/>
+            <a:endParaRPr lang="de-DE" i="0" baseline="0" dirty="0" smtClean="0"/>
+          </a:p>
+          <a:p>
+            <a:pPr lvl="1"/>
+            <a:r>
+              <a:rPr lang="de-DE" i="0" baseline="0" dirty="0" smtClean="0"/>
+              <a:t>Verarbeitung möglicher optionaler </a:t>
+            </a:r>
+            <a:r>
+              <a:rPr lang="de-DE" i="0" baseline="0" dirty="0" smtClean="0"/>
+              <a:t>Attribute</a:t>
+            </a:r>
+          </a:p>
+          <a:p>
+            <a:pPr lvl="1"/>
+            <a:endParaRPr lang="de-DE" i="0" baseline="0" dirty="0" smtClean="0"/>
+          </a:p>
+          <a:p>
+            <a:pPr lvl="1"/>
+            <a:r>
+              <a:rPr lang="de-DE" i="0" baseline="0" dirty="0" smtClean="0"/>
+              <a:t>Verarbeitung möglicher Kinderknoten des </a:t>
+            </a:r>
+            <a:r>
+              <a:rPr lang="de-DE" i="1" baseline="0" dirty="0" err="1" smtClean="0"/>
+              <a:t>DomNode</a:t>
+            </a:r>
+            <a:r>
+              <a:rPr lang="de-DE" i="0" baseline="0" dirty="0" smtClean="0"/>
+              <a:t> </a:t>
+            </a:r>
+            <a:endParaRPr lang="de-DE" i="0" baseline="0" dirty="0" smtClean="0"/>
+          </a:p>
+          <a:p>
+            <a:pPr lvl="2"/>
+            <a:r>
+              <a:rPr lang="de-DE" i="0" baseline="0" dirty="0" smtClean="0"/>
+              <a:t>indem </a:t>
+            </a:r>
+            <a:r>
+              <a:rPr lang="de-DE" i="0" baseline="0" dirty="0" smtClean="0"/>
+              <a:t>erneut </a:t>
+            </a:r>
+            <a:r>
+              <a:rPr lang="de-DE" i="0" baseline="0" dirty="0" err="1" smtClean="0"/>
+              <a:t>Konstruktor</a:t>
+            </a:r>
+            <a:r>
+              <a:rPr lang="de-DE" i="0" baseline="0" dirty="0" smtClean="0"/>
+              <a:t> </a:t>
+            </a:r>
+            <a:r>
+              <a:rPr lang="de-DE" i="0" baseline="0" dirty="0" smtClean="0"/>
+              <a:t>mit </a:t>
+            </a:r>
+            <a:r>
+              <a:rPr lang="de-DE" i="0" baseline="0" dirty="0" err="1" smtClean="0"/>
+              <a:t>Kindknoten</a:t>
+            </a:r>
+            <a:r>
+              <a:rPr lang="de-DE" i="0" baseline="0" dirty="0" smtClean="0"/>
+              <a:t> als Parameter aufgerufen wird</a:t>
+            </a:r>
+            <a:endParaRPr lang="de-DE" dirty="0" smtClean="0"/>
           </a:p>
         </p:txBody>
       </p:sp>
-      <p:pic>
-        <p:nvPicPr>
-          <p:cNvPr id="5" name="Grafik 4" descr="Unbenannt-2.png"/>
-          <p:cNvPicPr>
-            <a:picLocks noChangeAspect="1"/>
-          </p:cNvPicPr>
-          <p:nvPr/>
-        </p:nvPicPr>
-        <p:blipFill>
-          <a:blip r:embed="rId3" cstate="print"/>
-          <a:stretch>
-            <a:fillRect/>
-          </a:stretch>
-        </p:blipFill>
-        <p:spPr>
-          <a:xfrm>
-            <a:off x="719832" y="827509"/>
-            <a:ext cx="8839121" cy="6197762"/>
-          </a:xfrm>
-          <a:prstGeom prst="rect">
-            <a:avLst/>
-          </a:prstGeom>
-        </p:spPr>
-      </p:pic>
     </p:spTree>
   </p:cSld>
   <p:clrMapOvr>
@@ -16947,8 +17942,8 @@
         </p:nvSpPr>
         <p:spPr>
           <a:xfrm>
-            <a:off x="202208" y="0"/>
-            <a:ext cx="7502400" cy="925200"/>
+            <a:off x="202208" y="293323"/>
+            <a:ext cx="7502400" cy="338554"/>
           </a:xfrm>
         </p:spPr>
         <p:txBody>
@@ -17014,20 +18009,16 @@
             </a:lvl9pPr>
           </a:lstStyle>
           <a:p>
-            <a:pPr lvl="0">
+            <a:pPr lvl="0" algn="ctr">
               <a:buNone/>
             </a:pPr>
             <a:r>
-              <a:rPr lang="de-DE" dirty="0" smtClean="0"/>
-              <a:t>SWP</a:t>
-            </a:r>
-            <a:r>
               <a:rPr lang="de-DE" baseline="0" dirty="0" smtClean="0"/>
-              <a:t> Übersetzerbau – </a:t>
-            </a:r>
-            <a:r>
-              <a:rPr lang="de-DE" baseline="0" dirty="0" err="1" smtClean="0"/>
-              <a:t>Syntaxbaum:Grundgerüst</a:t>
+              <a:t>Syntaxbaum: Bsp. </a:t>
+            </a:r>
+            <a:r>
+              <a:rPr lang="de-DE" baseline="0" dirty="0" smtClean="0"/>
+              <a:t>Module</a:t>
             </a:r>
             <a:endParaRPr lang="de-DE" dirty="0"/>
           </a:p>
@@ -17046,11 +18037,11 @@
         <p:spPr>
           <a:xfrm>
             <a:off x="703080" y="1080000"/>
-            <a:ext cx="7936920" cy="184666"/>
+            <a:ext cx="5129320" cy="4324261"/>
           </a:xfrm>
         </p:spPr>
         <p:txBody>
-          <a:bodyPr>
+          <a:bodyPr wrap="square">
             <a:spAutoFit/>
           </a:bodyPr>
           <a:lstStyle>
@@ -17454,34 +18445,1860 @@
             <a:pPr>
               <a:buNone/>
             </a:pPr>
-            <a:endParaRPr lang="de-DE" sz="1200" dirty="0" smtClean="0"/>
+            <a:r>
+              <a:rPr lang="de-DE" sz="1600" dirty="0" err="1" smtClean="0"/>
+              <a:t>public</a:t>
+            </a:r>
+            <a:r>
+              <a:rPr lang="de-DE" sz="1600" dirty="0" smtClean="0"/>
+              <a:t> </a:t>
+            </a:r>
+            <a:r>
+              <a:rPr lang="de-DE" sz="1600" dirty="0"/>
+              <a:t>Module(</a:t>
+            </a:r>
+            <a:r>
+              <a:rPr lang="de-DE" sz="1600" dirty="0" err="1"/>
+              <a:t>DomNode</a:t>
+            </a:r>
+            <a:r>
+              <a:rPr lang="de-DE" sz="1600" dirty="0"/>
+              <a:t> </a:t>
+            </a:r>
+            <a:r>
+              <a:rPr lang="de-DE" sz="1600" dirty="0" err="1"/>
+              <a:t>node</a:t>
+            </a:r>
+            <a:r>
+              <a:rPr lang="de-DE" sz="1600" dirty="0"/>
+              <a:t>) {</a:t>
+            </a:r>
+          </a:p>
+          <a:p>
+            <a:pPr>
+              <a:buNone/>
+            </a:pPr>
+            <a:r>
+              <a:rPr lang="de-DE" sz="1600" dirty="0" smtClean="0"/>
+              <a:t>	// </a:t>
+            </a:r>
+            <a:r>
+              <a:rPr lang="de-DE" sz="1600" dirty="0">
+                <a:solidFill>
+                  <a:srgbClr val="7030A0"/>
+                </a:solidFill>
+              </a:rPr>
+              <a:t>check </a:t>
+            </a:r>
+            <a:r>
+              <a:rPr lang="de-DE" sz="1600" dirty="0" err="1">
+                <a:solidFill>
+                  <a:srgbClr val="7030A0"/>
+                </a:solidFill>
+              </a:rPr>
+              <a:t>needed</a:t>
+            </a:r>
+            <a:r>
+              <a:rPr lang="de-DE" sz="1600" dirty="0">
+                <a:solidFill>
+                  <a:srgbClr val="7030A0"/>
+                </a:solidFill>
+              </a:rPr>
+              <a:t> </a:t>
+            </a:r>
+            <a:r>
+              <a:rPr lang="de-DE" sz="1600" dirty="0" err="1">
+                <a:solidFill>
+                  <a:srgbClr val="7030A0"/>
+                </a:solidFill>
+              </a:rPr>
+              <a:t>attribute</a:t>
+            </a:r>
+            <a:r>
+              <a:rPr lang="de-DE" sz="1600" dirty="0">
+                <a:solidFill>
+                  <a:srgbClr val="7030A0"/>
+                </a:solidFill>
+              </a:rPr>
+              <a:t>: </a:t>
+            </a:r>
+            <a:r>
+              <a:rPr lang="de-DE" sz="1600" dirty="0" err="1">
+                <a:solidFill>
+                  <a:srgbClr val="7030A0"/>
+                </a:solidFill>
+              </a:rPr>
+              <a:t>name</a:t>
+            </a:r>
+            <a:endParaRPr lang="de-DE" sz="1600" dirty="0">
+              <a:solidFill>
+                <a:srgbClr val="7030A0"/>
+              </a:solidFill>
+            </a:endParaRPr>
+          </a:p>
+          <a:p>
+            <a:pPr>
+              <a:buNone/>
+            </a:pPr>
+            <a:r>
+              <a:rPr lang="de-DE" sz="1600" dirty="0" smtClean="0"/>
+              <a:t>	</a:t>
+            </a:r>
+            <a:r>
+              <a:rPr lang="de-DE" sz="1600" dirty="0" smtClean="0"/>
+              <a:t>// </a:t>
+            </a:r>
+            <a:r>
+              <a:rPr lang="de-DE" sz="1600" dirty="0" err="1"/>
+              <a:t>process</a:t>
+            </a:r>
+            <a:r>
+              <a:rPr lang="de-DE" sz="1600" dirty="0"/>
+              <a:t> </a:t>
+            </a:r>
+            <a:r>
+              <a:rPr lang="de-DE" sz="1600" dirty="0" err="1"/>
+              <a:t>child</a:t>
+            </a:r>
+            <a:r>
+              <a:rPr lang="de-DE" sz="1600" dirty="0"/>
+              <a:t> </a:t>
+            </a:r>
+            <a:r>
+              <a:rPr lang="de-DE" sz="1600" dirty="0" err="1"/>
+              <a:t>nodes</a:t>
+            </a:r>
+            <a:endParaRPr lang="de-DE" sz="1600" dirty="0"/>
+          </a:p>
+          <a:p>
+            <a:pPr>
+              <a:buNone/>
+            </a:pPr>
+            <a:r>
+              <a:rPr lang="de-DE" sz="1600" dirty="0" smtClean="0"/>
+              <a:t>	</a:t>
+            </a:r>
+            <a:r>
+              <a:rPr lang="de-DE" sz="1600" dirty="0" smtClean="0"/>
+              <a:t>	//</a:t>
+            </a:r>
+            <a:r>
+              <a:rPr lang="de-DE" sz="1600" dirty="0" err="1" smtClean="0"/>
+              <a:t>if</a:t>
+            </a:r>
+            <a:r>
+              <a:rPr lang="de-DE" sz="1600" dirty="0" smtClean="0"/>
+              <a:t> </a:t>
+            </a:r>
+            <a:r>
+              <a:rPr lang="de-DE" sz="1600" dirty="0" err="1" smtClean="0"/>
+              <a:t>child</a:t>
+            </a:r>
+            <a:r>
+              <a:rPr lang="de-DE" sz="1600" dirty="0" smtClean="0"/>
+              <a:t> </a:t>
+            </a:r>
+            <a:r>
+              <a:rPr lang="de-DE" sz="1600" dirty="0" err="1" smtClean="0"/>
+              <a:t>is</a:t>
+            </a:r>
+            <a:r>
+              <a:rPr lang="de-DE" sz="1600" dirty="0" smtClean="0">
+                <a:solidFill>
+                  <a:srgbClr val="0070C0"/>
+                </a:solidFill>
+              </a:rPr>
+              <a:t> &lt;</a:t>
+            </a:r>
+            <a:r>
+              <a:rPr lang="de-DE" sz="1600" dirty="0" err="1" smtClean="0">
+                <a:solidFill>
+                  <a:srgbClr val="0070C0"/>
+                </a:solidFill>
+              </a:rPr>
+              <a:t>import</a:t>
+            </a:r>
+            <a:r>
+              <a:rPr lang="de-DE" sz="1600" dirty="0" smtClean="0">
+                <a:solidFill>
+                  <a:srgbClr val="0070C0"/>
+                </a:solidFill>
+              </a:rPr>
+              <a:t> ...&gt;</a:t>
+            </a:r>
+            <a:r>
+              <a:rPr lang="de-DE" sz="1600" dirty="0" smtClean="0"/>
+              <a:t> Statement</a:t>
+            </a:r>
+          </a:p>
+          <a:p>
+            <a:pPr>
+              <a:buNone/>
+            </a:pPr>
+            <a:r>
+              <a:rPr lang="de-DE" sz="1600" dirty="0" smtClean="0"/>
+              <a:t>	</a:t>
+            </a:r>
+            <a:r>
+              <a:rPr lang="de-DE" sz="1600" dirty="0" smtClean="0"/>
+              <a:t>	</a:t>
+            </a:r>
+            <a:r>
+              <a:rPr lang="de-DE" sz="1600" dirty="0" smtClean="0"/>
+              <a:t>imports.add(</a:t>
+            </a:r>
+            <a:r>
+              <a:rPr lang="de-DE" sz="1600" dirty="0" err="1" smtClean="0"/>
+              <a:t>new</a:t>
+            </a:r>
+            <a:r>
+              <a:rPr lang="de-DE" sz="1600" dirty="0" smtClean="0"/>
+              <a:t> </a:t>
+            </a:r>
+            <a:r>
+              <a:rPr lang="de-DE" sz="1600" dirty="0"/>
+              <a:t>ImportStatement(</a:t>
+            </a:r>
+            <a:r>
+              <a:rPr lang="de-DE" sz="1600" dirty="0" err="1"/>
+              <a:t>child</a:t>
+            </a:r>
+            <a:r>
+              <a:rPr lang="de-DE" sz="1600" dirty="0" smtClean="0"/>
+              <a:t>));</a:t>
+            </a:r>
+          </a:p>
+          <a:p>
+            <a:pPr>
+              <a:buNone/>
+            </a:pPr>
+            <a:r>
+              <a:rPr lang="de-DE" sz="1600" dirty="0" smtClean="0"/>
+              <a:t>		//</a:t>
+            </a:r>
+            <a:r>
+              <a:rPr lang="de-DE" sz="1600" dirty="0" err="1" smtClean="0"/>
+              <a:t>if</a:t>
+            </a:r>
+            <a:r>
+              <a:rPr lang="de-DE" sz="1600" dirty="0" smtClean="0"/>
+              <a:t> </a:t>
+            </a:r>
+            <a:r>
+              <a:rPr lang="de-DE" sz="1600" dirty="0" err="1" smtClean="0"/>
+              <a:t>child</a:t>
+            </a:r>
+            <a:r>
+              <a:rPr lang="de-DE" sz="1600" dirty="0" smtClean="0"/>
+              <a:t> </a:t>
+            </a:r>
+            <a:r>
+              <a:rPr lang="de-DE" sz="1600" dirty="0" err="1" smtClean="0"/>
+              <a:t>is</a:t>
+            </a:r>
+            <a:r>
+              <a:rPr lang="de-DE" sz="1600" dirty="0" smtClean="0"/>
+              <a:t> </a:t>
+            </a:r>
+            <a:r>
+              <a:rPr lang="de-DE" sz="1600" dirty="0" smtClean="0">
+                <a:solidFill>
+                  <a:srgbClr val="00B050"/>
+                </a:solidFill>
+              </a:rPr>
+              <a:t>&lt;</a:t>
+            </a:r>
+            <a:r>
+              <a:rPr lang="de-DE" sz="1600" dirty="0" err="1" smtClean="0">
+                <a:solidFill>
+                  <a:srgbClr val="00B050"/>
+                </a:solidFill>
+              </a:rPr>
+              <a:t>class</a:t>
+            </a:r>
+            <a:r>
+              <a:rPr lang="de-DE" sz="1600" dirty="0" smtClean="0">
+                <a:solidFill>
+                  <a:srgbClr val="00B050"/>
+                </a:solidFill>
+              </a:rPr>
+              <a:t> </a:t>
+            </a:r>
+            <a:r>
+              <a:rPr lang="de-DE" sz="1600" dirty="0" smtClean="0">
+                <a:solidFill>
+                  <a:srgbClr val="00B050"/>
+                </a:solidFill>
+              </a:rPr>
+              <a:t>...&gt;</a:t>
+            </a:r>
+            <a:r>
+              <a:rPr lang="de-DE" sz="1600" dirty="0" smtClean="0"/>
+              <a:t> </a:t>
+            </a:r>
+            <a:r>
+              <a:rPr lang="de-DE" sz="1600" dirty="0" smtClean="0"/>
+              <a:t>Statement</a:t>
+            </a:r>
+            <a:endParaRPr lang="de-DE" sz="1600" dirty="0"/>
+          </a:p>
+          <a:p>
+            <a:pPr>
+              <a:buNone/>
+            </a:pPr>
+            <a:r>
+              <a:rPr lang="de-DE" sz="1600" dirty="0" smtClean="0"/>
+              <a:t>	</a:t>
+            </a:r>
+            <a:r>
+              <a:rPr lang="de-DE" sz="1600" dirty="0" smtClean="0"/>
+              <a:t>	</a:t>
+            </a:r>
+            <a:r>
+              <a:rPr lang="de-DE" sz="1600" dirty="0" smtClean="0"/>
+              <a:t>classes.add(</a:t>
+            </a:r>
+            <a:r>
+              <a:rPr lang="de-DE" sz="1600" dirty="0" err="1" smtClean="0"/>
+              <a:t>new</a:t>
+            </a:r>
+            <a:r>
+              <a:rPr lang="de-DE" sz="1600" dirty="0" smtClean="0"/>
+              <a:t> </a:t>
+            </a:r>
+            <a:r>
+              <a:rPr lang="de-DE" sz="1600" dirty="0"/>
+              <a:t>Class(</a:t>
+            </a:r>
+            <a:r>
+              <a:rPr lang="de-DE" sz="1600" dirty="0" err="1"/>
+              <a:t>child</a:t>
+            </a:r>
+            <a:r>
+              <a:rPr lang="de-DE" sz="1600" dirty="0" smtClean="0"/>
+              <a:t>));</a:t>
+            </a:r>
+          </a:p>
+          <a:p>
+            <a:pPr>
+              <a:buNone/>
+            </a:pPr>
+            <a:r>
+              <a:rPr lang="de-DE" sz="1600" dirty="0" smtClean="0"/>
+              <a:t>		//</a:t>
+            </a:r>
+            <a:r>
+              <a:rPr lang="de-DE" sz="1600" dirty="0" err="1" smtClean="0"/>
+              <a:t>if</a:t>
+            </a:r>
+            <a:r>
+              <a:rPr lang="de-DE" sz="1600" dirty="0" smtClean="0"/>
+              <a:t> </a:t>
+            </a:r>
+            <a:r>
+              <a:rPr lang="de-DE" sz="1600" dirty="0" err="1" smtClean="0"/>
+              <a:t>child</a:t>
+            </a:r>
+            <a:r>
+              <a:rPr lang="de-DE" sz="1600" dirty="0" smtClean="0"/>
+              <a:t> </a:t>
+            </a:r>
+            <a:r>
+              <a:rPr lang="de-DE" sz="1600" dirty="0" err="1" smtClean="0"/>
+              <a:t>is</a:t>
+            </a:r>
+            <a:r>
+              <a:rPr lang="de-DE" sz="1600" dirty="0" smtClean="0"/>
+              <a:t> &lt;</a:t>
+            </a:r>
+            <a:r>
+              <a:rPr lang="de-DE" sz="1600" dirty="0" err="1" smtClean="0"/>
+              <a:t>interface</a:t>
+            </a:r>
+            <a:r>
+              <a:rPr lang="de-DE" sz="1600" dirty="0" smtClean="0"/>
+              <a:t>...&gt; </a:t>
+            </a:r>
+            <a:r>
+              <a:rPr lang="de-DE" sz="1600" dirty="0" smtClean="0"/>
+              <a:t>Statement</a:t>
+            </a:r>
+          </a:p>
+          <a:p>
+            <a:pPr>
+              <a:buNone/>
+            </a:pPr>
+            <a:r>
+              <a:rPr lang="de-DE" sz="1600" dirty="0" smtClean="0"/>
+              <a:t>		interfaces.add(</a:t>
+            </a:r>
+            <a:r>
+              <a:rPr lang="de-DE" sz="1600" dirty="0" err="1" smtClean="0"/>
+              <a:t>new</a:t>
+            </a:r>
+            <a:r>
+              <a:rPr lang="de-DE" sz="1600" dirty="0" smtClean="0"/>
+              <a:t> </a:t>
+            </a:r>
+            <a:r>
+              <a:rPr lang="de-DE" sz="1600" dirty="0"/>
+              <a:t>Interface(</a:t>
+            </a:r>
+            <a:r>
+              <a:rPr lang="de-DE" sz="1600" dirty="0" err="1"/>
+              <a:t>child</a:t>
+            </a:r>
+            <a:r>
+              <a:rPr lang="de-DE" sz="1600" dirty="0" smtClean="0"/>
+              <a:t>));</a:t>
+            </a:r>
+          </a:p>
+          <a:p>
+            <a:pPr>
+              <a:buNone/>
+            </a:pPr>
+            <a:r>
+              <a:rPr lang="de-DE" sz="1600" dirty="0" smtClean="0"/>
+              <a:t>		//</a:t>
+            </a:r>
+            <a:r>
+              <a:rPr lang="de-DE" sz="1600" dirty="0" err="1" smtClean="0"/>
+              <a:t>if</a:t>
+            </a:r>
+            <a:r>
+              <a:rPr lang="de-DE" sz="1600" dirty="0" smtClean="0"/>
+              <a:t> </a:t>
+            </a:r>
+            <a:r>
+              <a:rPr lang="de-DE" sz="1600" dirty="0" err="1" smtClean="0"/>
+              <a:t>child</a:t>
+            </a:r>
+            <a:r>
+              <a:rPr lang="de-DE" sz="1600" dirty="0" smtClean="0"/>
+              <a:t> </a:t>
+            </a:r>
+            <a:r>
+              <a:rPr lang="de-DE" sz="1600" dirty="0" err="1" smtClean="0"/>
+              <a:t>is</a:t>
+            </a:r>
+            <a:r>
+              <a:rPr lang="de-DE" sz="1600" dirty="0" smtClean="0"/>
+              <a:t> </a:t>
+            </a:r>
+            <a:r>
+              <a:rPr lang="de-DE" sz="1600" i="1" dirty="0" err="1" smtClean="0"/>
+              <a:t>another</a:t>
+            </a:r>
+            <a:r>
+              <a:rPr lang="de-DE" sz="1600" dirty="0" smtClean="0"/>
+              <a:t> Statement</a:t>
+            </a:r>
+          </a:p>
+          <a:p>
+            <a:pPr>
+              <a:buNone/>
+            </a:pPr>
+            <a:r>
+              <a:rPr lang="de-DE" sz="1600" dirty="0" smtClean="0"/>
+              <a:t>	</a:t>
+            </a:r>
+            <a:r>
+              <a:rPr lang="de-DE" sz="1600" dirty="0" smtClean="0"/>
+              <a:t>	//ERROR</a:t>
+            </a:r>
+          </a:p>
+          <a:p>
+            <a:pPr>
+              <a:buNone/>
+            </a:pPr>
+            <a:r>
+              <a:rPr lang="de-DE" sz="1600" dirty="0" smtClean="0"/>
+              <a:t>}</a:t>
+            </a:r>
+          </a:p>
+          <a:p>
+            <a:pPr>
+              <a:buNone/>
+            </a:pPr>
+            <a:endParaRPr lang="de-DE" sz="1200" dirty="0"/>
+          </a:p>
+          <a:p>
+            <a:pPr>
+              <a:buNone/>
+            </a:pPr>
+            <a:r>
+              <a:rPr lang="de-DE" sz="1200" dirty="0" smtClean="0"/>
+              <a:t>	</a:t>
+            </a:r>
           </a:p>
         </p:txBody>
       </p:sp>
-      <p:pic>
-        <p:nvPicPr>
-          <p:cNvPr id="6" name="Grafik 5" descr="Unbenannt-3.png"/>
-          <p:cNvPicPr>
-            <a:picLocks noChangeAspect="1"/>
-          </p:cNvPicPr>
+      <p:sp>
+        <p:nvSpPr>
+          <p:cNvPr id="4" name="Textplatzhalter 2"/>
+          <p:cNvSpPr txBox="1">
+            <a:spLocks/>
+          </p:cNvSpPr>
           <p:nvPr/>
-        </p:nvPicPr>
-        <p:blipFill>
-          <a:blip r:embed="rId3" cstate="print"/>
-          <a:stretch>
-            <a:fillRect/>
-          </a:stretch>
-        </p:blipFill>
+        </p:nvSpPr>
         <p:spPr>
           <a:xfrm>
-            <a:off x="2232000" y="755501"/>
-            <a:ext cx="6570931" cy="6264696"/>
+            <a:off x="6408464" y="1043533"/>
+            <a:ext cx="3240360" cy="3354765"/>
           </a:xfrm>
           <a:prstGeom prst="rect">
             <a:avLst/>
           </a:prstGeom>
+          <a:solidFill>
+            <a:schemeClr val="bg1">
+              <a:lumMod val="85000"/>
+            </a:schemeClr>
+          </a:solidFill>
+          <a:ln>
+            <a:solidFill>
+              <a:schemeClr val="tx1"/>
+            </a:solidFill>
+          </a:ln>
         </p:spPr>
-      </p:pic>
+        <p:txBody>
+          <a:bodyPr wrap="square" lIns="0" tIns="0" rIns="0" bIns="0">
+            <a:spAutoFit/>
+          </a:bodyPr>
+          <a:lstStyle>
+            <a:defPPr marL="342720" marR="0" lvl="0" indent="-342720" algn="l" hangingPunct="1">
+              <a:lnSpc>
+                <a:spcPct val="100000"/>
+              </a:lnSpc>
+              <a:spcBef>
+                <a:spcPts val="550"/>
+              </a:spcBef>
+              <a:spcAft>
+                <a:spcPts val="0"/>
+              </a:spcAft>
+              <a:buClr>
+                <a:srgbClr val="00245B"/>
+              </a:buClr>
+              <a:buSzPct val="120000"/>
+              <a:buFont typeface="Verdana" pitchFamily="34"/>
+              <a:buNone/>
+              <a:tabLst>
+                <a:tab pos="571320" algn="l"/>
+                <a:tab pos="1485719" algn="l"/>
+                <a:tab pos="2400119" algn="l"/>
+                <a:tab pos="3314519" algn="l"/>
+                <a:tab pos="4228919" algn="l"/>
+                <a:tab pos="5143320" algn="l"/>
+                <a:tab pos="6057720" algn="l"/>
+                <a:tab pos="6972120" algn="l"/>
+                <a:tab pos="7886520" algn="l"/>
+                <a:tab pos="8800920" algn="l"/>
+                <a:tab pos="9715320" algn="l"/>
+              </a:tabLst>
+              <a:defRPr lang="de-DE" sz="2200" b="0" i="0" u="none" strike="noStrike" baseline="0">
+                <a:ln>
+                  <a:noFill/>
+                </a:ln>
+                <a:solidFill>
+                  <a:srgbClr val="000000"/>
+                </a:solidFill>
+                <a:latin typeface="Verdana" pitchFamily="34"/>
+                <a:ea typeface="Arial Unicode MS" pitchFamily="2"/>
+                <a:cs typeface="Tahoma" pitchFamily="2"/>
+              </a:defRPr>
+            </a:defPPr>
+            <a:lvl1pPr marL="342720" marR="0" lvl="0" indent="-342720" algn="l" hangingPunct="1">
+              <a:lnSpc>
+                <a:spcPct val="100000"/>
+              </a:lnSpc>
+              <a:spcBef>
+                <a:spcPts val="550"/>
+              </a:spcBef>
+              <a:spcAft>
+                <a:spcPts val="0"/>
+              </a:spcAft>
+              <a:buClr>
+                <a:srgbClr val="00245B"/>
+              </a:buClr>
+              <a:buSzPct val="120000"/>
+              <a:buFont typeface="Verdana" pitchFamily="34"/>
+              <a:buChar char="•"/>
+              <a:tabLst>
+                <a:tab pos="571320" algn="l"/>
+                <a:tab pos="1485719" algn="l"/>
+                <a:tab pos="2400119" algn="l"/>
+                <a:tab pos="3314519" algn="l"/>
+                <a:tab pos="4228919" algn="l"/>
+                <a:tab pos="5143320" algn="l"/>
+                <a:tab pos="6057720" algn="l"/>
+                <a:tab pos="6972120" algn="l"/>
+                <a:tab pos="7886520" algn="l"/>
+                <a:tab pos="8800920" algn="l"/>
+                <a:tab pos="9715320" algn="l"/>
+              </a:tabLst>
+              <a:defRPr lang="de-DE" sz="2200" b="0" i="0" u="none" strike="noStrike" baseline="0">
+                <a:ln>
+                  <a:noFill/>
+                </a:ln>
+                <a:solidFill>
+                  <a:srgbClr val="000000"/>
+                </a:solidFill>
+                <a:latin typeface="Verdana" pitchFamily="34"/>
+                <a:ea typeface="Arial Unicode MS" pitchFamily="2"/>
+                <a:cs typeface="Tahoma" pitchFamily="2"/>
+              </a:defRPr>
+            </a:lvl1pPr>
+            <a:lvl2pPr marL="742680" marR="0" lvl="1" indent="-285480" algn="l" hangingPunct="1">
+              <a:lnSpc>
+                <a:spcPct val="100000"/>
+              </a:lnSpc>
+              <a:spcBef>
+                <a:spcPts val="499"/>
+              </a:spcBef>
+              <a:spcAft>
+                <a:spcPts val="0"/>
+              </a:spcAft>
+              <a:buClr>
+                <a:srgbClr val="CC0000"/>
+              </a:buClr>
+              <a:buSzPct val="100000"/>
+              <a:buFont typeface="Verdana" pitchFamily="34"/>
+              <a:buChar char="•"/>
+              <a:tabLst>
+                <a:tab pos="171360" algn="l"/>
+                <a:tab pos="1085759" algn="l"/>
+                <a:tab pos="2000160" algn="l"/>
+                <a:tab pos="2914560" algn="l"/>
+                <a:tab pos="3828959" algn="l"/>
+                <a:tab pos="4743360" algn="l"/>
+                <a:tab pos="5657760" algn="l"/>
+                <a:tab pos="6572160" algn="l"/>
+                <a:tab pos="7486560" algn="l"/>
+                <a:tab pos="8400960" algn="l"/>
+                <a:tab pos="9315360" algn="l"/>
+              </a:tabLst>
+              <a:defRPr lang="de-DE" sz="2000" b="0" i="0" u="none" strike="noStrike" baseline="0">
+                <a:ln>
+                  <a:noFill/>
+                </a:ln>
+                <a:solidFill>
+                  <a:srgbClr val="000000"/>
+                </a:solidFill>
+                <a:latin typeface="Verdana" pitchFamily="34"/>
+                <a:ea typeface="Arial Unicode MS" pitchFamily="2"/>
+                <a:cs typeface="Tahoma" pitchFamily="2"/>
+              </a:defRPr>
+            </a:lvl2pPr>
+            <a:lvl3pPr marL="1143000" marR="0" lvl="2" indent="-228600" algn="l" hangingPunct="1">
+              <a:lnSpc>
+                <a:spcPct val="100000"/>
+              </a:lnSpc>
+              <a:spcBef>
+                <a:spcPts val="448"/>
+              </a:spcBef>
+              <a:spcAft>
+                <a:spcPts val="0"/>
+              </a:spcAft>
+              <a:buClr>
+                <a:srgbClr val="99CC00"/>
+              </a:buClr>
+              <a:buSzPct val="100000"/>
+              <a:buFont typeface="Verdana" pitchFamily="34"/>
+              <a:buChar char="•"/>
+              <a:tabLst>
+                <a:tab pos="685799" algn="l"/>
+                <a:tab pos="1600200" algn="l"/>
+                <a:tab pos="2514600" algn="l"/>
+                <a:tab pos="3429000" algn="l"/>
+                <a:tab pos="4343400" algn="l"/>
+                <a:tab pos="5257800" algn="l"/>
+                <a:tab pos="6172200" algn="l"/>
+                <a:tab pos="7086600" algn="l"/>
+                <a:tab pos="8000999" algn="l"/>
+                <a:tab pos="8915399" algn="l"/>
+              </a:tabLst>
+              <a:defRPr lang="de-DE" sz="1800" b="0" i="0" u="none" strike="noStrike" baseline="0">
+                <a:ln>
+                  <a:noFill/>
+                </a:ln>
+                <a:solidFill>
+                  <a:srgbClr val="000000"/>
+                </a:solidFill>
+                <a:latin typeface="Verdana" pitchFamily="34"/>
+                <a:ea typeface="Arial Unicode MS" pitchFamily="2"/>
+                <a:cs typeface="Tahoma" pitchFamily="2"/>
+              </a:defRPr>
+            </a:lvl3pPr>
+            <a:lvl4pPr marL="1600199" marR="0" lvl="3" indent="-228600" algn="l" hangingPunct="1">
+              <a:lnSpc>
+                <a:spcPct val="100000"/>
+              </a:lnSpc>
+              <a:spcBef>
+                <a:spcPts val="400"/>
+              </a:spcBef>
+              <a:spcAft>
+                <a:spcPts val="0"/>
+              </a:spcAft>
+              <a:buClr>
+                <a:srgbClr val="FF9933"/>
+              </a:buClr>
+              <a:buSzPct val="100000"/>
+              <a:buFont typeface="Verdana" pitchFamily="34"/>
+              <a:buChar char="•"/>
+              <a:tabLst>
+                <a:tab pos="228600" algn="l"/>
+                <a:tab pos="1143000" algn="l"/>
+                <a:tab pos="2057400" algn="l"/>
+                <a:tab pos="2971800" algn="l"/>
+                <a:tab pos="3886200" algn="l"/>
+                <a:tab pos="4800600" algn="l"/>
+                <a:tab pos="5715000" algn="l"/>
+                <a:tab pos="6629400" algn="l"/>
+                <a:tab pos="7543799" algn="l"/>
+                <a:tab pos="8458200" algn="l"/>
+              </a:tabLst>
+              <a:defRPr lang="de-DE" sz="1600" b="0" i="0" u="none" strike="noStrike" baseline="0">
+                <a:ln>
+                  <a:noFill/>
+                </a:ln>
+                <a:solidFill>
+                  <a:srgbClr val="000000"/>
+                </a:solidFill>
+                <a:latin typeface="Verdana" pitchFamily="34"/>
+                <a:ea typeface="Arial Unicode MS" pitchFamily="2"/>
+                <a:cs typeface="Tahoma" pitchFamily="2"/>
+              </a:defRPr>
+            </a:lvl4pPr>
+            <a:lvl5pPr marL="2057400" marR="0" lvl="4" indent="-228600" algn="l" hangingPunct="1">
+              <a:lnSpc>
+                <a:spcPct val="100000"/>
+              </a:lnSpc>
+              <a:spcBef>
+                <a:spcPts val="400"/>
+              </a:spcBef>
+              <a:spcAft>
+                <a:spcPts val="0"/>
+              </a:spcAft>
+              <a:buClr>
+                <a:srgbClr val="FF9933"/>
+              </a:buClr>
+              <a:buSzPct val="100000"/>
+              <a:buFont typeface="Verdana" pitchFamily="34"/>
+              <a:buChar char="-"/>
+              <a:tabLst>
+                <a:tab pos="685799" algn="l"/>
+                <a:tab pos="1600200" algn="l"/>
+                <a:tab pos="2514600" algn="l"/>
+                <a:tab pos="3429000" algn="l"/>
+                <a:tab pos="4343400" algn="l"/>
+                <a:tab pos="5257800" algn="l"/>
+                <a:tab pos="6172200" algn="l"/>
+                <a:tab pos="7086600" algn="l"/>
+                <a:tab pos="8000999" algn="l"/>
+              </a:tabLst>
+              <a:defRPr lang="de-DE" sz="1600" b="0" i="0" u="none" strike="noStrike" baseline="0">
+                <a:ln>
+                  <a:noFill/>
+                </a:ln>
+                <a:solidFill>
+                  <a:srgbClr val="000000"/>
+                </a:solidFill>
+                <a:latin typeface="Verdana" pitchFamily="34"/>
+                <a:ea typeface="Arial Unicode MS" pitchFamily="2"/>
+                <a:cs typeface="Tahoma" pitchFamily="2"/>
+              </a:defRPr>
+            </a:lvl5pPr>
+            <a:lvl6pPr marL="2057400" marR="0" lvl="5" indent="-228600" algn="l" hangingPunct="1">
+              <a:lnSpc>
+                <a:spcPct val="100000"/>
+              </a:lnSpc>
+              <a:spcBef>
+                <a:spcPts val="400"/>
+              </a:spcBef>
+              <a:spcAft>
+                <a:spcPts val="0"/>
+              </a:spcAft>
+              <a:buClr>
+                <a:srgbClr val="FF9933"/>
+              </a:buClr>
+              <a:buSzPct val="100000"/>
+              <a:buFont typeface="Verdana" pitchFamily="34"/>
+              <a:buChar char="-"/>
+              <a:tabLst>
+                <a:tab pos="685799" algn="l"/>
+                <a:tab pos="1600200" algn="l"/>
+                <a:tab pos="2514600" algn="l"/>
+                <a:tab pos="3429000" algn="l"/>
+                <a:tab pos="4343400" algn="l"/>
+                <a:tab pos="5257800" algn="l"/>
+                <a:tab pos="6172200" algn="l"/>
+                <a:tab pos="7086600" algn="l"/>
+                <a:tab pos="8000999" algn="l"/>
+              </a:tabLst>
+              <a:defRPr lang="de-DE" sz="1600" b="0" i="0" u="none" strike="noStrike" baseline="0">
+                <a:ln>
+                  <a:noFill/>
+                </a:ln>
+                <a:solidFill>
+                  <a:srgbClr val="000000"/>
+                </a:solidFill>
+                <a:latin typeface="Verdana" pitchFamily="34"/>
+                <a:ea typeface="Arial Unicode MS" pitchFamily="2"/>
+                <a:cs typeface="Tahoma" pitchFamily="2"/>
+              </a:defRPr>
+            </a:lvl6pPr>
+            <a:lvl7pPr marL="2057400" marR="0" lvl="6" indent="-228600" algn="l" hangingPunct="1">
+              <a:lnSpc>
+                <a:spcPct val="100000"/>
+              </a:lnSpc>
+              <a:spcBef>
+                <a:spcPts val="400"/>
+              </a:spcBef>
+              <a:spcAft>
+                <a:spcPts val="0"/>
+              </a:spcAft>
+              <a:buClr>
+                <a:srgbClr val="FF9933"/>
+              </a:buClr>
+              <a:buSzPct val="100000"/>
+              <a:buFont typeface="Verdana" pitchFamily="34"/>
+              <a:buChar char="-"/>
+              <a:tabLst>
+                <a:tab pos="685799" algn="l"/>
+                <a:tab pos="1600200" algn="l"/>
+                <a:tab pos="2514600" algn="l"/>
+                <a:tab pos="3429000" algn="l"/>
+                <a:tab pos="4343400" algn="l"/>
+                <a:tab pos="5257800" algn="l"/>
+                <a:tab pos="6172200" algn="l"/>
+                <a:tab pos="7086600" algn="l"/>
+                <a:tab pos="8000999" algn="l"/>
+              </a:tabLst>
+              <a:defRPr lang="de-DE" sz="1600" b="0" i="0" u="none" strike="noStrike" baseline="0">
+                <a:ln>
+                  <a:noFill/>
+                </a:ln>
+                <a:solidFill>
+                  <a:srgbClr val="000000"/>
+                </a:solidFill>
+                <a:latin typeface="Verdana" pitchFamily="34"/>
+                <a:ea typeface="Arial Unicode MS" pitchFamily="2"/>
+                <a:cs typeface="Tahoma" pitchFamily="2"/>
+              </a:defRPr>
+            </a:lvl7pPr>
+            <a:lvl8pPr marL="2057400" marR="0" lvl="7" indent="-228600" algn="l" hangingPunct="1">
+              <a:lnSpc>
+                <a:spcPct val="100000"/>
+              </a:lnSpc>
+              <a:spcBef>
+                <a:spcPts val="400"/>
+              </a:spcBef>
+              <a:spcAft>
+                <a:spcPts val="0"/>
+              </a:spcAft>
+              <a:buClr>
+                <a:srgbClr val="FF9933"/>
+              </a:buClr>
+              <a:buSzPct val="100000"/>
+              <a:buFont typeface="Verdana" pitchFamily="34"/>
+              <a:buChar char="-"/>
+              <a:tabLst>
+                <a:tab pos="685799" algn="l"/>
+                <a:tab pos="1600200" algn="l"/>
+                <a:tab pos="2514600" algn="l"/>
+                <a:tab pos="3429000" algn="l"/>
+                <a:tab pos="4343400" algn="l"/>
+                <a:tab pos="5257800" algn="l"/>
+                <a:tab pos="6172200" algn="l"/>
+                <a:tab pos="7086600" algn="l"/>
+                <a:tab pos="8000999" algn="l"/>
+              </a:tabLst>
+              <a:defRPr lang="de-DE" sz="1600" b="0" i="0" u="none" strike="noStrike" baseline="0">
+                <a:ln>
+                  <a:noFill/>
+                </a:ln>
+                <a:solidFill>
+                  <a:srgbClr val="000000"/>
+                </a:solidFill>
+                <a:latin typeface="Verdana" pitchFamily="34"/>
+                <a:ea typeface="Arial Unicode MS" pitchFamily="2"/>
+                <a:cs typeface="Tahoma" pitchFamily="2"/>
+              </a:defRPr>
+            </a:lvl8pPr>
+            <a:lvl9pPr marL="1944000" marR="0" lvl="8" indent="-216000" algn="l" hangingPunct="1">
+              <a:lnSpc>
+                <a:spcPct val="100000"/>
+              </a:lnSpc>
+              <a:spcBef>
+                <a:spcPts val="400"/>
+              </a:spcBef>
+              <a:spcAft>
+                <a:spcPts val="0"/>
+              </a:spcAft>
+              <a:buSzPct val="45000"/>
+              <a:buFont typeface="StarSymbol"/>
+              <a:buChar char="●"/>
+              <a:tabLst>
+                <a:tab pos="685799" algn="l"/>
+                <a:tab pos="1600200" algn="l"/>
+                <a:tab pos="2514600" algn="l"/>
+                <a:tab pos="3429000" algn="l"/>
+                <a:tab pos="4343400" algn="l"/>
+                <a:tab pos="5257800" algn="l"/>
+                <a:tab pos="6172200" algn="l"/>
+                <a:tab pos="7086600" algn="l"/>
+                <a:tab pos="8000999" algn="l"/>
+              </a:tabLst>
+              <a:defRPr lang="de-DE" sz="1600" b="0" i="0" u="none" strike="noStrike" baseline="0">
+                <a:ln>
+                  <a:noFill/>
+                </a:ln>
+                <a:solidFill>
+                  <a:srgbClr val="000000"/>
+                </a:solidFill>
+                <a:latin typeface="Verdana" pitchFamily="34"/>
+                <a:ea typeface="Arial Unicode MS" pitchFamily="2"/>
+                <a:cs typeface="Tahoma" pitchFamily="2"/>
+              </a:defRPr>
+            </a:lvl9pPr>
+          </a:lstStyle>
+          <a:p>
+            <a:pPr lvl="0">
+              <a:buNone/>
+            </a:pPr>
+            <a:r>
+              <a:rPr kumimoji="0" lang="de-DE" sz="1600" b="0" i="0" u="none" strike="noStrike" kern="0" cap="none" spc="0" normalizeH="0" baseline="0" noProof="0" dirty="0" smtClean="0">
+                <a:ln>
+                  <a:noFill/>
+                </a:ln>
+                <a:solidFill>
+                  <a:srgbClr val="000000"/>
+                </a:solidFill>
+                <a:effectLst/>
+                <a:uLnTx/>
+                <a:uFillTx/>
+                <a:latin typeface="Verdana" pitchFamily="34"/>
+                <a:ea typeface="Arial Unicode MS" pitchFamily="2"/>
+                <a:cs typeface="Tahoma" pitchFamily="2"/>
+              </a:rPr>
+              <a:t>&lt;</a:t>
+            </a:r>
+            <a:r>
+              <a:rPr kumimoji="0" lang="de-DE" sz="1600" b="0" i="0" u="none" strike="noStrike" kern="0" cap="none" spc="0" normalizeH="0" baseline="0" noProof="0" dirty="0" err="1" smtClean="0">
+                <a:ln>
+                  <a:noFill/>
+                </a:ln>
+                <a:solidFill>
+                  <a:srgbClr val="000000"/>
+                </a:solidFill>
+                <a:effectLst/>
+                <a:uLnTx/>
+                <a:uFillTx/>
+                <a:latin typeface="Verdana" pitchFamily="34"/>
+                <a:ea typeface="Arial Unicode MS" pitchFamily="2"/>
+                <a:cs typeface="Tahoma" pitchFamily="2"/>
+              </a:rPr>
+              <a:t>module</a:t>
+            </a:r>
+            <a:r>
+              <a:rPr kumimoji="0" lang="de-DE" sz="1600" b="0" i="0" u="none" strike="noStrike" kern="0" cap="none" spc="0" normalizeH="0" noProof="0" dirty="0" smtClean="0">
+                <a:ln>
+                  <a:noFill/>
+                </a:ln>
+                <a:solidFill>
+                  <a:srgbClr val="000000"/>
+                </a:solidFill>
+                <a:effectLst/>
+                <a:uLnTx/>
+                <a:uFillTx/>
+                <a:latin typeface="Verdana" pitchFamily="34"/>
+                <a:ea typeface="Arial Unicode MS" pitchFamily="2"/>
+                <a:cs typeface="Tahoma" pitchFamily="2"/>
+              </a:rPr>
+              <a:t> </a:t>
+            </a:r>
+            <a:r>
+              <a:rPr kumimoji="0" lang="de-DE" sz="1600" b="0" i="0" u="none" strike="noStrike" kern="0" cap="none" spc="0" normalizeH="0" noProof="0" dirty="0" err="1" smtClean="0">
+                <a:ln>
+                  <a:noFill/>
+                </a:ln>
+                <a:solidFill>
+                  <a:srgbClr val="7030A0"/>
+                </a:solidFill>
+                <a:effectLst/>
+                <a:uLnTx/>
+                <a:uFillTx/>
+                <a:latin typeface="Verdana" pitchFamily="34"/>
+                <a:ea typeface="Arial Unicode MS" pitchFamily="2"/>
+                <a:cs typeface="Tahoma" pitchFamily="2"/>
+              </a:rPr>
+              <a:t>name</a:t>
+            </a:r>
+            <a:r>
+              <a:rPr kumimoji="0" lang="de-DE" sz="1600" b="0" i="0" u="none" strike="noStrike" kern="0" cap="none" spc="0" normalizeH="0" noProof="0" dirty="0" smtClean="0">
+                <a:ln>
+                  <a:noFill/>
+                </a:ln>
+                <a:solidFill>
+                  <a:srgbClr val="7030A0"/>
+                </a:solidFill>
+                <a:effectLst/>
+                <a:uLnTx/>
+                <a:uFillTx/>
+                <a:latin typeface="Verdana" pitchFamily="34"/>
+                <a:ea typeface="Arial Unicode MS" pitchFamily="2"/>
+                <a:cs typeface="Tahoma" pitchFamily="2"/>
+              </a:rPr>
+              <a:t>=</a:t>
+            </a:r>
+            <a:r>
+              <a:rPr lang="de-DE" sz="1600" dirty="0" smtClean="0">
+                <a:solidFill>
+                  <a:srgbClr val="7030A0"/>
+                </a:solidFill>
+              </a:rPr>
+              <a:t>"</a:t>
+            </a:r>
+            <a:r>
+              <a:rPr lang="de-DE" sz="1600" dirty="0" err="1" smtClean="0">
+                <a:solidFill>
+                  <a:srgbClr val="7030A0"/>
+                </a:solidFill>
+              </a:rPr>
+              <a:t>mathe</a:t>
+            </a:r>
+            <a:r>
+              <a:rPr lang="de-DE" sz="1600" dirty="0" smtClean="0">
+                <a:solidFill>
+                  <a:srgbClr val="7030A0"/>
+                </a:solidFill>
+              </a:rPr>
+              <a:t>"</a:t>
+            </a:r>
+            <a:r>
+              <a:rPr lang="de-DE" sz="1600" dirty="0" smtClean="0"/>
+              <a:t>&gt;</a:t>
+            </a:r>
+          </a:p>
+          <a:p>
+            <a:pPr>
+              <a:buNone/>
+            </a:pPr>
+            <a:r>
+              <a:rPr lang="de-DE" sz="1600" kern="0" dirty="0" smtClean="0"/>
+              <a:t>  </a:t>
+            </a:r>
+            <a:r>
+              <a:rPr lang="de-DE" sz="1600" kern="0" dirty="0" smtClean="0">
+                <a:solidFill>
+                  <a:srgbClr val="0070C0"/>
+                </a:solidFill>
+              </a:rPr>
+              <a:t>&lt;</a:t>
+            </a:r>
+            <a:r>
+              <a:rPr lang="de-DE" sz="1600" kern="0" dirty="0" err="1" smtClean="0">
+                <a:solidFill>
+                  <a:srgbClr val="0070C0"/>
+                </a:solidFill>
+              </a:rPr>
+              <a:t>import</a:t>
+            </a:r>
+            <a:r>
+              <a:rPr lang="de-DE" sz="1600" kern="0" dirty="0" smtClean="0"/>
+              <a:t> </a:t>
+            </a:r>
+            <a:r>
+              <a:rPr lang="de-DE" sz="1600" kern="0" dirty="0" err="1"/>
+              <a:t>name</a:t>
+            </a:r>
+            <a:r>
+              <a:rPr lang="de-DE" sz="1600" kern="0" dirty="0" smtClean="0"/>
+              <a:t>=</a:t>
+            </a:r>
+            <a:r>
+              <a:rPr lang="de-DE" sz="1600" dirty="0" smtClean="0"/>
+              <a:t>"</a:t>
+            </a:r>
+            <a:r>
+              <a:rPr lang="de-DE" sz="1600" dirty="0" err="1" smtClean="0"/>
+              <a:t>stdlib</a:t>
+            </a:r>
+            <a:r>
+              <a:rPr lang="de-DE" sz="1600" dirty="0" smtClean="0"/>
+              <a:t>"</a:t>
+            </a:r>
+            <a:r>
+              <a:rPr lang="de-DE" sz="1600" dirty="0" smtClean="0">
+                <a:solidFill>
+                  <a:srgbClr val="0070C0"/>
+                </a:solidFill>
+              </a:rPr>
+              <a:t>&gt;</a:t>
+            </a:r>
+          </a:p>
+          <a:p>
+            <a:pPr>
+              <a:buNone/>
+            </a:pPr>
+            <a:r>
+              <a:rPr lang="de-DE" sz="1600" dirty="0" smtClean="0"/>
+              <a:t>  </a:t>
+            </a:r>
+            <a:r>
+              <a:rPr lang="de-DE" sz="1600" dirty="0" smtClean="0">
+                <a:solidFill>
+                  <a:srgbClr val="00B050"/>
+                </a:solidFill>
+              </a:rPr>
+              <a:t>&lt;</a:t>
+            </a:r>
+            <a:r>
+              <a:rPr lang="de-DE" sz="1600" dirty="0" err="1" smtClean="0">
+                <a:solidFill>
+                  <a:srgbClr val="00B050"/>
+                </a:solidFill>
+              </a:rPr>
+              <a:t>class</a:t>
+            </a:r>
+            <a:r>
+              <a:rPr lang="de-DE" sz="1600" dirty="0" smtClean="0"/>
+              <a:t> </a:t>
+            </a:r>
+            <a:r>
+              <a:rPr lang="de-DE" sz="1600" dirty="0" err="1" smtClean="0"/>
+              <a:t>name</a:t>
+            </a:r>
+            <a:r>
+              <a:rPr lang="de-DE" sz="1600" dirty="0" smtClean="0"/>
+              <a:t>="Klasse1"</a:t>
+            </a:r>
+            <a:r>
+              <a:rPr lang="de-DE" sz="1600" dirty="0" smtClean="0">
+                <a:solidFill>
+                  <a:srgbClr val="00B050"/>
+                </a:solidFill>
+              </a:rPr>
+              <a:t>&gt;</a:t>
+            </a:r>
+          </a:p>
+          <a:p>
+            <a:pPr>
+              <a:buNone/>
+            </a:pPr>
+            <a:r>
+              <a:rPr lang="de-DE" sz="1600" dirty="0" smtClean="0"/>
+              <a:t>  ...</a:t>
+            </a:r>
+            <a:endParaRPr lang="de-DE" sz="1600" dirty="0" smtClean="0"/>
+          </a:p>
+          <a:p>
+            <a:pPr>
+              <a:buNone/>
+            </a:pPr>
+            <a:r>
+              <a:rPr lang="de-DE" sz="1600" dirty="0" smtClean="0"/>
+              <a:t>  &lt;/</a:t>
+            </a:r>
+            <a:r>
+              <a:rPr lang="de-DE" sz="1600" dirty="0" err="1" smtClean="0"/>
+              <a:t>class</a:t>
+            </a:r>
+            <a:r>
+              <a:rPr lang="de-DE" sz="1600" dirty="0" smtClean="0"/>
+              <a:t>&gt;</a:t>
+            </a:r>
+          </a:p>
+          <a:p>
+            <a:pPr>
+              <a:buNone/>
+            </a:pPr>
+            <a:r>
+              <a:rPr lang="de-DE" sz="1600" dirty="0" smtClean="0"/>
+              <a:t>  </a:t>
+            </a:r>
+            <a:r>
+              <a:rPr lang="de-DE" sz="1600" dirty="0" smtClean="0">
+                <a:solidFill>
+                  <a:srgbClr val="00B050"/>
+                </a:solidFill>
+              </a:rPr>
+              <a:t>&lt;</a:t>
+            </a:r>
+            <a:r>
+              <a:rPr lang="de-DE" sz="1600" dirty="0" err="1" smtClean="0">
+                <a:solidFill>
+                  <a:srgbClr val="00B050"/>
+                </a:solidFill>
+              </a:rPr>
+              <a:t>class</a:t>
+            </a:r>
+            <a:r>
+              <a:rPr lang="de-DE" sz="1600" dirty="0" smtClean="0"/>
+              <a:t> </a:t>
+            </a:r>
+            <a:r>
+              <a:rPr lang="de-DE" sz="1600" dirty="0" err="1" smtClean="0"/>
+              <a:t>name</a:t>
+            </a:r>
+            <a:r>
+              <a:rPr lang="de-DE" sz="1600" dirty="0" smtClean="0"/>
+              <a:t>="Klasse2"</a:t>
+            </a:r>
+            <a:r>
+              <a:rPr lang="de-DE" sz="1600" dirty="0" smtClean="0">
+                <a:solidFill>
+                  <a:srgbClr val="00B050"/>
+                </a:solidFill>
+              </a:rPr>
+              <a:t>&gt;</a:t>
+            </a:r>
+          </a:p>
+          <a:p>
+            <a:pPr>
+              <a:buNone/>
+            </a:pPr>
+            <a:r>
+              <a:rPr lang="de-DE" sz="1600" dirty="0" smtClean="0"/>
+              <a:t>  ...</a:t>
+            </a:r>
+            <a:endParaRPr lang="de-DE" sz="1600" dirty="0" smtClean="0"/>
+          </a:p>
+          <a:p>
+            <a:pPr>
+              <a:buNone/>
+            </a:pPr>
+            <a:r>
+              <a:rPr lang="de-DE" sz="1600" dirty="0" smtClean="0"/>
+              <a:t>  &lt;/</a:t>
+            </a:r>
+            <a:r>
+              <a:rPr lang="de-DE" sz="1600" dirty="0" err="1" smtClean="0"/>
+              <a:t>class</a:t>
+            </a:r>
+            <a:r>
+              <a:rPr lang="de-DE" sz="1600" dirty="0" smtClean="0"/>
+              <a:t>&gt;</a:t>
+            </a:r>
+          </a:p>
+          <a:p>
+            <a:pPr>
+              <a:buNone/>
+            </a:pPr>
+            <a:r>
+              <a:rPr lang="de-DE" sz="1600" dirty="0" smtClean="0"/>
+              <a:t>&lt;/</a:t>
+            </a:r>
+            <a:r>
+              <a:rPr lang="de-DE" sz="1600" dirty="0" err="1" smtClean="0"/>
+              <a:t>module</a:t>
+            </a:r>
+            <a:r>
+              <a:rPr lang="de-DE" sz="1600" dirty="0" smtClean="0"/>
+              <a:t>&gt;</a:t>
+            </a:r>
+          </a:p>
+          <a:p>
+            <a:pPr>
+              <a:buNone/>
+            </a:pPr>
+            <a:endParaRPr lang="de-DE" sz="1200" dirty="0" smtClean="0"/>
+          </a:p>
+          <a:p>
+            <a:pPr lvl="0">
+              <a:buNone/>
+            </a:pPr>
+            <a:endParaRPr kumimoji="0" lang="de-DE" sz="1200" b="0" i="0" u="none" strike="noStrike" kern="0" cap="none" spc="0" normalizeH="0" baseline="0" noProof="0" dirty="0" smtClean="0">
+              <a:ln>
+                <a:noFill/>
+              </a:ln>
+              <a:solidFill>
+                <a:srgbClr val="000000"/>
+              </a:solidFill>
+              <a:effectLst/>
+              <a:uLnTx/>
+              <a:uFillTx/>
+              <a:latin typeface="Verdana" pitchFamily="34"/>
+              <a:ea typeface="Arial Unicode MS" pitchFamily="2"/>
+              <a:cs typeface="Tahoma" pitchFamily="2"/>
+            </a:endParaRPr>
+          </a:p>
+        </p:txBody>
+      </p:sp>
+      <p:sp>
+        <p:nvSpPr>
+          <p:cNvPr id="5" name="Textplatzhalter 2"/>
+          <p:cNvSpPr txBox="1">
+            <a:spLocks/>
+          </p:cNvSpPr>
+          <p:nvPr/>
+        </p:nvSpPr>
+        <p:spPr>
+          <a:xfrm>
+            <a:off x="703080" y="5292005"/>
+            <a:ext cx="7936920" cy="923330"/>
+          </a:xfrm>
+          <a:prstGeom prst="rect">
+            <a:avLst/>
+          </a:prstGeom>
+          <a:noFill/>
+          <a:ln>
+            <a:noFill/>
+          </a:ln>
+        </p:spPr>
+        <p:txBody>
+          <a:bodyPr wrap="square" lIns="0" tIns="0" rIns="0" bIns="0">
+            <a:spAutoFit/>
+          </a:bodyPr>
+          <a:lstStyle>
+            <a:defPPr marL="342720" marR="0" lvl="0" indent="-342720" algn="l" hangingPunct="1">
+              <a:lnSpc>
+                <a:spcPct val="100000"/>
+              </a:lnSpc>
+              <a:spcBef>
+                <a:spcPts val="550"/>
+              </a:spcBef>
+              <a:spcAft>
+                <a:spcPts val="0"/>
+              </a:spcAft>
+              <a:buClr>
+                <a:srgbClr val="00245B"/>
+              </a:buClr>
+              <a:buSzPct val="120000"/>
+              <a:buFont typeface="Verdana" pitchFamily="34"/>
+              <a:buNone/>
+              <a:tabLst>
+                <a:tab pos="571320" algn="l"/>
+                <a:tab pos="1485719" algn="l"/>
+                <a:tab pos="2400119" algn="l"/>
+                <a:tab pos="3314519" algn="l"/>
+                <a:tab pos="4228919" algn="l"/>
+                <a:tab pos="5143320" algn="l"/>
+                <a:tab pos="6057720" algn="l"/>
+                <a:tab pos="6972120" algn="l"/>
+                <a:tab pos="7886520" algn="l"/>
+                <a:tab pos="8800920" algn="l"/>
+                <a:tab pos="9715320" algn="l"/>
+              </a:tabLst>
+              <a:defRPr lang="de-DE" sz="2200" b="0" i="0" u="none" strike="noStrike" baseline="0">
+                <a:ln>
+                  <a:noFill/>
+                </a:ln>
+                <a:solidFill>
+                  <a:srgbClr val="000000"/>
+                </a:solidFill>
+                <a:latin typeface="Verdana" pitchFamily="34"/>
+                <a:ea typeface="Arial Unicode MS" pitchFamily="2"/>
+                <a:cs typeface="Tahoma" pitchFamily="2"/>
+              </a:defRPr>
+            </a:defPPr>
+            <a:lvl1pPr marL="342720" marR="0" lvl="0" indent="-342720" algn="l" hangingPunct="1">
+              <a:lnSpc>
+                <a:spcPct val="100000"/>
+              </a:lnSpc>
+              <a:spcBef>
+                <a:spcPts val="550"/>
+              </a:spcBef>
+              <a:spcAft>
+                <a:spcPts val="0"/>
+              </a:spcAft>
+              <a:buClr>
+                <a:srgbClr val="00245B"/>
+              </a:buClr>
+              <a:buSzPct val="120000"/>
+              <a:buFont typeface="Verdana" pitchFamily="34"/>
+              <a:buChar char="•"/>
+              <a:tabLst>
+                <a:tab pos="571320" algn="l"/>
+                <a:tab pos="1485719" algn="l"/>
+                <a:tab pos="2400119" algn="l"/>
+                <a:tab pos="3314519" algn="l"/>
+                <a:tab pos="4228919" algn="l"/>
+                <a:tab pos="5143320" algn="l"/>
+                <a:tab pos="6057720" algn="l"/>
+                <a:tab pos="6972120" algn="l"/>
+                <a:tab pos="7886520" algn="l"/>
+                <a:tab pos="8800920" algn="l"/>
+                <a:tab pos="9715320" algn="l"/>
+              </a:tabLst>
+              <a:defRPr lang="de-DE" sz="2200" b="0" i="0" u="none" strike="noStrike" baseline="0">
+                <a:ln>
+                  <a:noFill/>
+                </a:ln>
+                <a:solidFill>
+                  <a:srgbClr val="000000"/>
+                </a:solidFill>
+                <a:latin typeface="Verdana" pitchFamily="34"/>
+                <a:ea typeface="Arial Unicode MS" pitchFamily="2"/>
+                <a:cs typeface="Tahoma" pitchFamily="2"/>
+              </a:defRPr>
+            </a:lvl1pPr>
+            <a:lvl2pPr marL="742680" marR="0" lvl="1" indent="-285480" algn="l" hangingPunct="1">
+              <a:lnSpc>
+                <a:spcPct val="100000"/>
+              </a:lnSpc>
+              <a:spcBef>
+                <a:spcPts val="499"/>
+              </a:spcBef>
+              <a:spcAft>
+                <a:spcPts val="0"/>
+              </a:spcAft>
+              <a:buClr>
+                <a:srgbClr val="CC0000"/>
+              </a:buClr>
+              <a:buSzPct val="100000"/>
+              <a:buFont typeface="Verdana" pitchFamily="34"/>
+              <a:buChar char="•"/>
+              <a:tabLst>
+                <a:tab pos="171360" algn="l"/>
+                <a:tab pos="1085759" algn="l"/>
+                <a:tab pos="2000160" algn="l"/>
+                <a:tab pos="2914560" algn="l"/>
+                <a:tab pos="3828959" algn="l"/>
+                <a:tab pos="4743360" algn="l"/>
+                <a:tab pos="5657760" algn="l"/>
+                <a:tab pos="6572160" algn="l"/>
+                <a:tab pos="7486560" algn="l"/>
+                <a:tab pos="8400960" algn="l"/>
+                <a:tab pos="9315360" algn="l"/>
+              </a:tabLst>
+              <a:defRPr lang="de-DE" sz="2000" b="0" i="0" u="none" strike="noStrike" baseline="0">
+                <a:ln>
+                  <a:noFill/>
+                </a:ln>
+                <a:solidFill>
+                  <a:srgbClr val="000000"/>
+                </a:solidFill>
+                <a:latin typeface="Verdana" pitchFamily="34"/>
+                <a:ea typeface="Arial Unicode MS" pitchFamily="2"/>
+                <a:cs typeface="Tahoma" pitchFamily="2"/>
+              </a:defRPr>
+            </a:lvl2pPr>
+            <a:lvl3pPr marL="1143000" marR="0" lvl="2" indent="-228600" algn="l" hangingPunct="1">
+              <a:lnSpc>
+                <a:spcPct val="100000"/>
+              </a:lnSpc>
+              <a:spcBef>
+                <a:spcPts val="448"/>
+              </a:spcBef>
+              <a:spcAft>
+                <a:spcPts val="0"/>
+              </a:spcAft>
+              <a:buClr>
+                <a:srgbClr val="99CC00"/>
+              </a:buClr>
+              <a:buSzPct val="100000"/>
+              <a:buFont typeface="Verdana" pitchFamily="34"/>
+              <a:buChar char="•"/>
+              <a:tabLst>
+                <a:tab pos="685799" algn="l"/>
+                <a:tab pos="1600200" algn="l"/>
+                <a:tab pos="2514600" algn="l"/>
+                <a:tab pos="3429000" algn="l"/>
+                <a:tab pos="4343400" algn="l"/>
+                <a:tab pos="5257800" algn="l"/>
+                <a:tab pos="6172200" algn="l"/>
+                <a:tab pos="7086600" algn="l"/>
+                <a:tab pos="8000999" algn="l"/>
+                <a:tab pos="8915399" algn="l"/>
+              </a:tabLst>
+              <a:defRPr lang="de-DE" sz="1800" b="0" i="0" u="none" strike="noStrike" baseline="0">
+                <a:ln>
+                  <a:noFill/>
+                </a:ln>
+                <a:solidFill>
+                  <a:srgbClr val="000000"/>
+                </a:solidFill>
+                <a:latin typeface="Verdana" pitchFamily="34"/>
+                <a:ea typeface="Arial Unicode MS" pitchFamily="2"/>
+                <a:cs typeface="Tahoma" pitchFamily="2"/>
+              </a:defRPr>
+            </a:lvl3pPr>
+            <a:lvl4pPr marL="1600199" marR="0" lvl="3" indent="-228600" algn="l" hangingPunct="1">
+              <a:lnSpc>
+                <a:spcPct val="100000"/>
+              </a:lnSpc>
+              <a:spcBef>
+                <a:spcPts val="400"/>
+              </a:spcBef>
+              <a:spcAft>
+                <a:spcPts val="0"/>
+              </a:spcAft>
+              <a:buClr>
+                <a:srgbClr val="FF9933"/>
+              </a:buClr>
+              <a:buSzPct val="100000"/>
+              <a:buFont typeface="Verdana" pitchFamily="34"/>
+              <a:buChar char="•"/>
+              <a:tabLst>
+                <a:tab pos="228600" algn="l"/>
+                <a:tab pos="1143000" algn="l"/>
+                <a:tab pos="2057400" algn="l"/>
+                <a:tab pos="2971800" algn="l"/>
+                <a:tab pos="3886200" algn="l"/>
+                <a:tab pos="4800600" algn="l"/>
+                <a:tab pos="5715000" algn="l"/>
+                <a:tab pos="6629400" algn="l"/>
+                <a:tab pos="7543799" algn="l"/>
+                <a:tab pos="8458200" algn="l"/>
+              </a:tabLst>
+              <a:defRPr lang="de-DE" sz="1600" b="0" i="0" u="none" strike="noStrike" baseline="0">
+                <a:ln>
+                  <a:noFill/>
+                </a:ln>
+                <a:solidFill>
+                  <a:srgbClr val="000000"/>
+                </a:solidFill>
+                <a:latin typeface="Verdana" pitchFamily="34"/>
+                <a:ea typeface="Arial Unicode MS" pitchFamily="2"/>
+                <a:cs typeface="Tahoma" pitchFamily="2"/>
+              </a:defRPr>
+            </a:lvl4pPr>
+            <a:lvl5pPr marL="2057400" marR="0" lvl="4" indent="-228600" algn="l" hangingPunct="1">
+              <a:lnSpc>
+                <a:spcPct val="100000"/>
+              </a:lnSpc>
+              <a:spcBef>
+                <a:spcPts val="400"/>
+              </a:spcBef>
+              <a:spcAft>
+                <a:spcPts val="0"/>
+              </a:spcAft>
+              <a:buClr>
+                <a:srgbClr val="FF9933"/>
+              </a:buClr>
+              <a:buSzPct val="100000"/>
+              <a:buFont typeface="Verdana" pitchFamily="34"/>
+              <a:buChar char="-"/>
+              <a:tabLst>
+                <a:tab pos="685799" algn="l"/>
+                <a:tab pos="1600200" algn="l"/>
+                <a:tab pos="2514600" algn="l"/>
+                <a:tab pos="3429000" algn="l"/>
+                <a:tab pos="4343400" algn="l"/>
+                <a:tab pos="5257800" algn="l"/>
+                <a:tab pos="6172200" algn="l"/>
+                <a:tab pos="7086600" algn="l"/>
+                <a:tab pos="8000999" algn="l"/>
+              </a:tabLst>
+              <a:defRPr lang="de-DE" sz="1600" b="0" i="0" u="none" strike="noStrike" baseline="0">
+                <a:ln>
+                  <a:noFill/>
+                </a:ln>
+                <a:solidFill>
+                  <a:srgbClr val="000000"/>
+                </a:solidFill>
+                <a:latin typeface="Verdana" pitchFamily="34"/>
+                <a:ea typeface="Arial Unicode MS" pitchFamily="2"/>
+                <a:cs typeface="Tahoma" pitchFamily="2"/>
+              </a:defRPr>
+            </a:lvl5pPr>
+            <a:lvl6pPr marL="2057400" marR="0" lvl="5" indent="-228600" algn="l" hangingPunct="1">
+              <a:lnSpc>
+                <a:spcPct val="100000"/>
+              </a:lnSpc>
+              <a:spcBef>
+                <a:spcPts val="400"/>
+              </a:spcBef>
+              <a:spcAft>
+                <a:spcPts val="0"/>
+              </a:spcAft>
+              <a:buClr>
+                <a:srgbClr val="FF9933"/>
+              </a:buClr>
+              <a:buSzPct val="100000"/>
+              <a:buFont typeface="Verdana" pitchFamily="34"/>
+              <a:buChar char="-"/>
+              <a:tabLst>
+                <a:tab pos="685799" algn="l"/>
+                <a:tab pos="1600200" algn="l"/>
+                <a:tab pos="2514600" algn="l"/>
+                <a:tab pos="3429000" algn="l"/>
+                <a:tab pos="4343400" algn="l"/>
+                <a:tab pos="5257800" algn="l"/>
+                <a:tab pos="6172200" algn="l"/>
+                <a:tab pos="7086600" algn="l"/>
+                <a:tab pos="8000999" algn="l"/>
+              </a:tabLst>
+              <a:defRPr lang="de-DE" sz="1600" b="0" i="0" u="none" strike="noStrike" baseline="0">
+                <a:ln>
+                  <a:noFill/>
+                </a:ln>
+                <a:solidFill>
+                  <a:srgbClr val="000000"/>
+                </a:solidFill>
+                <a:latin typeface="Verdana" pitchFamily="34"/>
+                <a:ea typeface="Arial Unicode MS" pitchFamily="2"/>
+                <a:cs typeface="Tahoma" pitchFamily="2"/>
+              </a:defRPr>
+            </a:lvl6pPr>
+            <a:lvl7pPr marL="2057400" marR="0" lvl="6" indent="-228600" algn="l" hangingPunct="1">
+              <a:lnSpc>
+                <a:spcPct val="100000"/>
+              </a:lnSpc>
+              <a:spcBef>
+                <a:spcPts val="400"/>
+              </a:spcBef>
+              <a:spcAft>
+                <a:spcPts val="0"/>
+              </a:spcAft>
+              <a:buClr>
+                <a:srgbClr val="FF9933"/>
+              </a:buClr>
+              <a:buSzPct val="100000"/>
+              <a:buFont typeface="Verdana" pitchFamily="34"/>
+              <a:buChar char="-"/>
+              <a:tabLst>
+                <a:tab pos="685799" algn="l"/>
+                <a:tab pos="1600200" algn="l"/>
+                <a:tab pos="2514600" algn="l"/>
+                <a:tab pos="3429000" algn="l"/>
+                <a:tab pos="4343400" algn="l"/>
+                <a:tab pos="5257800" algn="l"/>
+                <a:tab pos="6172200" algn="l"/>
+                <a:tab pos="7086600" algn="l"/>
+                <a:tab pos="8000999" algn="l"/>
+              </a:tabLst>
+              <a:defRPr lang="de-DE" sz="1600" b="0" i="0" u="none" strike="noStrike" baseline="0">
+                <a:ln>
+                  <a:noFill/>
+                </a:ln>
+                <a:solidFill>
+                  <a:srgbClr val="000000"/>
+                </a:solidFill>
+                <a:latin typeface="Verdana" pitchFamily="34"/>
+                <a:ea typeface="Arial Unicode MS" pitchFamily="2"/>
+                <a:cs typeface="Tahoma" pitchFamily="2"/>
+              </a:defRPr>
+            </a:lvl7pPr>
+            <a:lvl8pPr marL="2057400" marR="0" lvl="7" indent="-228600" algn="l" hangingPunct="1">
+              <a:lnSpc>
+                <a:spcPct val="100000"/>
+              </a:lnSpc>
+              <a:spcBef>
+                <a:spcPts val="400"/>
+              </a:spcBef>
+              <a:spcAft>
+                <a:spcPts val="0"/>
+              </a:spcAft>
+              <a:buClr>
+                <a:srgbClr val="FF9933"/>
+              </a:buClr>
+              <a:buSzPct val="100000"/>
+              <a:buFont typeface="Verdana" pitchFamily="34"/>
+              <a:buChar char="-"/>
+              <a:tabLst>
+                <a:tab pos="685799" algn="l"/>
+                <a:tab pos="1600200" algn="l"/>
+                <a:tab pos="2514600" algn="l"/>
+                <a:tab pos="3429000" algn="l"/>
+                <a:tab pos="4343400" algn="l"/>
+                <a:tab pos="5257800" algn="l"/>
+                <a:tab pos="6172200" algn="l"/>
+                <a:tab pos="7086600" algn="l"/>
+                <a:tab pos="8000999" algn="l"/>
+              </a:tabLst>
+              <a:defRPr lang="de-DE" sz="1600" b="0" i="0" u="none" strike="noStrike" baseline="0">
+                <a:ln>
+                  <a:noFill/>
+                </a:ln>
+                <a:solidFill>
+                  <a:srgbClr val="000000"/>
+                </a:solidFill>
+                <a:latin typeface="Verdana" pitchFamily="34"/>
+                <a:ea typeface="Arial Unicode MS" pitchFamily="2"/>
+                <a:cs typeface="Tahoma" pitchFamily="2"/>
+              </a:defRPr>
+            </a:lvl8pPr>
+            <a:lvl9pPr marL="1944000" marR="0" lvl="8" indent="-216000" algn="l" hangingPunct="1">
+              <a:lnSpc>
+                <a:spcPct val="100000"/>
+              </a:lnSpc>
+              <a:spcBef>
+                <a:spcPts val="400"/>
+              </a:spcBef>
+              <a:spcAft>
+                <a:spcPts val="0"/>
+              </a:spcAft>
+              <a:buSzPct val="45000"/>
+              <a:buFont typeface="StarSymbol"/>
+              <a:buChar char="●"/>
+              <a:tabLst>
+                <a:tab pos="685799" algn="l"/>
+                <a:tab pos="1600200" algn="l"/>
+                <a:tab pos="2514600" algn="l"/>
+                <a:tab pos="3429000" algn="l"/>
+                <a:tab pos="4343400" algn="l"/>
+                <a:tab pos="5257800" algn="l"/>
+                <a:tab pos="6172200" algn="l"/>
+                <a:tab pos="7086600" algn="l"/>
+                <a:tab pos="8000999" algn="l"/>
+              </a:tabLst>
+              <a:defRPr lang="de-DE" sz="1600" b="0" i="0" u="none" strike="noStrike" baseline="0">
+                <a:ln>
+                  <a:noFill/>
+                </a:ln>
+                <a:solidFill>
+                  <a:srgbClr val="000000"/>
+                </a:solidFill>
+                <a:latin typeface="Verdana" pitchFamily="34"/>
+                <a:ea typeface="Arial Unicode MS" pitchFamily="2"/>
+                <a:cs typeface="Tahoma" pitchFamily="2"/>
+              </a:defRPr>
+            </a:lvl9pPr>
+          </a:lstStyle>
+          <a:p>
+            <a:pPr marL="742680" marR="0" lvl="1" indent="-285480" algn="l" defTabSz="914400" eaLnBrk="1" fontAlgn="auto" latinLnBrk="0" hangingPunct="1">
+              <a:lnSpc>
+                <a:spcPct val="100000"/>
+              </a:lnSpc>
+              <a:spcBef>
+                <a:spcPts val="499"/>
+              </a:spcBef>
+              <a:spcAft>
+                <a:spcPts val="0"/>
+              </a:spcAft>
+              <a:buClr>
+                <a:srgbClr val="CC0000"/>
+              </a:buClr>
+              <a:buSzPct val="100000"/>
+              <a:buNone/>
+              <a:tabLst>
+                <a:tab pos="171360" algn="l"/>
+                <a:tab pos="1085759" algn="l"/>
+                <a:tab pos="2000160" algn="l"/>
+                <a:tab pos="2914560" algn="l"/>
+                <a:tab pos="3828959" algn="l"/>
+                <a:tab pos="4743360" algn="l"/>
+                <a:tab pos="5657760" algn="l"/>
+                <a:tab pos="6572160" algn="l"/>
+                <a:tab pos="7486560" algn="l"/>
+                <a:tab pos="8400960" algn="l"/>
+                <a:tab pos="9315360" algn="l"/>
+              </a:tabLst>
+              <a:defRPr/>
+            </a:pPr>
+            <a:r>
+              <a:rPr kumimoji="0" lang="de-DE" sz="2000" b="0" i="0" u="none" strike="noStrike" kern="0" cap="none" spc="0" normalizeH="0" baseline="0" noProof="0" dirty="0" smtClean="0">
+                <a:ln>
+                  <a:noFill/>
+                </a:ln>
+                <a:solidFill>
+                  <a:srgbClr val="000000"/>
+                </a:solidFill>
+                <a:effectLst/>
+                <a:uLnTx/>
+                <a:uFillTx/>
+                <a:latin typeface="Verdana" pitchFamily="34"/>
+                <a:ea typeface="Arial Unicode MS" pitchFamily="2"/>
+                <a:cs typeface="Tahoma" pitchFamily="2"/>
+              </a:rPr>
+              <a:t>Parsen des &lt;</a:t>
+            </a:r>
+            <a:r>
+              <a:rPr kumimoji="0" lang="de-DE" sz="2000" b="0" i="0" u="none" strike="noStrike" kern="0" cap="none" spc="0" normalizeH="0" baseline="0" noProof="0" dirty="0" err="1" smtClean="0">
+                <a:ln>
+                  <a:noFill/>
+                </a:ln>
+                <a:solidFill>
+                  <a:srgbClr val="000000"/>
+                </a:solidFill>
+                <a:effectLst/>
+                <a:uLnTx/>
+                <a:uFillTx/>
+                <a:latin typeface="Verdana" pitchFamily="34"/>
+                <a:ea typeface="Arial Unicode MS" pitchFamily="2"/>
+                <a:cs typeface="Tahoma" pitchFamily="2"/>
+              </a:rPr>
+              <a:t>class</a:t>
+            </a:r>
+            <a:r>
+              <a:rPr kumimoji="0" lang="de-DE" sz="2000" b="0" i="0" u="none" strike="noStrike" kern="0" cap="none" spc="0" normalizeH="0" baseline="0" noProof="0" dirty="0" smtClean="0">
+                <a:ln>
+                  <a:noFill/>
+                </a:ln>
+                <a:solidFill>
+                  <a:srgbClr val="000000"/>
+                </a:solidFill>
+                <a:effectLst/>
+                <a:uLnTx/>
+                <a:uFillTx/>
+                <a:latin typeface="Verdana" pitchFamily="34"/>
+                <a:ea typeface="Arial Unicode MS" pitchFamily="2"/>
+                <a:cs typeface="Tahoma" pitchFamily="2"/>
+              </a:rPr>
+              <a:t> ...&gt; Statement findet in der </a:t>
+            </a:r>
+            <a:r>
+              <a:rPr kumimoji="0" lang="de-DE" sz="2000" b="0" i="0" u="none" strike="noStrike" kern="0" cap="none" spc="0" normalizeH="0" baseline="0" noProof="0" dirty="0" err="1" smtClean="0">
+                <a:ln>
+                  <a:noFill/>
+                </a:ln>
+                <a:solidFill>
+                  <a:srgbClr val="000000"/>
+                </a:solidFill>
+                <a:effectLst/>
+                <a:uLnTx/>
+                <a:uFillTx/>
+                <a:latin typeface="Verdana" pitchFamily="34"/>
+                <a:ea typeface="Arial Unicode MS" pitchFamily="2"/>
+                <a:cs typeface="Tahoma" pitchFamily="2"/>
+              </a:rPr>
+              <a:t>korrepsondierenden</a:t>
+            </a:r>
+            <a:r>
+              <a:rPr kumimoji="0" lang="de-DE" sz="2000" b="0" i="0" u="none" strike="noStrike" kern="0" cap="none" spc="0" normalizeH="0" baseline="0" noProof="0" dirty="0" smtClean="0">
+                <a:ln>
+                  <a:noFill/>
+                </a:ln>
+                <a:solidFill>
+                  <a:srgbClr val="000000"/>
+                </a:solidFill>
+                <a:effectLst/>
+                <a:uLnTx/>
+                <a:uFillTx/>
+                <a:latin typeface="Verdana" pitchFamily="34"/>
+                <a:ea typeface="Arial Unicode MS" pitchFamily="2"/>
+                <a:cs typeface="Tahoma" pitchFamily="2"/>
+              </a:rPr>
+              <a:t> Java-Klasse </a:t>
+            </a:r>
+            <a:r>
+              <a:rPr lang="de-DE" i="1" kern="0" dirty="0" smtClean="0"/>
+              <a:t>Class</a:t>
+            </a:r>
+            <a:r>
+              <a:rPr lang="de-DE" kern="0" dirty="0" smtClean="0"/>
+              <a:t> statt, sowie &lt;</a:t>
+            </a:r>
+            <a:r>
+              <a:rPr lang="de-DE" kern="0" dirty="0" err="1" smtClean="0"/>
+              <a:t>import</a:t>
+            </a:r>
+            <a:r>
+              <a:rPr lang="de-DE" kern="0" dirty="0" smtClean="0"/>
+              <a:t> ...&gt; in </a:t>
+            </a:r>
+            <a:r>
+              <a:rPr lang="de-DE" i="1" kern="0" dirty="0" smtClean="0"/>
+              <a:t>ImportStatement</a:t>
+            </a:r>
+            <a:endParaRPr kumimoji="0" lang="de-DE" sz="2000" i="0" u="none" strike="noStrike" kern="0" cap="none" spc="0" normalizeH="0" baseline="0" noProof="0" dirty="0" smtClean="0">
+              <a:ln>
+                <a:noFill/>
+              </a:ln>
+              <a:solidFill>
+                <a:srgbClr val="000000"/>
+              </a:solidFill>
+              <a:effectLst/>
+              <a:uLnTx/>
+              <a:uFillTx/>
+              <a:latin typeface="Verdana" pitchFamily="34"/>
+              <a:ea typeface="Arial Unicode MS" pitchFamily="2"/>
+              <a:cs typeface="Tahoma" pitchFamily="2"/>
+            </a:endParaRPr>
+          </a:p>
+        </p:txBody>
+      </p:sp>
     </p:spTree>
   </p:cSld>
   <p:clrMapOvr>
@@ -17527,8 +20344,8 @@
         </p:nvSpPr>
         <p:spPr>
           <a:xfrm>
-            <a:off x="202208" y="0"/>
-            <a:ext cx="7502400" cy="925200"/>
+            <a:off x="202208" y="293323"/>
+            <a:ext cx="7502400" cy="338554"/>
           </a:xfrm>
         </p:spPr>
         <p:txBody>
@@ -17594,20 +20411,12 @@
             </a:lvl9pPr>
           </a:lstStyle>
           <a:p>
-            <a:pPr lvl="0">
+            <a:pPr lvl="0" algn="ctr">
               <a:buNone/>
             </a:pPr>
             <a:r>
-              <a:rPr lang="de-DE" dirty="0" smtClean="0"/>
-              <a:t>SWP</a:t>
-            </a:r>
-            <a:r>
               <a:rPr lang="de-DE" baseline="0" dirty="0" smtClean="0"/>
-              <a:t> Übersetzerbau – </a:t>
-            </a:r>
-            <a:r>
-              <a:rPr lang="de-DE" baseline="0" dirty="0" err="1" smtClean="0"/>
-              <a:t>Syntaxbaum:Statement</a:t>
+              <a:t>Syntaxbaum: Übersicht</a:t>
             </a:r>
             <a:endParaRPr lang="de-DE" dirty="0"/>
           </a:p>
@@ -18040,7 +20849,7 @@
       </p:sp>
       <p:pic>
         <p:nvPicPr>
-          <p:cNvPr id="5" name="Grafik 4" descr="Unbenannt-4.png"/>
+          <p:cNvPr id="5" name="Grafik 4" descr="Unbenannt-2.png"/>
           <p:cNvPicPr>
             <a:picLocks noChangeAspect="1"/>
           </p:cNvPicPr>
@@ -18054,8 +20863,8 @@
         </p:blipFill>
         <p:spPr>
           <a:xfrm>
-            <a:off x="1357772" y="1722694"/>
-            <a:ext cx="7365080" cy="4114286"/>
+            <a:off x="719832" y="827509"/>
+            <a:ext cx="8839121" cy="6197762"/>
           </a:xfrm>
           <a:prstGeom prst="rect">
             <a:avLst/>

--- a/trunk/dokumentation/AR_SWP Uebersetzerbau (SS10)_v2.pptx
+++ b/trunk/dokumentation/AR_SWP Uebersetzerbau (SS10)_v2.pptx
@@ -6,10 +6,10 @@
     <p:sldMasterId id="2147483660" r:id="rId2"/>
   </p:sldMasterIdLst>
   <p:notesMasterIdLst>
-    <p:notesMasterId r:id="rId18"/>
+    <p:notesMasterId r:id="rId22"/>
   </p:notesMasterIdLst>
   <p:handoutMasterIdLst>
-    <p:handoutMasterId r:id="rId19"/>
+    <p:handoutMasterId r:id="rId23"/>
   </p:handoutMasterIdLst>
   <p:sldIdLst>
     <p:sldId id="256" r:id="rId3"/>
@@ -25,8 +25,12 @@
     <p:sldId id="283" r:id="rId13"/>
     <p:sldId id="285" r:id="rId14"/>
     <p:sldId id="286" r:id="rId15"/>
-    <p:sldId id="287" r:id="rId16"/>
-    <p:sldId id="276" r:id="rId17"/>
+    <p:sldId id="291" r:id="rId16"/>
+    <p:sldId id="287" r:id="rId17"/>
+    <p:sldId id="292" r:id="rId18"/>
+    <p:sldId id="293" r:id="rId19"/>
+    <p:sldId id="294" r:id="rId20"/>
+    <p:sldId id="276" r:id="rId21"/>
   </p:sldIdLst>
   <p:sldSz cx="10080625" cy="7559675"/>
   <p:notesSz cx="7559675" cy="10691813"/>
@@ -2280,6 +2284,666 @@
             </a:lvl9pPr>
           </a:lstStyle>
           <a:p>
+            <a:endParaRPr lang="de-DE" dirty="0">
+              <a:solidFill>
+                <a:srgbClr val="6E2028"/>
+              </a:solidFill>
+              <a:ea typeface="Arial Unicode MS" pitchFamily="2"/>
+            </a:endParaRPr>
+          </a:p>
+        </p:txBody>
+      </p:sp>
+    </p:spTree>
+  </p:cSld>
+  <p:clrMapOvr>
+    <a:masterClrMapping/>
+  </p:clrMapOvr>
+</p:notes>
+</file>
+
+<file path=ppt/notesSlides/notesSlide16.xml><?xml version="1.0" encoding="utf-8"?>
+<p:notes xmlns:a="http://schemas.openxmlformats.org/drawingml/2006/main" xmlns:r="http://schemas.openxmlformats.org/officeDocument/2006/relationships" xmlns:p="http://schemas.openxmlformats.org/presentationml/2006/main">
+  <p:cSld>
+    <p:spTree>
+      <p:nvGrpSpPr>
+        <p:cNvPr id="1" name=""/>
+        <p:cNvGrpSpPr/>
+        <p:nvPr/>
+      </p:nvGrpSpPr>
+      <p:grpSpPr>
+        <a:xfrm>
+          <a:off x="0" y="0"/>
+          <a:ext cx="0" cy="0"/>
+          <a:chOff x="0" y="0"/>
+          <a:chExt cx="0" cy="0"/>
+        </a:xfrm>
+      </p:grpSpPr>
+      <p:sp>
+        <p:nvSpPr>
+          <p:cNvPr id="2" name="Folienbildplatzhalter 1"/>
+          <p:cNvSpPr>
+            <a:spLocks noGrp="1" noRot="1" noChangeAspect="1" noResize="1"/>
+          </p:cNvSpPr>
+          <p:nvPr>
+            <p:ph type="sldImg"/>
+          </p:nvPr>
+        </p:nvSpPr>
+        <p:spPr>
+          <a:xfrm>
+            <a:off x="1106488" y="801688"/>
+            <a:ext cx="5345112" cy="4010025"/>
+          </a:xfrm>
+          <a:solidFill>
+            <a:schemeClr val="accent1"/>
+          </a:solidFill>
+          <a:ln w="25400">
+            <a:solidFill>
+              <a:schemeClr val="accent1">
+                <a:shade val="50000"/>
+              </a:schemeClr>
+            </a:solidFill>
+            <a:prstDash val="solid"/>
+          </a:ln>
+        </p:spPr>
+      </p:sp>
+      <p:sp>
+        <p:nvSpPr>
+          <p:cNvPr id="3" name="Notizenplatzhalter 2"/>
+          <p:cNvSpPr txBox="1">
+            <a:spLocks noGrp="1"/>
+          </p:cNvSpPr>
+          <p:nvPr>
+            <p:ph type="body" sz="quarter" idx="1"/>
+          </p:nvPr>
+        </p:nvSpPr>
+        <p:spPr>
+          <a:xfrm>
+            <a:off x="755639" y="5078520"/>
+            <a:ext cx="6048000" cy="4812120"/>
+          </a:xfrm>
+        </p:spPr>
+        <p:txBody>
+          <a:bodyPr>
+            <a:spAutoFit/>
+          </a:bodyPr>
+          <a:lstStyle>
+            <a:defPPr lvl="0">
+              <a:buClr>
+                <a:srgbClr val="6E2028"/>
+              </a:buClr>
+              <a:buSzPct val="100000"/>
+              <a:buFont typeface="Verdana" pitchFamily="34"/>
+              <a:buNone/>
+            </a:defPPr>
+            <a:lvl1pPr lvl="0">
+              <a:buClr>
+                <a:srgbClr val="6E2028"/>
+              </a:buClr>
+              <a:buSzPct val="100000"/>
+              <a:buFont typeface="Verdana" pitchFamily="34"/>
+              <a:buChar char="•"/>
+            </a:lvl1pPr>
+            <a:lvl2pPr lvl="1">
+              <a:buClr>
+                <a:srgbClr val="6E2028"/>
+              </a:buClr>
+              <a:buSzPct val="100000"/>
+              <a:buFont typeface="Verdana" pitchFamily="34"/>
+              <a:buChar char="•"/>
+            </a:lvl2pPr>
+            <a:lvl3pPr lvl="2">
+              <a:buClr>
+                <a:srgbClr val="6E2028"/>
+              </a:buClr>
+              <a:buSzPct val="100000"/>
+              <a:buFont typeface="Verdana" pitchFamily="34"/>
+              <a:buChar char="•"/>
+            </a:lvl3pPr>
+            <a:lvl4pPr lvl="3">
+              <a:buClr>
+                <a:srgbClr val="6E2028"/>
+              </a:buClr>
+              <a:buSzPct val="100000"/>
+              <a:buFont typeface="Verdana" pitchFamily="34"/>
+              <a:buChar char="•"/>
+            </a:lvl4pPr>
+            <a:lvl5pPr lvl="4">
+              <a:buClr>
+                <a:srgbClr val="6E2028"/>
+              </a:buClr>
+              <a:buSzPct val="100000"/>
+              <a:buFont typeface="Verdana" pitchFamily="34"/>
+              <a:buChar char="•"/>
+            </a:lvl5pPr>
+            <a:lvl6pPr lvl="5">
+              <a:buClr>
+                <a:srgbClr val="6E2028"/>
+              </a:buClr>
+              <a:buSzPct val="100000"/>
+              <a:buFont typeface="Verdana" pitchFamily="34"/>
+              <a:buChar char="•"/>
+            </a:lvl6pPr>
+            <a:lvl7pPr lvl="6">
+              <a:buClr>
+                <a:srgbClr val="6E2028"/>
+              </a:buClr>
+              <a:buSzPct val="100000"/>
+              <a:buFont typeface="Verdana" pitchFamily="34"/>
+              <a:buChar char="•"/>
+            </a:lvl7pPr>
+            <a:lvl8pPr lvl="7">
+              <a:buClr>
+                <a:srgbClr val="6E2028"/>
+              </a:buClr>
+              <a:buSzPct val="100000"/>
+              <a:buFont typeface="Verdana" pitchFamily="34"/>
+              <a:buChar char="•"/>
+            </a:lvl8pPr>
+            <a:lvl9pPr lvl="8">
+              <a:buClr>
+                <a:srgbClr val="6E2028"/>
+              </a:buClr>
+              <a:buSzPct val="100000"/>
+              <a:buFont typeface="Verdana" pitchFamily="34"/>
+              <a:buChar char="•"/>
+            </a:lvl9pPr>
+          </a:lstStyle>
+          <a:p>
+            <a:endParaRPr lang="de-DE" dirty="0">
+              <a:solidFill>
+                <a:srgbClr val="6E2028"/>
+              </a:solidFill>
+              <a:ea typeface="Arial Unicode MS" pitchFamily="2"/>
+            </a:endParaRPr>
+          </a:p>
+        </p:txBody>
+      </p:sp>
+    </p:spTree>
+  </p:cSld>
+  <p:clrMapOvr>
+    <a:masterClrMapping/>
+  </p:clrMapOvr>
+</p:notes>
+</file>
+
+<file path=ppt/notesSlides/notesSlide17.xml><?xml version="1.0" encoding="utf-8"?>
+<p:notes xmlns:a="http://schemas.openxmlformats.org/drawingml/2006/main" xmlns:r="http://schemas.openxmlformats.org/officeDocument/2006/relationships" xmlns:p="http://schemas.openxmlformats.org/presentationml/2006/main">
+  <p:cSld>
+    <p:spTree>
+      <p:nvGrpSpPr>
+        <p:cNvPr id="1" name=""/>
+        <p:cNvGrpSpPr/>
+        <p:nvPr/>
+      </p:nvGrpSpPr>
+      <p:grpSpPr>
+        <a:xfrm>
+          <a:off x="0" y="0"/>
+          <a:ext cx="0" cy="0"/>
+          <a:chOff x="0" y="0"/>
+          <a:chExt cx="0" cy="0"/>
+        </a:xfrm>
+      </p:grpSpPr>
+      <p:sp>
+        <p:nvSpPr>
+          <p:cNvPr id="2" name="Folienbildplatzhalter 1"/>
+          <p:cNvSpPr>
+            <a:spLocks noGrp="1" noRot="1" noChangeAspect="1" noResize="1"/>
+          </p:cNvSpPr>
+          <p:nvPr>
+            <p:ph type="sldImg"/>
+          </p:nvPr>
+        </p:nvSpPr>
+        <p:spPr>
+          <a:xfrm>
+            <a:off x="1106488" y="801688"/>
+            <a:ext cx="5345112" cy="4010025"/>
+          </a:xfrm>
+          <a:solidFill>
+            <a:schemeClr val="accent1"/>
+          </a:solidFill>
+          <a:ln w="25400">
+            <a:solidFill>
+              <a:schemeClr val="accent1">
+                <a:shade val="50000"/>
+              </a:schemeClr>
+            </a:solidFill>
+            <a:prstDash val="solid"/>
+          </a:ln>
+        </p:spPr>
+      </p:sp>
+      <p:sp>
+        <p:nvSpPr>
+          <p:cNvPr id="3" name="Notizenplatzhalter 2"/>
+          <p:cNvSpPr txBox="1">
+            <a:spLocks noGrp="1"/>
+          </p:cNvSpPr>
+          <p:nvPr>
+            <p:ph type="body" sz="quarter" idx="1"/>
+          </p:nvPr>
+        </p:nvSpPr>
+        <p:spPr>
+          <a:xfrm>
+            <a:off x="755639" y="5078520"/>
+            <a:ext cx="6048000" cy="4812120"/>
+          </a:xfrm>
+        </p:spPr>
+        <p:txBody>
+          <a:bodyPr>
+            <a:spAutoFit/>
+          </a:bodyPr>
+          <a:lstStyle>
+            <a:defPPr lvl="0">
+              <a:buClr>
+                <a:srgbClr val="6E2028"/>
+              </a:buClr>
+              <a:buSzPct val="100000"/>
+              <a:buFont typeface="Verdana" pitchFamily="34"/>
+              <a:buNone/>
+            </a:defPPr>
+            <a:lvl1pPr lvl="0">
+              <a:buClr>
+                <a:srgbClr val="6E2028"/>
+              </a:buClr>
+              <a:buSzPct val="100000"/>
+              <a:buFont typeface="Verdana" pitchFamily="34"/>
+              <a:buChar char="•"/>
+            </a:lvl1pPr>
+            <a:lvl2pPr lvl="1">
+              <a:buClr>
+                <a:srgbClr val="6E2028"/>
+              </a:buClr>
+              <a:buSzPct val="100000"/>
+              <a:buFont typeface="Verdana" pitchFamily="34"/>
+              <a:buChar char="•"/>
+            </a:lvl2pPr>
+            <a:lvl3pPr lvl="2">
+              <a:buClr>
+                <a:srgbClr val="6E2028"/>
+              </a:buClr>
+              <a:buSzPct val="100000"/>
+              <a:buFont typeface="Verdana" pitchFamily="34"/>
+              <a:buChar char="•"/>
+            </a:lvl3pPr>
+            <a:lvl4pPr lvl="3">
+              <a:buClr>
+                <a:srgbClr val="6E2028"/>
+              </a:buClr>
+              <a:buSzPct val="100000"/>
+              <a:buFont typeface="Verdana" pitchFamily="34"/>
+              <a:buChar char="•"/>
+            </a:lvl4pPr>
+            <a:lvl5pPr lvl="4">
+              <a:buClr>
+                <a:srgbClr val="6E2028"/>
+              </a:buClr>
+              <a:buSzPct val="100000"/>
+              <a:buFont typeface="Verdana" pitchFamily="34"/>
+              <a:buChar char="•"/>
+            </a:lvl5pPr>
+            <a:lvl6pPr lvl="5">
+              <a:buClr>
+                <a:srgbClr val="6E2028"/>
+              </a:buClr>
+              <a:buSzPct val="100000"/>
+              <a:buFont typeface="Verdana" pitchFamily="34"/>
+              <a:buChar char="•"/>
+            </a:lvl6pPr>
+            <a:lvl7pPr lvl="6">
+              <a:buClr>
+                <a:srgbClr val="6E2028"/>
+              </a:buClr>
+              <a:buSzPct val="100000"/>
+              <a:buFont typeface="Verdana" pitchFamily="34"/>
+              <a:buChar char="•"/>
+            </a:lvl7pPr>
+            <a:lvl8pPr lvl="7">
+              <a:buClr>
+                <a:srgbClr val="6E2028"/>
+              </a:buClr>
+              <a:buSzPct val="100000"/>
+              <a:buFont typeface="Verdana" pitchFamily="34"/>
+              <a:buChar char="•"/>
+            </a:lvl8pPr>
+            <a:lvl9pPr lvl="8">
+              <a:buClr>
+                <a:srgbClr val="6E2028"/>
+              </a:buClr>
+              <a:buSzPct val="100000"/>
+              <a:buFont typeface="Verdana" pitchFamily="34"/>
+              <a:buChar char="•"/>
+            </a:lvl9pPr>
+          </a:lstStyle>
+          <a:p>
+            <a:endParaRPr lang="de-DE" dirty="0">
+              <a:solidFill>
+                <a:srgbClr val="6E2028"/>
+              </a:solidFill>
+              <a:ea typeface="Arial Unicode MS" pitchFamily="2"/>
+            </a:endParaRPr>
+          </a:p>
+        </p:txBody>
+      </p:sp>
+    </p:spTree>
+  </p:cSld>
+  <p:clrMapOvr>
+    <a:masterClrMapping/>
+  </p:clrMapOvr>
+</p:notes>
+</file>
+
+<file path=ppt/notesSlides/notesSlide18.xml><?xml version="1.0" encoding="utf-8"?>
+<p:notes xmlns:a="http://schemas.openxmlformats.org/drawingml/2006/main" xmlns:r="http://schemas.openxmlformats.org/officeDocument/2006/relationships" xmlns:p="http://schemas.openxmlformats.org/presentationml/2006/main">
+  <p:cSld>
+    <p:spTree>
+      <p:nvGrpSpPr>
+        <p:cNvPr id="1" name=""/>
+        <p:cNvGrpSpPr/>
+        <p:nvPr/>
+      </p:nvGrpSpPr>
+      <p:grpSpPr>
+        <a:xfrm>
+          <a:off x="0" y="0"/>
+          <a:ext cx="0" cy="0"/>
+          <a:chOff x="0" y="0"/>
+          <a:chExt cx="0" cy="0"/>
+        </a:xfrm>
+      </p:grpSpPr>
+      <p:sp>
+        <p:nvSpPr>
+          <p:cNvPr id="2" name="Folienbildplatzhalter 1"/>
+          <p:cNvSpPr>
+            <a:spLocks noGrp="1" noRot="1" noChangeAspect="1" noResize="1"/>
+          </p:cNvSpPr>
+          <p:nvPr>
+            <p:ph type="sldImg"/>
+          </p:nvPr>
+        </p:nvSpPr>
+        <p:spPr>
+          <a:xfrm>
+            <a:off x="1106488" y="801688"/>
+            <a:ext cx="5345112" cy="4010025"/>
+          </a:xfrm>
+          <a:solidFill>
+            <a:schemeClr val="accent1"/>
+          </a:solidFill>
+          <a:ln w="25400">
+            <a:solidFill>
+              <a:schemeClr val="accent1">
+                <a:shade val="50000"/>
+              </a:schemeClr>
+            </a:solidFill>
+            <a:prstDash val="solid"/>
+          </a:ln>
+        </p:spPr>
+      </p:sp>
+      <p:sp>
+        <p:nvSpPr>
+          <p:cNvPr id="3" name="Notizenplatzhalter 2"/>
+          <p:cNvSpPr txBox="1">
+            <a:spLocks noGrp="1"/>
+          </p:cNvSpPr>
+          <p:nvPr>
+            <p:ph type="body" sz="quarter" idx="1"/>
+          </p:nvPr>
+        </p:nvSpPr>
+        <p:spPr>
+          <a:xfrm>
+            <a:off x="755639" y="5078520"/>
+            <a:ext cx="6048000" cy="4812120"/>
+          </a:xfrm>
+        </p:spPr>
+        <p:txBody>
+          <a:bodyPr>
+            <a:spAutoFit/>
+          </a:bodyPr>
+          <a:lstStyle>
+            <a:defPPr lvl="0">
+              <a:buClr>
+                <a:srgbClr val="6E2028"/>
+              </a:buClr>
+              <a:buSzPct val="100000"/>
+              <a:buFont typeface="Verdana" pitchFamily="34"/>
+              <a:buNone/>
+            </a:defPPr>
+            <a:lvl1pPr lvl="0">
+              <a:buClr>
+                <a:srgbClr val="6E2028"/>
+              </a:buClr>
+              <a:buSzPct val="100000"/>
+              <a:buFont typeface="Verdana" pitchFamily="34"/>
+              <a:buChar char="•"/>
+            </a:lvl1pPr>
+            <a:lvl2pPr lvl="1">
+              <a:buClr>
+                <a:srgbClr val="6E2028"/>
+              </a:buClr>
+              <a:buSzPct val="100000"/>
+              <a:buFont typeface="Verdana" pitchFamily="34"/>
+              <a:buChar char="•"/>
+            </a:lvl2pPr>
+            <a:lvl3pPr lvl="2">
+              <a:buClr>
+                <a:srgbClr val="6E2028"/>
+              </a:buClr>
+              <a:buSzPct val="100000"/>
+              <a:buFont typeface="Verdana" pitchFamily="34"/>
+              <a:buChar char="•"/>
+            </a:lvl3pPr>
+            <a:lvl4pPr lvl="3">
+              <a:buClr>
+                <a:srgbClr val="6E2028"/>
+              </a:buClr>
+              <a:buSzPct val="100000"/>
+              <a:buFont typeface="Verdana" pitchFamily="34"/>
+              <a:buChar char="•"/>
+            </a:lvl4pPr>
+            <a:lvl5pPr lvl="4">
+              <a:buClr>
+                <a:srgbClr val="6E2028"/>
+              </a:buClr>
+              <a:buSzPct val="100000"/>
+              <a:buFont typeface="Verdana" pitchFamily="34"/>
+              <a:buChar char="•"/>
+            </a:lvl5pPr>
+            <a:lvl6pPr lvl="5">
+              <a:buClr>
+                <a:srgbClr val="6E2028"/>
+              </a:buClr>
+              <a:buSzPct val="100000"/>
+              <a:buFont typeface="Verdana" pitchFamily="34"/>
+              <a:buChar char="•"/>
+            </a:lvl6pPr>
+            <a:lvl7pPr lvl="6">
+              <a:buClr>
+                <a:srgbClr val="6E2028"/>
+              </a:buClr>
+              <a:buSzPct val="100000"/>
+              <a:buFont typeface="Verdana" pitchFamily="34"/>
+              <a:buChar char="•"/>
+            </a:lvl7pPr>
+            <a:lvl8pPr lvl="7">
+              <a:buClr>
+                <a:srgbClr val="6E2028"/>
+              </a:buClr>
+              <a:buSzPct val="100000"/>
+              <a:buFont typeface="Verdana" pitchFamily="34"/>
+              <a:buChar char="•"/>
+            </a:lvl8pPr>
+            <a:lvl9pPr lvl="8">
+              <a:buClr>
+                <a:srgbClr val="6E2028"/>
+              </a:buClr>
+              <a:buSzPct val="100000"/>
+              <a:buFont typeface="Verdana" pitchFamily="34"/>
+              <a:buChar char="•"/>
+            </a:lvl9pPr>
+          </a:lstStyle>
+          <a:p>
+            <a:endParaRPr lang="de-DE" dirty="0">
+              <a:solidFill>
+                <a:srgbClr val="6E2028"/>
+              </a:solidFill>
+              <a:ea typeface="Arial Unicode MS" pitchFamily="2"/>
+            </a:endParaRPr>
+          </a:p>
+        </p:txBody>
+      </p:sp>
+    </p:spTree>
+  </p:cSld>
+  <p:clrMapOvr>
+    <a:masterClrMapping/>
+  </p:clrMapOvr>
+</p:notes>
+</file>
+
+<file path=ppt/notesSlides/notesSlide19.xml><?xml version="1.0" encoding="utf-8"?>
+<p:notes xmlns:a="http://schemas.openxmlformats.org/drawingml/2006/main" xmlns:r="http://schemas.openxmlformats.org/officeDocument/2006/relationships" xmlns:p="http://schemas.openxmlformats.org/presentationml/2006/main">
+  <p:cSld>
+    <p:spTree>
+      <p:nvGrpSpPr>
+        <p:cNvPr id="1" name=""/>
+        <p:cNvGrpSpPr/>
+        <p:nvPr/>
+      </p:nvGrpSpPr>
+      <p:grpSpPr>
+        <a:xfrm>
+          <a:off x="0" y="0"/>
+          <a:ext cx="0" cy="0"/>
+          <a:chOff x="0" y="0"/>
+          <a:chExt cx="0" cy="0"/>
+        </a:xfrm>
+      </p:grpSpPr>
+      <p:sp>
+        <p:nvSpPr>
+          <p:cNvPr id="2" name="Folienbildplatzhalter 1"/>
+          <p:cNvSpPr>
+            <a:spLocks noGrp="1" noRot="1" noChangeAspect="1" noResize="1"/>
+          </p:cNvSpPr>
+          <p:nvPr>
+            <p:ph type="sldImg"/>
+          </p:nvPr>
+        </p:nvSpPr>
+        <p:spPr>
+          <a:xfrm>
+            <a:off x="1106488" y="801688"/>
+            <a:ext cx="5345112" cy="4010025"/>
+          </a:xfrm>
+          <a:solidFill>
+            <a:schemeClr val="accent1"/>
+          </a:solidFill>
+          <a:ln w="25400">
+            <a:solidFill>
+              <a:schemeClr val="accent1">
+                <a:shade val="50000"/>
+              </a:schemeClr>
+            </a:solidFill>
+            <a:prstDash val="solid"/>
+          </a:ln>
+        </p:spPr>
+      </p:sp>
+      <p:sp>
+        <p:nvSpPr>
+          <p:cNvPr id="3" name="Notizenplatzhalter 2"/>
+          <p:cNvSpPr txBox="1">
+            <a:spLocks noGrp="1"/>
+          </p:cNvSpPr>
+          <p:nvPr>
+            <p:ph type="body" sz="quarter" idx="1"/>
+          </p:nvPr>
+        </p:nvSpPr>
+        <p:spPr>
+          <a:xfrm>
+            <a:off x="755639" y="5078520"/>
+            <a:ext cx="6048000" cy="4812120"/>
+          </a:xfrm>
+        </p:spPr>
+        <p:txBody>
+          <a:bodyPr>
+            <a:spAutoFit/>
+          </a:bodyPr>
+          <a:lstStyle>
+            <a:defPPr lvl="0">
+              <a:buClr>
+                <a:srgbClr val="6E2028"/>
+              </a:buClr>
+              <a:buSzPct val="100000"/>
+              <a:buFont typeface="Verdana" pitchFamily="34"/>
+              <a:buNone/>
+            </a:defPPr>
+            <a:lvl1pPr lvl="0">
+              <a:buClr>
+                <a:srgbClr val="6E2028"/>
+              </a:buClr>
+              <a:buSzPct val="100000"/>
+              <a:buFont typeface="Verdana" pitchFamily="34"/>
+              <a:buChar char="•"/>
+            </a:lvl1pPr>
+            <a:lvl2pPr lvl="1">
+              <a:buClr>
+                <a:srgbClr val="6E2028"/>
+              </a:buClr>
+              <a:buSzPct val="100000"/>
+              <a:buFont typeface="Verdana" pitchFamily="34"/>
+              <a:buChar char="•"/>
+            </a:lvl2pPr>
+            <a:lvl3pPr lvl="2">
+              <a:buClr>
+                <a:srgbClr val="6E2028"/>
+              </a:buClr>
+              <a:buSzPct val="100000"/>
+              <a:buFont typeface="Verdana" pitchFamily="34"/>
+              <a:buChar char="•"/>
+            </a:lvl3pPr>
+            <a:lvl4pPr lvl="3">
+              <a:buClr>
+                <a:srgbClr val="6E2028"/>
+              </a:buClr>
+              <a:buSzPct val="100000"/>
+              <a:buFont typeface="Verdana" pitchFamily="34"/>
+              <a:buChar char="•"/>
+            </a:lvl4pPr>
+            <a:lvl5pPr lvl="4">
+              <a:buClr>
+                <a:srgbClr val="6E2028"/>
+              </a:buClr>
+              <a:buSzPct val="100000"/>
+              <a:buFont typeface="Verdana" pitchFamily="34"/>
+              <a:buChar char="•"/>
+            </a:lvl5pPr>
+            <a:lvl6pPr lvl="5">
+              <a:buClr>
+                <a:srgbClr val="6E2028"/>
+              </a:buClr>
+              <a:buSzPct val="100000"/>
+              <a:buFont typeface="Verdana" pitchFamily="34"/>
+              <a:buChar char="•"/>
+            </a:lvl6pPr>
+            <a:lvl7pPr lvl="6">
+              <a:buClr>
+                <a:srgbClr val="6E2028"/>
+              </a:buClr>
+              <a:buSzPct val="100000"/>
+              <a:buFont typeface="Verdana" pitchFamily="34"/>
+              <a:buChar char="•"/>
+            </a:lvl7pPr>
+            <a:lvl8pPr lvl="7">
+              <a:buClr>
+                <a:srgbClr val="6E2028"/>
+              </a:buClr>
+              <a:buSzPct val="100000"/>
+              <a:buFont typeface="Verdana" pitchFamily="34"/>
+              <a:buChar char="•"/>
+            </a:lvl8pPr>
+            <a:lvl9pPr lvl="8">
+              <a:buClr>
+                <a:srgbClr val="6E2028"/>
+              </a:buClr>
+              <a:buSzPct val="100000"/>
+              <a:buFont typeface="Verdana" pitchFamily="34"/>
+              <a:buChar char="•"/>
+            </a:lvl9pPr>
+          </a:lstStyle>
+          <a:p>
             <a:endParaRPr lang="de-DE">
               <a:solidFill>
                 <a:srgbClr val="6E2028"/>
@@ -11069,8 +11733,8 @@
         </p:nvSpPr>
         <p:spPr>
           <a:xfrm>
-            <a:off x="202208" y="0"/>
-            <a:ext cx="7502400" cy="925200"/>
+            <a:off x="202208" y="293323"/>
+            <a:ext cx="7502400" cy="338554"/>
           </a:xfrm>
         </p:spPr>
         <p:txBody>
@@ -11136,17 +11800,9 @@
             </a:lvl9pPr>
           </a:lstStyle>
           <a:p>
-            <a:pPr lvl="0">
+            <a:pPr lvl="0" algn="ctr">
               <a:buNone/>
             </a:pPr>
-            <a:r>
-              <a:rPr lang="de-DE" dirty="0" smtClean="0"/>
-              <a:t>SWP</a:t>
-            </a:r>
-            <a:r>
-              <a:rPr lang="de-DE" baseline="0" dirty="0" smtClean="0"/>
-              <a:t> Übersetzerbau – </a:t>
-            </a:r>
             <a:r>
               <a:rPr lang="de-DE" baseline="0" dirty="0" err="1" smtClean="0"/>
               <a:t>Syntaxbaum:Statement</a:t>
@@ -12171,12 +12827,20 @@
               <a:t>Dadurch wird Weiterverarbeitung für </a:t>
             </a:r>
             <a:r>
+              <a:rPr lang="de-DE" baseline="0" dirty="0" smtClean="0"/>
+              <a:t>konkreten </a:t>
+            </a:r>
+            <a:r>
               <a:rPr lang="de-DE" baseline="0" dirty="0" err="1" smtClean="0"/>
               <a:t>Builder</a:t>
             </a:r>
             <a:r>
               <a:rPr lang="de-DE" baseline="0" dirty="0" smtClean="0"/>
-              <a:t> erleichtert</a:t>
+              <a:t> </a:t>
+            </a:r>
+            <a:r>
+              <a:rPr lang="de-DE" baseline="0" dirty="0" smtClean="0"/>
+              <a:t>erleichtert</a:t>
             </a:r>
           </a:p>
           <a:p>
@@ -12189,8 +12853,13 @@
             <a:pPr lvl="0"/>
             <a:r>
               <a:rPr lang="de-DE" dirty="0" smtClean="0"/>
-              <a:t>Aufgetretene Probleme:</a:t>
-            </a:r>
+              <a:t>Aufgetretene </a:t>
+            </a:r>
+            <a:r>
+              <a:rPr lang="de-DE" dirty="0" smtClean="0"/>
+              <a:t>Probleme bei Entwicklung:</a:t>
+            </a:r>
+            <a:endParaRPr lang="de-DE" dirty="0" smtClean="0"/>
           </a:p>
           <a:p>
             <a:pPr lvl="1"/>
@@ -12205,7 +12874,6 @@
               <a:rPr lang="de-DE" dirty="0" smtClean="0"/>
               <a:t>Fehlerhafte Spezifikation der Quellsprache (z.B. fehlten Attribute bei Elementen)</a:t>
             </a:r>
-            <a:endParaRPr lang="de-DE" dirty="0" smtClean="0"/>
           </a:p>
         </p:txBody>
       </p:sp>
@@ -12349,7 +13017,7 @@
         <p:spPr>
           <a:xfrm>
             <a:off x="703080" y="1080000"/>
-            <a:ext cx="7936920" cy="3060000"/>
+            <a:ext cx="7936920" cy="4139595"/>
           </a:xfrm>
         </p:spPr>
         <p:txBody>
@@ -12757,38 +13425,104 @@
             <a:pPr lvl="0"/>
             <a:r>
               <a:rPr lang="de-DE" dirty="0" smtClean="0"/>
-              <a:t>Aufgabenbeschreibung </a:t>
+              <a:t>Konzeption des </a:t>
             </a:r>
             <a:r>
               <a:rPr lang="de-DE" dirty="0" err="1" smtClean="0"/>
               <a:t>JavaBuilder</a:t>
             </a:r>
+            <a:endParaRPr lang="de-DE" dirty="0" smtClean="0"/>
+          </a:p>
+          <a:p>
+            <a:pPr lvl="1"/>
             <a:r>
               <a:rPr lang="de-DE" dirty="0" smtClean="0"/>
-              <a:t>:</a:t>
+              <a:t>Ausarbeitung des Konzepts für </a:t>
+            </a:r>
+            <a:r>
+              <a:rPr lang="de-DE" dirty="0" err="1" smtClean="0"/>
+              <a:t>JavaBuilder</a:t>
+            </a:r>
+            <a:r>
+              <a:rPr lang="de-DE" dirty="0" smtClean="0"/>
+              <a:t> erfolgte zusammen mit Stefan</a:t>
             </a:r>
           </a:p>
           <a:p>
             <a:pPr lvl="1"/>
+            <a:endParaRPr lang="de-DE" dirty="0" smtClean="0"/>
+          </a:p>
+          <a:p>
+            <a:pPr lvl="1"/>
             <a:r>
               <a:rPr lang="de-DE" dirty="0" smtClean="0"/>
-              <a:t>Eingabe: Abstrakter Syntaxbaum</a:t>
-            </a:r>
+              <a:t>Aufgabenteilung: </a:t>
+            </a:r>
+          </a:p>
+          <a:p>
+            <a:pPr lvl="2"/>
+            <a:r>
+              <a:rPr lang="de-DE" dirty="0" smtClean="0"/>
+              <a:t>Umsetzung des </a:t>
+            </a:r>
+            <a:r>
+              <a:rPr lang="de-DE" dirty="0" err="1" smtClean="0"/>
+              <a:t>Builder</a:t>
+            </a:r>
+            <a:r>
+              <a:rPr lang="de-DE" dirty="0" smtClean="0"/>
+              <a:t>-Pattern von Stefan</a:t>
+            </a:r>
+          </a:p>
+          <a:p>
+            <a:pPr lvl="2"/>
+            <a:r>
+              <a:rPr lang="de-DE" dirty="0" smtClean="0"/>
+              <a:t>Umsetzung der konkreten Java </a:t>
+            </a:r>
+            <a:r>
+              <a:rPr lang="de-DE" dirty="0" err="1" smtClean="0"/>
+              <a:t>build</a:t>
+            </a:r>
+            <a:r>
+              <a:rPr lang="de-DE" dirty="0" smtClean="0"/>
+              <a:t>-Methoden in </a:t>
+            </a:r>
+            <a:r>
+              <a:rPr lang="de-DE" i="1" dirty="0" err="1" smtClean="0"/>
+              <a:t>JavaBuilder</a:t>
+            </a:r>
+            <a:r>
+              <a:rPr lang="de-DE" dirty="0" smtClean="0"/>
+              <a:t> von </a:t>
+            </a:r>
+            <a:r>
+              <a:rPr lang="de-DE" dirty="0" smtClean="0"/>
+              <a:t>Alexander</a:t>
+            </a:r>
+          </a:p>
+          <a:p>
+            <a:pPr lvl="2"/>
+            <a:r>
+              <a:rPr lang="de-DE" dirty="0" smtClean="0"/>
+              <a:t>Aufgabenteilung konnte nicht strikt eingehalten werden</a:t>
+            </a:r>
+          </a:p>
+          <a:p>
+            <a:pPr lvl="1">
+              <a:buNone/>
+            </a:pPr>
+            <a:endParaRPr lang="de-DE" dirty="0" smtClean="0"/>
           </a:p>
           <a:p>
             <a:pPr lvl="1"/>
-            <a:r>
-              <a:rPr lang="de-DE" dirty="0" smtClean="0"/>
-              <a:t>Ausgabe: korrekter </a:t>
-            </a:r>
-            <a:r>
-              <a:rPr lang="de-DE" dirty="0" err="1" smtClean="0"/>
-              <a:t>Javasource</a:t>
-            </a:r>
-            <a:r>
-              <a:rPr lang="de-DE" dirty="0" smtClean="0"/>
-              <a:t> Code</a:t>
-            </a:r>
+            <a:endParaRPr lang="de-DE" dirty="0" smtClean="0"/>
+          </a:p>
+          <a:p>
+            <a:pPr lvl="1">
+              <a:buNone/>
+            </a:pPr>
+            <a:endParaRPr lang="de-DE" dirty="0" smtClean="0"/>
           </a:p>
         </p:txBody>
       </p:sp>
@@ -12913,7 +13647,7 @@
             </a:r>
             <a:r>
               <a:rPr lang="de-DE" baseline="0" dirty="0" smtClean="0"/>
-              <a:t>: Grundprinzip</a:t>
+              <a:t>: Einleitung</a:t>
             </a:r>
             <a:endParaRPr lang="de-DE" dirty="0"/>
           </a:p>
@@ -12932,7 +13666,7 @@
         <p:spPr>
           <a:xfrm>
             <a:off x="703080" y="1080000"/>
-            <a:ext cx="7936920" cy="4724370"/>
+            <a:ext cx="7936920" cy="5960606"/>
           </a:xfrm>
         </p:spPr>
         <p:txBody>
@@ -13337,17 +14071,74 @@
             </a:lvl9pPr>
           </a:lstStyle>
           <a:p>
+            <a:pPr lvl="0">
+              <a:buNone/>
+            </a:pPr>
+            <a:r>
+              <a:rPr lang="de-DE" dirty="0" smtClean="0"/>
+              <a:t>Einordnung im Kompilierprozess:</a:t>
+            </a:r>
+          </a:p>
+          <a:p>
+            <a:pPr lvl="0">
+              <a:buNone/>
+            </a:pPr>
+            <a:r>
+              <a:rPr lang="de-DE" dirty="0" smtClean="0"/>
+              <a:t>... </a:t>
+            </a:r>
+            <a:r>
+              <a:rPr lang="de-DE" dirty="0" err="1" smtClean="0"/>
+              <a:t>Lexer</a:t>
+            </a:r>
+            <a:r>
+              <a:rPr lang="de-DE" dirty="0" smtClean="0"/>
+              <a:t> -&gt; DOM -&gt; Syntaxbaum -&gt; </a:t>
+            </a:r>
+            <a:r>
+              <a:rPr lang="de-DE" b="1" dirty="0" smtClean="0"/>
+              <a:t>Zielsprache</a:t>
+            </a:r>
+            <a:r>
+              <a:rPr lang="de-DE" dirty="0" smtClean="0"/>
+              <a:t> </a:t>
+            </a:r>
+          </a:p>
+          <a:p>
             <a:pPr lvl="0"/>
+            <a:endParaRPr lang="de-DE" dirty="0" smtClean="0"/>
+          </a:p>
+          <a:p>
+            <a:pPr lvl="0"/>
             <a:r>
               <a:rPr lang="de-DE" dirty="0" smtClean="0"/>
-              <a:t>Grundprinzip:</a:t>
+              <a:t>Aufgabenbeschreibung </a:t>
+            </a:r>
+            <a:r>
+              <a:rPr lang="de-DE" dirty="0" err="1" smtClean="0"/>
+              <a:t>JavaBuilder</a:t>
+            </a:r>
+            <a:r>
+              <a:rPr lang="de-DE" dirty="0" smtClean="0"/>
+              <a:t>:</a:t>
             </a:r>
           </a:p>
           <a:p>
             <a:pPr lvl="1"/>
             <a:r>
               <a:rPr lang="de-DE" dirty="0" smtClean="0"/>
-              <a:t>Rufe </a:t>
+              <a:t>Eingabe: </a:t>
+            </a:r>
+            <a:r>
+              <a:rPr lang="de-DE" dirty="0" smtClean="0"/>
+              <a:t>Interfaces, Klassen des Module</a:t>
+            </a:r>
+          </a:p>
+          <a:p>
+            <a:pPr lvl="2"/>
+            <a:r>
+              <a:rPr lang="de-DE" dirty="0" smtClean="0"/>
+              <a:t>Aufruf der </a:t>
             </a:r>
             <a:r>
               <a:rPr lang="de-DE" dirty="0" err="1" smtClean="0"/>
@@ -13355,40 +14146,51 @@
             </a:r>
             <a:r>
               <a:rPr lang="de-DE" dirty="0" smtClean="0"/>
-              <a:t>-Methode</a:t>
-            </a:r>
-            <a:r>
-              <a:rPr lang="de-DE" baseline="0" dirty="0" smtClean="0"/>
-              <a:t> mit Wurzel des Syntaxbaums als Parameter auf</a:t>
-            </a:r>
+              <a:t>-Methoden erfolgt gemäß Pattern von </a:t>
+            </a:r>
+            <a:r>
+              <a:rPr lang="de-DE" i="1" dirty="0" err="1" smtClean="0"/>
+              <a:t>Director</a:t>
+            </a:r>
+            <a:endParaRPr lang="de-DE" i="1" dirty="0" smtClean="0"/>
+          </a:p>
+          <a:p>
+            <a:pPr lvl="2"/>
+            <a:r>
+              <a:rPr lang="de-DE" dirty="0" smtClean="0"/>
+              <a:t>Dabei: Übergabe der Elemente des Syntaxbaums</a:t>
+            </a:r>
+            <a:endParaRPr lang="de-DE" dirty="0" smtClean="0"/>
           </a:p>
           <a:p>
             <a:pPr lvl="1"/>
-            <a:r>
-              <a:rPr lang="de-DE" baseline="0" dirty="0" smtClean="0"/>
-              <a:t>Greife mit </a:t>
-            </a:r>
-            <a:r>
-              <a:rPr lang="de-DE" baseline="0" dirty="0" err="1" smtClean="0"/>
-              <a:t>get</a:t>
-            </a:r>
-            <a:r>
-              <a:rPr lang="de-DE" baseline="0" dirty="0" smtClean="0"/>
-              <a:t>-Methoden auf die Syntaxbaumelemente zu </a:t>
-            </a:r>
+            <a:endParaRPr lang="de-DE" dirty="0" smtClean="0"/>
           </a:p>
           <a:p>
             <a:pPr lvl="1"/>
             <a:r>
               <a:rPr lang="de-DE" dirty="0" smtClean="0"/>
-              <a:t>Aufgrund der Java-Klasse eines Elements kann dieses näher differenziert/bestimmt werden</a:t>
-            </a:r>
-          </a:p>
-          <a:p>
-            <a:pPr lvl="1"/>
+              <a:t>Ausgabe</a:t>
+            </a:r>
             <a:r>
               <a:rPr lang="de-DE" dirty="0" smtClean="0"/>
-              <a:t>Zu jedem Sprachelement existiert eine implementierte </a:t>
+              <a:t>: korrekter </a:t>
+            </a:r>
+            <a:r>
+              <a:rPr lang="de-DE" dirty="0" smtClean="0"/>
+              <a:t>Java-</a:t>
+            </a:r>
+            <a:r>
+              <a:rPr lang="de-DE" dirty="0" err="1" smtClean="0"/>
+              <a:t>Sourcecode</a:t>
+            </a:r>
+            <a:endParaRPr lang="de-DE" dirty="0" smtClean="0"/>
+          </a:p>
+          <a:p>
+            <a:pPr lvl="2"/>
+            <a:r>
+              <a:rPr lang="de-DE" dirty="0" smtClean="0"/>
+              <a:t>Zu jedem Statement und Expression existiert eine </a:t>
             </a:r>
             <a:r>
               <a:rPr lang="de-DE" dirty="0" err="1" smtClean="0"/>
@@ -13400,42 +14202,30 @@
             </a:r>
           </a:p>
           <a:p>
+            <a:pPr lvl="2"/>
+            <a:r>
+              <a:rPr lang="de-DE" dirty="0" smtClean="0"/>
+              <a:t>In den Methoden erfolgt konkrete Umsetzung in Java-</a:t>
+            </a:r>
+            <a:r>
+              <a:rPr lang="de-DE" dirty="0" err="1" smtClean="0"/>
+              <a:t>Sourcecode</a:t>
+            </a:r>
+            <a:endParaRPr lang="de-DE" dirty="0" smtClean="0"/>
+          </a:p>
+          <a:p>
             <a:pPr lvl="1"/>
-            <a:r>
-              <a:rPr lang="de-DE" dirty="0" smtClean="0"/>
-              <a:t>Auf Grund der bekannten Java-Klasse kann korrekte </a:t>
-            </a:r>
-            <a:r>
-              <a:rPr lang="de-DE" dirty="0" err="1" smtClean="0"/>
-              <a:t>build</a:t>
-            </a:r>
-            <a:r>
-              <a:rPr lang="de-DE" dirty="0" smtClean="0"/>
-              <a:t>-Methode aufgerufen werden</a:t>
-            </a:r>
+            <a:endParaRPr lang="de-DE" dirty="0" smtClean="0"/>
           </a:p>
           <a:p>
             <a:pPr lvl="1"/>
-            <a:r>
-              <a:rPr lang="de-DE" dirty="0" smtClean="0"/>
-              <a:t>Alle Syntaxbaumelemente werden besucht und entsprechender </a:t>
-            </a:r>
-            <a:r>
-              <a:rPr lang="de-DE" dirty="0" err="1" smtClean="0"/>
-              <a:t>Javasourcecode</a:t>
-            </a:r>
-            <a:r>
-              <a:rPr lang="de-DE" dirty="0" smtClean="0"/>
-              <a:t> in den </a:t>
-            </a:r>
-            <a:r>
-              <a:rPr lang="de-DE" i="1" dirty="0" smtClean="0"/>
-              <a:t>PrintStream</a:t>
-            </a:r>
-            <a:r>
-              <a:rPr lang="de-DE" dirty="0" smtClean="0"/>
-              <a:t> geschrieben</a:t>
-            </a:r>
+            <a:endParaRPr lang="de-DE" dirty="0" smtClean="0"/>
+          </a:p>
+          <a:p>
+            <a:pPr lvl="1">
+              <a:buNone/>
+            </a:pPr>
+            <a:endParaRPr lang="de-DE" dirty="0" smtClean="0"/>
           </a:p>
         </p:txBody>
       </p:sp>
@@ -13456,6 +14246,2939 @@
 </file>
 
 <file path=ppt/slides/slide15.xml><?xml version="1.0" encoding="utf-8"?>
+<p:sld xmlns:a="http://schemas.openxmlformats.org/drawingml/2006/main" xmlns:r="http://schemas.openxmlformats.org/officeDocument/2006/relationships" xmlns:p="http://schemas.openxmlformats.org/presentationml/2006/main">
+  <p:cSld>
+    <p:spTree>
+      <p:nvGrpSpPr>
+        <p:cNvPr id="1" name=""/>
+        <p:cNvGrpSpPr/>
+        <p:nvPr/>
+      </p:nvGrpSpPr>
+      <p:grpSpPr>
+        <a:xfrm>
+          <a:off x="0" y="0"/>
+          <a:ext cx="0" cy="0"/>
+          <a:chOff x="0" y="0"/>
+          <a:chExt cx="0" cy="0"/>
+        </a:xfrm>
+      </p:grpSpPr>
+      <p:sp>
+        <p:nvSpPr>
+          <p:cNvPr id="2" name="Titel 1"/>
+          <p:cNvSpPr txBox="1">
+            <a:spLocks noGrp="1"/>
+          </p:cNvSpPr>
+          <p:nvPr>
+            <p:ph type="title" idx="4294967295"/>
+          </p:nvPr>
+        </p:nvSpPr>
+        <p:spPr>
+          <a:xfrm>
+            <a:off x="202208" y="293323"/>
+            <a:ext cx="7502400" cy="338554"/>
+          </a:xfrm>
+        </p:spPr>
+        <p:txBody>
+          <a:bodyPr>
+            <a:spAutoFit/>
+          </a:bodyPr>
+          <a:lstStyle>
+            <a:defPPr lvl="0">
+              <a:buClr>
+                <a:srgbClr val="000000"/>
+              </a:buClr>
+              <a:buSzPct val="100000"/>
+              <a:buFont typeface="Verdana" pitchFamily="34"/>
+              <a:buNone/>
+            </a:defPPr>
+            <a:lvl1pPr lvl="0">
+              <a:buClr>
+                <a:srgbClr val="000000"/>
+              </a:buClr>
+              <a:buSzPct val="100000"/>
+              <a:buFont typeface="Verdana" pitchFamily="34"/>
+              <a:buChar char="•"/>
+            </a:lvl1pPr>
+            <a:lvl2pPr lvl="1">
+              <a:buSzPct val="45000"/>
+              <a:buFont typeface="StarSymbol"/>
+              <a:buChar char="●"/>
+            </a:lvl2pPr>
+            <a:lvl3pPr lvl="2">
+              <a:buSzPct val="45000"/>
+              <a:buFont typeface="StarSymbol"/>
+              <a:buChar char="●"/>
+            </a:lvl3pPr>
+            <a:lvl4pPr lvl="3">
+              <a:buSzPct val="45000"/>
+              <a:buFont typeface="StarSymbol"/>
+              <a:buChar char="●"/>
+            </a:lvl4pPr>
+            <a:lvl5pPr lvl="4">
+              <a:buSzPct val="45000"/>
+              <a:buFont typeface="StarSymbol"/>
+              <a:buChar char="●"/>
+            </a:lvl5pPr>
+            <a:lvl6pPr lvl="5">
+              <a:buSzPct val="45000"/>
+              <a:buFont typeface="StarSymbol"/>
+              <a:buChar char="●"/>
+            </a:lvl6pPr>
+            <a:lvl7pPr lvl="6">
+              <a:buSzPct val="45000"/>
+              <a:buFont typeface="StarSymbol"/>
+              <a:buChar char="●"/>
+            </a:lvl7pPr>
+            <a:lvl8pPr lvl="7">
+              <a:buSzPct val="45000"/>
+              <a:buFont typeface="StarSymbol"/>
+              <a:buChar char="●"/>
+            </a:lvl8pPr>
+            <a:lvl9pPr lvl="8">
+              <a:buSzPct val="45000"/>
+              <a:buFont typeface="StarSymbol"/>
+              <a:buChar char="●"/>
+            </a:lvl9pPr>
+          </a:lstStyle>
+          <a:p>
+            <a:pPr lvl="0" algn="ctr">
+              <a:buNone/>
+            </a:pPr>
+            <a:r>
+              <a:rPr lang="de-DE" baseline="0" dirty="0" err="1" smtClean="0"/>
+              <a:t>JavaBuilder</a:t>
+            </a:r>
+            <a:r>
+              <a:rPr lang="de-DE" baseline="0" dirty="0" smtClean="0"/>
+              <a:t>: </a:t>
+            </a:r>
+            <a:r>
+              <a:rPr lang="de-DE" baseline="0" dirty="0" smtClean="0"/>
+              <a:t>Beispiel</a:t>
+            </a:r>
+            <a:endParaRPr lang="de-DE" dirty="0"/>
+          </a:p>
+        </p:txBody>
+      </p:sp>
+      <p:sp>
+        <p:nvSpPr>
+          <p:cNvPr id="3" name="Textplatzhalter 2"/>
+          <p:cNvSpPr txBox="1">
+            <a:spLocks noGrp="1"/>
+          </p:cNvSpPr>
+          <p:nvPr>
+            <p:ph type="body" idx="4294967295"/>
+          </p:nvPr>
+        </p:nvSpPr>
+        <p:spPr>
+          <a:xfrm>
+            <a:off x="703080" y="1080000"/>
+            <a:ext cx="7936920" cy="5924699"/>
+          </a:xfrm>
+        </p:spPr>
+        <p:txBody>
+          <a:bodyPr>
+            <a:spAutoFit/>
+          </a:bodyPr>
+          <a:lstStyle>
+            <a:defPPr marL="342720" marR="0" lvl="0" indent="-342720" algn="l" hangingPunct="1">
+              <a:lnSpc>
+                <a:spcPct val="100000"/>
+              </a:lnSpc>
+              <a:spcBef>
+                <a:spcPts val="550"/>
+              </a:spcBef>
+              <a:spcAft>
+                <a:spcPts val="0"/>
+              </a:spcAft>
+              <a:buClr>
+                <a:srgbClr val="00245B"/>
+              </a:buClr>
+              <a:buSzPct val="120000"/>
+              <a:buFont typeface="Verdana" pitchFamily="34"/>
+              <a:buNone/>
+              <a:tabLst>
+                <a:tab pos="571320" algn="l"/>
+                <a:tab pos="1485719" algn="l"/>
+                <a:tab pos="2400119" algn="l"/>
+                <a:tab pos="3314519" algn="l"/>
+                <a:tab pos="4228919" algn="l"/>
+                <a:tab pos="5143320" algn="l"/>
+                <a:tab pos="6057720" algn="l"/>
+                <a:tab pos="6972120" algn="l"/>
+                <a:tab pos="7886520" algn="l"/>
+                <a:tab pos="8800920" algn="l"/>
+                <a:tab pos="9715320" algn="l"/>
+              </a:tabLst>
+              <a:defRPr lang="de-DE" sz="2200" b="0" i="0" u="none" strike="noStrike" baseline="0">
+                <a:ln>
+                  <a:noFill/>
+                </a:ln>
+                <a:solidFill>
+                  <a:srgbClr val="000000"/>
+                </a:solidFill>
+                <a:latin typeface="Verdana" pitchFamily="34"/>
+                <a:ea typeface="Arial Unicode MS" pitchFamily="2"/>
+                <a:cs typeface="Tahoma" pitchFamily="2"/>
+              </a:defRPr>
+            </a:defPPr>
+            <a:lvl1pPr marL="342720" marR="0" lvl="0" indent="-342720" algn="l" hangingPunct="1">
+              <a:lnSpc>
+                <a:spcPct val="100000"/>
+              </a:lnSpc>
+              <a:spcBef>
+                <a:spcPts val="550"/>
+              </a:spcBef>
+              <a:spcAft>
+                <a:spcPts val="0"/>
+              </a:spcAft>
+              <a:buClr>
+                <a:srgbClr val="00245B"/>
+              </a:buClr>
+              <a:buSzPct val="120000"/>
+              <a:buFont typeface="Verdana" pitchFamily="34"/>
+              <a:buChar char="•"/>
+              <a:tabLst>
+                <a:tab pos="571320" algn="l"/>
+                <a:tab pos="1485719" algn="l"/>
+                <a:tab pos="2400119" algn="l"/>
+                <a:tab pos="3314519" algn="l"/>
+                <a:tab pos="4228919" algn="l"/>
+                <a:tab pos="5143320" algn="l"/>
+                <a:tab pos="6057720" algn="l"/>
+                <a:tab pos="6972120" algn="l"/>
+                <a:tab pos="7886520" algn="l"/>
+                <a:tab pos="8800920" algn="l"/>
+                <a:tab pos="9715320" algn="l"/>
+              </a:tabLst>
+              <a:defRPr lang="de-DE" sz="2200" b="0" i="0" u="none" strike="noStrike" baseline="0">
+                <a:ln>
+                  <a:noFill/>
+                </a:ln>
+                <a:solidFill>
+                  <a:srgbClr val="000000"/>
+                </a:solidFill>
+                <a:latin typeface="Verdana" pitchFamily="34"/>
+                <a:ea typeface="Arial Unicode MS" pitchFamily="2"/>
+                <a:cs typeface="Tahoma" pitchFamily="2"/>
+              </a:defRPr>
+            </a:lvl1pPr>
+            <a:lvl2pPr marL="742680" marR="0" lvl="1" indent="-285480" algn="l" hangingPunct="1">
+              <a:lnSpc>
+                <a:spcPct val="100000"/>
+              </a:lnSpc>
+              <a:spcBef>
+                <a:spcPts val="499"/>
+              </a:spcBef>
+              <a:spcAft>
+                <a:spcPts val="0"/>
+              </a:spcAft>
+              <a:buClr>
+                <a:srgbClr val="CC0000"/>
+              </a:buClr>
+              <a:buSzPct val="100000"/>
+              <a:buFont typeface="Verdana" pitchFamily="34"/>
+              <a:buChar char="•"/>
+              <a:tabLst>
+                <a:tab pos="171360" algn="l"/>
+                <a:tab pos="1085759" algn="l"/>
+                <a:tab pos="2000160" algn="l"/>
+                <a:tab pos="2914560" algn="l"/>
+                <a:tab pos="3828959" algn="l"/>
+                <a:tab pos="4743360" algn="l"/>
+                <a:tab pos="5657760" algn="l"/>
+                <a:tab pos="6572160" algn="l"/>
+                <a:tab pos="7486560" algn="l"/>
+                <a:tab pos="8400960" algn="l"/>
+                <a:tab pos="9315360" algn="l"/>
+              </a:tabLst>
+              <a:defRPr lang="de-DE" sz="2000" b="0" i="0" u="none" strike="noStrike" baseline="0">
+                <a:ln>
+                  <a:noFill/>
+                </a:ln>
+                <a:solidFill>
+                  <a:srgbClr val="000000"/>
+                </a:solidFill>
+                <a:latin typeface="Verdana" pitchFamily="34"/>
+                <a:ea typeface="Arial Unicode MS" pitchFamily="2"/>
+                <a:cs typeface="Tahoma" pitchFamily="2"/>
+              </a:defRPr>
+            </a:lvl2pPr>
+            <a:lvl3pPr marL="1143000" marR="0" lvl="2" indent="-228600" algn="l" hangingPunct="1">
+              <a:lnSpc>
+                <a:spcPct val="100000"/>
+              </a:lnSpc>
+              <a:spcBef>
+                <a:spcPts val="448"/>
+              </a:spcBef>
+              <a:spcAft>
+                <a:spcPts val="0"/>
+              </a:spcAft>
+              <a:buClr>
+                <a:srgbClr val="99CC00"/>
+              </a:buClr>
+              <a:buSzPct val="100000"/>
+              <a:buFont typeface="Verdana" pitchFamily="34"/>
+              <a:buChar char="•"/>
+              <a:tabLst>
+                <a:tab pos="685799" algn="l"/>
+                <a:tab pos="1600200" algn="l"/>
+                <a:tab pos="2514600" algn="l"/>
+                <a:tab pos="3429000" algn="l"/>
+                <a:tab pos="4343400" algn="l"/>
+                <a:tab pos="5257800" algn="l"/>
+                <a:tab pos="6172200" algn="l"/>
+                <a:tab pos="7086600" algn="l"/>
+                <a:tab pos="8000999" algn="l"/>
+                <a:tab pos="8915399" algn="l"/>
+              </a:tabLst>
+              <a:defRPr lang="de-DE" sz="1800" b="0" i="0" u="none" strike="noStrike" baseline="0">
+                <a:ln>
+                  <a:noFill/>
+                </a:ln>
+                <a:solidFill>
+                  <a:srgbClr val="000000"/>
+                </a:solidFill>
+                <a:latin typeface="Verdana" pitchFamily="34"/>
+                <a:ea typeface="Arial Unicode MS" pitchFamily="2"/>
+                <a:cs typeface="Tahoma" pitchFamily="2"/>
+              </a:defRPr>
+            </a:lvl3pPr>
+            <a:lvl4pPr marL="1600199" marR="0" lvl="3" indent="-228600" algn="l" hangingPunct="1">
+              <a:lnSpc>
+                <a:spcPct val="100000"/>
+              </a:lnSpc>
+              <a:spcBef>
+                <a:spcPts val="400"/>
+              </a:spcBef>
+              <a:spcAft>
+                <a:spcPts val="0"/>
+              </a:spcAft>
+              <a:buClr>
+                <a:srgbClr val="FF9933"/>
+              </a:buClr>
+              <a:buSzPct val="100000"/>
+              <a:buFont typeface="Verdana" pitchFamily="34"/>
+              <a:buChar char="•"/>
+              <a:tabLst>
+                <a:tab pos="228600" algn="l"/>
+                <a:tab pos="1143000" algn="l"/>
+                <a:tab pos="2057400" algn="l"/>
+                <a:tab pos="2971800" algn="l"/>
+                <a:tab pos="3886200" algn="l"/>
+                <a:tab pos="4800600" algn="l"/>
+                <a:tab pos="5715000" algn="l"/>
+                <a:tab pos="6629400" algn="l"/>
+                <a:tab pos="7543799" algn="l"/>
+                <a:tab pos="8458200" algn="l"/>
+              </a:tabLst>
+              <a:defRPr lang="de-DE" sz="1600" b="0" i="0" u="none" strike="noStrike" baseline="0">
+                <a:ln>
+                  <a:noFill/>
+                </a:ln>
+                <a:solidFill>
+                  <a:srgbClr val="000000"/>
+                </a:solidFill>
+                <a:latin typeface="Verdana" pitchFamily="34"/>
+                <a:ea typeface="Arial Unicode MS" pitchFamily="2"/>
+                <a:cs typeface="Tahoma" pitchFamily="2"/>
+              </a:defRPr>
+            </a:lvl4pPr>
+            <a:lvl5pPr marL="2057400" marR="0" lvl="4" indent="-228600" algn="l" hangingPunct="1">
+              <a:lnSpc>
+                <a:spcPct val="100000"/>
+              </a:lnSpc>
+              <a:spcBef>
+                <a:spcPts val="400"/>
+              </a:spcBef>
+              <a:spcAft>
+                <a:spcPts val="0"/>
+              </a:spcAft>
+              <a:buClr>
+                <a:srgbClr val="FF9933"/>
+              </a:buClr>
+              <a:buSzPct val="100000"/>
+              <a:buFont typeface="Verdana" pitchFamily="34"/>
+              <a:buChar char="-"/>
+              <a:tabLst>
+                <a:tab pos="685799" algn="l"/>
+                <a:tab pos="1600200" algn="l"/>
+                <a:tab pos="2514600" algn="l"/>
+                <a:tab pos="3429000" algn="l"/>
+                <a:tab pos="4343400" algn="l"/>
+                <a:tab pos="5257800" algn="l"/>
+                <a:tab pos="6172200" algn="l"/>
+                <a:tab pos="7086600" algn="l"/>
+                <a:tab pos="8000999" algn="l"/>
+              </a:tabLst>
+              <a:defRPr lang="de-DE" sz="1600" b="0" i="0" u="none" strike="noStrike" baseline="0">
+                <a:ln>
+                  <a:noFill/>
+                </a:ln>
+                <a:solidFill>
+                  <a:srgbClr val="000000"/>
+                </a:solidFill>
+                <a:latin typeface="Verdana" pitchFamily="34"/>
+                <a:ea typeface="Arial Unicode MS" pitchFamily="2"/>
+                <a:cs typeface="Tahoma" pitchFamily="2"/>
+              </a:defRPr>
+            </a:lvl5pPr>
+            <a:lvl6pPr marL="2057400" marR="0" lvl="5" indent="-228600" algn="l" hangingPunct="1">
+              <a:lnSpc>
+                <a:spcPct val="100000"/>
+              </a:lnSpc>
+              <a:spcBef>
+                <a:spcPts val="400"/>
+              </a:spcBef>
+              <a:spcAft>
+                <a:spcPts val="0"/>
+              </a:spcAft>
+              <a:buClr>
+                <a:srgbClr val="FF9933"/>
+              </a:buClr>
+              <a:buSzPct val="100000"/>
+              <a:buFont typeface="Verdana" pitchFamily="34"/>
+              <a:buChar char="-"/>
+              <a:tabLst>
+                <a:tab pos="685799" algn="l"/>
+                <a:tab pos="1600200" algn="l"/>
+                <a:tab pos="2514600" algn="l"/>
+                <a:tab pos="3429000" algn="l"/>
+                <a:tab pos="4343400" algn="l"/>
+                <a:tab pos="5257800" algn="l"/>
+                <a:tab pos="6172200" algn="l"/>
+                <a:tab pos="7086600" algn="l"/>
+                <a:tab pos="8000999" algn="l"/>
+              </a:tabLst>
+              <a:defRPr lang="de-DE" sz="1600" b="0" i="0" u="none" strike="noStrike" baseline="0">
+                <a:ln>
+                  <a:noFill/>
+                </a:ln>
+                <a:solidFill>
+                  <a:srgbClr val="000000"/>
+                </a:solidFill>
+                <a:latin typeface="Verdana" pitchFamily="34"/>
+                <a:ea typeface="Arial Unicode MS" pitchFamily="2"/>
+                <a:cs typeface="Tahoma" pitchFamily="2"/>
+              </a:defRPr>
+            </a:lvl6pPr>
+            <a:lvl7pPr marL="2057400" marR="0" lvl="6" indent="-228600" algn="l" hangingPunct="1">
+              <a:lnSpc>
+                <a:spcPct val="100000"/>
+              </a:lnSpc>
+              <a:spcBef>
+                <a:spcPts val="400"/>
+              </a:spcBef>
+              <a:spcAft>
+                <a:spcPts val="0"/>
+              </a:spcAft>
+              <a:buClr>
+                <a:srgbClr val="FF9933"/>
+              </a:buClr>
+              <a:buSzPct val="100000"/>
+              <a:buFont typeface="Verdana" pitchFamily="34"/>
+              <a:buChar char="-"/>
+              <a:tabLst>
+                <a:tab pos="685799" algn="l"/>
+                <a:tab pos="1600200" algn="l"/>
+                <a:tab pos="2514600" algn="l"/>
+                <a:tab pos="3429000" algn="l"/>
+                <a:tab pos="4343400" algn="l"/>
+                <a:tab pos="5257800" algn="l"/>
+                <a:tab pos="6172200" algn="l"/>
+                <a:tab pos="7086600" algn="l"/>
+                <a:tab pos="8000999" algn="l"/>
+              </a:tabLst>
+              <a:defRPr lang="de-DE" sz="1600" b="0" i="0" u="none" strike="noStrike" baseline="0">
+                <a:ln>
+                  <a:noFill/>
+                </a:ln>
+                <a:solidFill>
+                  <a:srgbClr val="000000"/>
+                </a:solidFill>
+                <a:latin typeface="Verdana" pitchFamily="34"/>
+                <a:ea typeface="Arial Unicode MS" pitchFamily="2"/>
+                <a:cs typeface="Tahoma" pitchFamily="2"/>
+              </a:defRPr>
+            </a:lvl7pPr>
+            <a:lvl8pPr marL="2057400" marR="0" lvl="7" indent="-228600" algn="l" hangingPunct="1">
+              <a:lnSpc>
+                <a:spcPct val="100000"/>
+              </a:lnSpc>
+              <a:spcBef>
+                <a:spcPts val="400"/>
+              </a:spcBef>
+              <a:spcAft>
+                <a:spcPts val="0"/>
+              </a:spcAft>
+              <a:buClr>
+                <a:srgbClr val="FF9933"/>
+              </a:buClr>
+              <a:buSzPct val="100000"/>
+              <a:buFont typeface="Verdana" pitchFamily="34"/>
+              <a:buChar char="-"/>
+              <a:tabLst>
+                <a:tab pos="685799" algn="l"/>
+                <a:tab pos="1600200" algn="l"/>
+                <a:tab pos="2514600" algn="l"/>
+                <a:tab pos="3429000" algn="l"/>
+                <a:tab pos="4343400" algn="l"/>
+                <a:tab pos="5257800" algn="l"/>
+                <a:tab pos="6172200" algn="l"/>
+                <a:tab pos="7086600" algn="l"/>
+                <a:tab pos="8000999" algn="l"/>
+              </a:tabLst>
+              <a:defRPr lang="de-DE" sz="1600" b="0" i="0" u="none" strike="noStrike" baseline="0">
+                <a:ln>
+                  <a:noFill/>
+                </a:ln>
+                <a:solidFill>
+                  <a:srgbClr val="000000"/>
+                </a:solidFill>
+                <a:latin typeface="Verdana" pitchFamily="34"/>
+                <a:ea typeface="Arial Unicode MS" pitchFamily="2"/>
+                <a:cs typeface="Tahoma" pitchFamily="2"/>
+              </a:defRPr>
+            </a:lvl8pPr>
+            <a:lvl9pPr marL="1944000" marR="0" lvl="8" indent="-216000" algn="l" hangingPunct="1">
+              <a:lnSpc>
+                <a:spcPct val="100000"/>
+              </a:lnSpc>
+              <a:spcBef>
+                <a:spcPts val="400"/>
+              </a:spcBef>
+              <a:spcAft>
+                <a:spcPts val="0"/>
+              </a:spcAft>
+              <a:buSzPct val="45000"/>
+              <a:buFont typeface="StarSymbol"/>
+              <a:buChar char="●"/>
+              <a:tabLst>
+                <a:tab pos="685799" algn="l"/>
+                <a:tab pos="1600200" algn="l"/>
+                <a:tab pos="2514600" algn="l"/>
+                <a:tab pos="3429000" algn="l"/>
+                <a:tab pos="4343400" algn="l"/>
+                <a:tab pos="5257800" algn="l"/>
+                <a:tab pos="6172200" algn="l"/>
+                <a:tab pos="7086600" algn="l"/>
+                <a:tab pos="8000999" algn="l"/>
+              </a:tabLst>
+              <a:defRPr lang="de-DE" sz="1600" b="0" i="0" u="none" strike="noStrike" baseline="0">
+                <a:ln>
+                  <a:noFill/>
+                </a:ln>
+                <a:solidFill>
+                  <a:srgbClr val="000000"/>
+                </a:solidFill>
+                <a:latin typeface="Verdana" pitchFamily="34"/>
+                <a:ea typeface="Arial Unicode MS" pitchFamily="2"/>
+                <a:cs typeface="Tahoma" pitchFamily="2"/>
+              </a:defRPr>
+            </a:lvl9pPr>
+          </a:lstStyle>
+          <a:p>
+            <a:pPr lvl="0"/>
+            <a:r>
+              <a:rPr lang="de-DE" dirty="0" smtClean="0"/>
+              <a:t>Bsp1: </a:t>
+            </a:r>
+            <a:r>
+              <a:rPr lang="de-DE" b="1" i="1" dirty="0" err="1" smtClean="0"/>
+              <a:t>buildStatement</a:t>
+            </a:r>
+            <a:r>
+              <a:rPr lang="de-DE" b="1" i="1" dirty="0" smtClean="0"/>
+              <a:t> </a:t>
+            </a:r>
+            <a:r>
+              <a:rPr lang="de-DE" dirty="0" smtClean="0"/>
+              <a:t>in </a:t>
+            </a:r>
+            <a:r>
+              <a:rPr lang="de-DE" dirty="0" err="1" smtClean="0"/>
+              <a:t>JavaBuilder</a:t>
+            </a:r>
+            <a:endParaRPr lang="de-DE" b="1" i="1" dirty="0" smtClean="0"/>
+          </a:p>
+          <a:p>
+            <a:pPr lvl="0"/>
+            <a:endParaRPr lang="de-DE" b="1" i="1" dirty="0" smtClean="0"/>
+          </a:p>
+          <a:p>
+            <a:pPr lvl="0">
+              <a:buNone/>
+            </a:pPr>
+            <a:r>
+              <a:rPr lang="en-US" sz="1600" dirty="0" err="1" smtClean="0"/>
+              <a:t>buildStatement</a:t>
+            </a:r>
+            <a:r>
+              <a:rPr lang="en-US" sz="1600" dirty="0" smtClean="0"/>
+              <a:t>(Statement </a:t>
+            </a:r>
+            <a:r>
+              <a:rPr lang="en-US" sz="1600" dirty="0" err="1" smtClean="0"/>
+              <a:t>obj</a:t>
+            </a:r>
+            <a:r>
+              <a:rPr lang="en-US" sz="1600" dirty="0" smtClean="0"/>
+              <a:t>) throws </a:t>
+            </a:r>
+            <a:r>
+              <a:rPr lang="en-US" sz="1600" dirty="0" err="1" smtClean="0"/>
+              <a:t>IOException</a:t>
+            </a:r>
+            <a:r>
+              <a:rPr lang="en-US" sz="1600" dirty="0" smtClean="0"/>
+              <a:t> {</a:t>
+            </a:r>
+          </a:p>
+          <a:p>
+            <a:pPr>
+              <a:buNone/>
+            </a:pPr>
+            <a:r>
+              <a:rPr lang="de-DE" sz="1600" dirty="0" smtClean="0"/>
+              <a:t>	</a:t>
+            </a:r>
+            <a:r>
+              <a:rPr lang="de-DE" sz="1600" dirty="0" err="1" smtClean="0"/>
+              <a:t>if</a:t>
+            </a:r>
+            <a:r>
+              <a:rPr lang="de-DE" sz="1600" dirty="0" smtClean="0"/>
+              <a:t> </a:t>
+            </a:r>
+            <a:r>
+              <a:rPr lang="de-DE" sz="1600" dirty="0" smtClean="0"/>
+              <a:t>(</a:t>
+            </a:r>
+            <a:r>
+              <a:rPr lang="de-DE" sz="1600" dirty="0" err="1" smtClean="0"/>
+              <a:t>obj</a:t>
+            </a:r>
+            <a:r>
+              <a:rPr lang="de-DE" sz="1600" dirty="0" smtClean="0"/>
+              <a:t> </a:t>
+            </a:r>
+            <a:r>
+              <a:rPr lang="de-DE" sz="1600" dirty="0" err="1" smtClean="0"/>
+              <a:t>instanceof</a:t>
+            </a:r>
+            <a:r>
+              <a:rPr lang="de-DE" sz="1600" dirty="0" smtClean="0"/>
+              <a:t> BreakStatement) {</a:t>
+            </a:r>
+          </a:p>
+          <a:p>
+            <a:pPr>
+              <a:buNone/>
+            </a:pPr>
+            <a:r>
+              <a:rPr lang="de-DE" sz="1600" dirty="0" smtClean="0"/>
+              <a:t>		</a:t>
+            </a:r>
+            <a:r>
+              <a:rPr lang="de-DE" sz="1600" dirty="0" err="1" smtClean="0"/>
+              <a:t>buildBreakStatement</a:t>
+            </a:r>
+            <a:r>
+              <a:rPr lang="de-DE" sz="1600" dirty="0" smtClean="0"/>
+              <a:t>((BreakStatement) </a:t>
+            </a:r>
+            <a:r>
+              <a:rPr lang="de-DE" sz="1600" dirty="0" err="1" smtClean="0"/>
+              <a:t>obj</a:t>
+            </a:r>
+            <a:r>
+              <a:rPr lang="de-DE" sz="1600" dirty="0" smtClean="0"/>
+              <a:t>);</a:t>
+            </a:r>
+          </a:p>
+          <a:p>
+            <a:pPr>
+              <a:buNone/>
+            </a:pPr>
+            <a:r>
+              <a:rPr lang="en-US" sz="1600" dirty="0" smtClean="0"/>
+              <a:t>	} </a:t>
+            </a:r>
+            <a:r>
+              <a:rPr lang="en-US" sz="1600" dirty="0" smtClean="0"/>
+              <a:t>else if (</a:t>
+            </a:r>
+            <a:r>
+              <a:rPr lang="en-US" sz="1600" dirty="0" err="1" smtClean="0"/>
+              <a:t>obj</a:t>
+            </a:r>
+            <a:r>
+              <a:rPr lang="en-US" sz="1600" dirty="0" smtClean="0"/>
+              <a:t> </a:t>
+            </a:r>
+            <a:r>
+              <a:rPr lang="en-US" sz="1600" dirty="0" err="1" smtClean="0"/>
+              <a:t>instanceof</a:t>
+            </a:r>
+            <a:r>
+              <a:rPr lang="en-US" sz="1600" dirty="0" smtClean="0"/>
+              <a:t> </a:t>
+            </a:r>
+            <a:r>
+              <a:rPr lang="en-US" sz="1600" dirty="0" err="1" smtClean="0"/>
+              <a:t>CallStatement</a:t>
+            </a:r>
+            <a:r>
+              <a:rPr lang="en-US" sz="1600" dirty="0" smtClean="0"/>
+              <a:t>) {</a:t>
+            </a:r>
+          </a:p>
+          <a:p>
+            <a:pPr>
+              <a:buNone/>
+            </a:pPr>
+            <a:r>
+              <a:rPr lang="de-DE" sz="1600" dirty="0" smtClean="0"/>
+              <a:t>		</a:t>
+            </a:r>
+            <a:r>
+              <a:rPr lang="de-DE" sz="1600" dirty="0" err="1" smtClean="0"/>
+              <a:t>buildCallStatement</a:t>
+            </a:r>
+            <a:r>
+              <a:rPr lang="de-DE" sz="1600" dirty="0" smtClean="0"/>
+              <a:t>((</a:t>
+            </a:r>
+            <a:r>
+              <a:rPr lang="de-DE" sz="1600" dirty="0" err="1" smtClean="0"/>
+              <a:t>CallStatement</a:t>
+            </a:r>
+            <a:r>
+              <a:rPr lang="de-DE" sz="1600" dirty="0" smtClean="0"/>
+              <a:t>) </a:t>
+            </a:r>
+            <a:r>
+              <a:rPr lang="de-DE" sz="1600" dirty="0" err="1" smtClean="0"/>
+              <a:t>obj</a:t>
+            </a:r>
+            <a:r>
+              <a:rPr lang="de-DE" sz="1600" dirty="0" smtClean="0"/>
+              <a:t>);</a:t>
+            </a:r>
+          </a:p>
+          <a:p>
+            <a:pPr>
+              <a:buNone/>
+            </a:pPr>
+            <a:r>
+              <a:rPr lang="en-US" sz="1600" dirty="0" smtClean="0"/>
+              <a:t>	} </a:t>
+            </a:r>
+            <a:r>
+              <a:rPr lang="en-US" sz="1600" dirty="0" smtClean="0"/>
+              <a:t>else if (</a:t>
+            </a:r>
+            <a:r>
+              <a:rPr lang="en-US" sz="1600" dirty="0" err="1" smtClean="0"/>
+              <a:t>obj</a:t>
+            </a:r>
+            <a:r>
+              <a:rPr lang="en-US" sz="1600" dirty="0" smtClean="0"/>
+              <a:t> </a:t>
+            </a:r>
+            <a:r>
+              <a:rPr lang="en-US" sz="1600" dirty="0" err="1" smtClean="0"/>
+              <a:t>instanceof</a:t>
+            </a:r>
+            <a:r>
+              <a:rPr lang="en-US" sz="1600" dirty="0" smtClean="0"/>
+              <a:t> </a:t>
+            </a:r>
+            <a:r>
+              <a:rPr lang="en-US" sz="1600" dirty="0" err="1" smtClean="0"/>
+              <a:t>ChooseStatement</a:t>
+            </a:r>
+            <a:r>
+              <a:rPr lang="en-US" sz="1600" dirty="0" smtClean="0"/>
+              <a:t>) {</a:t>
+            </a:r>
+          </a:p>
+          <a:p>
+            <a:pPr>
+              <a:buNone/>
+            </a:pPr>
+            <a:r>
+              <a:rPr lang="de-DE" sz="1600" dirty="0" smtClean="0"/>
+              <a:t>		</a:t>
+            </a:r>
+            <a:r>
+              <a:rPr lang="de-DE" sz="1600" dirty="0" err="1" smtClean="0"/>
+              <a:t>buildChooseStatement</a:t>
+            </a:r>
+            <a:r>
+              <a:rPr lang="de-DE" sz="1600" dirty="0" smtClean="0"/>
+              <a:t>((</a:t>
+            </a:r>
+            <a:r>
+              <a:rPr lang="de-DE" sz="1600" dirty="0" err="1" smtClean="0"/>
+              <a:t>ChooseStatement</a:t>
+            </a:r>
+            <a:r>
+              <a:rPr lang="de-DE" sz="1600" dirty="0" smtClean="0"/>
+              <a:t>) </a:t>
+            </a:r>
+            <a:r>
+              <a:rPr lang="de-DE" sz="1600" dirty="0" err="1" smtClean="0"/>
+              <a:t>obj</a:t>
+            </a:r>
+            <a:r>
+              <a:rPr lang="de-DE" sz="1600" dirty="0" smtClean="0"/>
+              <a:t>);</a:t>
+            </a:r>
+          </a:p>
+          <a:p>
+            <a:pPr>
+              <a:buNone/>
+            </a:pPr>
+            <a:r>
+              <a:rPr lang="en-US" sz="1600" dirty="0" smtClean="0"/>
+              <a:t>	} </a:t>
+            </a:r>
+            <a:endParaRPr lang="de-DE" sz="1600" dirty="0" smtClean="0"/>
+          </a:p>
+          <a:p>
+            <a:pPr>
+              <a:buNone/>
+            </a:pPr>
+            <a:r>
+              <a:rPr lang="de-DE" sz="1600" dirty="0" smtClean="0"/>
+              <a:t>	</a:t>
+            </a:r>
+            <a:r>
+              <a:rPr lang="de-DE" sz="1600" dirty="0" smtClean="0"/>
+              <a:t>...</a:t>
+            </a:r>
+          </a:p>
+          <a:p>
+            <a:pPr>
+              <a:buNone/>
+            </a:pPr>
+            <a:endParaRPr lang="de-DE" sz="1600" dirty="0" smtClean="0"/>
+          </a:p>
+          <a:p>
+            <a:pPr>
+              <a:buNone/>
+            </a:pPr>
+            <a:r>
+              <a:rPr lang="de-DE" sz="1600" dirty="0" smtClean="0"/>
+              <a:t>	</a:t>
+            </a:r>
+            <a:r>
+              <a:rPr lang="en-US" sz="1600" dirty="0" smtClean="0"/>
+              <a:t>else </a:t>
+            </a:r>
+            <a:r>
+              <a:rPr lang="en-US" sz="1600" dirty="0" smtClean="0"/>
+              <a:t>if (</a:t>
+            </a:r>
+            <a:r>
+              <a:rPr lang="en-US" sz="1600" dirty="0" err="1" smtClean="0"/>
+              <a:t>obj</a:t>
+            </a:r>
+            <a:r>
+              <a:rPr lang="en-US" sz="1600" dirty="0" smtClean="0"/>
+              <a:t> </a:t>
+            </a:r>
+            <a:r>
+              <a:rPr lang="en-US" sz="1600" dirty="0" err="1" smtClean="0"/>
+              <a:t>instanceof</a:t>
+            </a:r>
+            <a:r>
+              <a:rPr lang="en-US" sz="1600" dirty="0" smtClean="0"/>
+              <a:t> </a:t>
+            </a:r>
+            <a:r>
+              <a:rPr lang="en-US" sz="1600" dirty="0" err="1" smtClean="0"/>
+              <a:t>SetStatement</a:t>
+            </a:r>
+            <a:r>
+              <a:rPr lang="en-US" sz="1600" dirty="0" smtClean="0"/>
+              <a:t>) {</a:t>
+            </a:r>
+          </a:p>
+          <a:p>
+            <a:pPr>
+              <a:buNone/>
+            </a:pPr>
+            <a:r>
+              <a:rPr lang="de-DE" sz="1600" dirty="0" smtClean="0"/>
+              <a:t>		</a:t>
+            </a:r>
+            <a:r>
+              <a:rPr lang="de-DE" sz="1600" b="1" i="1" dirty="0" err="1" smtClean="0"/>
+              <a:t>buildSetStatement</a:t>
+            </a:r>
+            <a:r>
+              <a:rPr lang="de-DE" sz="1600" dirty="0" smtClean="0"/>
+              <a:t>((</a:t>
+            </a:r>
+            <a:r>
+              <a:rPr lang="de-DE" sz="1600" dirty="0" err="1" smtClean="0"/>
+              <a:t>SetStatement</a:t>
+            </a:r>
+            <a:r>
+              <a:rPr lang="de-DE" sz="1600" dirty="0" smtClean="0"/>
+              <a:t>) </a:t>
+            </a:r>
+            <a:r>
+              <a:rPr lang="de-DE" sz="1600" dirty="0" err="1" smtClean="0"/>
+              <a:t>obj</a:t>
+            </a:r>
+            <a:r>
+              <a:rPr lang="de-DE" sz="1600" dirty="0" smtClean="0"/>
+              <a:t>);</a:t>
+            </a:r>
+          </a:p>
+          <a:p>
+            <a:pPr>
+              <a:buNone/>
+            </a:pPr>
+            <a:r>
+              <a:rPr lang="de-DE" sz="1600" dirty="0" smtClean="0"/>
+              <a:t>	} </a:t>
+            </a:r>
+            <a:r>
+              <a:rPr lang="de-DE" sz="1600" dirty="0" err="1" smtClean="0"/>
+              <a:t>else</a:t>
+            </a:r>
+            <a:r>
+              <a:rPr lang="de-DE" sz="1600" dirty="0" smtClean="0"/>
+              <a:t> {</a:t>
+            </a:r>
+          </a:p>
+          <a:p>
+            <a:pPr>
+              <a:buNone/>
+            </a:pPr>
+            <a:r>
+              <a:rPr lang="de-DE" sz="1600" dirty="0" smtClean="0"/>
+              <a:t>		// </a:t>
+            </a:r>
+            <a:r>
+              <a:rPr lang="de-DE" sz="1600" dirty="0" smtClean="0"/>
+              <a:t>ERROR</a:t>
+            </a:r>
+          </a:p>
+          <a:p>
+            <a:pPr>
+              <a:buNone/>
+            </a:pPr>
+            <a:r>
+              <a:rPr lang="de-DE" sz="1600" dirty="0" smtClean="0"/>
+              <a:t>	}</a:t>
+            </a:r>
+            <a:endParaRPr lang="de-DE" sz="1600" dirty="0" smtClean="0"/>
+          </a:p>
+          <a:p>
+            <a:pPr>
+              <a:buNone/>
+            </a:pPr>
+            <a:r>
+              <a:rPr lang="de-DE" sz="1600" dirty="0" smtClean="0"/>
+              <a:t>}</a:t>
+            </a:r>
+            <a:endParaRPr lang="de-DE" sz="1600" dirty="0" smtClean="0"/>
+          </a:p>
+        </p:txBody>
+      </p:sp>
+    </p:spTree>
+  </p:cSld>
+  <p:clrMapOvr>
+    <a:masterClrMapping/>
+  </p:clrMapOvr>
+  <p:transition/>
+  <p:timing>
+    <p:tnLst>
+      <p:par>
+        <p:cTn id="1" dur="indefinite" restart="never" nodeType="tmRoot"/>
+      </p:par>
+    </p:tnLst>
+  </p:timing>
+</p:sld>
+</file>
+
+<file path=ppt/slides/slide16.xml><?xml version="1.0" encoding="utf-8"?>
+<p:sld xmlns:a="http://schemas.openxmlformats.org/drawingml/2006/main" xmlns:r="http://schemas.openxmlformats.org/officeDocument/2006/relationships" xmlns:p="http://schemas.openxmlformats.org/presentationml/2006/main">
+  <p:cSld>
+    <p:spTree>
+      <p:nvGrpSpPr>
+        <p:cNvPr id="1" name=""/>
+        <p:cNvGrpSpPr/>
+        <p:nvPr/>
+      </p:nvGrpSpPr>
+      <p:grpSpPr>
+        <a:xfrm>
+          <a:off x="0" y="0"/>
+          <a:ext cx="0" cy="0"/>
+          <a:chOff x="0" y="0"/>
+          <a:chExt cx="0" cy="0"/>
+        </a:xfrm>
+      </p:grpSpPr>
+      <p:sp>
+        <p:nvSpPr>
+          <p:cNvPr id="2" name="Titel 1"/>
+          <p:cNvSpPr txBox="1">
+            <a:spLocks noGrp="1"/>
+          </p:cNvSpPr>
+          <p:nvPr>
+            <p:ph type="title" idx="4294967295"/>
+          </p:nvPr>
+        </p:nvSpPr>
+        <p:spPr>
+          <a:xfrm>
+            <a:off x="202208" y="293323"/>
+            <a:ext cx="7502400" cy="338554"/>
+          </a:xfrm>
+        </p:spPr>
+        <p:txBody>
+          <a:bodyPr>
+            <a:spAutoFit/>
+          </a:bodyPr>
+          <a:lstStyle>
+            <a:defPPr lvl="0">
+              <a:buClr>
+                <a:srgbClr val="000000"/>
+              </a:buClr>
+              <a:buSzPct val="100000"/>
+              <a:buFont typeface="Verdana" pitchFamily="34"/>
+              <a:buNone/>
+            </a:defPPr>
+            <a:lvl1pPr lvl="0">
+              <a:buClr>
+                <a:srgbClr val="000000"/>
+              </a:buClr>
+              <a:buSzPct val="100000"/>
+              <a:buFont typeface="Verdana" pitchFamily="34"/>
+              <a:buChar char="•"/>
+            </a:lvl1pPr>
+            <a:lvl2pPr lvl="1">
+              <a:buSzPct val="45000"/>
+              <a:buFont typeface="StarSymbol"/>
+              <a:buChar char="●"/>
+            </a:lvl2pPr>
+            <a:lvl3pPr lvl="2">
+              <a:buSzPct val="45000"/>
+              <a:buFont typeface="StarSymbol"/>
+              <a:buChar char="●"/>
+            </a:lvl3pPr>
+            <a:lvl4pPr lvl="3">
+              <a:buSzPct val="45000"/>
+              <a:buFont typeface="StarSymbol"/>
+              <a:buChar char="●"/>
+            </a:lvl4pPr>
+            <a:lvl5pPr lvl="4">
+              <a:buSzPct val="45000"/>
+              <a:buFont typeface="StarSymbol"/>
+              <a:buChar char="●"/>
+            </a:lvl5pPr>
+            <a:lvl6pPr lvl="5">
+              <a:buSzPct val="45000"/>
+              <a:buFont typeface="StarSymbol"/>
+              <a:buChar char="●"/>
+            </a:lvl6pPr>
+            <a:lvl7pPr lvl="6">
+              <a:buSzPct val="45000"/>
+              <a:buFont typeface="StarSymbol"/>
+              <a:buChar char="●"/>
+            </a:lvl7pPr>
+            <a:lvl8pPr lvl="7">
+              <a:buSzPct val="45000"/>
+              <a:buFont typeface="StarSymbol"/>
+              <a:buChar char="●"/>
+            </a:lvl8pPr>
+            <a:lvl9pPr lvl="8">
+              <a:buSzPct val="45000"/>
+              <a:buFont typeface="StarSymbol"/>
+              <a:buChar char="●"/>
+            </a:lvl9pPr>
+          </a:lstStyle>
+          <a:p>
+            <a:pPr lvl="0" algn="ctr">
+              <a:buNone/>
+            </a:pPr>
+            <a:r>
+              <a:rPr lang="de-DE" baseline="0" dirty="0" err="1" smtClean="0"/>
+              <a:t>JavaBuilder</a:t>
+            </a:r>
+            <a:r>
+              <a:rPr lang="de-DE" baseline="0" dirty="0" smtClean="0"/>
+              <a:t>: </a:t>
+            </a:r>
+            <a:r>
+              <a:rPr lang="de-DE" baseline="0" dirty="0" smtClean="0"/>
+              <a:t>Beispiel</a:t>
+            </a:r>
+            <a:endParaRPr lang="de-DE" dirty="0"/>
+          </a:p>
+        </p:txBody>
+      </p:sp>
+      <p:sp>
+        <p:nvSpPr>
+          <p:cNvPr id="3" name="Textplatzhalter 2"/>
+          <p:cNvSpPr txBox="1">
+            <a:spLocks noGrp="1"/>
+          </p:cNvSpPr>
+          <p:nvPr>
+            <p:ph type="body" idx="4294967295"/>
+          </p:nvPr>
+        </p:nvSpPr>
+        <p:spPr>
+          <a:xfrm>
+            <a:off x="703080" y="1080000"/>
+            <a:ext cx="7936920" cy="4154984"/>
+          </a:xfrm>
+        </p:spPr>
+        <p:txBody>
+          <a:bodyPr>
+            <a:spAutoFit/>
+          </a:bodyPr>
+          <a:lstStyle>
+            <a:defPPr marL="342720" marR="0" lvl="0" indent="-342720" algn="l" hangingPunct="1">
+              <a:lnSpc>
+                <a:spcPct val="100000"/>
+              </a:lnSpc>
+              <a:spcBef>
+                <a:spcPts val="550"/>
+              </a:spcBef>
+              <a:spcAft>
+                <a:spcPts val="0"/>
+              </a:spcAft>
+              <a:buClr>
+                <a:srgbClr val="00245B"/>
+              </a:buClr>
+              <a:buSzPct val="120000"/>
+              <a:buFont typeface="Verdana" pitchFamily="34"/>
+              <a:buNone/>
+              <a:tabLst>
+                <a:tab pos="571320" algn="l"/>
+                <a:tab pos="1485719" algn="l"/>
+                <a:tab pos="2400119" algn="l"/>
+                <a:tab pos="3314519" algn="l"/>
+                <a:tab pos="4228919" algn="l"/>
+                <a:tab pos="5143320" algn="l"/>
+                <a:tab pos="6057720" algn="l"/>
+                <a:tab pos="6972120" algn="l"/>
+                <a:tab pos="7886520" algn="l"/>
+                <a:tab pos="8800920" algn="l"/>
+                <a:tab pos="9715320" algn="l"/>
+              </a:tabLst>
+              <a:defRPr lang="de-DE" sz="2200" b="0" i="0" u="none" strike="noStrike" baseline="0">
+                <a:ln>
+                  <a:noFill/>
+                </a:ln>
+                <a:solidFill>
+                  <a:srgbClr val="000000"/>
+                </a:solidFill>
+                <a:latin typeface="Verdana" pitchFamily="34"/>
+                <a:ea typeface="Arial Unicode MS" pitchFamily="2"/>
+                <a:cs typeface="Tahoma" pitchFamily="2"/>
+              </a:defRPr>
+            </a:defPPr>
+            <a:lvl1pPr marL="342720" marR="0" lvl="0" indent="-342720" algn="l" hangingPunct="1">
+              <a:lnSpc>
+                <a:spcPct val="100000"/>
+              </a:lnSpc>
+              <a:spcBef>
+                <a:spcPts val="550"/>
+              </a:spcBef>
+              <a:spcAft>
+                <a:spcPts val="0"/>
+              </a:spcAft>
+              <a:buClr>
+                <a:srgbClr val="00245B"/>
+              </a:buClr>
+              <a:buSzPct val="120000"/>
+              <a:buFont typeface="Verdana" pitchFamily="34"/>
+              <a:buChar char="•"/>
+              <a:tabLst>
+                <a:tab pos="571320" algn="l"/>
+                <a:tab pos="1485719" algn="l"/>
+                <a:tab pos="2400119" algn="l"/>
+                <a:tab pos="3314519" algn="l"/>
+                <a:tab pos="4228919" algn="l"/>
+                <a:tab pos="5143320" algn="l"/>
+                <a:tab pos="6057720" algn="l"/>
+                <a:tab pos="6972120" algn="l"/>
+                <a:tab pos="7886520" algn="l"/>
+                <a:tab pos="8800920" algn="l"/>
+                <a:tab pos="9715320" algn="l"/>
+              </a:tabLst>
+              <a:defRPr lang="de-DE" sz="2200" b="0" i="0" u="none" strike="noStrike" baseline="0">
+                <a:ln>
+                  <a:noFill/>
+                </a:ln>
+                <a:solidFill>
+                  <a:srgbClr val="000000"/>
+                </a:solidFill>
+                <a:latin typeface="Verdana" pitchFamily="34"/>
+                <a:ea typeface="Arial Unicode MS" pitchFamily="2"/>
+                <a:cs typeface="Tahoma" pitchFamily="2"/>
+              </a:defRPr>
+            </a:lvl1pPr>
+            <a:lvl2pPr marL="742680" marR="0" lvl="1" indent="-285480" algn="l" hangingPunct="1">
+              <a:lnSpc>
+                <a:spcPct val="100000"/>
+              </a:lnSpc>
+              <a:spcBef>
+                <a:spcPts val="499"/>
+              </a:spcBef>
+              <a:spcAft>
+                <a:spcPts val="0"/>
+              </a:spcAft>
+              <a:buClr>
+                <a:srgbClr val="CC0000"/>
+              </a:buClr>
+              <a:buSzPct val="100000"/>
+              <a:buFont typeface="Verdana" pitchFamily="34"/>
+              <a:buChar char="•"/>
+              <a:tabLst>
+                <a:tab pos="171360" algn="l"/>
+                <a:tab pos="1085759" algn="l"/>
+                <a:tab pos="2000160" algn="l"/>
+                <a:tab pos="2914560" algn="l"/>
+                <a:tab pos="3828959" algn="l"/>
+                <a:tab pos="4743360" algn="l"/>
+                <a:tab pos="5657760" algn="l"/>
+                <a:tab pos="6572160" algn="l"/>
+                <a:tab pos="7486560" algn="l"/>
+                <a:tab pos="8400960" algn="l"/>
+                <a:tab pos="9315360" algn="l"/>
+              </a:tabLst>
+              <a:defRPr lang="de-DE" sz="2000" b="0" i="0" u="none" strike="noStrike" baseline="0">
+                <a:ln>
+                  <a:noFill/>
+                </a:ln>
+                <a:solidFill>
+                  <a:srgbClr val="000000"/>
+                </a:solidFill>
+                <a:latin typeface="Verdana" pitchFamily="34"/>
+                <a:ea typeface="Arial Unicode MS" pitchFamily="2"/>
+                <a:cs typeface="Tahoma" pitchFamily="2"/>
+              </a:defRPr>
+            </a:lvl2pPr>
+            <a:lvl3pPr marL="1143000" marR="0" lvl="2" indent="-228600" algn="l" hangingPunct="1">
+              <a:lnSpc>
+                <a:spcPct val="100000"/>
+              </a:lnSpc>
+              <a:spcBef>
+                <a:spcPts val="448"/>
+              </a:spcBef>
+              <a:spcAft>
+                <a:spcPts val="0"/>
+              </a:spcAft>
+              <a:buClr>
+                <a:srgbClr val="99CC00"/>
+              </a:buClr>
+              <a:buSzPct val="100000"/>
+              <a:buFont typeface="Verdana" pitchFamily="34"/>
+              <a:buChar char="•"/>
+              <a:tabLst>
+                <a:tab pos="685799" algn="l"/>
+                <a:tab pos="1600200" algn="l"/>
+                <a:tab pos="2514600" algn="l"/>
+                <a:tab pos="3429000" algn="l"/>
+                <a:tab pos="4343400" algn="l"/>
+                <a:tab pos="5257800" algn="l"/>
+                <a:tab pos="6172200" algn="l"/>
+                <a:tab pos="7086600" algn="l"/>
+                <a:tab pos="8000999" algn="l"/>
+                <a:tab pos="8915399" algn="l"/>
+              </a:tabLst>
+              <a:defRPr lang="de-DE" sz="1800" b="0" i="0" u="none" strike="noStrike" baseline="0">
+                <a:ln>
+                  <a:noFill/>
+                </a:ln>
+                <a:solidFill>
+                  <a:srgbClr val="000000"/>
+                </a:solidFill>
+                <a:latin typeface="Verdana" pitchFamily="34"/>
+                <a:ea typeface="Arial Unicode MS" pitchFamily="2"/>
+                <a:cs typeface="Tahoma" pitchFamily="2"/>
+              </a:defRPr>
+            </a:lvl3pPr>
+            <a:lvl4pPr marL="1600199" marR="0" lvl="3" indent="-228600" algn="l" hangingPunct="1">
+              <a:lnSpc>
+                <a:spcPct val="100000"/>
+              </a:lnSpc>
+              <a:spcBef>
+                <a:spcPts val="400"/>
+              </a:spcBef>
+              <a:spcAft>
+                <a:spcPts val="0"/>
+              </a:spcAft>
+              <a:buClr>
+                <a:srgbClr val="FF9933"/>
+              </a:buClr>
+              <a:buSzPct val="100000"/>
+              <a:buFont typeface="Verdana" pitchFamily="34"/>
+              <a:buChar char="•"/>
+              <a:tabLst>
+                <a:tab pos="228600" algn="l"/>
+                <a:tab pos="1143000" algn="l"/>
+                <a:tab pos="2057400" algn="l"/>
+                <a:tab pos="2971800" algn="l"/>
+                <a:tab pos="3886200" algn="l"/>
+                <a:tab pos="4800600" algn="l"/>
+                <a:tab pos="5715000" algn="l"/>
+                <a:tab pos="6629400" algn="l"/>
+                <a:tab pos="7543799" algn="l"/>
+                <a:tab pos="8458200" algn="l"/>
+              </a:tabLst>
+              <a:defRPr lang="de-DE" sz="1600" b="0" i="0" u="none" strike="noStrike" baseline="0">
+                <a:ln>
+                  <a:noFill/>
+                </a:ln>
+                <a:solidFill>
+                  <a:srgbClr val="000000"/>
+                </a:solidFill>
+                <a:latin typeface="Verdana" pitchFamily="34"/>
+                <a:ea typeface="Arial Unicode MS" pitchFamily="2"/>
+                <a:cs typeface="Tahoma" pitchFamily="2"/>
+              </a:defRPr>
+            </a:lvl4pPr>
+            <a:lvl5pPr marL="2057400" marR="0" lvl="4" indent="-228600" algn="l" hangingPunct="1">
+              <a:lnSpc>
+                <a:spcPct val="100000"/>
+              </a:lnSpc>
+              <a:spcBef>
+                <a:spcPts val="400"/>
+              </a:spcBef>
+              <a:spcAft>
+                <a:spcPts val="0"/>
+              </a:spcAft>
+              <a:buClr>
+                <a:srgbClr val="FF9933"/>
+              </a:buClr>
+              <a:buSzPct val="100000"/>
+              <a:buFont typeface="Verdana" pitchFamily="34"/>
+              <a:buChar char="-"/>
+              <a:tabLst>
+                <a:tab pos="685799" algn="l"/>
+                <a:tab pos="1600200" algn="l"/>
+                <a:tab pos="2514600" algn="l"/>
+                <a:tab pos="3429000" algn="l"/>
+                <a:tab pos="4343400" algn="l"/>
+                <a:tab pos="5257800" algn="l"/>
+                <a:tab pos="6172200" algn="l"/>
+                <a:tab pos="7086600" algn="l"/>
+                <a:tab pos="8000999" algn="l"/>
+              </a:tabLst>
+              <a:defRPr lang="de-DE" sz="1600" b="0" i="0" u="none" strike="noStrike" baseline="0">
+                <a:ln>
+                  <a:noFill/>
+                </a:ln>
+                <a:solidFill>
+                  <a:srgbClr val="000000"/>
+                </a:solidFill>
+                <a:latin typeface="Verdana" pitchFamily="34"/>
+                <a:ea typeface="Arial Unicode MS" pitchFamily="2"/>
+                <a:cs typeface="Tahoma" pitchFamily="2"/>
+              </a:defRPr>
+            </a:lvl5pPr>
+            <a:lvl6pPr marL="2057400" marR="0" lvl="5" indent="-228600" algn="l" hangingPunct="1">
+              <a:lnSpc>
+                <a:spcPct val="100000"/>
+              </a:lnSpc>
+              <a:spcBef>
+                <a:spcPts val="400"/>
+              </a:spcBef>
+              <a:spcAft>
+                <a:spcPts val="0"/>
+              </a:spcAft>
+              <a:buClr>
+                <a:srgbClr val="FF9933"/>
+              </a:buClr>
+              <a:buSzPct val="100000"/>
+              <a:buFont typeface="Verdana" pitchFamily="34"/>
+              <a:buChar char="-"/>
+              <a:tabLst>
+                <a:tab pos="685799" algn="l"/>
+                <a:tab pos="1600200" algn="l"/>
+                <a:tab pos="2514600" algn="l"/>
+                <a:tab pos="3429000" algn="l"/>
+                <a:tab pos="4343400" algn="l"/>
+                <a:tab pos="5257800" algn="l"/>
+                <a:tab pos="6172200" algn="l"/>
+                <a:tab pos="7086600" algn="l"/>
+                <a:tab pos="8000999" algn="l"/>
+              </a:tabLst>
+              <a:defRPr lang="de-DE" sz="1600" b="0" i="0" u="none" strike="noStrike" baseline="0">
+                <a:ln>
+                  <a:noFill/>
+                </a:ln>
+                <a:solidFill>
+                  <a:srgbClr val="000000"/>
+                </a:solidFill>
+                <a:latin typeface="Verdana" pitchFamily="34"/>
+                <a:ea typeface="Arial Unicode MS" pitchFamily="2"/>
+                <a:cs typeface="Tahoma" pitchFamily="2"/>
+              </a:defRPr>
+            </a:lvl6pPr>
+            <a:lvl7pPr marL="2057400" marR="0" lvl="6" indent="-228600" algn="l" hangingPunct="1">
+              <a:lnSpc>
+                <a:spcPct val="100000"/>
+              </a:lnSpc>
+              <a:spcBef>
+                <a:spcPts val="400"/>
+              </a:spcBef>
+              <a:spcAft>
+                <a:spcPts val="0"/>
+              </a:spcAft>
+              <a:buClr>
+                <a:srgbClr val="FF9933"/>
+              </a:buClr>
+              <a:buSzPct val="100000"/>
+              <a:buFont typeface="Verdana" pitchFamily="34"/>
+              <a:buChar char="-"/>
+              <a:tabLst>
+                <a:tab pos="685799" algn="l"/>
+                <a:tab pos="1600200" algn="l"/>
+                <a:tab pos="2514600" algn="l"/>
+                <a:tab pos="3429000" algn="l"/>
+                <a:tab pos="4343400" algn="l"/>
+                <a:tab pos="5257800" algn="l"/>
+                <a:tab pos="6172200" algn="l"/>
+                <a:tab pos="7086600" algn="l"/>
+                <a:tab pos="8000999" algn="l"/>
+              </a:tabLst>
+              <a:defRPr lang="de-DE" sz="1600" b="0" i="0" u="none" strike="noStrike" baseline="0">
+                <a:ln>
+                  <a:noFill/>
+                </a:ln>
+                <a:solidFill>
+                  <a:srgbClr val="000000"/>
+                </a:solidFill>
+                <a:latin typeface="Verdana" pitchFamily="34"/>
+                <a:ea typeface="Arial Unicode MS" pitchFamily="2"/>
+                <a:cs typeface="Tahoma" pitchFamily="2"/>
+              </a:defRPr>
+            </a:lvl7pPr>
+            <a:lvl8pPr marL="2057400" marR="0" lvl="7" indent="-228600" algn="l" hangingPunct="1">
+              <a:lnSpc>
+                <a:spcPct val="100000"/>
+              </a:lnSpc>
+              <a:spcBef>
+                <a:spcPts val="400"/>
+              </a:spcBef>
+              <a:spcAft>
+                <a:spcPts val="0"/>
+              </a:spcAft>
+              <a:buClr>
+                <a:srgbClr val="FF9933"/>
+              </a:buClr>
+              <a:buSzPct val="100000"/>
+              <a:buFont typeface="Verdana" pitchFamily="34"/>
+              <a:buChar char="-"/>
+              <a:tabLst>
+                <a:tab pos="685799" algn="l"/>
+                <a:tab pos="1600200" algn="l"/>
+                <a:tab pos="2514600" algn="l"/>
+                <a:tab pos="3429000" algn="l"/>
+                <a:tab pos="4343400" algn="l"/>
+                <a:tab pos="5257800" algn="l"/>
+                <a:tab pos="6172200" algn="l"/>
+                <a:tab pos="7086600" algn="l"/>
+                <a:tab pos="8000999" algn="l"/>
+              </a:tabLst>
+              <a:defRPr lang="de-DE" sz="1600" b="0" i="0" u="none" strike="noStrike" baseline="0">
+                <a:ln>
+                  <a:noFill/>
+                </a:ln>
+                <a:solidFill>
+                  <a:srgbClr val="000000"/>
+                </a:solidFill>
+                <a:latin typeface="Verdana" pitchFamily="34"/>
+                <a:ea typeface="Arial Unicode MS" pitchFamily="2"/>
+                <a:cs typeface="Tahoma" pitchFamily="2"/>
+              </a:defRPr>
+            </a:lvl8pPr>
+            <a:lvl9pPr marL="1944000" marR="0" lvl="8" indent="-216000" algn="l" hangingPunct="1">
+              <a:lnSpc>
+                <a:spcPct val="100000"/>
+              </a:lnSpc>
+              <a:spcBef>
+                <a:spcPts val="400"/>
+              </a:spcBef>
+              <a:spcAft>
+                <a:spcPts val="0"/>
+              </a:spcAft>
+              <a:buSzPct val="45000"/>
+              <a:buFont typeface="StarSymbol"/>
+              <a:buChar char="●"/>
+              <a:tabLst>
+                <a:tab pos="685799" algn="l"/>
+                <a:tab pos="1600200" algn="l"/>
+                <a:tab pos="2514600" algn="l"/>
+                <a:tab pos="3429000" algn="l"/>
+                <a:tab pos="4343400" algn="l"/>
+                <a:tab pos="5257800" algn="l"/>
+                <a:tab pos="6172200" algn="l"/>
+                <a:tab pos="7086600" algn="l"/>
+                <a:tab pos="8000999" algn="l"/>
+              </a:tabLst>
+              <a:defRPr lang="de-DE" sz="1600" b="0" i="0" u="none" strike="noStrike" baseline="0">
+                <a:ln>
+                  <a:noFill/>
+                </a:ln>
+                <a:solidFill>
+                  <a:srgbClr val="000000"/>
+                </a:solidFill>
+                <a:latin typeface="Verdana" pitchFamily="34"/>
+                <a:ea typeface="Arial Unicode MS" pitchFamily="2"/>
+                <a:cs typeface="Tahoma" pitchFamily="2"/>
+              </a:defRPr>
+            </a:lvl9pPr>
+          </a:lstStyle>
+          <a:p>
+            <a:pPr lvl="0"/>
+            <a:r>
+              <a:rPr lang="de-DE" dirty="0" smtClean="0"/>
+              <a:t>Bsp2: </a:t>
+            </a:r>
+            <a:r>
+              <a:rPr lang="de-DE" b="1" i="1" dirty="0" err="1" smtClean="0"/>
+              <a:t>buildSetStatement</a:t>
+            </a:r>
+            <a:r>
+              <a:rPr lang="de-DE" dirty="0" smtClean="0"/>
+              <a:t> in </a:t>
+            </a:r>
+            <a:r>
+              <a:rPr lang="de-DE" dirty="0" err="1" smtClean="0"/>
+              <a:t>JavaBuilder</a:t>
+            </a:r>
+            <a:endParaRPr lang="de-DE" b="1" i="1" dirty="0" smtClean="0"/>
+          </a:p>
+          <a:p>
+            <a:pPr lvl="0"/>
+            <a:endParaRPr lang="de-DE" b="1" i="1" dirty="0" smtClean="0"/>
+          </a:p>
+          <a:p>
+            <a:pPr>
+              <a:buNone/>
+            </a:pPr>
+            <a:r>
+              <a:rPr lang="en-US" sz="1600" dirty="0" err="1" smtClean="0"/>
+              <a:t>buildSetStatement</a:t>
+            </a:r>
+            <a:r>
+              <a:rPr lang="en-US" sz="1600" dirty="0" smtClean="0"/>
+              <a:t>(</a:t>
+            </a:r>
+            <a:r>
+              <a:rPr lang="en-US" sz="1600" dirty="0" err="1" smtClean="0"/>
+              <a:t>SetStatement</a:t>
+            </a:r>
+            <a:r>
+              <a:rPr lang="en-US" sz="1600" dirty="0" smtClean="0"/>
+              <a:t> </a:t>
+            </a:r>
+            <a:r>
+              <a:rPr lang="en-US" sz="1600" dirty="0" err="1" smtClean="0"/>
+              <a:t>obj</a:t>
+            </a:r>
+            <a:r>
+              <a:rPr lang="en-US" sz="1600" dirty="0" smtClean="0"/>
+              <a:t>) throws </a:t>
+            </a:r>
+            <a:r>
+              <a:rPr lang="en-US" sz="1600" dirty="0" err="1" smtClean="0"/>
+              <a:t>IOException</a:t>
+            </a:r>
+            <a:r>
+              <a:rPr lang="en-US" sz="1600" dirty="0" smtClean="0"/>
+              <a:t> {</a:t>
+            </a:r>
+          </a:p>
+          <a:p>
+            <a:pPr>
+              <a:buNone/>
+            </a:pPr>
+            <a:r>
+              <a:rPr lang="de-DE" sz="1600" dirty="0" smtClean="0"/>
+              <a:t>	</a:t>
+            </a:r>
+            <a:r>
+              <a:rPr lang="de-DE" sz="1600" b="1" i="1" dirty="0" err="1" smtClean="0"/>
+              <a:t>buildExpressionStatement</a:t>
+            </a:r>
+            <a:r>
+              <a:rPr lang="de-DE" sz="1600" dirty="0" smtClean="0"/>
+              <a:t>(</a:t>
+            </a:r>
+            <a:r>
+              <a:rPr lang="de-DE" sz="1600" dirty="0" err="1" smtClean="0"/>
+              <a:t>obj.getLValue</a:t>
+            </a:r>
+            <a:r>
+              <a:rPr lang="de-DE" sz="1600" dirty="0" smtClean="0"/>
+              <a:t>());</a:t>
+            </a:r>
+          </a:p>
+          <a:p>
+            <a:pPr>
+              <a:buNone/>
+            </a:pPr>
+            <a:r>
+              <a:rPr lang="de-DE" sz="1600" dirty="0" smtClean="0"/>
+              <a:t>	_</a:t>
+            </a:r>
+            <a:r>
+              <a:rPr lang="de-DE" sz="1600" dirty="0" err="1" smtClean="0"/>
+              <a:t>code.append</a:t>
+            </a:r>
+            <a:r>
+              <a:rPr lang="de-DE" sz="1600" dirty="0" smtClean="0"/>
+              <a:t>("=");</a:t>
+            </a:r>
+          </a:p>
+          <a:p>
+            <a:pPr>
+              <a:buNone/>
+            </a:pPr>
+            <a:r>
+              <a:rPr lang="de-DE" sz="1600" b="1" i="1" dirty="0" smtClean="0"/>
+              <a:t>	</a:t>
+            </a:r>
+            <a:r>
+              <a:rPr lang="de-DE" sz="1600" b="1" i="1" dirty="0" err="1" smtClean="0"/>
+              <a:t>buildExpressionStatement</a:t>
+            </a:r>
+            <a:r>
+              <a:rPr lang="de-DE" sz="1600" dirty="0" smtClean="0"/>
+              <a:t>(</a:t>
+            </a:r>
+            <a:r>
+              <a:rPr lang="de-DE" sz="1600" dirty="0" err="1" smtClean="0"/>
+              <a:t>obj.getRValue</a:t>
+            </a:r>
+            <a:r>
+              <a:rPr lang="de-DE" sz="1600" dirty="0" smtClean="0"/>
+              <a:t>());</a:t>
+            </a:r>
+          </a:p>
+          <a:p>
+            <a:pPr>
+              <a:buNone/>
+            </a:pPr>
+            <a:r>
+              <a:rPr lang="de-DE" sz="1600" dirty="0" smtClean="0"/>
+              <a:t>	_</a:t>
+            </a:r>
+            <a:r>
+              <a:rPr lang="de-DE" sz="1600" dirty="0" err="1" smtClean="0"/>
+              <a:t>code.append</a:t>
+            </a:r>
+            <a:r>
+              <a:rPr lang="de-DE" sz="1600" dirty="0" smtClean="0"/>
+              <a:t>(";\n");</a:t>
+            </a:r>
+          </a:p>
+          <a:p>
+            <a:pPr>
+              <a:buNone/>
+            </a:pPr>
+            <a:r>
+              <a:rPr lang="de-DE" sz="1600" dirty="0" smtClean="0"/>
+              <a:t>}</a:t>
+            </a:r>
+          </a:p>
+          <a:p>
+            <a:pPr>
+              <a:buNone/>
+            </a:pPr>
+            <a:endParaRPr lang="de-DE" sz="1600" dirty="0" smtClean="0"/>
+          </a:p>
+          <a:p>
+            <a:r>
+              <a:rPr lang="de-DE" sz="2000" dirty="0" smtClean="0"/>
+              <a:t>In der Methode </a:t>
+            </a:r>
+            <a:r>
+              <a:rPr lang="de-DE" sz="2000" i="1" dirty="0" err="1" smtClean="0"/>
+              <a:t>buildExpressionStatement</a:t>
+            </a:r>
+            <a:r>
+              <a:rPr lang="de-DE" sz="2000" dirty="0" smtClean="0"/>
+              <a:t> findet eine weitere Differenzierung statt (ähnlich wie </a:t>
+            </a:r>
+            <a:r>
+              <a:rPr lang="de-DE" sz="2000" i="1" dirty="0" err="1" smtClean="0"/>
+              <a:t>buildStatement</a:t>
+            </a:r>
+            <a:r>
+              <a:rPr lang="de-DE" sz="2000" i="1" dirty="0" smtClean="0"/>
+              <a:t>)</a:t>
+            </a:r>
+          </a:p>
+          <a:p>
+            <a:pPr>
+              <a:buNone/>
+            </a:pPr>
+            <a:endParaRPr lang="de-DE" sz="2400" dirty="0" smtClean="0"/>
+          </a:p>
+        </p:txBody>
+      </p:sp>
+    </p:spTree>
+  </p:cSld>
+  <p:clrMapOvr>
+    <a:masterClrMapping/>
+  </p:clrMapOvr>
+  <p:transition/>
+  <p:timing>
+    <p:tnLst>
+      <p:par>
+        <p:cTn id="1" dur="indefinite" restart="never" nodeType="tmRoot"/>
+      </p:par>
+    </p:tnLst>
+  </p:timing>
+</p:sld>
+</file>
+
+<file path=ppt/slides/slide17.xml><?xml version="1.0" encoding="utf-8"?>
+<p:sld xmlns:a="http://schemas.openxmlformats.org/drawingml/2006/main" xmlns:r="http://schemas.openxmlformats.org/officeDocument/2006/relationships" xmlns:p="http://schemas.openxmlformats.org/presentationml/2006/main">
+  <p:cSld>
+    <p:spTree>
+      <p:nvGrpSpPr>
+        <p:cNvPr id="1" name=""/>
+        <p:cNvGrpSpPr/>
+        <p:nvPr/>
+      </p:nvGrpSpPr>
+      <p:grpSpPr>
+        <a:xfrm>
+          <a:off x="0" y="0"/>
+          <a:ext cx="0" cy="0"/>
+          <a:chOff x="0" y="0"/>
+          <a:chExt cx="0" cy="0"/>
+        </a:xfrm>
+      </p:grpSpPr>
+      <p:sp>
+        <p:nvSpPr>
+          <p:cNvPr id="2" name="Titel 1"/>
+          <p:cNvSpPr txBox="1">
+            <a:spLocks noGrp="1"/>
+          </p:cNvSpPr>
+          <p:nvPr>
+            <p:ph type="title" idx="4294967295"/>
+          </p:nvPr>
+        </p:nvSpPr>
+        <p:spPr>
+          <a:xfrm>
+            <a:off x="202208" y="293323"/>
+            <a:ext cx="7502400" cy="338554"/>
+          </a:xfrm>
+        </p:spPr>
+        <p:txBody>
+          <a:bodyPr>
+            <a:spAutoFit/>
+          </a:bodyPr>
+          <a:lstStyle>
+            <a:defPPr lvl="0">
+              <a:buClr>
+                <a:srgbClr val="000000"/>
+              </a:buClr>
+              <a:buSzPct val="100000"/>
+              <a:buFont typeface="Verdana" pitchFamily="34"/>
+              <a:buNone/>
+            </a:defPPr>
+            <a:lvl1pPr lvl="0">
+              <a:buClr>
+                <a:srgbClr val="000000"/>
+              </a:buClr>
+              <a:buSzPct val="100000"/>
+              <a:buFont typeface="Verdana" pitchFamily="34"/>
+              <a:buChar char="•"/>
+            </a:lvl1pPr>
+            <a:lvl2pPr lvl="1">
+              <a:buSzPct val="45000"/>
+              <a:buFont typeface="StarSymbol"/>
+              <a:buChar char="●"/>
+            </a:lvl2pPr>
+            <a:lvl3pPr lvl="2">
+              <a:buSzPct val="45000"/>
+              <a:buFont typeface="StarSymbol"/>
+              <a:buChar char="●"/>
+            </a:lvl3pPr>
+            <a:lvl4pPr lvl="3">
+              <a:buSzPct val="45000"/>
+              <a:buFont typeface="StarSymbol"/>
+              <a:buChar char="●"/>
+            </a:lvl4pPr>
+            <a:lvl5pPr lvl="4">
+              <a:buSzPct val="45000"/>
+              <a:buFont typeface="StarSymbol"/>
+              <a:buChar char="●"/>
+            </a:lvl5pPr>
+            <a:lvl6pPr lvl="5">
+              <a:buSzPct val="45000"/>
+              <a:buFont typeface="StarSymbol"/>
+              <a:buChar char="●"/>
+            </a:lvl6pPr>
+            <a:lvl7pPr lvl="6">
+              <a:buSzPct val="45000"/>
+              <a:buFont typeface="StarSymbol"/>
+              <a:buChar char="●"/>
+            </a:lvl7pPr>
+            <a:lvl8pPr lvl="7">
+              <a:buSzPct val="45000"/>
+              <a:buFont typeface="StarSymbol"/>
+              <a:buChar char="●"/>
+            </a:lvl8pPr>
+            <a:lvl9pPr lvl="8">
+              <a:buSzPct val="45000"/>
+              <a:buFont typeface="StarSymbol"/>
+              <a:buChar char="●"/>
+            </a:lvl9pPr>
+          </a:lstStyle>
+          <a:p>
+            <a:pPr lvl="0" algn="ctr">
+              <a:buNone/>
+            </a:pPr>
+            <a:r>
+              <a:rPr lang="de-DE" baseline="0" dirty="0" smtClean="0"/>
+              <a:t>Standardbibliothek „</a:t>
+            </a:r>
+            <a:r>
+              <a:rPr lang="de-DE" baseline="0" dirty="0" err="1" smtClean="0"/>
+              <a:t>stdlib</a:t>
+            </a:r>
+            <a:r>
+              <a:rPr lang="de-DE" baseline="0" dirty="0" smtClean="0"/>
+              <a:t>“</a:t>
+            </a:r>
+            <a:endParaRPr lang="de-DE" dirty="0"/>
+          </a:p>
+        </p:txBody>
+      </p:sp>
+      <p:sp>
+        <p:nvSpPr>
+          <p:cNvPr id="3" name="Textplatzhalter 2"/>
+          <p:cNvSpPr txBox="1">
+            <a:spLocks noGrp="1"/>
+          </p:cNvSpPr>
+          <p:nvPr>
+            <p:ph type="body" idx="4294967295"/>
+          </p:nvPr>
+        </p:nvSpPr>
+        <p:spPr>
+          <a:xfrm>
+            <a:off x="703080" y="1080000"/>
+            <a:ext cx="7936920" cy="4855175"/>
+          </a:xfrm>
+        </p:spPr>
+        <p:txBody>
+          <a:bodyPr>
+            <a:spAutoFit/>
+          </a:bodyPr>
+          <a:lstStyle>
+            <a:defPPr marL="342720" marR="0" lvl="0" indent="-342720" algn="l" hangingPunct="1">
+              <a:lnSpc>
+                <a:spcPct val="100000"/>
+              </a:lnSpc>
+              <a:spcBef>
+                <a:spcPts val="550"/>
+              </a:spcBef>
+              <a:spcAft>
+                <a:spcPts val="0"/>
+              </a:spcAft>
+              <a:buClr>
+                <a:srgbClr val="00245B"/>
+              </a:buClr>
+              <a:buSzPct val="120000"/>
+              <a:buFont typeface="Verdana" pitchFamily="34"/>
+              <a:buNone/>
+              <a:tabLst>
+                <a:tab pos="571320" algn="l"/>
+                <a:tab pos="1485719" algn="l"/>
+                <a:tab pos="2400119" algn="l"/>
+                <a:tab pos="3314519" algn="l"/>
+                <a:tab pos="4228919" algn="l"/>
+                <a:tab pos="5143320" algn="l"/>
+                <a:tab pos="6057720" algn="l"/>
+                <a:tab pos="6972120" algn="l"/>
+                <a:tab pos="7886520" algn="l"/>
+                <a:tab pos="8800920" algn="l"/>
+                <a:tab pos="9715320" algn="l"/>
+              </a:tabLst>
+              <a:defRPr lang="de-DE" sz="2200" b="0" i="0" u="none" strike="noStrike" baseline="0">
+                <a:ln>
+                  <a:noFill/>
+                </a:ln>
+                <a:solidFill>
+                  <a:srgbClr val="000000"/>
+                </a:solidFill>
+                <a:latin typeface="Verdana" pitchFamily="34"/>
+                <a:ea typeface="Arial Unicode MS" pitchFamily="2"/>
+                <a:cs typeface="Tahoma" pitchFamily="2"/>
+              </a:defRPr>
+            </a:defPPr>
+            <a:lvl1pPr marL="342720" marR="0" lvl="0" indent="-342720" algn="l" hangingPunct="1">
+              <a:lnSpc>
+                <a:spcPct val="100000"/>
+              </a:lnSpc>
+              <a:spcBef>
+                <a:spcPts val="550"/>
+              </a:spcBef>
+              <a:spcAft>
+                <a:spcPts val="0"/>
+              </a:spcAft>
+              <a:buClr>
+                <a:srgbClr val="00245B"/>
+              </a:buClr>
+              <a:buSzPct val="120000"/>
+              <a:buFont typeface="Verdana" pitchFamily="34"/>
+              <a:buChar char="•"/>
+              <a:tabLst>
+                <a:tab pos="571320" algn="l"/>
+                <a:tab pos="1485719" algn="l"/>
+                <a:tab pos="2400119" algn="l"/>
+                <a:tab pos="3314519" algn="l"/>
+                <a:tab pos="4228919" algn="l"/>
+                <a:tab pos="5143320" algn="l"/>
+                <a:tab pos="6057720" algn="l"/>
+                <a:tab pos="6972120" algn="l"/>
+                <a:tab pos="7886520" algn="l"/>
+                <a:tab pos="8800920" algn="l"/>
+                <a:tab pos="9715320" algn="l"/>
+              </a:tabLst>
+              <a:defRPr lang="de-DE" sz="2200" b="0" i="0" u="none" strike="noStrike" baseline="0">
+                <a:ln>
+                  <a:noFill/>
+                </a:ln>
+                <a:solidFill>
+                  <a:srgbClr val="000000"/>
+                </a:solidFill>
+                <a:latin typeface="Verdana" pitchFamily="34"/>
+                <a:ea typeface="Arial Unicode MS" pitchFamily="2"/>
+                <a:cs typeface="Tahoma" pitchFamily="2"/>
+              </a:defRPr>
+            </a:lvl1pPr>
+            <a:lvl2pPr marL="742680" marR="0" lvl="1" indent="-285480" algn="l" hangingPunct="1">
+              <a:lnSpc>
+                <a:spcPct val="100000"/>
+              </a:lnSpc>
+              <a:spcBef>
+                <a:spcPts val="499"/>
+              </a:spcBef>
+              <a:spcAft>
+                <a:spcPts val="0"/>
+              </a:spcAft>
+              <a:buClr>
+                <a:srgbClr val="CC0000"/>
+              </a:buClr>
+              <a:buSzPct val="100000"/>
+              <a:buFont typeface="Verdana" pitchFamily="34"/>
+              <a:buChar char="•"/>
+              <a:tabLst>
+                <a:tab pos="171360" algn="l"/>
+                <a:tab pos="1085759" algn="l"/>
+                <a:tab pos="2000160" algn="l"/>
+                <a:tab pos="2914560" algn="l"/>
+                <a:tab pos="3828959" algn="l"/>
+                <a:tab pos="4743360" algn="l"/>
+                <a:tab pos="5657760" algn="l"/>
+                <a:tab pos="6572160" algn="l"/>
+                <a:tab pos="7486560" algn="l"/>
+                <a:tab pos="8400960" algn="l"/>
+                <a:tab pos="9315360" algn="l"/>
+              </a:tabLst>
+              <a:defRPr lang="de-DE" sz="2000" b="0" i="0" u="none" strike="noStrike" baseline="0">
+                <a:ln>
+                  <a:noFill/>
+                </a:ln>
+                <a:solidFill>
+                  <a:srgbClr val="000000"/>
+                </a:solidFill>
+                <a:latin typeface="Verdana" pitchFamily="34"/>
+                <a:ea typeface="Arial Unicode MS" pitchFamily="2"/>
+                <a:cs typeface="Tahoma" pitchFamily="2"/>
+              </a:defRPr>
+            </a:lvl2pPr>
+            <a:lvl3pPr marL="1143000" marR="0" lvl="2" indent="-228600" algn="l" hangingPunct="1">
+              <a:lnSpc>
+                <a:spcPct val="100000"/>
+              </a:lnSpc>
+              <a:spcBef>
+                <a:spcPts val="448"/>
+              </a:spcBef>
+              <a:spcAft>
+                <a:spcPts val="0"/>
+              </a:spcAft>
+              <a:buClr>
+                <a:srgbClr val="99CC00"/>
+              </a:buClr>
+              <a:buSzPct val="100000"/>
+              <a:buFont typeface="Verdana" pitchFamily="34"/>
+              <a:buChar char="•"/>
+              <a:tabLst>
+                <a:tab pos="685799" algn="l"/>
+                <a:tab pos="1600200" algn="l"/>
+                <a:tab pos="2514600" algn="l"/>
+                <a:tab pos="3429000" algn="l"/>
+                <a:tab pos="4343400" algn="l"/>
+                <a:tab pos="5257800" algn="l"/>
+                <a:tab pos="6172200" algn="l"/>
+                <a:tab pos="7086600" algn="l"/>
+                <a:tab pos="8000999" algn="l"/>
+                <a:tab pos="8915399" algn="l"/>
+              </a:tabLst>
+              <a:defRPr lang="de-DE" sz="1800" b="0" i="0" u="none" strike="noStrike" baseline="0">
+                <a:ln>
+                  <a:noFill/>
+                </a:ln>
+                <a:solidFill>
+                  <a:srgbClr val="000000"/>
+                </a:solidFill>
+                <a:latin typeface="Verdana" pitchFamily="34"/>
+                <a:ea typeface="Arial Unicode MS" pitchFamily="2"/>
+                <a:cs typeface="Tahoma" pitchFamily="2"/>
+              </a:defRPr>
+            </a:lvl3pPr>
+            <a:lvl4pPr marL="1600199" marR="0" lvl="3" indent="-228600" algn="l" hangingPunct="1">
+              <a:lnSpc>
+                <a:spcPct val="100000"/>
+              </a:lnSpc>
+              <a:spcBef>
+                <a:spcPts val="400"/>
+              </a:spcBef>
+              <a:spcAft>
+                <a:spcPts val="0"/>
+              </a:spcAft>
+              <a:buClr>
+                <a:srgbClr val="FF9933"/>
+              </a:buClr>
+              <a:buSzPct val="100000"/>
+              <a:buFont typeface="Verdana" pitchFamily="34"/>
+              <a:buChar char="•"/>
+              <a:tabLst>
+                <a:tab pos="228600" algn="l"/>
+                <a:tab pos="1143000" algn="l"/>
+                <a:tab pos="2057400" algn="l"/>
+                <a:tab pos="2971800" algn="l"/>
+                <a:tab pos="3886200" algn="l"/>
+                <a:tab pos="4800600" algn="l"/>
+                <a:tab pos="5715000" algn="l"/>
+                <a:tab pos="6629400" algn="l"/>
+                <a:tab pos="7543799" algn="l"/>
+                <a:tab pos="8458200" algn="l"/>
+              </a:tabLst>
+              <a:defRPr lang="de-DE" sz="1600" b="0" i="0" u="none" strike="noStrike" baseline="0">
+                <a:ln>
+                  <a:noFill/>
+                </a:ln>
+                <a:solidFill>
+                  <a:srgbClr val="000000"/>
+                </a:solidFill>
+                <a:latin typeface="Verdana" pitchFamily="34"/>
+                <a:ea typeface="Arial Unicode MS" pitchFamily="2"/>
+                <a:cs typeface="Tahoma" pitchFamily="2"/>
+              </a:defRPr>
+            </a:lvl4pPr>
+            <a:lvl5pPr marL="2057400" marR="0" lvl="4" indent="-228600" algn="l" hangingPunct="1">
+              <a:lnSpc>
+                <a:spcPct val="100000"/>
+              </a:lnSpc>
+              <a:spcBef>
+                <a:spcPts val="400"/>
+              </a:spcBef>
+              <a:spcAft>
+                <a:spcPts val="0"/>
+              </a:spcAft>
+              <a:buClr>
+                <a:srgbClr val="FF9933"/>
+              </a:buClr>
+              <a:buSzPct val="100000"/>
+              <a:buFont typeface="Verdana" pitchFamily="34"/>
+              <a:buChar char="-"/>
+              <a:tabLst>
+                <a:tab pos="685799" algn="l"/>
+                <a:tab pos="1600200" algn="l"/>
+                <a:tab pos="2514600" algn="l"/>
+                <a:tab pos="3429000" algn="l"/>
+                <a:tab pos="4343400" algn="l"/>
+                <a:tab pos="5257800" algn="l"/>
+                <a:tab pos="6172200" algn="l"/>
+                <a:tab pos="7086600" algn="l"/>
+                <a:tab pos="8000999" algn="l"/>
+              </a:tabLst>
+              <a:defRPr lang="de-DE" sz="1600" b="0" i="0" u="none" strike="noStrike" baseline="0">
+                <a:ln>
+                  <a:noFill/>
+                </a:ln>
+                <a:solidFill>
+                  <a:srgbClr val="000000"/>
+                </a:solidFill>
+                <a:latin typeface="Verdana" pitchFamily="34"/>
+                <a:ea typeface="Arial Unicode MS" pitchFamily="2"/>
+                <a:cs typeface="Tahoma" pitchFamily="2"/>
+              </a:defRPr>
+            </a:lvl5pPr>
+            <a:lvl6pPr marL="2057400" marR="0" lvl="5" indent="-228600" algn="l" hangingPunct="1">
+              <a:lnSpc>
+                <a:spcPct val="100000"/>
+              </a:lnSpc>
+              <a:spcBef>
+                <a:spcPts val="400"/>
+              </a:spcBef>
+              <a:spcAft>
+                <a:spcPts val="0"/>
+              </a:spcAft>
+              <a:buClr>
+                <a:srgbClr val="FF9933"/>
+              </a:buClr>
+              <a:buSzPct val="100000"/>
+              <a:buFont typeface="Verdana" pitchFamily="34"/>
+              <a:buChar char="-"/>
+              <a:tabLst>
+                <a:tab pos="685799" algn="l"/>
+                <a:tab pos="1600200" algn="l"/>
+                <a:tab pos="2514600" algn="l"/>
+                <a:tab pos="3429000" algn="l"/>
+                <a:tab pos="4343400" algn="l"/>
+                <a:tab pos="5257800" algn="l"/>
+                <a:tab pos="6172200" algn="l"/>
+                <a:tab pos="7086600" algn="l"/>
+                <a:tab pos="8000999" algn="l"/>
+              </a:tabLst>
+              <a:defRPr lang="de-DE" sz="1600" b="0" i="0" u="none" strike="noStrike" baseline="0">
+                <a:ln>
+                  <a:noFill/>
+                </a:ln>
+                <a:solidFill>
+                  <a:srgbClr val="000000"/>
+                </a:solidFill>
+                <a:latin typeface="Verdana" pitchFamily="34"/>
+                <a:ea typeface="Arial Unicode MS" pitchFamily="2"/>
+                <a:cs typeface="Tahoma" pitchFamily="2"/>
+              </a:defRPr>
+            </a:lvl6pPr>
+            <a:lvl7pPr marL="2057400" marR="0" lvl="6" indent="-228600" algn="l" hangingPunct="1">
+              <a:lnSpc>
+                <a:spcPct val="100000"/>
+              </a:lnSpc>
+              <a:spcBef>
+                <a:spcPts val="400"/>
+              </a:spcBef>
+              <a:spcAft>
+                <a:spcPts val="0"/>
+              </a:spcAft>
+              <a:buClr>
+                <a:srgbClr val="FF9933"/>
+              </a:buClr>
+              <a:buSzPct val="100000"/>
+              <a:buFont typeface="Verdana" pitchFamily="34"/>
+              <a:buChar char="-"/>
+              <a:tabLst>
+                <a:tab pos="685799" algn="l"/>
+                <a:tab pos="1600200" algn="l"/>
+                <a:tab pos="2514600" algn="l"/>
+                <a:tab pos="3429000" algn="l"/>
+                <a:tab pos="4343400" algn="l"/>
+                <a:tab pos="5257800" algn="l"/>
+                <a:tab pos="6172200" algn="l"/>
+                <a:tab pos="7086600" algn="l"/>
+                <a:tab pos="8000999" algn="l"/>
+              </a:tabLst>
+              <a:defRPr lang="de-DE" sz="1600" b="0" i="0" u="none" strike="noStrike" baseline="0">
+                <a:ln>
+                  <a:noFill/>
+                </a:ln>
+                <a:solidFill>
+                  <a:srgbClr val="000000"/>
+                </a:solidFill>
+                <a:latin typeface="Verdana" pitchFamily="34"/>
+                <a:ea typeface="Arial Unicode MS" pitchFamily="2"/>
+                <a:cs typeface="Tahoma" pitchFamily="2"/>
+              </a:defRPr>
+            </a:lvl7pPr>
+            <a:lvl8pPr marL="2057400" marR="0" lvl="7" indent="-228600" algn="l" hangingPunct="1">
+              <a:lnSpc>
+                <a:spcPct val="100000"/>
+              </a:lnSpc>
+              <a:spcBef>
+                <a:spcPts val="400"/>
+              </a:spcBef>
+              <a:spcAft>
+                <a:spcPts val="0"/>
+              </a:spcAft>
+              <a:buClr>
+                <a:srgbClr val="FF9933"/>
+              </a:buClr>
+              <a:buSzPct val="100000"/>
+              <a:buFont typeface="Verdana" pitchFamily="34"/>
+              <a:buChar char="-"/>
+              <a:tabLst>
+                <a:tab pos="685799" algn="l"/>
+                <a:tab pos="1600200" algn="l"/>
+                <a:tab pos="2514600" algn="l"/>
+                <a:tab pos="3429000" algn="l"/>
+                <a:tab pos="4343400" algn="l"/>
+                <a:tab pos="5257800" algn="l"/>
+                <a:tab pos="6172200" algn="l"/>
+                <a:tab pos="7086600" algn="l"/>
+                <a:tab pos="8000999" algn="l"/>
+              </a:tabLst>
+              <a:defRPr lang="de-DE" sz="1600" b="0" i="0" u="none" strike="noStrike" baseline="0">
+                <a:ln>
+                  <a:noFill/>
+                </a:ln>
+                <a:solidFill>
+                  <a:srgbClr val="000000"/>
+                </a:solidFill>
+                <a:latin typeface="Verdana" pitchFamily="34"/>
+                <a:ea typeface="Arial Unicode MS" pitchFamily="2"/>
+                <a:cs typeface="Tahoma" pitchFamily="2"/>
+              </a:defRPr>
+            </a:lvl8pPr>
+            <a:lvl9pPr marL="1944000" marR="0" lvl="8" indent="-216000" algn="l" hangingPunct="1">
+              <a:lnSpc>
+                <a:spcPct val="100000"/>
+              </a:lnSpc>
+              <a:spcBef>
+                <a:spcPts val="400"/>
+              </a:spcBef>
+              <a:spcAft>
+                <a:spcPts val="0"/>
+              </a:spcAft>
+              <a:buSzPct val="45000"/>
+              <a:buFont typeface="StarSymbol"/>
+              <a:buChar char="●"/>
+              <a:tabLst>
+                <a:tab pos="685799" algn="l"/>
+                <a:tab pos="1600200" algn="l"/>
+                <a:tab pos="2514600" algn="l"/>
+                <a:tab pos="3429000" algn="l"/>
+                <a:tab pos="4343400" algn="l"/>
+                <a:tab pos="5257800" algn="l"/>
+                <a:tab pos="6172200" algn="l"/>
+                <a:tab pos="7086600" algn="l"/>
+                <a:tab pos="8000999" algn="l"/>
+              </a:tabLst>
+              <a:defRPr lang="de-DE" sz="1600" b="0" i="0" u="none" strike="noStrike" baseline="0">
+                <a:ln>
+                  <a:noFill/>
+                </a:ln>
+                <a:solidFill>
+                  <a:srgbClr val="000000"/>
+                </a:solidFill>
+                <a:latin typeface="Verdana" pitchFamily="34"/>
+                <a:ea typeface="Arial Unicode MS" pitchFamily="2"/>
+                <a:cs typeface="Tahoma" pitchFamily="2"/>
+              </a:defRPr>
+            </a:lvl9pPr>
+          </a:lstStyle>
+          <a:p>
+            <a:r>
+              <a:rPr lang="de-DE" sz="2400" dirty="0" smtClean="0"/>
+              <a:t>Aufgabenbeschreibung </a:t>
+            </a:r>
+            <a:r>
+              <a:rPr lang="de-DE" sz="2400" dirty="0" err="1" smtClean="0"/>
+              <a:t>stdlib</a:t>
+            </a:r>
+            <a:r>
+              <a:rPr lang="de-DE" sz="2400" dirty="0" smtClean="0"/>
+              <a:t> (optionales Feature):</a:t>
+            </a:r>
+          </a:p>
+          <a:p>
+            <a:pPr lvl="1"/>
+            <a:r>
+              <a:rPr lang="de-DE" dirty="0" smtClean="0"/>
+              <a:t>Standardbibliothek die nützliche Methoden, mathematische Funktionen, Konstanten etc. bereitstellt</a:t>
+            </a:r>
+          </a:p>
+          <a:p>
+            <a:pPr lvl="1"/>
+            <a:r>
+              <a:rPr lang="de-DE" dirty="0" smtClean="0"/>
+              <a:t>Implementierung in XML Quellsprache – daher in jede Zielsprache portierbar</a:t>
+            </a:r>
+          </a:p>
+          <a:p>
+            <a:pPr lvl="1"/>
+            <a:r>
+              <a:rPr lang="de-DE" dirty="0" smtClean="0"/>
+              <a:t>Aktuell folgende Funktionen in Klasse </a:t>
+            </a:r>
+            <a:r>
+              <a:rPr lang="de-DE" i="1" dirty="0" err="1" smtClean="0"/>
+              <a:t>Math</a:t>
+            </a:r>
+            <a:r>
+              <a:rPr lang="de-DE" dirty="0" smtClean="0"/>
+              <a:t> verfügbar:</a:t>
+            </a:r>
+          </a:p>
+          <a:p>
+            <a:pPr lvl="2"/>
+            <a:r>
+              <a:rPr lang="de-DE" dirty="0" err="1" smtClean="0"/>
+              <a:t>pow</a:t>
+            </a:r>
+            <a:r>
+              <a:rPr lang="de-DE" dirty="0" smtClean="0"/>
+              <a:t>	(Exponentialfunktion)</a:t>
+            </a:r>
+          </a:p>
+          <a:p>
+            <a:pPr lvl="2"/>
+            <a:r>
+              <a:rPr lang="de-DE" dirty="0" err="1" smtClean="0"/>
+              <a:t>sqrt</a:t>
+            </a:r>
+            <a:r>
+              <a:rPr lang="de-DE" dirty="0" smtClean="0"/>
+              <a:t> 	(Wurzelfunktion)</a:t>
+            </a:r>
+          </a:p>
+          <a:p>
+            <a:pPr lvl="2"/>
+            <a:r>
+              <a:rPr lang="de-DE" dirty="0" err="1" smtClean="0"/>
+              <a:t>ggt</a:t>
+            </a:r>
+            <a:r>
+              <a:rPr lang="de-DE" dirty="0" smtClean="0"/>
+              <a:t> 	(größter gemeinsamer Teiler)</a:t>
+            </a:r>
+          </a:p>
+          <a:p>
+            <a:pPr lvl="2"/>
+            <a:r>
+              <a:rPr lang="de-DE" dirty="0" err="1" smtClean="0"/>
+              <a:t>fak</a:t>
+            </a:r>
+            <a:r>
+              <a:rPr lang="de-DE" dirty="0" smtClean="0"/>
+              <a:t> 		(Fakultätsfunktion)</a:t>
+            </a:r>
+          </a:p>
+          <a:p>
+            <a:pPr lvl="2"/>
+            <a:r>
+              <a:rPr lang="de-DE" dirty="0" err="1" smtClean="0"/>
+              <a:t>f</a:t>
+            </a:r>
+            <a:r>
+              <a:rPr lang="de-DE" dirty="0" err="1" smtClean="0"/>
+              <a:t>ib</a:t>
+            </a:r>
+            <a:r>
+              <a:rPr lang="de-DE" dirty="0" smtClean="0"/>
+              <a:t> 		(</a:t>
+            </a:r>
+            <a:r>
+              <a:rPr lang="de-DE" dirty="0" err="1" smtClean="0"/>
+              <a:t>Fibonaccizahl</a:t>
+            </a:r>
+            <a:r>
+              <a:rPr lang="de-DE" dirty="0" smtClean="0"/>
+              <a:t>)</a:t>
+            </a:r>
+          </a:p>
+          <a:p>
+            <a:pPr lvl="1"/>
+            <a:endParaRPr lang="de-DE" dirty="0" smtClean="0"/>
+          </a:p>
+          <a:p>
+            <a:pPr lvl="1"/>
+            <a:r>
+              <a:rPr lang="de-DE" dirty="0" smtClean="0"/>
+              <a:t>Java Testklasse verifizierte korrekte Implementierung</a:t>
+            </a:r>
+          </a:p>
+        </p:txBody>
+      </p:sp>
+    </p:spTree>
+  </p:cSld>
+  <p:clrMapOvr>
+    <a:masterClrMapping/>
+  </p:clrMapOvr>
+  <p:transition/>
+  <p:timing>
+    <p:tnLst>
+      <p:par>
+        <p:cTn id="1" dur="indefinite" restart="never" nodeType="tmRoot"/>
+      </p:par>
+    </p:tnLst>
+  </p:timing>
+</p:sld>
+</file>
+
+<file path=ppt/slides/slide18.xml><?xml version="1.0" encoding="utf-8"?>
+<p:sld xmlns:a="http://schemas.openxmlformats.org/drawingml/2006/main" xmlns:r="http://schemas.openxmlformats.org/officeDocument/2006/relationships" xmlns:p="http://schemas.openxmlformats.org/presentationml/2006/main">
+  <p:cSld>
+    <p:spTree>
+      <p:nvGrpSpPr>
+        <p:cNvPr id="1" name=""/>
+        <p:cNvGrpSpPr/>
+        <p:nvPr/>
+      </p:nvGrpSpPr>
+      <p:grpSpPr>
+        <a:xfrm>
+          <a:off x="0" y="0"/>
+          <a:ext cx="0" cy="0"/>
+          <a:chOff x="0" y="0"/>
+          <a:chExt cx="0" cy="0"/>
+        </a:xfrm>
+      </p:grpSpPr>
+      <p:sp>
+        <p:nvSpPr>
+          <p:cNvPr id="2" name="Titel 1"/>
+          <p:cNvSpPr txBox="1">
+            <a:spLocks noGrp="1"/>
+          </p:cNvSpPr>
+          <p:nvPr>
+            <p:ph type="title" idx="4294967295"/>
+          </p:nvPr>
+        </p:nvSpPr>
+        <p:spPr>
+          <a:xfrm>
+            <a:off x="202208" y="293323"/>
+            <a:ext cx="7502400" cy="338554"/>
+          </a:xfrm>
+        </p:spPr>
+        <p:txBody>
+          <a:bodyPr>
+            <a:spAutoFit/>
+          </a:bodyPr>
+          <a:lstStyle>
+            <a:defPPr lvl="0">
+              <a:buClr>
+                <a:srgbClr val="000000"/>
+              </a:buClr>
+              <a:buSzPct val="100000"/>
+              <a:buFont typeface="Verdana" pitchFamily="34"/>
+              <a:buNone/>
+            </a:defPPr>
+            <a:lvl1pPr lvl="0">
+              <a:buClr>
+                <a:srgbClr val="000000"/>
+              </a:buClr>
+              <a:buSzPct val="100000"/>
+              <a:buFont typeface="Verdana" pitchFamily="34"/>
+              <a:buChar char="•"/>
+            </a:lvl1pPr>
+            <a:lvl2pPr lvl="1">
+              <a:buSzPct val="45000"/>
+              <a:buFont typeface="StarSymbol"/>
+              <a:buChar char="●"/>
+            </a:lvl2pPr>
+            <a:lvl3pPr lvl="2">
+              <a:buSzPct val="45000"/>
+              <a:buFont typeface="StarSymbol"/>
+              <a:buChar char="●"/>
+            </a:lvl3pPr>
+            <a:lvl4pPr lvl="3">
+              <a:buSzPct val="45000"/>
+              <a:buFont typeface="StarSymbol"/>
+              <a:buChar char="●"/>
+            </a:lvl4pPr>
+            <a:lvl5pPr lvl="4">
+              <a:buSzPct val="45000"/>
+              <a:buFont typeface="StarSymbol"/>
+              <a:buChar char="●"/>
+            </a:lvl5pPr>
+            <a:lvl6pPr lvl="5">
+              <a:buSzPct val="45000"/>
+              <a:buFont typeface="StarSymbol"/>
+              <a:buChar char="●"/>
+            </a:lvl6pPr>
+            <a:lvl7pPr lvl="6">
+              <a:buSzPct val="45000"/>
+              <a:buFont typeface="StarSymbol"/>
+              <a:buChar char="●"/>
+            </a:lvl7pPr>
+            <a:lvl8pPr lvl="7">
+              <a:buSzPct val="45000"/>
+              <a:buFont typeface="StarSymbol"/>
+              <a:buChar char="●"/>
+            </a:lvl8pPr>
+            <a:lvl9pPr lvl="8">
+              <a:buSzPct val="45000"/>
+              <a:buFont typeface="StarSymbol"/>
+              <a:buChar char="●"/>
+            </a:lvl9pPr>
+          </a:lstStyle>
+          <a:p>
+            <a:pPr lvl="0" algn="ctr">
+              <a:buNone/>
+            </a:pPr>
+            <a:r>
+              <a:rPr lang="de-DE" baseline="0" dirty="0" smtClean="0"/>
+              <a:t>Fehlerbehebung</a:t>
+            </a:r>
+            <a:endParaRPr lang="de-DE" dirty="0"/>
+          </a:p>
+        </p:txBody>
+      </p:sp>
+      <p:sp>
+        <p:nvSpPr>
+          <p:cNvPr id="3" name="Textplatzhalter 2"/>
+          <p:cNvSpPr txBox="1">
+            <a:spLocks noGrp="1"/>
+          </p:cNvSpPr>
+          <p:nvPr>
+            <p:ph type="body" idx="4294967295"/>
+          </p:nvPr>
+        </p:nvSpPr>
+        <p:spPr>
+          <a:xfrm>
+            <a:off x="703080" y="1080000"/>
+            <a:ext cx="7936920" cy="1728678"/>
+          </a:xfrm>
+        </p:spPr>
+        <p:txBody>
+          <a:bodyPr>
+            <a:spAutoFit/>
+          </a:bodyPr>
+          <a:lstStyle>
+            <a:defPPr marL="342720" marR="0" lvl="0" indent="-342720" algn="l" hangingPunct="1">
+              <a:lnSpc>
+                <a:spcPct val="100000"/>
+              </a:lnSpc>
+              <a:spcBef>
+                <a:spcPts val="550"/>
+              </a:spcBef>
+              <a:spcAft>
+                <a:spcPts val="0"/>
+              </a:spcAft>
+              <a:buClr>
+                <a:srgbClr val="00245B"/>
+              </a:buClr>
+              <a:buSzPct val="120000"/>
+              <a:buFont typeface="Verdana" pitchFamily="34"/>
+              <a:buNone/>
+              <a:tabLst>
+                <a:tab pos="571320" algn="l"/>
+                <a:tab pos="1485719" algn="l"/>
+                <a:tab pos="2400119" algn="l"/>
+                <a:tab pos="3314519" algn="l"/>
+                <a:tab pos="4228919" algn="l"/>
+                <a:tab pos="5143320" algn="l"/>
+                <a:tab pos="6057720" algn="l"/>
+                <a:tab pos="6972120" algn="l"/>
+                <a:tab pos="7886520" algn="l"/>
+                <a:tab pos="8800920" algn="l"/>
+                <a:tab pos="9715320" algn="l"/>
+              </a:tabLst>
+              <a:defRPr lang="de-DE" sz="2200" b="0" i="0" u="none" strike="noStrike" baseline="0">
+                <a:ln>
+                  <a:noFill/>
+                </a:ln>
+                <a:solidFill>
+                  <a:srgbClr val="000000"/>
+                </a:solidFill>
+                <a:latin typeface="Verdana" pitchFamily="34"/>
+                <a:ea typeface="Arial Unicode MS" pitchFamily="2"/>
+                <a:cs typeface="Tahoma" pitchFamily="2"/>
+              </a:defRPr>
+            </a:defPPr>
+            <a:lvl1pPr marL="342720" marR="0" lvl="0" indent="-342720" algn="l" hangingPunct="1">
+              <a:lnSpc>
+                <a:spcPct val="100000"/>
+              </a:lnSpc>
+              <a:spcBef>
+                <a:spcPts val="550"/>
+              </a:spcBef>
+              <a:spcAft>
+                <a:spcPts val="0"/>
+              </a:spcAft>
+              <a:buClr>
+                <a:srgbClr val="00245B"/>
+              </a:buClr>
+              <a:buSzPct val="120000"/>
+              <a:buFont typeface="Verdana" pitchFamily="34"/>
+              <a:buChar char="•"/>
+              <a:tabLst>
+                <a:tab pos="571320" algn="l"/>
+                <a:tab pos="1485719" algn="l"/>
+                <a:tab pos="2400119" algn="l"/>
+                <a:tab pos="3314519" algn="l"/>
+                <a:tab pos="4228919" algn="l"/>
+                <a:tab pos="5143320" algn="l"/>
+                <a:tab pos="6057720" algn="l"/>
+                <a:tab pos="6972120" algn="l"/>
+                <a:tab pos="7886520" algn="l"/>
+                <a:tab pos="8800920" algn="l"/>
+                <a:tab pos="9715320" algn="l"/>
+              </a:tabLst>
+              <a:defRPr lang="de-DE" sz="2200" b="0" i="0" u="none" strike="noStrike" baseline="0">
+                <a:ln>
+                  <a:noFill/>
+                </a:ln>
+                <a:solidFill>
+                  <a:srgbClr val="000000"/>
+                </a:solidFill>
+                <a:latin typeface="Verdana" pitchFamily="34"/>
+                <a:ea typeface="Arial Unicode MS" pitchFamily="2"/>
+                <a:cs typeface="Tahoma" pitchFamily="2"/>
+              </a:defRPr>
+            </a:lvl1pPr>
+            <a:lvl2pPr marL="742680" marR="0" lvl="1" indent="-285480" algn="l" hangingPunct="1">
+              <a:lnSpc>
+                <a:spcPct val="100000"/>
+              </a:lnSpc>
+              <a:spcBef>
+                <a:spcPts val="499"/>
+              </a:spcBef>
+              <a:spcAft>
+                <a:spcPts val="0"/>
+              </a:spcAft>
+              <a:buClr>
+                <a:srgbClr val="CC0000"/>
+              </a:buClr>
+              <a:buSzPct val="100000"/>
+              <a:buFont typeface="Verdana" pitchFamily="34"/>
+              <a:buChar char="•"/>
+              <a:tabLst>
+                <a:tab pos="171360" algn="l"/>
+                <a:tab pos="1085759" algn="l"/>
+                <a:tab pos="2000160" algn="l"/>
+                <a:tab pos="2914560" algn="l"/>
+                <a:tab pos="3828959" algn="l"/>
+                <a:tab pos="4743360" algn="l"/>
+                <a:tab pos="5657760" algn="l"/>
+                <a:tab pos="6572160" algn="l"/>
+                <a:tab pos="7486560" algn="l"/>
+                <a:tab pos="8400960" algn="l"/>
+                <a:tab pos="9315360" algn="l"/>
+              </a:tabLst>
+              <a:defRPr lang="de-DE" sz="2000" b="0" i="0" u="none" strike="noStrike" baseline="0">
+                <a:ln>
+                  <a:noFill/>
+                </a:ln>
+                <a:solidFill>
+                  <a:srgbClr val="000000"/>
+                </a:solidFill>
+                <a:latin typeface="Verdana" pitchFamily="34"/>
+                <a:ea typeface="Arial Unicode MS" pitchFamily="2"/>
+                <a:cs typeface="Tahoma" pitchFamily="2"/>
+              </a:defRPr>
+            </a:lvl2pPr>
+            <a:lvl3pPr marL="1143000" marR="0" lvl="2" indent="-228600" algn="l" hangingPunct="1">
+              <a:lnSpc>
+                <a:spcPct val="100000"/>
+              </a:lnSpc>
+              <a:spcBef>
+                <a:spcPts val="448"/>
+              </a:spcBef>
+              <a:spcAft>
+                <a:spcPts val="0"/>
+              </a:spcAft>
+              <a:buClr>
+                <a:srgbClr val="99CC00"/>
+              </a:buClr>
+              <a:buSzPct val="100000"/>
+              <a:buFont typeface="Verdana" pitchFamily="34"/>
+              <a:buChar char="•"/>
+              <a:tabLst>
+                <a:tab pos="685799" algn="l"/>
+                <a:tab pos="1600200" algn="l"/>
+                <a:tab pos="2514600" algn="l"/>
+                <a:tab pos="3429000" algn="l"/>
+                <a:tab pos="4343400" algn="l"/>
+                <a:tab pos="5257800" algn="l"/>
+                <a:tab pos="6172200" algn="l"/>
+                <a:tab pos="7086600" algn="l"/>
+                <a:tab pos="8000999" algn="l"/>
+                <a:tab pos="8915399" algn="l"/>
+              </a:tabLst>
+              <a:defRPr lang="de-DE" sz="1800" b="0" i="0" u="none" strike="noStrike" baseline="0">
+                <a:ln>
+                  <a:noFill/>
+                </a:ln>
+                <a:solidFill>
+                  <a:srgbClr val="000000"/>
+                </a:solidFill>
+                <a:latin typeface="Verdana" pitchFamily="34"/>
+                <a:ea typeface="Arial Unicode MS" pitchFamily="2"/>
+                <a:cs typeface="Tahoma" pitchFamily="2"/>
+              </a:defRPr>
+            </a:lvl3pPr>
+            <a:lvl4pPr marL="1600199" marR="0" lvl="3" indent="-228600" algn="l" hangingPunct="1">
+              <a:lnSpc>
+                <a:spcPct val="100000"/>
+              </a:lnSpc>
+              <a:spcBef>
+                <a:spcPts val="400"/>
+              </a:spcBef>
+              <a:spcAft>
+                <a:spcPts val="0"/>
+              </a:spcAft>
+              <a:buClr>
+                <a:srgbClr val="FF9933"/>
+              </a:buClr>
+              <a:buSzPct val="100000"/>
+              <a:buFont typeface="Verdana" pitchFamily="34"/>
+              <a:buChar char="•"/>
+              <a:tabLst>
+                <a:tab pos="228600" algn="l"/>
+                <a:tab pos="1143000" algn="l"/>
+                <a:tab pos="2057400" algn="l"/>
+                <a:tab pos="2971800" algn="l"/>
+                <a:tab pos="3886200" algn="l"/>
+                <a:tab pos="4800600" algn="l"/>
+                <a:tab pos="5715000" algn="l"/>
+                <a:tab pos="6629400" algn="l"/>
+                <a:tab pos="7543799" algn="l"/>
+                <a:tab pos="8458200" algn="l"/>
+              </a:tabLst>
+              <a:defRPr lang="de-DE" sz="1600" b="0" i="0" u="none" strike="noStrike" baseline="0">
+                <a:ln>
+                  <a:noFill/>
+                </a:ln>
+                <a:solidFill>
+                  <a:srgbClr val="000000"/>
+                </a:solidFill>
+                <a:latin typeface="Verdana" pitchFamily="34"/>
+                <a:ea typeface="Arial Unicode MS" pitchFamily="2"/>
+                <a:cs typeface="Tahoma" pitchFamily="2"/>
+              </a:defRPr>
+            </a:lvl4pPr>
+            <a:lvl5pPr marL="2057400" marR="0" lvl="4" indent="-228600" algn="l" hangingPunct="1">
+              <a:lnSpc>
+                <a:spcPct val="100000"/>
+              </a:lnSpc>
+              <a:spcBef>
+                <a:spcPts val="400"/>
+              </a:spcBef>
+              <a:spcAft>
+                <a:spcPts val="0"/>
+              </a:spcAft>
+              <a:buClr>
+                <a:srgbClr val="FF9933"/>
+              </a:buClr>
+              <a:buSzPct val="100000"/>
+              <a:buFont typeface="Verdana" pitchFamily="34"/>
+              <a:buChar char="-"/>
+              <a:tabLst>
+                <a:tab pos="685799" algn="l"/>
+                <a:tab pos="1600200" algn="l"/>
+                <a:tab pos="2514600" algn="l"/>
+                <a:tab pos="3429000" algn="l"/>
+                <a:tab pos="4343400" algn="l"/>
+                <a:tab pos="5257800" algn="l"/>
+                <a:tab pos="6172200" algn="l"/>
+                <a:tab pos="7086600" algn="l"/>
+                <a:tab pos="8000999" algn="l"/>
+              </a:tabLst>
+              <a:defRPr lang="de-DE" sz="1600" b="0" i="0" u="none" strike="noStrike" baseline="0">
+                <a:ln>
+                  <a:noFill/>
+                </a:ln>
+                <a:solidFill>
+                  <a:srgbClr val="000000"/>
+                </a:solidFill>
+                <a:latin typeface="Verdana" pitchFamily="34"/>
+                <a:ea typeface="Arial Unicode MS" pitchFamily="2"/>
+                <a:cs typeface="Tahoma" pitchFamily="2"/>
+              </a:defRPr>
+            </a:lvl5pPr>
+            <a:lvl6pPr marL="2057400" marR="0" lvl="5" indent="-228600" algn="l" hangingPunct="1">
+              <a:lnSpc>
+                <a:spcPct val="100000"/>
+              </a:lnSpc>
+              <a:spcBef>
+                <a:spcPts val="400"/>
+              </a:spcBef>
+              <a:spcAft>
+                <a:spcPts val="0"/>
+              </a:spcAft>
+              <a:buClr>
+                <a:srgbClr val="FF9933"/>
+              </a:buClr>
+              <a:buSzPct val="100000"/>
+              <a:buFont typeface="Verdana" pitchFamily="34"/>
+              <a:buChar char="-"/>
+              <a:tabLst>
+                <a:tab pos="685799" algn="l"/>
+                <a:tab pos="1600200" algn="l"/>
+                <a:tab pos="2514600" algn="l"/>
+                <a:tab pos="3429000" algn="l"/>
+                <a:tab pos="4343400" algn="l"/>
+                <a:tab pos="5257800" algn="l"/>
+                <a:tab pos="6172200" algn="l"/>
+                <a:tab pos="7086600" algn="l"/>
+                <a:tab pos="8000999" algn="l"/>
+              </a:tabLst>
+              <a:defRPr lang="de-DE" sz="1600" b="0" i="0" u="none" strike="noStrike" baseline="0">
+                <a:ln>
+                  <a:noFill/>
+                </a:ln>
+                <a:solidFill>
+                  <a:srgbClr val="000000"/>
+                </a:solidFill>
+                <a:latin typeface="Verdana" pitchFamily="34"/>
+                <a:ea typeface="Arial Unicode MS" pitchFamily="2"/>
+                <a:cs typeface="Tahoma" pitchFamily="2"/>
+              </a:defRPr>
+            </a:lvl6pPr>
+            <a:lvl7pPr marL="2057400" marR="0" lvl="6" indent="-228600" algn="l" hangingPunct="1">
+              <a:lnSpc>
+                <a:spcPct val="100000"/>
+              </a:lnSpc>
+              <a:spcBef>
+                <a:spcPts val="400"/>
+              </a:spcBef>
+              <a:spcAft>
+                <a:spcPts val="0"/>
+              </a:spcAft>
+              <a:buClr>
+                <a:srgbClr val="FF9933"/>
+              </a:buClr>
+              <a:buSzPct val="100000"/>
+              <a:buFont typeface="Verdana" pitchFamily="34"/>
+              <a:buChar char="-"/>
+              <a:tabLst>
+                <a:tab pos="685799" algn="l"/>
+                <a:tab pos="1600200" algn="l"/>
+                <a:tab pos="2514600" algn="l"/>
+                <a:tab pos="3429000" algn="l"/>
+                <a:tab pos="4343400" algn="l"/>
+                <a:tab pos="5257800" algn="l"/>
+                <a:tab pos="6172200" algn="l"/>
+                <a:tab pos="7086600" algn="l"/>
+                <a:tab pos="8000999" algn="l"/>
+              </a:tabLst>
+              <a:defRPr lang="de-DE" sz="1600" b="0" i="0" u="none" strike="noStrike" baseline="0">
+                <a:ln>
+                  <a:noFill/>
+                </a:ln>
+                <a:solidFill>
+                  <a:srgbClr val="000000"/>
+                </a:solidFill>
+                <a:latin typeface="Verdana" pitchFamily="34"/>
+                <a:ea typeface="Arial Unicode MS" pitchFamily="2"/>
+                <a:cs typeface="Tahoma" pitchFamily="2"/>
+              </a:defRPr>
+            </a:lvl7pPr>
+            <a:lvl8pPr marL="2057400" marR="0" lvl="7" indent="-228600" algn="l" hangingPunct="1">
+              <a:lnSpc>
+                <a:spcPct val="100000"/>
+              </a:lnSpc>
+              <a:spcBef>
+                <a:spcPts val="400"/>
+              </a:spcBef>
+              <a:spcAft>
+                <a:spcPts val="0"/>
+              </a:spcAft>
+              <a:buClr>
+                <a:srgbClr val="FF9933"/>
+              </a:buClr>
+              <a:buSzPct val="100000"/>
+              <a:buFont typeface="Verdana" pitchFamily="34"/>
+              <a:buChar char="-"/>
+              <a:tabLst>
+                <a:tab pos="685799" algn="l"/>
+                <a:tab pos="1600200" algn="l"/>
+                <a:tab pos="2514600" algn="l"/>
+                <a:tab pos="3429000" algn="l"/>
+                <a:tab pos="4343400" algn="l"/>
+                <a:tab pos="5257800" algn="l"/>
+                <a:tab pos="6172200" algn="l"/>
+                <a:tab pos="7086600" algn="l"/>
+                <a:tab pos="8000999" algn="l"/>
+              </a:tabLst>
+              <a:defRPr lang="de-DE" sz="1600" b="0" i="0" u="none" strike="noStrike" baseline="0">
+                <a:ln>
+                  <a:noFill/>
+                </a:ln>
+                <a:solidFill>
+                  <a:srgbClr val="000000"/>
+                </a:solidFill>
+                <a:latin typeface="Verdana" pitchFamily="34"/>
+                <a:ea typeface="Arial Unicode MS" pitchFamily="2"/>
+                <a:cs typeface="Tahoma" pitchFamily="2"/>
+              </a:defRPr>
+            </a:lvl8pPr>
+            <a:lvl9pPr marL="1944000" marR="0" lvl="8" indent="-216000" algn="l" hangingPunct="1">
+              <a:lnSpc>
+                <a:spcPct val="100000"/>
+              </a:lnSpc>
+              <a:spcBef>
+                <a:spcPts val="400"/>
+              </a:spcBef>
+              <a:spcAft>
+                <a:spcPts val="0"/>
+              </a:spcAft>
+              <a:buSzPct val="45000"/>
+              <a:buFont typeface="StarSymbol"/>
+              <a:buChar char="●"/>
+              <a:tabLst>
+                <a:tab pos="685799" algn="l"/>
+                <a:tab pos="1600200" algn="l"/>
+                <a:tab pos="2514600" algn="l"/>
+                <a:tab pos="3429000" algn="l"/>
+                <a:tab pos="4343400" algn="l"/>
+                <a:tab pos="5257800" algn="l"/>
+                <a:tab pos="6172200" algn="l"/>
+                <a:tab pos="7086600" algn="l"/>
+                <a:tab pos="8000999" algn="l"/>
+              </a:tabLst>
+              <a:defRPr lang="de-DE" sz="1600" b="0" i="0" u="none" strike="noStrike" baseline="0">
+                <a:ln>
+                  <a:noFill/>
+                </a:ln>
+                <a:solidFill>
+                  <a:srgbClr val="000000"/>
+                </a:solidFill>
+                <a:latin typeface="Verdana" pitchFamily="34"/>
+                <a:ea typeface="Arial Unicode MS" pitchFamily="2"/>
+                <a:cs typeface="Tahoma" pitchFamily="2"/>
+              </a:defRPr>
+            </a:lvl9pPr>
+          </a:lstStyle>
+          <a:p>
+            <a:r>
+              <a:rPr lang="de-DE" sz="2400" dirty="0" smtClean="0"/>
+              <a:t>Aufgabenbeschreibung Fehlerbehebung:</a:t>
+            </a:r>
+          </a:p>
+          <a:p>
+            <a:pPr lvl="1"/>
+            <a:r>
+              <a:rPr lang="de-DE" dirty="0" smtClean="0"/>
+              <a:t>Bei wöchentlichen Meetings wurden aufgedeckte Fehler angesprochen</a:t>
+            </a:r>
+          </a:p>
+          <a:p>
+            <a:pPr lvl="1"/>
+            <a:r>
+              <a:rPr lang="de-DE" dirty="0" smtClean="0"/>
+              <a:t>Behebung dieser Fehler, soweit Kenntnis diesbezüglich vorhanden war, wurde ausgeführt</a:t>
+            </a:r>
+          </a:p>
+        </p:txBody>
+      </p:sp>
+    </p:spTree>
+  </p:cSld>
+  <p:clrMapOvr>
+    <a:masterClrMapping/>
+  </p:clrMapOvr>
+  <p:transition/>
+  <p:timing>
+    <p:tnLst>
+      <p:par>
+        <p:cTn id="1" dur="indefinite" restart="never" nodeType="tmRoot"/>
+      </p:par>
+    </p:tnLst>
+  </p:timing>
+</p:sld>
+</file>
+
+<file path=ppt/slides/slide19.xml><?xml version="1.0" encoding="utf-8"?>
 <p:sld xmlns:a="http://schemas.openxmlformats.org/drawingml/2006/main" xmlns:r="http://schemas.openxmlformats.org/officeDocument/2006/relationships" xmlns:p="http://schemas.openxmlformats.org/presentationml/2006/main">
   <p:cSld name="Vielen Dank!">
     <p:spTree>
@@ -14280,7 +18003,11 @@
             </a:pPr>
             <a:r>
               <a:rPr lang="de-DE" baseline="0" dirty="0" smtClean="0"/>
-              <a:t>Abstrakter Syntaxbaum: Einleitung</a:t>
+              <a:t>Syntaxbaum</a:t>
+            </a:r>
+            <a:r>
+              <a:rPr lang="de-DE" baseline="0" dirty="0" smtClean="0"/>
+              <a:t>: Einleitung</a:t>
             </a:r>
             <a:endParaRPr lang="de-DE" dirty="0"/>
           </a:p>
@@ -14744,7 +18471,6 @@
               <a:rPr lang="de-DE" dirty="0" smtClean="0"/>
               <a:t>Das Parsen aller Sprachelemente der Quellsprache wurde von Alexander implementiert</a:t>
             </a:r>
-            <a:endParaRPr lang="de-DE" dirty="0" smtClean="0"/>
           </a:p>
         </p:txBody>
       </p:sp>
@@ -14865,7 +18591,11 @@
             </a:pPr>
             <a:r>
               <a:rPr lang="de-DE" baseline="0" dirty="0" smtClean="0"/>
-              <a:t>Abstrakter Syntaxbaum: Einleitung</a:t>
+              <a:t>Syntaxbaum</a:t>
+            </a:r>
+            <a:r>
+              <a:rPr lang="de-DE" baseline="0" dirty="0" smtClean="0"/>
+              <a:t>: Einleitung</a:t>
             </a:r>
             <a:endParaRPr lang="de-DE" dirty="0"/>
           </a:p>
@@ -14884,7 +18614,7 @@
         <p:spPr>
           <a:xfrm>
             <a:off x="703080" y="1080000"/>
-            <a:ext cx="7936920" cy="4934684"/>
+            <a:ext cx="7936920" cy="5550237"/>
           </a:xfrm>
         </p:spPr>
         <p:txBody>
@@ -15319,123 +19049,92 @@
             </a:r>
             <a:r>
               <a:rPr lang="de-DE" dirty="0" smtClean="0"/>
-              <a:t> -&gt; Zielsprache</a:t>
+              <a:t> -&gt; Zielsprache </a:t>
+            </a:r>
+          </a:p>
+          <a:p>
+            <a:pPr lvl="0">
+              <a:buNone/>
+            </a:pPr>
+            <a:endParaRPr lang="de-DE" dirty="0" smtClean="0"/>
+          </a:p>
+          <a:p>
+            <a:pPr lvl="0">
+              <a:buNone/>
+            </a:pPr>
+            <a:r>
+              <a:rPr lang="de-DE" dirty="0" smtClean="0"/>
+              <a:t>Aufgabenbeschreibung Syntaxbaum:</a:t>
+            </a:r>
+          </a:p>
+          <a:p>
+            <a:pPr lvl="0"/>
+            <a:r>
+              <a:rPr lang="de-DE" dirty="0" smtClean="0"/>
+              <a:t>Eingabe: DOM-</a:t>
+            </a:r>
+            <a:r>
+              <a:rPr lang="de-DE" dirty="0" err="1" smtClean="0"/>
+              <a:t>Node</a:t>
+            </a:r>
+            <a:r>
+              <a:rPr lang="de-DE" dirty="0" smtClean="0"/>
+              <a:t> (Gesamtes Quellprogramm)</a:t>
+            </a:r>
+          </a:p>
+          <a:p>
+            <a:pPr lvl="1"/>
+            <a:r>
+              <a:rPr lang="de-DE" dirty="0" smtClean="0"/>
+              <a:t>Überführung in </a:t>
+            </a:r>
+            <a:r>
+              <a:rPr lang="de-DE" dirty="0" smtClean="0"/>
+              <a:t>Java-Objekte die Syntaxbaum aufspannen</a:t>
+            </a:r>
+            <a:endParaRPr lang="de-DE" dirty="0" smtClean="0"/>
+          </a:p>
+          <a:p>
+            <a:pPr lvl="1"/>
+            <a:r>
+              <a:rPr lang="de-DE" dirty="0" smtClean="0"/>
+              <a:t>Dabei: Prüfung </a:t>
+            </a:r>
+            <a:r>
+              <a:rPr lang="de-DE" dirty="0" smtClean="0"/>
+              <a:t>der Eingabe auf Einhaltung der Sprachspezifikation</a:t>
+            </a:r>
+            <a:endParaRPr lang="de-DE" dirty="0" smtClean="0"/>
+          </a:p>
+          <a:p>
+            <a:pPr lvl="0"/>
+            <a:endParaRPr lang="de-DE" dirty="0" smtClean="0"/>
+          </a:p>
+          <a:p>
+            <a:pPr lvl="0"/>
+            <a:r>
+              <a:rPr lang="de-DE" dirty="0" smtClean="0"/>
+              <a:t>Ausgabe: </a:t>
+            </a:r>
+            <a:r>
+              <a:rPr lang="de-DE" i="1" dirty="0" err="1" smtClean="0"/>
+              <a:t>AbstractSyntaxTree</a:t>
             </a:r>
             <a:r>
               <a:rPr lang="de-DE" dirty="0" smtClean="0"/>
               <a:t> </a:t>
             </a:r>
-          </a:p>
-          <a:p>
-            <a:pPr lvl="0">
-              <a:buNone/>
-            </a:pPr>
-            <a:endParaRPr lang="de-DE" dirty="0" smtClean="0"/>
-          </a:p>
-          <a:p>
-            <a:pPr lvl="0">
-              <a:buNone/>
-            </a:pPr>
+            <a:endParaRPr lang="de-DE" i="1" dirty="0" smtClean="0"/>
+          </a:p>
+          <a:p>
+            <a:pPr lvl="1"/>
             <a:r>
               <a:rPr lang="de-DE" dirty="0" smtClean="0"/>
-              <a:t>Aufgabenbeschreibung </a:t>
-            </a:r>
-            <a:r>
-              <a:rPr lang="de-DE" dirty="0" smtClean="0"/>
-              <a:t>Syntaxbaum</a:t>
-            </a:r>
-            <a:r>
-              <a:rPr lang="de-DE" dirty="0" smtClean="0"/>
-              <a:t>:</a:t>
-            </a:r>
-          </a:p>
-          <a:p>
-            <a:pPr lvl="0"/>
-            <a:r>
-              <a:rPr lang="de-DE" dirty="0" smtClean="0"/>
-              <a:t>Eingabe</a:t>
-            </a:r>
-            <a:r>
-              <a:rPr lang="de-DE" dirty="0" smtClean="0"/>
-              <a:t>: </a:t>
-            </a:r>
-            <a:r>
-              <a:rPr lang="de-DE" dirty="0" smtClean="0"/>
-              <a:t>DOM-</a:t>
-            </a:r>
-            <a:r>
-              <a:rPr lang="de-DE" dirty="0" err="1" smtClean="0"/>
-              <a:t>Node</a:t>
-            </a:r>
-            <a:r>
-              <a:rPr lang="de-DE" dirty="0" smtClean="0"/>
-              <a:t> (Gesamtes Quellprogramm)</a:t>
-            </a:r>
-          </a:p>
-          <a:p>
-            <a:pPr lvl="1"/>
-            <a:r>
-              <a:rPr lang="de-DE" dirty="0" smtClean="0"/>
-              <a:t>Überführung in Java-Objekte</a:t>
-            </a:r>
-            <a:endParaRPr lang="de-DE" dirty="0" smtClean="0"/>
-          </a:p>
-          <a:p>
-            <a:pPr lvl="1"/>
-            <a:r>
-              <a:rPr lang="de-DE" dirty="0" smtClean="0"/>
-              <a:t>Dabei: </a:t>
-            </a:r>
-            <a:r>
-              <a:rPr lang="de-DE" dirty="0" smtClean="0"/>
-              <a:t>Prüfung auf Einhaltung </a:t>
-            </a:r>
-            <a:r>
-              <a:rPr lang="de-DE" dirty="0" smtClean="0"/>
-              <a:t>der Sprachspezifikation</a:t>
-            </a:r>
-          </a:p>
-          <a:p>
-            <a:pPr lvl="0"/>
-            <a:endParaRPr lang="de-DE" dirty="0" smtClean="0"/>
-          </a:p>
-          <a:p>
-            <a:pPr lvl="0"/>
-            <a:r>
-              <a:rPr lang="de-DE" dirty="0" smtClean="0"/>
-              <a:t>Ausgabe</a:t>
-            </a:r>
-            <a:r>
-              <a:rPr lang="de-DE" dirty="0" smtClean="0"/>
-              <a:t>: </a:t>
-            </a:r>
-            <a:r>
-              <a:rPr lang="de-DE" i="1" dirty="0" err="1" smtClean="0"/>
-              <a:t>AbstractSyntaxTree</a:t>
-            </a:r>
-            <a:r>
-              <a:rPr lang="de-DE" dirty="0" smtClean="0"/>
-              <a:t> </a:t>
-            </a:r>
-            <a:endParaRPr lang="de-DE" i="1" dirty="0" smtClean="0"/>
-          </a:p>
-          <a:p>
-            <a:pPr lvl="1"/>
-            <a:r>
-              <a:rPr lang="de-DE" dirty="0" smtClean="0"/>
-              <a:t>Java-Objekte </a:t>
-            </a:r>
-            <a:r>
-              <a:rPr lang="de-DE" dirty="0" smtClean="0"/>
-              <a:t>die Weiterverarbeitung zur Zielsprache</a:t>
+              <a:t>Java-Objekte die Weiterverarbeitung zur Zielsprache</a:t>
             </a:r>
             <a:r>
               <a:rPr lang="de-DE" baseline="0" dirty="0" smtClean="0"/>
-              <a:t> </a:t>
-            </a:r>
-            <a:r>
-              <a:rPr lang="de-DE" baseline="0" dirty="0" smtClean="0"/>
-              <a:t>ermöglichen</a:t>
+              <a:t> ermöglichen</a:t>
             </a:r>
           </a:p>
           <a:p>
@@ -15444,7 +19143,6 @@
               <a:rPr lang="de-DE" dirty="0" smtClean="0"/>
               <a:t>Syntaxbaum stellt syntaktisch korrektes Quellprogramm sicher, ansonsten Fehlermeldung</a:t>
             </a:r>
-            <a:endParaRPr lang="de-DE" dirty="0" smtClean="0"/>
           </a:p>
         </p:txBody>
       </p:sp>
@@ -16002,7 +19700,6 @@
               <a:rPr lang="de-DE" dirty="0" smtClean="0"/>
               <a:t>:</a:t>
             </a:r>
-            <a:endParaRPr lang="de-DE" dirty="0" smtClean="0"/>
           </a:p>
           <a:p>
             <a:pPr lvl="1"/>
@@ -16012,11 +19709,7 @@
             </a:r>
             <a:r>
               <a:rPr lang="de-DE" baseline="0" dirty="0" smtClean="0"/>
-              <a:t> XML Sprachelement (Statement) besitzt korrespondierende </a:t>
-            </a:r>
-            <a:r>
-              <a:rPr lang="de-DE" baseline="0" dirty="0" smtClean="0"/>
-              <a:t>Java-Klasse, z.B.:</a:t>
+              <a:t> XML Sprachelement (Statement) besitzt korrespondierende Java-Klasse, z.B.:</a:t>
             </a:r>
           </a:p>
           <a:p>
@@ -16041,15 +19734,7 @@
             <a:pPr lvl="1"/>
             <a:r>
               <a:rPr lang="de-DE" baseline="0" dirty="0" smtClean="0"/>
-              <a:t>Die </a:t>
-            </a:r>
-            <a:r>
-              <a:rPr lang="de-DE" baseline="0" dirty="0" smtClean="0"/>
-              <a:t>jeweiligen XML-Elementattribute werden zu </a:t>
-            </a:r>
-            <a:r>
-              <a:rPr lang="de-DE" baseline="0" dirty="0" smtClean="0"/>
-              <a:t>Java-Klassenattributen geparst</a:t>
+              <a:t>Die jeweiligen XML-Elementattribute werden zu Java-Klassenattributen geparst</a:t>
             </a:r>
           </a:p>
           <a:p>
@@ -16060,11 +19745,7 @@
             <a:pPr lvl="1"/>
             <a:r>
               <a:rPr lang="de-DE" baseline="0" dirty="0" smtClean="0"/>
-              <a:t>Mögliche </a:t>
-            </a:r>
-            <a:r>
-              <a:rPr lang="de-DE" baseline="0" dirty="0" smtClean="0"/>
-              <a:t>XML</a:t>
+              <a:t>Mögliche XML</a:t>
             </a:r>
             <a:r>
               <a:rPr lang="de-DE" dirty="0" smtClean="0"/>
@@ -16080,15 +19761,7 @@
             </a:r>
             <a:r>
               <a:rPr lang="de-DE" baseline="0" dirty="0" smtClean="0"/>
-              <a:t> </a:t>
-            </a:r>
-            <a:r>
-              <a:rPr lang="de-DE" baseline="0" dirty="0" smtClean="0"/>
-              <a:t>werden zu entsprechenden Listenobjekten </a:t>
-            </a:r>
-            <a:r>
-              <a:rPr lang="de-DE" baseline="0" dirty="0" smtClean="0"/>
-              <a:t>hinzugefügt</a:t>
+              <a:t> werden zu entsprechenden Listenobjekten hinzugefügt</a:t>
             </a:r>
             <a:r>
               <a:rPr lang="de-DE" dirty="0" smtClean="0"/>
@@ -16335,15 +20008,7 @@
                     <a:p>
                       <a:r>
                         <a:rPr lang="en-US" b="0" dirty="0" smtClean="0"/>
-                        <a:t>&lt;function name=</a:t>
-                      </a:r>
-                      <a:r>
-                        <a:rPr lang="en-US" b="0" dirty="0" smtClean="0"/>
-                        <a:t>"</a:t>
-                      </a:r>
-                      <a:r>
-                        <a:rPr lang="en-US" b="0" dirty="0" smtClean="0"/>
-                        <a:t>a"  returns="</a:t>
+                        <a:t>&lt;function name="a"  returns="</a:t>
                       </a:r>
                       <a:r>
                         <a:rPr lang="en-US" b="0" dirty="0" err="1" smtClean="0"/>
@@ -16625,6 +20290,10 @@
               <a:rPr lang="de-DE" baseline="0" dirty="0" err="1" smtClean="0"/>
               <a:t>Parsvorgang</a:t>
             </a:r>
+            <a:r>
+              <a:rPr lang="de-DE" baseline="0" dirty="0" smtClean="0"/>
+              <a:t> Beginn</a:t>
+            </a:r>
             <a:endParaRPr lang="de-DE" dirty="0"/>
           </a:p>
         </p:txBody>
@@ -16642,7 +20311,7 @@
         <p:spPr>
           <a:xfrm>
             <a:off x="703080" y="1080000"/>
-            <a:ext cx="7936920" cy="5757987"/>
+            <a:ext cx="7936920" cy="6019597"/>
           </a:xfrm>
         </p:spPr>
         <p:txBody>
@@ -17049,7 +20718,11 @@
           <a:p>
             <a:r>
               <a:rPr lang="de-DE" dirty="0" smtClean="0"/>
-              <a:t>Aus Sprachspezifikation sind nötige und optionale Attribute bzw. </a:t>
+              <a:t>Anmerkung: Benötigte </a:t>
+            </a:r>
+            <a:r>
+              <a:rPr lang="de-DE" dirty="0" smtClean="0"/>
+              <a:t>und optionale Attribute bzw. </a:t>
             </a:r>
             <a:r>
               <a:rPr lang="de-DE" dirty="0" err="1" smtClean="0"/>
@@ -17061,8 +20734,17 @@
             </a:r>
             <a:r>
               <a:rPr lang="de-DE" dirty="0" smtClean="0"/>
-              <a:t>bekannt</a:t>
-            </a:r>
+              <a:t>sind aus der Sprachspezifikation bekannt und in Form von </a:t>
+            </a:r>
+            <a:r>
+              <a:rPr lang="de-DE" dirty="0" err="1" smtClean="0"/>
+              <a:t>JavaDoku</a:t>
+            </a:r>
+            <a:r>
+              <a:rPr lang="de-DE" dirty="0" smtClean="0"/>
+              <a:t> in allen Java Klassen festgehalten</a:t>
+            </a:r>
+            <a:endParaRPr lang="de-DE" dirty="0" smtClean="0"/>
           </a:p>
           <a:p>
             <a:pPr lvl="0"/>
@@ -17072,22 +20754,18 @@
             <a:pPr lvl="0"/>
             <a:r>
               <a:rPr lang="de-DE" dirty="0" smtClean="0"/>
-              <a:t>Beginn</a:t>
-            </a:r>
+              <a:t>Beginn des Parsens:</a:t>
+            </a:r>
+          </a:p>
+          <a:p>
+            <a:pPr lvl="1"/>
             <a:r>
               <a:rPr lang="de-DE" dirty="0" smtClean="0"/>
-              <a:t> des Parsens:</a:t>
-            </a:r>
-          </a:p>
-          <a:p>
-            <a:pPr lvl="0"/>
-            <a:endParaRPr lang="de-DE" dirty="0" smtClean="0"/>
-          </a:p>
-          <a:p>
-            <a:pPr lvl="1"/>
+              <a:t>Aufruf </a:t>
+            </a:r>
             <a:r>
               <a:rPr lang="de-DE" dirty="0" smtClean="0"/>
-              <a:t>Aufruf des </a:t>
+              <a:t>des </a:t>
             </a:r>
             <a:r>
               <a:rPr lang="de-DE" i="1" dirty="0" err="1" smtClean="0"/>
@@ -17163,26 +20841,6 @@
               <a:rPr lang="de-DE" i="1" dirty="0" err="1" smtClean="0"/>
               <a:t>DomNode</a:t>
             </a:r>
-            <a:r>
-              <a:rPr lang="de-DE" i="1" dirty="0" smtClean="0"/>
-              <a:t>,</a:t>
-            </a:r>
-            <a:r>
-              <a:rPr lang="de-DE" dirty="0" smtClean="0"/>
-              <a:t> </a:t>
-            </a:r>
-            <a:r>
-              <a:rPr lang="de-DE" dirty="0" err="1" smtClean="0"/>
-              <a:t>Referenzierung</a:t>
-            </a:r>
-            <a:r>
-              <a:rPr lang="de-DE" dirty="0" smtClean="0"/>
-              <a:t> in Attribut </a:t>
-            </a:r>
-            <a:r>
-              <a:rPr lang="de-DE" i="1" dirty="0" err="1" smtClean="0"/>
-              <a:t>root</a:t>
-            </a:r>
             <a:endParaRPr lang="de-DE" dirty="0" smtClean="0"/>
           </a:p>
           <a:p>
@@ -17195,7 +20853,6 @@
               <a:rPr lang="de-DE" dirty="0" smtClean="0"/>
               <a:t>Ansonsten: Syntaxfehler! Abbruch des Kompiliervorgangs</a:t>
             </a:r>
-            <a:endParaRPr lang="de-DE" dirty="0" smtClean="0"/>
           </a:p>
         </p:txBody>
       </p:sp>
@@ -17322,6 +20979,10 @@
               <a:rPr lang="de-DE" baseline="0" dirty="0" err="1" smtClean="0"/>
               <a:t>Parsvorgang</a:t>
             </a:r>
+            <a:r>
+              <a:rPr lang="de-DE" baseline="0" dirty="0" smtClean="0"/>
+              <a:t> Weiter</a:t>
+            </a:r>
             <a:endParaRPr lang="de-DE" dirty="0"/>
           </a:p>
         </p:txBody>
@@ -17747,13 +21408,8 @@
             <a:pPr lvl="0"/>
             <a:r>
               <a:rPr lang="de-DE" dirty="0" smtClean="0"/>
-              <a:t>Weiterer Verlauf</a:t>
-            </a:r>
-            <a:r>
-              <a:rPr lang="de-DE" dirty="0" smtClean="0"/>
-              <a:t> des Parsens:</a:t>
-            </a:r>
-            <a:endParaRPr lang="de-DE" dirty="0" smtClean="0"/>
+              <a:t>Weiterer Verlauf des Parsens:</a:t>
+            </a:r>
           </a:p>
           <a:p>
             <a:pPr lvl="1"/>
@@ -17763,23 +21419,11 @@
             </a:r>
             <a:r>
               <a:rPr lang="de-DE" dirty="0" smtClean="0"/>
-              <a:t> </a:t>
-            </a:r>
-            <a:r>
-              <a:rPr lang="de-DE" dirty="0" smtClean="0"/>
-              <a:t>der </a:t>
-            </a:r>
-            <a:r>
-              <a:rPr lang="de-DE" dirty="0" smtClean="0"/>
-              <a:t>korrespondierenden Java-Klassen </a:t>
+              <a:t> der korrespondierenden Java-Klassen </a:t>
             </a:r>
             <a:r>
               <a:rPr lang="de-DE" baseline="0" dirty="0" smtClean="0"/>
-              <a:t>werden </a:t>
-            </a:r>
-            <a:r>
-              <a:rPr lang="de-DE" baseline="0" dirty="0" smtClean="0"/>
-              <a:t>mit entsprechendem </a:t>
+              <a:t>werden mit entsprechendem </a:t>
             </a:r>
             <a:r>
               <a:rPr lang="de-DE" i="1" baseline="0" dirty="0" err="1" smtClean="0"/>
@@ -17787,11 +21431,7 @@
             </a:r>
             <a:r>
               <a:rPr lang="de-DE" i="0" baseline="0" dirty="0" smtClean="0"/>
-              <a:t> als Parameter </a:t>
-            </a:r>
-            <a:r>
-              <a:rPr lang="de-DE" i="0" baseline="0" dirty="0" smtClean="0"/>
-              <a:t>aufgerufen</a:t>
+              <a:t> als Parameter aufgerufen</a:t>
             </a:r>
           </a:p>
           <a:p>
@@ -17817,61 +21457,52 @@
             <a:pPr lvl="1"/>
             <a:r>
               <a:rPr lang="de-DE" i="0" baseline="0" dirty="0" smtClean="0"/>
-              <a:t>Prüfung </a:t>
+              <a:t>Prüfung der Pflichtattribute</a:t>
+            </a:r>
+          </a:p>
+          <a:p>
+            <a:pPr lvl="1"/>
+            <a:endParaRPr lang="de-DE" i="0" baseline="0" dirty="0" smtClean="0"/>
+          </a:p>
+          <a:p>
+            <a:pPr lvl="1"/>
+            <a:r>
+              <a:rPr lang="de-DE" i="0" baseline="0" dirty="0" smtClean="0"/>
+              <a:t>Verarbeitung möglicher optionaler Attribute</a:t>
+            </a:r>
+          </a:p>
+          <a:p>
+            <a:pPr lvl="1"/>
+            <a:endParaRPr lang="de-DE" i="0" baseline="0" dirty="0" smtClean="0"/>
+          </a:p>
+          <a:p>
+            <a:pPr lvl="1"/>
+            <a:r>
+              <a:rPr lang="de-DE" i="0" baseline="0" dirty="0" smtClean="0"/>
+              <a:t>Verarbeitung möglicher Kinderknoten des </a:t>
+            </a:r>
+            <a:r>
+              <a:rPr lang="de-DE" i="1" baseline="0" dirty="0" err="1" smtClean="0"/>
+              <a:t>DomNode</a:t>
+            </a:r>
+            <a:r>
+              <a:rPr lang="de-DE" i="0" baseline="0" dirty="0" smtClean="0"/>
+              <a:t> </a:t>
+            </a:r>
+          </a:p>
+          <a:p>
+            <a:pPr lvl="2"/>
+            <a:r>
+              <a:rPr lang="de-DE" i="0" baseline="0" dirty="0" smtClean="0"/>
+              <a:t>Dies erfolgt indem </a:t>
+            </a:r>
+            <a:r>
+              <a:rPr lang="de-DE" i="0" baseline="0" dirty="0" smtClean="0"/>
+              <a:t>erneut </a:t>
             </a:r>
             <a:r>
               <a:rPr lang="de-DE" i="0" baseline="0" dirty="0" smtClean="0"/>
               <a:t>der </a:t>
-            </a:r>
-            <a:r>
-              <a:rPr lang="de-DE" i="0" baseline="0" dirty="0" smtClean="0"/>
-              <a:t>Pflichtattribute</a:t>
-            </a:r>
-          </a:p>
-          <a:p>
-            <a:pPr lvl="1"/>
-            <a:endParaRPr lang="de-DE" i="0" baseline="0" dirty="0" smtClean="0"/>
-          </a:p>
-          <a:p>
-            <a:pPr lvl="1"/>
-            <a:r>
-              <a:rPr lang="de-DE" i="0" baseline="0" dirty="0" smtClean="0"/>
-              <a:t>Verarbeitung möglicher optionaler </a:t>
-            </a:r>
-            <a:r>
-              <a:rPr lang="de-DE" i="0" baseline="0" dirty="0" smtClean="0"/>
-              <a:t>Attribute</a:t>
-            </a:r>
-          </a:p>
-          <a:p>
-            <a:pPr lvl="1"/>
-            <a:endParaRPr lang="de-DE" i="0" baseline="0" dirty="0" smtClean="0"/>
-          </a:p>
-          <a:p>
-            <a:pPr lvl="1"/>
-            <a:r>
-              <a:rPr lang="de-DE" i="0" baseline="0" dirty="0" smtClean="0"/>
-              <a:t>Verarbeitung möglicher Kinderknoten des </a:t>
-            </a:r>
-            <a:r>
-              <a:rPr lang="de-DE" i="1" baseline="0" dirty="0" err="1" smtClean="0"/>
-              <a:t>DomNode</a:t>
-            </a:r>
-            <a:r>
-              <a:rPr lang="de-DE" i="0" baseline="0" dirty="0" smtClean="0"/>
-              <a:t> </a:t>
-            </a:r>
-            <a:endParaRPr lang="de-DE" i="0" baseline="0" dirty="0" smtClean="0"/>
-          </a:p>
-          <a:p>
-            <a:pPr lvl="2"/>
-            <a:r>
-              <a:rPr lang="de-DE" i="0" baseline="0" dirty="0" smtClean="0"/>
-              <a:t>indem </a:t>
-            </a:r>
-            <a:r>
-              <a:rPr lang="de-DE" i="0" baseline="0" dirty="0" smtClean="0"/>
-              <a:t>erneut </a:t>
             </a:r>
             <a:r>
               <a:rPr lang="de-DE" i="0" baseline="0" dirty="0" err="1" smtClean="0"/>
@@ -18014,11 +21645,7 @@
             </a:pPr>
             <a:r>
               <a:rPr lang="de-DE" baseline="0" dirty="0" smtClean="0"/>
-              <a:t>Syntaxbaum: Bsp. </a:t>
-            </a:r>
-            <a:r>
-              <a:rPr lang="de-DE" baseline="0" dirty="0" smtClean="0"/>
-              <a:t>Module</a:t>
+              <a:t>Syntaxbaum: Bsp. Module</a:t>
             </a:r>
             <a:endParaRPr lang="de-DE" dirty="0"/>
           </a:p>
@@ -18542,11 +22169,7 @@
             </a:pPr>
             <a:r>
               <a:rPr lang="de-DE" sz="1600" dirty="0" smtClean="0"/>
-              <a:t>	</a:t>
-            </a:r>
-            <a:r>
-              <a:rPr lang="de-DE" sz="1600" dirty="0" smtClean="0"/>
-              <a:t>// </a:t>
+              <a:t>	// </a:t>
             </a:r>
             <a:r>
               <a:rPr lang="de-DE" sz="1600" dirty="0" err="1"/>
@@ -18576,11 +22199,7 @@
             </a:pPr>
             <a:r>
               <a:rPr lang="de-DE" sz="1600" dirty="0" smtClean="0"/>
-              <a:t>	</a:t>
-            </a:r>
-            <a:r>
-              <a:rPr lang="de-DE" sz="1600" dirty="0" smtClean="0"/>
-              <a:t>	//</a:t>
+              <a:t>		//</a:t>
             </a:r>
             <a:r>
               <a:rPr lang="de-DE" sz="1600" dirty="0" err="1" smtClean="0"/>
@@ -18637,15 +22256,7 @@
             </a:pPr>
             <a:r>
               <a:rPr lang="de-DE" sz="1600" dirty="0" smtClean="0"/>
-              <a:t>	</a:t>
-            </a:r>
-            <a:r>
-              <a:rPr lang="de-DE" sz="1600" dirty="0" smtClean="0"/>
-              <a:t>	</a:t>
-            </a:r>
-            <a:r>
-              <a:rPr lang="de-DE" sz="1600" dirty="0" smtClean="0"/>
-              <a:t>imports.add(</a:t>
+              <a:t>		imports.add(</a:t>
             </a:r>
             <a:r>
               <a:rPr lang="de-DE" sz="1600" dirty="0" err="1" smtClean="0"/>
@@ -18722,25 +22333,42 @@
                   <a:srgbClr val="00B050"/>
                 </a:solidFill>
               </a:rPr>
-              <a:t> </a:t>
-            </a:r>
-            <a:r>
-              <a:rPr lang="de-DE" sz="1600" dirty="0" smtClean="0">
-                <a:solidFill>
-                  <a:srgbClr val="00B050"/>
-                </a:solidFill>
-              </a:rPr>
-              <a:t>...&gt;</a:t>
+              <a:t> ...&gt;</a:t>
+            </a:r>
+            <a:r>
+              <a:rPr lang="de-DE" sz="1600" dirty="0" smtClean="0"/>
+              <a:t> Statement</a:t>
+            </a:r>
+            <a:endParaRPr lang="de-DE" sz="1600" dirty="0"/>
+          </a:p>
+          <a:p>
+            <a:pPr>
+              <a:buNone/>
+            </a:pPr>
+            <a:r>
+              <a:rPr lang="de-DE" sz="1600" dirty="0" smtClean="0"/>
+              <a:t>		classes.add(</a:t>
+            </a:r>
+            <a:r>
+              <a:rPr lang="de-DE" sz="1600" dirty="0" err="1" smtClean="0"/>
+              <a:t>new</a:t>
             </a:r>
             <a:r>
               <a:rPr lang="de-DE" sz="1600" dirty="0" smtClean="0"/>
               <a:t> </a:t>
             </a:r>
             <a:r>
+              <a:rPr lang="de-DE" sz="1600" dirty="0"/>
+              <a:t>Class(</a:t>
+            </a:r>
+            <a:r>
+              <a:rPr lang="de-DE" sz="1600" dirty="0" err="1"/>
+              <a:t>child</a:t>
+            </a:r>
+            <a:r>
               <a:rPr lang="de-DE" sz="1600" dirty="0" smtClean="0"/>
-              <a:t>Statement</a:t>
-            </a:r>
-            <a:endParaRPr lang="de-DE" sz="1600" dirty="0"/>
+              <a:t>));</a:t>
+            </a:r>
           </a:p>
           <a:p>
             <a:pPr>
@@ -18748,15 +22376,48 @@
             </a:pPr>
             <a:r>
               <a:rPr lang="de-DE" sz="1600" dirty="0" smtClean="0"/>
-              <a:t>	</a:t>
+              <a:t>		//</a:t>
+            </a:r>
+            <a:r>
+              <a:rPr lang="de-DE" sz="1600" dirty="0" err="1" smtClean="0"/>
+              <a:t>if</a:t>
             </a:r>
             <a:r>
               <a:rPr lang="de-DE" sz="1600" dirty="0" smtClean="0"/>
-              <a:t>	</a:t>
+              <a:t> </a:t>
+            </a:r>
+            <a:r>
+              <a:rPr lang="de-DE" sz="1600" dirty="0" err="1" smtClean="0"/>
+              <a:t>child</a:t>
             </a:r>
             <a:r>
               <a:rPr lang="de-DE" sz="1600" dirty="0" smtClean="0"/>
-              <a:t>classes.add(</a:t>
+              <a:t> </a:t>
+            </a:r>
+            <a:r>
+              <a:rPr lang="de-DE" sz="1600" dirty="0" err="1" smtClean="0"/>
+              <a:t>is</a:t>
+            </a:r>
+            <a:r>
+              <a:rPr lang="de-DE" sz="1600" dirty="0" smtClean="0"/>
+              <a:t> &lt;</a:t>
+            </a:r>
+            <a:r>
+              <a:rPr lang="de-DE" sz="1600" dirty="0" err="1" smtClean="0"/>
+              <a:t>interface</a:t>
+            </a:r>
+            <a:r>
+              <a:rPr lang="de-DE" sz="1600" dirty="0" smtClean="0"/>
+              <a:t>...&gt; Statement</a:t>
+            </a:r>
+          </a:p>
+          <a:p>
+            <a:pPr>
+              <a:buNone/>
+            </a:pPr>
+            <a:r>
+              <a:rPr lang="de-DE" sz="1600" dirty="0" smtClean="0"/>
+              <a:t>		interfaces.add(</a:t>
             </a:r>
             <a:r>
               <a:rPr lang="de-DE" sz="1600" dirty="0" err="1" smtClean="0"/>
@@ -18768,7 +22429,7 @@
             </a:r>
             <a:r>
               <a:rPr lang="de-DE" sz="1600" dirty="0"/>
-              <a:t>Class(</a:t>
+              <a:t>Interface(</a:t>
             </a:r>
             <a:r>
               <a:rPr lang="de-DE" sz="1600" dirty="0" err="1"/>
@@ -18809,80 +22470,6 @@
             </a:r>
             <a:r>
               <a:rPr lang="de-DE" sz="1600" dirty="0" smtClean="0"/>
-              <a:t> &lt;</a:t>
-            </a:r>
-            <a:r>
-              <a:rPr lang="de-DE" sz="1600" dirty="0" err="1" smtClean="0"/>
-              <a:t>interface</a:t>
-            </a:r>
-            <a:r>
-              <a:rPr lang="de-DE" sz="1600" dirty="0" smtClean="0"/>
-              <a:t>...&gt; </a:t>
-            </a:r>
-            <a:r>
-              <a:rPr lang="de-DE" sz="1600" dirty="0" smtClean="0"/>
-              <a:t>Statement</a:t>
-            </a:r>
-          </a:p>
-          <a:p>
-            <a:pPr>
-              <a:buNone/>
-            </a:pPr>
-            <a:r>
-              <a:rPr lang="de-DE" sz="1600" dirty="0" smtClean="0"/>
-              <a:t>		interfaces.add(</a:t>
-            </a:r>
-            <a:r>
-              <a:rPr lang="de-DE" sz="1600" dirty="0" err="1" smtClean="0"/>
-              <a:t>new</a:t>
-            </a:r>
-            <a:r>
-              <a:rPr lang="de-DE" sz="1600" dirty="0" smtClean="0"/>
-              <a:t> </a:t>
-            </a:r>
-            <a:r>
-              <a:rPr lang="de-DE" sz="1600" dirty="0"/>
-              <a:t>Interface(</a:t>
-            </a:r>
-            <a:r>
-              <a:rPr lang="de-DE" sz="1600" dirty="0" err="1"/>
-              <a:t>child</a:t>
-            </a:r>
-            <a:r>
-              <a:rPr lang="de-DE" sz="1600" dirty="0" smtClean="0"/>
-              <a:t>));</a:t>
-            </a:r>
-          </a:p>
-          <a:p>
-            <a:pPr>
-              <a:buNone/>
-            </a:pPr>
-            <a:r>
-              <a:rPr lang="de-DE" sz="1600" dirty="0" smtClean="0"/>
-              <a:t>		//</a:t>
-            </a:r>
-            <a:r>
-              <a:rPr lang="de-DE" sz="1600" dirty="0" err="1" smtClean="0"/>
-              <a:t>if</a:t>
-            </a:r>
-            <a:r>
-              <a:rPr lang="de-DE" sz="1600" dirty="0" smtClean="0"/>
-              <a:t> </a:t>
-            </a:r>
-            <a:r>
-              <a:rPr lang="de-DE" sz="1600" dirty="0" err="1" smtClean="0"/>
-              <a:t>child</a:t>
-            </a:r>
-            <a:r>
-              <a:rPr lang="de-DE" sz="1600" dirty="0" smtClean="0"/>
-              <a:t> </a:t>
-            </a:r>
-            <a:r>
-              <a:rPr lang="de-DE" sz="1600" dirty="0" err="1" smtClean="0"/>
-              <a:t>is</a:t>
-            </a:r>
-            <a:r>
-              <a:rPr lang="de-DE" sz="1600" dirty="0" smtClean="0"/>
               <a:t> </a:t>
             </a:r>
             <a:r>
@@ -18900,11 +22487,7 @@
             </a:pPr>
             <a:r>
               <a:rPr lang="de-DE" sz="1600" dirty="0" smtClean="0"/>
-              <a:t>	</a:t>
-            </a:r>
-            <a:r>
-              <a:rPr lang="de-DE" sz="1600" dirty="0" smtClean="0"/>
-              <a:t>	//ERROR</a:t>
+              <a:t>		//ERROR</a:t>
             </a:r>
           </a:p>
           <a:p>
@@ -19589,7 +23172,6 @@
               <a:rPr lang="de-DE" sz="1600" dirty="0" smtClean="0"/>
               <a:t>  ...</a:t>
             </a:r>
-            <a:endParaRPr lang="de-DE" sz="1600" dirty="0" smtClean="0"/>
           </a:p>
           <a:p>
             <a:pPr>
@@ -19661,7 +23243,6 @@
               <a:rPr lang="de-DE" sz="1600" dirty="0" smtClean="0"/>
               <a:t>  ...</a:t>
             </a:r>
-            <a:endParaRPr lang="de-DE" sz="1600" dirty="0" smtClean="0"/>
           </a:p>
           <a:p>
             <a:pPr>
